--- a/课程ppt/(六)AlphaGo介绍.pptx
+++ b/课程ppt/(六)AlphaGo介绍.pptx
@@ -1,43 +1,43 @@
 
 <file path=ppt/presentation.xml><?xml version="1.0" encoding="utf-8"?>
-<p:presentation xmlns:a="http://schemas.openxmlformats.org/drawingml/2006/main" xmlns:r="http://schemas.openxmlformats.org/officeDocument/2006/relationships" xmlns:p="http://schemas.openxmlformats.org/presentationml/2006/main" saveSubsetFonts="1">
+<p:presentation xmlns:a="http://schemas.openxmlformats.org/drawingml/2006/main" xmlns:r="http://schemas.openxmlformats.org/officeDocument/2006/relationships" xmlns:p="http://schemas.openxmlformats.org/presentationml/2006/main">
   <p:sldMasterIdLst>
     <p:sldMasterId id="2147483648" r:id="rId1"/>
   </p:sldMasterIdLst>
   <p:notesMasterIdLst>
-    <p:notesMasterId r:id="rId32"/>
+    <p:notesMasterId r:id="rId4"/>
   </p:notesMasterIdLst>
   <p:sldIdLst>
-    <p:sldId id="257" r:id="rId2"/>
-    <p:sldId id="268" r:id="rId3"/>
-    <p:sldId id="278" r:id="rId4"/>
-    <p:sldId id="269" r:id="rId5"/>
-    <p:sldId id="272" r:id="rId6"/>
-    <p:sldId id="280" r:id="rId7"/>
-    <p:sldId id="281" r:id="rId8"/>
-    <p:sldId id="282" r:id="rId9"/>
-    <p:sldId id="283" r:id="rId10"/>
-    <p:sldId id="284" r:id="rId11"/>
-    <p:sldId id="285" r:id="rId12"/>
-    <p:sldId id="273" r:id="rId13"/>
-    <p:sldId id="274" r:id="rId14"/>
-    <p:sldId id="286" r:id="rId15"/>
-    <p:sldId id="287" r:id="rId16"/>
-    <p:sldId id="275" r:id="rId17"/>
-    <p:sldId id="288" r:id="rId18"/>
-    <p:sldId id="289" r:id="rId19"/>
-    <p:sldId id="276" r:id="rId20"/>
-    <p:sldId id="293" r:id="rId21"/>
-    <p:sldId id="290" r:id="rId22"/>
-    <p:sldId id="277" r:id="rId23"/>
-    <p:sldId id="291" r:id="rId24"/>
-    <p:sldId id="292" r:id="rId25"/>
-    <p:sldId id="294" r:id="rId26"/>
-    <p:sldId id="295" r:id="rId27"/>
-    <p:sldId id="296" r:id="rId28"/>
-    <p:sldId id="297" r:id="rId29"/>
-    <p:sldId id="298" r:id="rId30"/>
-    <p:sldId id="299" r:id="rId31"/>
+    <p:sldId id="257" r:id="rId3"/>
+    <p:sldId id="268" r:id="rId5"/>
+    <p:sldId id="278" r:id="rId6"/>
+    <p:sldId id="269" r:id="rId7"/>
+    <p:sldId id="272" r:id="rId8"/>
+    <p:sldId id="280" r:id="rId9"/>
+    <p:sldId id="281" r:id="rId10"/>
+    <p:sldId id="282" r:id="rId11"/>
+    <p:sldId id="283" r:id="rId12"/>
+    <p:sldId id="284" r:id="rId13"/>
+    <p:sldId id="285" r:id="rId14"/>
+    <p:sldId id="273" r:id="rId15"/>
+    <p:sldId id="274" r:id="rId16"/>
+    <p:sldId id="286" r:id="rId17"/>
+    <p:sldId id="287" r:id="rId18"/>
+    <p:sldId id="275" r:id="rId19"/>
+    <p:sldId id="288" r:id="rId20"/>
+    <p:sldId id="289" r:id="rId21"/>
+    <p:sldId id="276" r:id="rId22"/>
+    <p:sldId id="293" r:id="rId23"/>
+    <p:sldId id="290" r:id="rId24"/>
+    <p:sldId id="277" r:id="rId25"/>
+    <p:sldId id="291" r:id="rId26"/>
+    <p:sldId id="292" r:id="rId27"/>
+    <p:sldId id="294" r:id="rId28"/>
+    <p:sldId id="295" r:id="rId29"/>
+    <p:sldId id="296" r:id="rId30"/>
+    <p:sldId id="297" r:id="rId31"/>
+    <p:sldId id="298" r:id="rId32"/>
+    <p:sldId id="299" r:id="rId33"/>
   </p:sldIdLst>
   <p:sldSz cx="12192000" cy="6858000"/>
   <p:notesSz cx="6858000" cy="9144000"/>
@@ -136,11 +136,6 @@
       </a:defRPr>
     </a:lvl9pPr>
   </p:defaultTextStyle>
-  <p:extLst>
-    <p:ext uri="{EFAFB233-063F-42B5-8137-9DF3F51BA10A}">
-      <p15:sldGuideLst xmlns:p15="http://schemas.microsoft.com/office/powerpoint/2012/main"/>
-    </p:ext>
-  </p:extLst>
 </p:presentation>
 </file>
 
@@ -226,7 +221,6 @@
           <a:p>
             <a:fld id="{DFC45D28-8A42-4D9C-BCB0-AB0018C03197}" type="datetimeFigureOut">
               <a:rPr lang="zh-CN" altLang="en-US" smtClean="0"/>
-              <a:t>2017/10/25</a:t>
             </a:fld>
             <a:endParaRPr lang="zh-CN" altLang="en-US"/>
           </a:p>
@@ -293,6 +287,7 @@
               <a:rPr lang="en-US" altLang="zh-CN" smtClean="0"/>
               <a:t>Click to edit Master text styles</a:t>
             </a:r>
+            <a:endParaRPr lang="en-US" altLang="zh-CN" smtClean="0"/>
           </a:p>
           <a:p>
             <a:pPr lvl="1"/>
@@ -300,6 +295,7 @@
               <a:rPr lang="en-US" altLang="zh-CN" smtClean="0"/>
               <a:t>Second level</a:t>
             </a:r>
+            <a:endParaRPr lang="en-US" altLang="zh-CN" smtClean="0"/>
           </a:p>
           <a:p>
             <a:pPr lvl="2"/>
@@ -307,6 +303,7 @@
               <a:rPr lang="en-US" altLang="zh-CN" smtClean="0"/>
               <a:t>Third level</a:t>
             </a:r>
+            <a:endParaRPr lang="en-US" altLang="zh-CN" smtClean="0"/>
           </a:p>
           <a:p>
             <a:pPr lvl="3"/>
@@ -314,6 +311,7 @@
               <a:rPr lang="en-US" altLang="zh-CN" smtClean="0"/>
               <a:t>Fourth level</a:t>
             </a:r>
+            <a:endParaRPr lang="en-US" altLang="zh-CN" smtClean="0"/>
           </a:p>
           <a:p>
             <a:pPr lvl="4"/>
@@ -385,18 +383,12 @@
           <a:p>
             <a:fld id="{680DBE60-E1CC-4086-9A0E-735DDCAC47BB}" type="slidenum">
               <a:rPr lang="zh-CN" altLang="en-US" smtClean="0"/>
-              <a:t>‹#›</a:t>
             </a:fld>
             <a:endParaRPr lang="zh-CN" altLang="en-US"/>
           </a:p>
         </p:txBody>
       </p:sp>
     </p:spTree>
-    <p:extLst>
-      <p:ext uri="{BB962C8B-B14F-4D97-AF65-F5344CB8AC3E}">
-        <p14:creationId xmlns:p14="http://schemas.microsoft.com/office/powerpoint/2010/main" val="2805605874"/>
-      </p:ext>
-    </p:extLst>
   </p:cSld>
   <p:clrMap bg1="lt1" tx1="dk1" bg2="lt2" tx2="dk2" accent1="accent1" accent2="accent2" accent3="accent3" accent4="accent4" accent5="accent5" accent6="accent6" hlink="hlink" folHlink="folHlink"/>
   <p:notesStyle>
@@ -575,19 +567,12 @@
           <a:p>
             <a:fld id="{ED84F283-EE05-4239-A91E-664DB213E797}" type="slidenum">
               <a:rPr lang="zh-CN" altLang="en-US" smtClean="0"/>
-              <a:pPr/>
-              <a:t>1</a:t>
             </a:fld>
             <a:endParaRPr lang="zh-CN" altLang="en-US"/>
           </a:p>
         </p:txBody>
       </p:sp>
     </p:spTree>
-    <p:extLst>
-      <p:ext uri="{BB962C8B-B14F-4D97-AF65-F5344CB8AC3E}">
-        <p14:creationId xmlns:p14="http://schemas.microsoft.com/office/powerpoint/2010/main" val="1193129330"/>
-      </p:ext>
-    </p:extLst>
   </p:cSld>
   <p:clrMapOvr>
     <a:masterClrMapping/>
@@ -676,19 +661,12 @@
           <a:p>
             <a:fld id="{ED84F283-EE05-4239-A91E-664DB213E797}" type="slidenum">
               <a:rPr lang="zh-CN" altLang="en-US" smtClean="0"/>
-              <a:pPr/>
-              <a:t>10</a:t>
             </a:fld>
             <a:endParaRPr lang="zh-CN" altLang="en-US"/>
           </a:p>
         </p:txBody>
       </p:sp>
     </p:spTree>
-    <p:extLst>
-      <p:ext uri="{BB962C8B-B14F-4D97-AF65-F5344CB8AC3E}">
-        <p14:creationId xmlns:p14="http://schemas.microsoft.com/office/powerpoint/2010/main" val="1644052916"/>
-      </p:ext>
-    </p:extLst>
   </p:cSld>
   <p:clrMapOvr>
     <a:masterClrMapping/>
@@ -777,19 +755,12 @@
           <a:p>
             <a:fld id="{ED84F283-EE05-4239-A91E-664DB213E797}" type="slidenum">
               <a:rPr lang="zh-CN" altLang="en-US" smtClean="0"/>
-              <a:pPr/>
-              <a:t>11</a:t>
             </a:fld>
             <a:endParaRPr lang="zh-CN" altLang="en-US"/>
           </a:p>
         </p:txBody>
       </p:sp>
     </p:spTree>
-    <p:extLst>
-      <p:ext uri="{BB962C8B-B14F-4D97-AF65-F5344CB8AC3E}">
-        <p14:creationId xmlns:p14="http://schemas.microsoft.com/office/powerpoint/2010/main" val="4173659433"/>
-      </p:ext>
-    </p:extLst>
   </p:cSld>
   <p:clrMapOvr>
     <a:masterClrMapping/>
@@ -878,19 +849,12 @@
           <a:p>
             <a:fld id="{ED84F283-EE05-4239-A91E-664DB213E797}" type="slidenum">
               <a:rPr lang="zh-CN" altLang="en-US" smtClean="0"/>
-              <a:pPr/>
-              <a:t>12</a:t>
             </a:fld>
             <a:endParaRPr lang="zh-CN" altLang="en-US"/>
           </a:p>
         </p:txBody>
       </p:sp>
     </p:spTree>
-    <p:extLst>
-      <p:ext uri="{BB962C8B-B14F-4D97-AF65-F5344CB8AC3E}">
-        <p14:creationId xmlns:p14="http://schemas.microsoft.com/office/powerpoint/2010/main" val="2797739363"/>
-      </p:ext>
-    </p:extLst>
   </p:cSld>
   <p:clrMapOvr>
     <a:masterClrMapping/>
@@ -979,19 +943,12 @@
           <a:p>
             <a:fld id="{ED84F283-EE05-4239-A91E-664DB213E797}" type="slidenum">
               <a:rPr lang="zh-CN" altLang="en-US" smtClean="0"/>
-              <a:pPr/>
-              <a:t>13</a:t>
             </a:fld>
             <a:endParaRPr lang="zh-CN" altLang="en-US"/>
           </a:p>
         </p:txBody>
       </p:sp>
     </p:spTree>
-    <p:extLst>
-      <p:ext uri="{BB962C8B-B14F-4D97-AF65-F5344CB8AC3E}">
-        <p14:creationId xmlns:p14="http://schemas.microsoft.com/office/powerpoint/2010/main" val="326318549"/>
-      </p:ext>
-    </p:extLst>
   </p:cSld>
   <p:clrMapOvr>
     <a:masterClrMapping/>
@@ -1080,19 +1037,12 @@
           <a:p>
             <a:fld id="{ED84F283-EE05-4239-A91E-664DB213E797}" type="slidenum">
               <a:rPr lang="zh-CN" altLang="en-US" smtClean="0"/>
-              <a:pPr/>
-              <a:t>14</a:t>
             </a:fld>
             <a:endParaRPr lang="zh-CN" altLang="en-US"/>
           </a:p>
         </p:txBody>
       </p:sp>
     </p:spTree>
-    <p:extLst>
-      <p:ext uri="{BB962C8B-B14F-4D97-AF65-F5344CB8AC3E}">
-        <p14:creationId xmlns:p14="http://schemas.microsoft.com/office/powerpoint/2010/main" val="2357865614"/>
-      </p:ext>
-    </p:extLst>
   </p:cSld>
   <p:clrMapOvr>
     <a:masterClrMapping/>
@@ -1181,19 +1131,12 @@
           <a:p>
             <a:fld id="{ED84F283-EE05-4239-A91E-664DB213E797}" type="slidenum">
               <a:rPr lang="zh-CN" altLang="en-US" smtClean="0"/>
-              <a:pPr/>
-              <a:t>15</a:t>
             </a:fld>
             <a:endParaRPr lang="zh-CN" altLang="en-US"/>
           </a:p>
         </p:txBody>
       </p:sp>
     </p:spTree>
-    <p:extLst>
-      <p:ext uri="{BB962C8B-B14F-4D97-AF65-F5344CB8AC3E}">
-        <p14:creationId xmlns:p14="http://schemas.microsoft.com/office/powerpoint/2010/main" val="1074687022"/>
-      </p:ext>
-    </p:extLst>
   </p:cSld>
   <p:clrMapOvr>
     <a:masterClrMapping/>
@@ -1282,19 +1225,12 @@
           <a:p>
             <a:fld id="{ED84F283-EE05-4239-A91E-664DB213E797}" type="slidenum">
               <a:rPr lang="zh-CN" altLang="en-US" smtClean="0"/>
-              <a:pPr/>
-              <a:t>16</a:t>
             </a:fld>
             <a:endParaRPr lang="zh-CN" altLang="en-US"/>
           </a:p>
         </p:txBody>
       </p:sp>
     </p:spTree>
-    <p:extLst>
-      <p:ext uri="{BB962C8B-B14F-4D97-AF65-F5344CB8AC3E}">
-        <p14:creationId xmlns:p14="http://schemas.microsoft.com/office/powerpoint/2010/main" val="727841935"/>
-      </p:ext>
-    </p:extLst>
   </p:cSld>
   <p:clrMapOvr>
     <a:masterClrMapping/>
@@ -1383,19 +1319,12 @@
           <a:p>
             <a:fld id="{ED84F283-EE05-4239-A91E-664DB213E797}" type="slidenum">
               <a:rPr lang="zh-CN" altLang="en-US" smtClean="0"/>
-              <a:pPr/>
-              <a:t>17</a:t>
             </a:fld>
             <a:endParaRPr lang="zh-CN" altLang="en-US"/>
           </a:p>
         </p:txBody>
       </p:sp>
     </p:spTree>
-    <p:extLst>
-      <p:ext uri="{BB962C8B-B14F-4D97-AF65-F5344CB8AC3E}">
-        <p14:creationId xmlns:p14="http://schemas.microsoft.com/office/powerpoint/2010/main" val="656634742"/>
-      </p:ext>
-    </p:extLst>
   </p:cSld>
   <p:clrMapOvr>
     <a:masterClrMapping/>
@@ -1484,19 +1413,12 @@
           <a:p>
             <a:fld id="{ED84F283-EE05-4239-A91E-664DB213E797}" type="slidenum">
               <a:rPr lang="zh-CN" altLang="en-US" smtClean="0"/>
-              <a:pPr/>
-              <a:t>18</a:t>
             </a:fld>
             <a:endParaRPr lang="zh-CN" altLang="en-US"/>
           </a:p>
         </p:txBody>
       </p:sp>
     </p:spTree>
-    <p:extLst>
-      <p:ext uri="{BB962C8B-B14F-4D97-AF65-F5344CB8AC3E}">
-        <p14:creationId xmlns:p14="http://schemas.microsoft.com/office/powerpoint/2010/main" val="3842890101"/>
-      </p:ext>
-    </p:extLst>
   </p:cSld>
   <p:clrMapOvr>
     <a:masterClrMapping/>
@@ -1585,19 +1507,12 @@
           <a:p>
             <a:fld id="{ED84F283-EE05-4239-A91E-664DB213E797}" type="slidenum">
               <a:rPr lang="zh-CN" altLang="en-US" smtClean="0"/>
-              <a:pPr/>
-              <a:t>19</a:t>
             </a:fld>
             <a:endParaRPr lang="zh-CN" altLang="en-US"/>
           </a:p>
         </p:txBody>
       </p:sp>
     </p:spTree>
-    <p:extLst>
-      <p:ext uri="{BB962C8B-B14F-4D97-AF65-F5344CB8AC3E}">
-        <p14:creationId xmlns:p14="http://schemas.microsoft.com/office/powerpoint/2010/main" val="3528852467"/>
-      </p:ext>
-    </p:extLst>
   </p:cSld>
   <p:clrMapOvr>
     <a:masterClrMapping/>
@@ -1686,19 +1601,12 @@
           <a:p>
             <a:fld id="{ED84F283-EE05-4239-A91E-664DB213E797}" type="slidenum">
               <a:rPr lang="zh-CN" altLang="en-US" smtClean="0"/>
-              <a:pPr/>
-              <a:t>2</a:t>
             </a:fld>
             <a:endParaRPr lang="zh-CN" altLang="en-US"/>
           </a:p>
         </p:txBody>
       </p:sp>
     </p:spTree>
-    <p:extLst>
-      <p:ext uri="{BB962C8B-B14F-4D97-AF65-F5344CB8AC3E}">
-        <p14:creationId xmlns:p14="http://schemas.microsoft.com/office/powerpoint/2010/main" val="540917012"/>
-      </p:ext>
-    </p:extLst>
   </p:cSld>
   <p:clrMapOvr>
     <a:masterClrMapping/>
@@ -1787,19 +1695,12 @@
           <a:p>
             <a:fld id="{ED84F283-EE05-4239-A91E-664DB213E797}" type="slidenum">
               <a:rPr lang="zh-CN" altLang="en-US" smtClean="0"/>
-              <a:pPr/>
-              <a:t>20</a:t>
             </a:fld>
             <a:endParaRPr lang="zh-CN" altLang="en-US"/>
           </a:p>
         </p:txBody>
       </p:sp>
     </p:spTree>
-    <p:extLst>
-      <p:ext uri="{BB962C8B-B14F-4D97-AF65-F5344CB8AC3E}">
-        <p14:creationId xmlns:p14="http://schemas.microsoft.com/office/powerpoint/2010/main" val="2066949199"/>
-      </p:ext>
-    </p:extLst>
   </p:cSld>
   <p:clrMapOvr>
     <a:masterClrMapping/>
@@ -1888,19 +1789,12 @@
           <a:p>
             <a:fld id="{ED84F283-EE05-4239-A91E-664DB213E797}" type="slidenum">
               <a:rPr lang="zh-CN" altLang="en-US" smtClean="0"/>
-              <a:pPr/>
-              <a:t>21</a:t>
             </a:fld>
             <a:endParaRPr lang="zh-CN" altLang="en-US"/>
           </a:p>
         </p:txBody>
       </p:sp>
     </p:spTree>
-    <p:extLst>
-      <p:ext uri="{BB962C8B-B14F-4D97-AF65-F5344CB8AC3E}">
-        <p14:creationId xmlns:p14="http://schemas.microsoft.com/office/powerpoint/2010/main" val="3134113576"/>
-      </p:ext>
-    </p:extLst>
   </p:cSld>
   <p:clrMapOvr>
     <a:masterClrMapping/>
@@ -1989,19 +1883,12 @@
           <a:p>
             <a:fld id="{ED84F283-EE05-4239-A91E-664DB213E797}" type="slidenum">
               <a:rPr lang="zh-CN" altLang="en-US" smtClean="0"/>
-              <a:pPr/>
-              <a:t>22</a:t>
             </a:fld>
             <a:endParaRPr lang="zh-CN" altLang="en-US"/>
           </a:p>
         </p:txBody>
       </p:sp>
     </p:spTree>
-    <p:extLst>
-      <p:ext uri="{BB962C8B-B14F-4D97-AF65-F5344CB8AC3E}">
-        <p14:creationId xmlns:p14="http://schemas.microsoft.com/office/powerpoint/2010/main" val="2297417397"/>
-      </p:ext>
-    </p:extLst>
   </p:cSld>
   <p:clrMapOvr>
     <a:masterClrMapping/>
@@ -2090,19 +1977,12 @@
           <a:p>
             <a:fld id="{ED84F283-EE05-4239-A91E-664DB213E797}" type="slidenum">
               <a:rPr lang="zh-CN" altLang="en-US" smtClean="0"/>
-              <a:pPr/>
-              <a:t>23</a:t>
             </a:fld>
             <a:endParaRPr lang="zh-CN" altLang="en-US"/>
           </a:p>
         </p:txBody>
       </p:sp>
     </p:spTree>
-    <p:extLst>
-      <p:ext uri="{BB962C8B-B14F-4D97-AF65-F5344CB8AC3E}">
-        <p14:creationId xmlns:p14="http://schemas.microsoft.com/office/powerpoint/2010/main" val="3219255108"/>
-      </p:ext>
-    </p:extLst>
   </p:cSld>
   <p:clrMapOvr>
     <a:masterClrMapping/>
@@ -2191,19 +2071,12 @@
           <a:p>
             <a:fld id="{ED84F283-EE05-4239-A91E-664DB213E797}" type="slidenum">
               <a:rPr lang="zh-CN" altLang="en-US" smtClean="0"/>
-              <a:pPr/>
-              <a:t>24</a:t>
             </a:fld>
             <a:endParaRPr lang="zh-CN" altLang="en-US"/>
           </a:p>
         </p:txBody>
       </p:sp>
     </p:spTree>
-    <p:extLst>
-      <p:ext uri="{BB962C8B-B14F-4D97-AF65-F5344CB8AC3E}">
-        <p14:creationId xmlns:p14="http://schemas.microsoft.com/office/powerpoint/2010/main" val="1623414723"/>
-      </p:ext>
-    </p:extLst>
   </p:cSld>
   <p:clrMapOvr>
     <a:masterClrMapping/>
@@ -2292,19 +2165,12 @@
           <a:p>
             <a:fld id="{ED84F283-EE05-4239-A91E-664DB213E797}" type="slidenum">
               <a:rPr lang="zh-CN" altLang="en-US" smtClean="0"/>
-              <a:pPr/>
-              <a:t>25</a:t>
             </a:fld>
             <a:endParaRPr lang="zh-CN" altLang="en-US"/>
           </a:p>
         </p:txBody>
       </p:sp>
     </p:spTree>
-    <p:extLst>
-      <p:ext uri="{BB962C8B-B14F-4D97-AF65-F5344CB8AC3E}">
-        <p14:creationId xmlns:p14="http://schemas.microsoft.com/office/powerpoint/2010/main" val="3856800822"/>
-      </p:ext>
-    </p:extLst>
   </p:cSld>
   <p:clrMapOvr>
     <a:masterClrMapping/>
@@ -2393,19 +2259,12 @@
           <a:p>
             <a:fld id="{ED84F283-EE05-4239-A91E-664DB213E797}" type="slidenum">
               <a:rPr lang="zh-CN" altLang="en-US" smtClean="0"/>
-              <a:pPr/>
-              <a:t>26</a:t>
             </a:fld>
             <a:endParaRPr lang="zh-CN" altLang="en-US"/>
           </a:p>
         </p:txBody>
       </p:sp>
     </p:spTree>
-    <p:extLst>
-      <p:ext uri="{BB962C8B-B14F-4D97-AF65-F5344CB8AC3E}">
-        <p14:creationId xmlns:p14="http://schemas.microsoft.com/office/powerpoint/2010/main" val="3218967502"/>
-      </p:ext>
-    </p:extLst>
   </p:cSld>
   <p:clrMapOvr>
     <a:masterClrMapping/>
@@ -2494,19 +2353,12 @@
           <a:p>
             <a:fld id="{ED84F283-EE05-4239-A91E-664DB213E797}" type="slidenum">
               <a:rPr lang="zh-CN" altLang="en-US" smtClean="0"/>
-              <a:pPr/>
-              <a:t>27</a:t>
             </a:fld>
             <a:endParaRPr lang="zh-CN" altLang="en-US"/>
           </a:p>
         </p:txBody>
       </p:sp>
     </p:spTree>
-    <p:extLst>
-      <p:ext uri="{BB962C8B-B14F-4D97-AF65-F5344CB8AC3E}">
-        <p14:creationId xmlns:p14="http://schemas.microsoft.com/office/powerpoint/2010/main" val="1731070297"/>
-      </p:ext>
-    </p:extLst>
   </p:cSld>
   <p:clrMapOvr>
     <a:masterClrMapping/>
@@ -2595,19 +2447,12 @@
           <a:p>
             <a:fld id="{ED84F283-EE05-4239-A91E-664DB213E797}" type="slidenum">
               <a:rPr lang="zh-CN" altLang="en-US" smtClean="0"/>
-              <a:pPr/>
-              <a:t>28</a:t>
             </a:fld>
             <a:endParaRPr lang="zh-CN" altLang="en-US"/>
           </a:p>
         </p:txBody>
       </p:sp>
     </p:spTree>
-    <p:extLst>
-      <p:ext uri="{BB962C8B-B14F-4D97-AF65-F5344CB8AC3E}">
-        <p14:creationId xmlns:p14="http://schemas.microsoft.com/office/powerpoint/2010/main" val="2495103783"/>
-      </p:ext>
-    </p:extLst>
   </p:cSld>
   <p:clrMapOvr>
     <a:masterClrMapping/>
@@ -2696,19 +2541,12 @@
           <a:p>
             <a:fld id="{ED84F283-EE05-4239-A91E-664DB213E797}" type="slidenum">
               <a:rPr lang="zh-CN" altLang="en-US" smtClean="0"/>
-              <a:pPr/>
-              <a:t>29</a:t>
             </a:fld>
             <a:endParaRPr lang="zh-CN" altLang="en-US"/>
           </a:p>
         </p:txBody>
       </p:sp>
     </p:spTree>
-    <p:extLst>
-      <p:ext uri="{BB962C8B-B14F-4D97-AF65-F5344CB8AC3E}">
-        <p14:creationId xmlns:p14="http://schemas.microsoft.com/office/powerpoint/2010/main" val="1818170908"/>
-      </p:ext>
-    </p:extLst>
   </p:cSld>
   <p:clrMapOvr>
     <a:masterClrMapping/>
@@ -2797,19 +2635,12 @@
           <a:p>
             <a:fld id="{ED84F283-EE05-4239-A91E-664DB213E797}" type="slidenum">
               <a:rPr lang="zh-CN" altLang="en-US" smtClean="0"/>
-              <a:pPr/>
-              <a:t>3</a:t>
             </a:fld>
             <a:endParaRPr lang="zh-CN" altLang="en-US"/>
           </a:p>
         </p:txBody>
       </p:sp>
     </p:spTree>
-    <p:extLst>
-      <p:ext uri="{BB962C8B-B14F-4D97-AF65-F5344CB8AC3E}">
-        <p14:creationId xmlns:p14="http://schemas.microsoft.com/office/powerpoint/2010/main" val="3140300085"/>
-      </p:ext>
-    </p:extLst>
   </p:cSld>
   <p:clrMapOvr>
     <a:masterClrMapping/>
@@ -2898,19 +2729,12 @@
           <a:p>
             <a:fld id="{ED84F283-EE05-4239-A91E-664DB213E797}" type="slidenum">
               <a:rPr lang="zh-CN" altLang="en-US" smtClean="0"/>
-              <a:pPr/>
-              <a:t>30</a:t>
             </a:fld>
             <a:endParaRPr lang="zh-CN" altLang="en-US"/>
           </a:p>
         </p:txBody>
       </p:sp>
     </p:spTree>
-    <p:extLst>
-      <p:ext uri="{BB962C8B-B14F-4D97-AF65-F5344CB8AC3E}">
-        <p14:creationId xmlns:p14="http://schemas.microsoft.com/office/powerpoint/2010/main" val="1243709343"/>
-      </p:ext>
-    </p:extLst>
   </p:cSld>
   <p:clrMapOvr>
     <a:masterClrMapping/>
@@ -2999,19 +2823,12 @@
           <a:p>
             <a:fld id="{ED84F283-EE05-4239-A91E-664DB213E797}" type="slidenum">
               <a:rPr lang="zh-CN" altLang="en-US" smtClean="0"/>
-              <a:pPr/>
-              <a:t>4</a:t>
             </a:fld>
             <a:endParaRPr lang="zh-CN" altLang="en-US"/>
           </a:p>
         </p:txBody>
       </p:sp>
     </p:spTree>
-    <p:extLst>
-      <p:ext uri="{BB962C8B-B14F-4D97-AF65-F5344CB8AC3E}">
-        <p14:creationId xmlns:p14="http://schemas.microsoft.com/office/powerpoint/2010/main" val="2881546649"/>
-      </p:ext>
-    </p:extLst>
   </p:cSld>
   <p:clrMapOvr>
     <a:masterClrMapping/>
@@ -3100,19 +2917,12 @@
           <a:p>
             <a:fld id="{ED84F283-EE05-4239-A91E-664DB213E797}" type="slidenum">
               <a:rPr lang="zh-CN" altLang="en-US" smtClean="0"/>
-              <a:pPr/>
-              <a:t>5</a:t>
             </a:fld>
             <a:endParaRPr lang="zh-CN" altLang="en-US"/>
           </a:p>
         </p:txBody>
       </p:sp>
     </p:spTree>
-    <p:extLst>
-      <p:ext uri="{BB962C8B-B14F-4D97-AF65-F5344CB8AC3E}">
-        <p14:creationId xmlns:p14="http://schemas.microsoft.com/office/powerpoint/2010/main" val="1898200396"/>
-      </p:ext>
-    </p:extLst>
   </p:cSld>
   <p:clrMapOvr>
     <a:masterClrMapping/>
@@ -3201,19 +3011,12 @@
           <a:p>
             <a:fld id="{ED84F283-EE05-4239-A91E-664DB213E797}" type="slidenum">
               <a:rPr lang="zh-CN" altLang="en-US" smtClean="0"/>
-              <a:pPr/>
-              <a:t>6</a:t>
             </a:fld>
             <a:endParaRPr lang="zh-CN" altLang="en-US"/>
           </a:p>
         </p:txBody>
       </p:sp>
     </p:spTree>
-    <p:extLst>
-      <p:ext uri="{BB962C8B-B14F-4D97-AF65-F5344CB8AC3E}">
-        <p14:creationId xmlns:p14="http://schemas.microsoft.com/office/powerpoint/2010/main" val="493846760"/>
-      </p:ext>
-    </p:extLst>
   </p:cSld>
   <p:clrMapOvr>
     <a:masterClrMapping/>
@@ -3302,19 +3105,12 @@
           <a:p>
             <a:fld id="{ED84F283-EE05-4239-A91E-664DB213E797}" type="slidenum">
               <a:rPr lang="zh-CN" altLang="en-US" smtClean="0"/>
-              <a:pPr/>
-              <a:t>7</a:t>
             </a:fld>
             <a:endParaRPr lang="zh-CN" altLang="en-US"/>
           </a:p>
         </p:txBody>
       </p:sp>
     </p:spTree>
-    <p:extLst>
-      <p:ext uri="{BB962C8B-B14F-4D97-AF65-F5344CB8AC3E}">
-        <p14:creationId xmlns:p14="http://schemas.microsoft.com/office/powerpoint/2010/main" val="1891038495"/>
-      </p:ext>
-    </p:extLst>
   </p:cSld>
   <p:clrMapOvr>
     <a:masterClrMapping/>
@@ -3403,19 +3199,12 @@
           <a:p>
             <a:fld id="{ED84F283-EE05-4239-A91E-664DB213E797}" type="slidenum">
               <a:rPr lang="zh-CN" altLang="en-US" smtClean="0"/>
-              <a:pPr/>
-              <a:t>8</a:t>
             </a:fld>
             <a:endParaRPr lang="zh-CN" altLang="en-US"/>
           </a:p>
         </p:txBody>
       </p:sp>
     </p:spTree>
-    <p:extLst>
-      <p:ext uri="{BB962C8B-B14F-4D97-AF65-F5344CB8AC3E}">
-        <p14:creationId xmlns:p14="http://schemas.microsoft.com/office/powerpoint/2010/main" val="3277279837"/>
-      </p:ext>
-    </p:extLst>
   </p:cSld>
   <p:clrMapOvr>
     <a:masterClrMapping/>
@@ -3504,19 +3293,12 @@
           <a:p>
             <a:fld id="{ED84F283-EE05-4239-A91E-664DB213E797}" type="slidenum">
               <a:rPr lang="zh-CN" altLang="en-US" smtClean="0"/>
-              <a:pPr/>
-              <a:t>9</a:t>
             </a:fld>
             <a:endParaRPr lang="zh-CN" altLang="en-US"/>
           </a:p>
         </p:txBody>
       </p:sp>
     </p:spTree>
-    <p:extLst>
-      <p:ext uri="{BB962C8B-B14F-4D97-AF65-F5344CB8AC3E}">
-        <p14:creationId xmlns:p14="http://schemas.microsoft.com/office/powerpoint/2010/main" val="1998575564"/>
-      </p:ext>
-    </p:extLst>
   </p:cSld>
   <p:clrMapOvr>
     <a:masterClrMapping/>
@@ -3655,7 +3437,6 @@
           <a:p>
             <a:fld id="{6F6D4CCC-760F-4B28-A9E5-8578A0169CE5}" type="datetimeFigureOut">
               <a:rPr lang="zh-CN" altLang="en-US" smtClean="0"/>
-              <a:t>2017/10/25</a:t>
             </a:fld>
             <a:endParaRPr lang="zh-CN" altLang="en-US"/>
           </a:p>
@@ -3697,18 +3478,12 @@
           <a:p>
             <a:fld id="{D47255ED-97DD-4D67-AD3B-76A2BC9A0128}" type="slidenum">
               <a:rPr lang="zh-CN" altLang="en-US" smtClean="0"/>
-              <a:t>‹#›</a:t>
             </a:fld>
             <a:endParaRPr lang="zh-CN" altLang="en-US"/>
           </a:p>
         </p:txBody>
       </p:sp>
     </p:spTree>
-    <p:extLst>
-      <p:ext uri="{BB962C8B-B14F-4D97-AF65-F5344CB8AC3E}">
-        <p14:creationId xmlns:p14="http://schemas.microsoft.com/office/powerpoint/2010/main" val="3876082533"/>
-      </p:ext>
-    </p:extLst>
   </p:cSld>
   <p:clrMapOvr>
     <a:masterClrMapping/>
@@ -3776,6 +3551,7 @@
               <a:rPr lang="en-US" altLang="zh-CN" smtClean="0"/>
               <a:t>Click to edit Master text styles</a:t>
             </a:r>
+            <a:endParaRPr lang="en-US" altLang="zh-CN" smtClean="0"/>
           </a:p>
           <a:p>
             <a:pPr lvl="1"/>
@@ -3783,6 +3559,7 @@
               <a:rPr lang="en-US" altLang="zh-CN" smtClean="0"/>
               <a:t>Second level</a:t>
             </a:r>
+            <a:endParaRPr lang="en-US" altLang="zh-CN" smtClean="0"/>
           </a:p>
           <a:p>
             <a:pPr lvl="2"/>
@@ -3790,6 +3567,7 @@
               <a:rPr lang="en-US" altLang="zh-CN" smtClean="0"/>
               <a:t>Third level</a:t>
             </a:r>
+            <a:endParaRPr lang="en-US" altLang="zh-CN" smtClean="0"/>
           </a:p>
           <a:p>
             <a:pPr lvl="3"/>
@@ -3797,6 +3575,7 @@
               <a:rPr lang="en-US" altLang="zh-CN" smtClean="0"/>
               <a:t>Fourth level</a:t>
             </a:r>
+            <a:endParaRPr lang="en-US" altLang="zh-CN" smtClean="0"/>
           </a:p>
           <a:p>
             <a:pPr lvl="4"/>
@@ -3825,7 +3604,6 @@
           <a:p>
             <a:fld id="{6F6D4CCC-760F-4B28-A9E5-8578A0169CE5}" type="datetimeFigureOut">
               <a:rPr lang="zh-CN" altLang="en-US" smtClean="0"/>
-              <a:t>2017/10/25</a:t>
             </a:fld>
             <a:endParaRPr lang="zh-CN" altLang="en-US"/>
           </a:p>
@@ -3867,18 +3645,12 @@
           <a:p>
             <a:fld id="{D47255ED-97DD-4D67-AD3B-76A2BC9A0128}" type="slidenum">
               <a:rPr lang="zh-CN" altLang="en-US" smtClean="0"/>
-              <a:t>‹#›</a:t>
             </a:fld>
             <a:endParaRPr lang="zh-CN" altLang="en-US"/>
           </a:p>
         </p:txBody>
       </p:sp>
     </p:spTree>
-    <p:extLst>
-      <p:ext uri="{BB962C8B-B14F-4D97-AF65-F5344CB8AC3E}">
-        <p14:creationId xmlns:p14="http://schemas.microsoft.com/office/powerpoint/2010/main" val="2028902822"/>
-      </p:ext>
-    </p:extLst>
   </p:cSld>
   <p:clrMapOvr>
     <a:masterClrMapping/>
@@ -3956,6 +3728,7 @@
               <a:rPr lang="en-US" altLang="zh-CN" smtClean="0"/>
               <a:t>Click to edit Master text styles</a:t>
             </a:r>
+            <a:endParaRPr lang="en-US" altLang="zh-CN" smtClean="0"/>
           </a:p>
           <a:p>
             <a:pPr lvl="1"/>
@@ -3963,6 +3736,7 @@
               <a:rPr lang="en-US" altLang="zh-CN" smtClean="0"/>
               <a:t>Second level</a:t>
             </a:r>
+            <a:endParaRPr lang="en-US" altLang="zh-CN" smtClean="0"/>
           </a:p>
           <a:p>
             <a:pPr lvl="2"/>
@@ -3970,6 +3744,7 @@
               <a:rPr lang="en-US" altLang="zh-CN" smtClean="0"/>
               <a:t>Third level</a:t>
             </a:r>
+            <a:endParaRPr lang="en-US" altLang="zh-CN" smtClean="0"/>
           </a:p>
           <a:p>
             <a:pPr lvl="3"/>
@@ -3977,6 +3752,7 @@
               <a:rPr lang="en-US" altLang="zh-CN" smtClean="0"/>
               <a:t>Fourth level</a:t>
             </a:r>
+            <a:endParaRPr lang="en-US" altLang="zh-CN" smtClean="0"/>
           </a:p>
           <a:p>
             <a:pPr lvl="4"/>
@@ -4005,7 +3781,6 @@
           <a:p>
             <a:fld id="{6F6D4CCC-760F-4B28-A9E5-8578A0169CE5}" type="datetimeFigureOut">
               <a:rPr lang="zh-CN" altLang="en-US" smtClean="0"/>
-              <a:t>2017/10/25</a:t>
             </a:fld>
             <a:endParaRPr lang="zh-CN" altLang="en-US"/>
           </a:p>
@@ -4047,18 +3822,12 @@
           <a:p>
             <a:fld id="{D47255ED-97DD-4D67-AD3B-76A2BC9A0128}" type="slidenum">
               <a:rPr lang="zh-CN" altLang="en-US" smtClean="0"/>
-              <a:t>‹#›</a:t>
             </a:fld>
             <a:endParaRPr lang="zh-CN" altLang="en-US"/>
           </a:p>
         </p:txBody>
       </p:sp>
     </p:spTree>
-    <p:extLst>
-      <p:ext uri="{BB962C8B-B14F-4D97-AF65-F5344CB8AC3E}">
-        <p14:creationId xmlns:p14="http://schemas.microsoft.com/office/powerpoint/2010/main" val="2292601805"/>
-      </p:ext>
-    </p:extLst>
   </p:cSld>
   <p:clrMapOvr>
     <a:masterClrMapping/>
@@ -4126,6 +3895,7 @@
               <a:rPr lang="en-US" altLang="zh-CN" smtClean="0"/>
               <a:t>Click to edit Master text styles</a:t>
             </a:r>
+            <a:endParaRPr lang="en-US" altLang="zh-CN" smtClean="0"/>
           </a:p>
           <a:p>
             <a:pPr lvl="1"/>
@@ -4133,6 +3903,7 @@
               <a:rPr lang="en-US" altLang="zh-CN" smtClean="0"/>
               <a:t>Second level</a:t>
             </a:r>
+            <a:endParaRPr lang="en-US" altLang="zh-CN" smtClean="0"/>
           </a:p>
           <a:p>
             <a:pPr lvl="2"/>
@@ -4140,6 +3911,7 @@
               <a:rPr lang="en-US" altLang="zh-CN" smtClean="0"/>
               <a:t>Third level</a:t>
             </a:r>
+            <a:endParaRPr lang="en-US" altLang="zh-CN" smtClean="0"/>
           </a:p>
           <a:p>
             <a:pPr lvl="3"/>
@@ -4147,6 +3919,7 @@
               <a:rPr lang="en-US" altLang="zh-CN" smtClean="0"/>
               <a:t>Fourth level</a:t>
             </a:r>
+            <a:endParaRPr lang="en-US" altLang="zh-CN" smtClean="0"/>
           </a:p>
           <a:p>
             <a:pPr lvl="4"/>
@@ -4175,7 +3948,6 @@
           <a:p>
             <a:fld id="{6F6D4CCC-760F-4B28-A9E5-8578A0169CE5}" type="datetimeFigureOut">
               <a:rPr lang="zh-CN" altLang="en-US" smtClean="0"/>
-              <a:t>2017/10/25</a:t>
             </a:fld>
             <a:endParaRPr lang="zh-CN" altLang="en-US"/>
           </a:p>
@@ -4217,18 +3989,12 @@
           <a:p>
             <a:fld id="{D47255ED-97DD-4D67-AD3B-76A2BC9A0128}" type="slidenum">
               <a:rPr lang="zh-CN" altLang="en-US" smtClean="0"/>
-              <a:t>‹#›</a:t>
             </a:fld>
             <a:endParaRPr lang="zh-CN" altLang="en-US"/>
           </a:p>
         </p:txBody>
       </p:sp>
     </p:spTree>
-    <p:extLst>
-      <p:ext uri="{BB962C8B-B14F-4D97-AF65-F5344CB8AC3E}">
-        <p14:creationId xmlns:p14="http://schemas.microsoft.com/office/powerpoint/2010/main" val="2291872114"/>
-      </p:ext>
-    </p:extLst>
   </p:cSld>
   <p:clrMapOvr>
     <a:masterClrMapping/>
@@ -4401,6 +4167,7 @@
               <a:rPr lang="en-US" altLang="zh-CN" smtClean="0"/>
               <a:t>Click to edit Master text styles</a:t>
             </a:r>
+            <a:endParaRPr lang="en-US" altLang="zh-CN" smtClean="0"/>
           </a:p>
         </p:txBody>
       </p:sp>
@@ -4421,7 +4188,6 @@
           <a:p>
             <a:fld id="{6F6D4CCC-760F-4B28-A9E5-8578A0169CE5}" type="datetimeFigureOut">
               <a:rPr lang="zh-CN" altLang="en-US" smtClean="0"/>
-              <a:t>2017/10/25</a:t>
             </a:fld>
             <a:endParaRPr lang="zh-CN" altLang="en-US"/>
           </a:p>
@@ -4463,18 +4229,12 @@
           <a:p>
             <a:fld id="{D47255ED-97DD-4D67-AD3B-76A2BC9A0128}" type="slidenum">
               <a:rPr lang="zh-CN" altLang="en-US" smtClean="0"/>
-              <a:t>‹#›</a:t>
             </a:fld>
             <a:endParaRPr lang="zh-CN" altLang="en-US"/>
           </a:p>
         </p:txBody>
       </p:sp>
     </p:spTree>
-    <p:extLst>
-      <p:ext uri="{BB962C8B-B14F-4D97-AF65-F5344CB8AC3E}">
-        <p14:creationId xmlns:p14="http://schemas.microsoft.com/office/powerpoint/2010/main" val="18606784"/>
-      </p:ext>
-    </p:extLst>
   </p:cSld>
   <p:clrMapOvr>
     <a:masterClrMapping/>
@@ -4547,6 +4307,7 @@
               <a:rPr lang="en-US" altLang="zh-CN" smtClean="0"/>
               <a:t>Click to edit Master text styles</a:t>
             </a:r>
+            <a:endParaRPr lang="en-US" altLang="zh-CN" smtClean="0"/>
           </a:p>
           <a:p>
             <a:pPr lvl="1"/>
@@ -4554,6 +4315,7 @@
               <a:rPr lang="en-US" altLang="zh-CN" smtClean="0"/>
               <a:t>Second level</a:t>
             </a:r>
+            <a:endParaRPr lang="en-US" altLang="zh-CN" smtClean="0"/>
           </a:p>
           <a:p>
             <a:pPr lvl="2"/>
@@ -4561,6 +4323,7 @@
               <a:rPr lang="en-US" altLang="zh-CN" smtClean="0"/>
               <a:t>Third level</a:t>
             </a:r>
+            <a:endParaRPr lang="en-US" altLang="zh-CN" smtClean="0"/>
           </a:p>
           <a:p>
             <a:pPr lvl="3"/>
@@ -4568,6 +4331,7 @@
               <a:rPr lang="en-US" altLang="zh-CN" smtClean="0"/>
               <a:t>Fourth level</a:t>
             </a:r>
+            <a:endParaRPr lang="en-US" altLang="zh-CN" smtClean="0"/>
           </a:p>
           <a:p>
             <a:pPr lvl="4"/>
@@ -4604,6 +4368,7 @@
               <a:rPr lang="en-US" altLang="zh-CN" smtClean="0"/>
               <a:t>Click to edit Master text styles</a:t>
             </a:r>
+            <a:endParaRPr lang="en-US" altLang="zh-CN" smtClean="0"/>
           </a:p>
           <a:p>
             <a:pPr lvl="1"/>
@@ -4611,6 +4376,7 @@
               <a:rPr lang="en-US" altLang="zh-CN" smtClean="0"/>
               <a:t>Second level</a:t>
             </a:r>
+            <a:endParaRPr lang="en-US" altLang="zh-CN" smtClean="0"/>
           </a:p>
           <a:p>
             <a:pPr lvl="2"/>
@@ -4618,6 +4384,7 @@
               <a:rPr lang="en-US" altLang="zh-CN" smtClean="0"/>
               <a:t>Third level</a:t>
             </a:r>
+            <a:endParaRPr lang="en-US" altLang="zh-CN" smtClean="0"/>
           </a:p>
           <a:p>
             <a:pPr lvl="3"/>
@@ -4625,6 +4392,7 @@
               <a:rPr lang="en-US" altLang="zh-CN" smtClean="0"/>
               <a:t>Fourth level</a:t>
             </a:r>
+            <a:endParaRPr lang="en-US" altLang="zh-CN" smtClean="0"/>
           </a:p>
           <a:p>
             <a:pPr lvl="4"/>
@@ -4653,7 +4421,6 @@
           <a:p>
             <a:fld id="{6F6D4CCC-760F-4B28-A9E5-8578A0169CE5}" type="datetimeFigureOut">
               <a:rPr lang="zh-CN" altLang="en-US" smtClean="0"/>
-              <a:t>2017/10/25</a:t>
             </a:fld>
             <a:endParaRPr lang="zh-CN" altLang="en-US"/>
           </a:p>
@@ -4695,18 +4462,12 @@
           <a:p>
             <a:fld id="{D47255ED-97DD-4D67-AD3B-76A2BC9A0128}" type="slidenum">
               <a:rPr lang="zh-CN" altLang="en-US" smtClean="0"/>
-              <a:t>‹#›</a:t>
             </a:fld>
             <a:endParaRPr lang="zh-CN" altLang="en-US"/>
           </a:p>
         </p:txBody>
       </p:sp>
     </p:spTree>
-    <p:extLst>
-      <p:ext uri="{BB962C8B-B14F-4D97-AF65-F5344CB8AC3E}">
-        <p14:creationId xmlns:p14="http://schemas.microsoft.com/office/powerpoint/2010/main" val="1907745373"/>
-      </p:ext>
-    </p:extLst>
   </p:cSld>
   <p:clrMapOvr>
     <a:masterClrMapping/>
@@ -4821,6 +4582,7 @@
               <a:rPr lang="en-US" altLang="zh-CN" smtClean="0"/>
               <a:t>Click to edit Master text styles</a:t>
             </a:r>
+            <a:endParaRPr lang="en-US" altLang="zh-CN" smtClean="0"/>
           </a:p>
         </p:txBody>
       </p:sp>
@@ -4849,6 +4611,7 @@
               <a:rPr lang="en-US" altLang="zh-CN" smtClean="0"/>
               <a:t>Click to edit Master text styles</a:t>
             </a:r>
+            <a:endParaRPr lang="en-US" altLang="zh-CN" smtClean="0"/>
           </a:p>
           <a:p>
             <a:pPr lvl="1"/>
@@ -4856,6 +4619,7 @@
               <a:rPr lang="en-US" altLang="zh-CN" smtClean="0"/>
               <a:t>Second level</a:t>
             </a:r>
+            <a:endParaRPr lang="en-US" altLang="zh-CN" smtClean="0"/>
           </a:p>
           <a:p>
             <a:pPr lvl="2"/>
@@ -4863,6 +4627,7 @@
               <a:rPr lang="en-US" altLang="zh-CN" smtClean="0"/>
               <a:t>Third level</a:t>
             </a:r>
+            <a:endParaRPr lang="en-US" altLang="zh-CN" smtClean="0"/>
           </a:p>
           <a:p>
             <a:pPr lvl="3"/>
@@ -4870,6 +4635,7 @@
               <a:rPr lang="en-US" altLang="zh-CN" smtClean="0"/>
               <a:t>Fourth level</a:t>
             </a:r>
+            <a:endParaRPr lang="en-US" altLang="zh-CN" smtClean="0"/>
           </a:p>
           <a:p>
             <a:pPr lvl="4"/>
@@ -4943,6 +4709,7 @@
               <a:rPr lang="en-US" altLang="zh-CN" smtClean="0"/>
               <a:t>Click to edit Master text styles</a:t>
             </a:r>
+            <a:endParaRPr lang="en-US" altLang="zh-CN" smtClean="0"/>
           </a:p>
         </p:txBody>
       </p:sp>
@@ -4971,6 +4738,7 @@
               <a:rPr lang="en-US" altLang="zh-CN" smtClean="0"/>
               <a:t>Click to edit Master text styles</a:t>
             </a:r>
+            <a:endParaRPr lang="en-US" altLang="zh-CN" smtClean="0"/>
           </a:p>
           <a:p>
             <a:pPr lvl="1"/>
@@ -4978,6 +4746,7 @@
               <a:rPr lang="en-US" altLang="zh-CN" smtClean="0"/>
               <a:t>Second level</a:t>
             </a:r>
+            <a:endParaRPr lang="en-US" altLang="zh-CN" smtClean="0"/>
           </a:p>
           <a:p>
             <a:pPr lvl="2"/>
@@ -4985,6 +4754,7 @@
               <a:rPr lang="en-US" altLang="zh-CN" smtClean="0"/>
               <a:t>Third level</a:t>
             </a:r>
+            <a:endParaRPr lang="en-US" altLang="zh-CN" smtClean="0"/>
           </a:p>
           <a:p>
             <a:pPr lvl="3"/>
@@ -4992,6 +4762,7 @@
               <a:rPr lang="en-US" altLang="zh-CN" smtClean="0"/>
               <a:t>Fourth level</a:t>
             </a:r>
+            <a:endParaRPr lang="en-US" altLang="zh-CN" smtClean="0"/>
           </a:p>
           <a:p>
             <a:pPr lvl="4"/>
@@ -5020,7 +4791,6 @@
           <a:p>
             <a:fld id="{6F6D4CCC-760F-4B28-A9E5-8578A0169CE5}" type="datetimeFigureOut">
               <a:rPr lang="zh-CN" altLang="en-US" smtClean="0"/>
-              <a:t>2017/10/25</a:t>
             </a:fld>
             <a:endParaRPr lang="zh-CN" altLang="en-US"/>
           </a:p>
@@ -5062,18 +4832,12 @@
           <a:p>
             <a:fld id="{D47255ED-97DD-4D67-AD3B-76A2BC9A0128}" type="slidenum">
               <a:rPr lang="zh-CN" altLang="en-US" smtClean="0"/>
-              <a:t>‹#›</a:t>
             </a:fld>
             <a:endParaRPr lang="zh-CN" altLang="en-US"/>
           </a:p>
         </p:txBody>
       </p:sp>
     </p:spTree>
-    <p:extLst>
-      <p:ext uri="{BB962C8B-B14F-4D97-AF65-F5344CB8AC3E}">
-        <p14:creationId xmlns:p14="http://schemas.microsoft.com/office/powerpoint/2010/main" val="2678301895"/>
-      </p:ext>
-    </p:extLst>
   </p:cSld>
   <p:clrMapOvr>
     <a:masterClrMapping/>
@@ -5138,7 +4902,6 @@
           <a:p>
             <a:fld id="{6F6D4CCC-760F-4B28-A9E5-8578A0169CE5}" type="datetimeFigureOut">
               <a:rPr lang="zh-CN" altLang="en-US" smtClean="0"/>
-              <a:t>2017/10/25</a:t>
             </a:fld>
             <a:endParaRPr lang="zh-CN" altLang="en-US"/>
           </a:p>
@@ -5180,18 +4943,12 @@
           <a:p>
             <a:fld id="{D47255ED-97DD-4D67-AD3B-76A2BC9A0128}" type="slidenum">
               <a:rPr lang="zh-CN" altLang="en-US" smtClean="0"/>
-              <a:t>‹#›</a:t>
             </a:fld>
             <a:endParaRPr lang="zh-CN" altLang="en-US"/>
           </a:p>
         </p:txBody>
       </p:sp>
     </p:spTree>
-    <p:extLst>
-      <p:ext uri="{BB962C8B-B14F-4D97-AF65-F5344CB8AC3E}">
-        <p14:creationId xmlns:p14="http://schemas.microsoft.com/office/powerpoint/2010/main" val="6459951"/>
-      </p:ext>
-    </p:extLst>
   </p:cSld>
   <p:clrMapOvr>
     <a:masterClrMapping/>
@@ -5233,7 +4990,6 @@
           <a:p>
             <a:fld id="{6F6D4CCC-760F-4B28-A9E5-8578A0169CE5}" type="datetimeFigureOut">
               <a:rPr lang="zh-CN" altLang="en-US" smtClean="0"/>
-              <a:t>2017/10/25</a:t>
             </a:fld>
             <a:endParaRPr lang="zh-CN" altLang="en-US"/>
           </a:p>
@@ -5275,18 +5031,12 @@
           <a:p>
             <a:fld id="{D47255ED-97DD-4D67-AD3B-76A2BC9A0128}" type="slidenum">
               <a:rPr lang="zh-CN" altLang="en-US" smtClean="0"/>
-              <a:t>‹#›</a:t>
             </a:fld>
             <a:endParaRPr lang="zh-CN" altLang="en-US"/>
           </a:p>
         </p:txBody>
       </p:sp>
     </p:spTree>
-    <p:extLst>
-      <p:ext uri="{BB962C8B-B14F-4D97-AF65-F5344CB8AC3E}">
-        <p14:creationId xmlns:p14="http://schemas.microsoft.com/office/powerpoint/2010/main" val="1331723139"/>
-      </p:ext>
-    </p:extLst>
   </p:cSld>
   <p:clrMapOvr>
     <a:masterClrMapping/>
@@ -5396,6 +5146,7 @@
               <a:rPr lang="en-US" altLang="zh-CN" smtClean="0"/>
               <a:t>Click to edit Master text styles</a:t>
             </a:r>
+            <a:endParaRPr lang="en-US" altLang="zh-CN" smtClean="0"/>
           </a:p>
           <a:p>
             <a:pPr lvl="1"/>
@@ -5403,6 +5154,7 @@
               <a:rPr lang="en-US" altLang="zh-CN" smtClean="0"/>
               <a:t>Second level</a:t>
             </a:r>
+            <a:endParaRPr lang="en-US" altLang="zh-CN" smtClean="0"/>
           </a:p>
           <a:p>
             <a:pPr lvl="2"/>
@@ -5410,6 +5162,7 @@
               <a:rPr lang="en-US" altLang="zh-CN" smtClean="0"/>
               <a:t>Third level</a:t>
             </a:r>
+            <a:endParaRPr lang="en-US" altLang="zh-CN" smtClean="0"/>
           </a:p>
           <a:p>
             <a:pPr lvl="3"/>
@@ -5417,6 +5170,7 @@
               <a:rPr lang="en-US" altLang="zh-CN" smtClean="0"/>
               <a:t>Fourth level</a:t>
             </a:r>
+            <a:endParaRPr lang="en-US" altLang="zh-CN" smtClean="0"/>
           </a:p>
           <a:p>
             <a:pPr lvl="4"/>
@@ -5490,6 +5244,7 @@
               <a:rPr lang="en-US" altLang="zh-CN" smtClean="0"/>
               <a:t>Click to edit Master text styles</a:t>
             </a:r>
+            <a:endParaRPr lang="en-US" altLang="zh-CN" smtClean="0"/>
           </a:p>
         </p:txBody>
       </p:sp>
@@ -5510,7 +5265,6 @@
           <a:p>
             <a:fld id="{6F6D4CCC-760F-4B28-A9E5-8578A0169CE5}" type="datetimeFigureOut">
               <a:rPr lang="zh-CN" altLang="en-US" smtClean="0"/>
-              <a:t>2017/10/25</a:t>
             </a:fld>
             <a:endParaRPr lang="zh-CN" altLang="en-US"/>
           </a:p>
@@ -5552,18 +5306,12 @@
           <a:p>
             <a:fld id="{D47255ED-97DD-4D67-AD3B-76A2BC9A0128}" type="slidenum">
               <a:rPr lang="zh-CN" altLang="en-US" smtClean="0"/>
-              <a:t>‹#›</a:t>
             </a:fld>
             <a:endParaRPr lang="zh-CN" altLang="en-US"/>
           </a:p>
         </p:txBody>
       </p:sp>
     </p:spTree>
-    <p:extLst>
-      <p:ext uri="{BB962C8B-B14F-4D97-AF65-F5344CB8AC3E}">
-        <p14:creationId xmlns:p14="http://schemas.microsoft.com/office/powerpoint/2010/main" val="13456624"/>
-      </p:ext>
-    </p:extLst>
   </p:cSld>
   <p:clrMapOvr>
     <a:masterClrMapping/>
@@ -5743,6 +5491,7 @@
               <a:rPr lang="en-US" altLang="zh-CN" smtClean="0"/>
               <a:t>Click to edit Master text styles</a:t>
             </a:r>
+            <a:endParaRPr lang="en-US" altLang="zh-CN" smtClean="0"/>
           </a:p>
         </p:txBody>
       </p:sp>
@@ -5763,7 +5512,6 @@
           <a:p>
             <a:fld id="{6F6D4CCC-760F-4B28-A9E5-8578A0169CE5}" type="datetimeFigureOut">
               <a:rPr lang="zh-CN" altLang="en-US" smtClean="0"/>
-              <a:t>2017/10/25</a:t>
             </a:fld>
             <a:endParaRPr lang="zh-CN" altLang="en-US"/>
           </a:p>
@@ -5805,18 +5553,12 @@
           <a:p>
             <a:fld id="{D47255ED-97DD-4D67-AD3B-76A2BC9A0128}" type="slidenum">
               <a:rPr lang="zh-CN" altLang="en-US" smtClean="0"/>
-              <a:t>‹#›</a:t>
             </a:fld>
             <a:endParaRPr lang="zh-CN" altLang="en-US"/>
           </a:p>
         </p:txBody>
       </p:sp>
     </p:spTree>
-    <p:extLst>
-      <p:ext uri="{BB962C8B-B14F-4D97-AF65-F5344CB8AC3E}">
-        <p14:creationId xmlns:p14="http://schemas.microsoft.com/office/powerpoint/2010/main" val="690180190"/>
-      </p:ext>
-    </p:extLst>
   </p:cSld>
   <p:clrMapOvr>
     <a:masterClrMapping/>
@@ -5909,6 +5651,7 @@
               <a:rPr lang="en-US" altLang="zh-CN" smtClean="0"/>
               <a:t>Click to edit Master text styles</a:t>
             </a:r>
+            <a:endParaRPr lang="en-US" altLang="zh-CN" smtClean="0"/>
           </a:p>
           <a:p>
             <a:pPr lvl="1"/>
@@ -5916,6 +5659,7 @@
               <a:rPr lang="en-US" altLang="zh-CN" smtClean="0"/>
               <a:t>Second level</a:t>
             </a:r>
+            <a:endParaRPr lang="en-US" altLang="zh-CN" smtClean="0"/>
           </a:p>
           <a:p>
             <a:pPr lvl="2"/>
@@ -5923,6 +5667,7 @@
               <a:rPr lang="en-US" altLang="zh-CN" smtClean="0"/>
               <a:t>Third level</a:t>
             </a:r>
+            <a:endParaRPr lang="en-US" altLang="zh-CN" smtClean="0"/>
           </a:p>
           <a:p>
             <a:pPr lvl="3"/>
@@ -5930,6 +5675,7 @@
               <a:rPr lang="en-US" altLang="zh-CN" smtClean="0"/>
               <a:t>Fourth level</a:t>
             </a:r>
+            <a:endParaRPr lang="en-US" altLang="zh-CN" smtClean="0"/>
           </a:p>
           <a:p>
             <a:pPr lvl="4"/>
@@ -5976,7 +5722,6 @@
           <a:p>
             <a:fld id="{6F6D4CCC-760F-4B28-A9E5-8578A0169CE5}" type="datetimeFigureOut">
               <a:rPr lang="zh-CN" altLang="en-US" smtClean="0"/>
-              <a:t>2017/10/25</a:t>
             </a:fld>
             <a:endParaRPr lang="zh-CN" altLang="en-US"/>
           </a:p>
@@ -6054,18 +5799,12 @@
           <a:p>
             <a:fld id="{D47255ED-97DD-4D67-AD3B-76A2BC9A0128}" type="slidenum">
               <a:rPr lang="zh-CN" altLang="en-US" smtClean="0"/>
-              <a:t>‹#›</a:t>
             </a:fld>
             <a:endParaRPr lang="zh-CN" altLang="en-US"/>
           </a:p>
         </p:txBody>
       </p:sp>
     </p:spTree>
-    <p:extLst>
-      <p:ext uri="{BB962C8B-B14F-4D97-AF65-F5344CB8AC3E}">
-        <p14:creationId xmlns:p14="http://schemas.microsoft.com/office/powerpoint/2010/main" val="917544955"/>
-      </p:ext>
-    </p:extLst>
   </p:cSld>
   <p:clrMap bg1="lt1" tx1="dk1" bg2="lt2" tx2="dk2" accent1="accent1" accent2="accent2" accent3="accent3" accent4="accent4" accent5="accent5" accent6="accent6" hlink="hlink" folHlink="folHlink"/>
   <p:sldLayoutIdLst>
@@ -6109,7 +5848,7 @@
         <a:spcBef>
           <a:spcPts val="1000"/>
         </a:spcBef>
-        <a:buFont typeface="Arial" panose="020B0604020202020204" pitchFamily="34" charset="0"/>
+        <a:buFont typeface="Arial" panose="020B0604020202090204" pitchFamily="34" charset="0"/>
         <a:buChar char="•"/>
         <a:defRPr sz="2800" kern="1200">
           <a:solidFill>
@@ -6127,7 +5866,7 @@
         <a:spcBef>
           <a:spcPts val="500"/>
         </a:spcBef>
-        <a:buFont typeface="Arial" panose="020B0604020202020204" pitchFamily="34" charset="0"/>
+        <a:buFont typeface="Arial" panose="020B0604020202090204" pitchFamily="34" charset="0"/>
         <a:buChar char="•"/>
         <a:defRPr sz="2400" kern="1200">
           <a:solidFill>
@@ -6145,7 +5884,7 @@
         <a:spcBef>
           <a:spcPts val="500"/>
         </a:spcBef>
-        <a:buFont typeface="Arial" panose="020B0604020202020204" pitchFamily="34" charset="0"/>
+        <a:buFont typeface="Arial" panose="020B0604020202090204" pitchFamily="34" charset="0"/>
         <a:buChar char="•"/>
         <a:defRPr sz="2000" kern="1200">
           <a:solidFill>
@@ -6163,7 +5902,7 @@
         <a:spcBef>
           <a:spcPts val="500"/>
         </a:spcBef>
-        <a:buFont typeface="Arial" panose="020B0604020202020204" pitchFamily="34" charset="0"/>
+        <a:buFont typeface="Arial" panose="020B0604020202090204" pitchFamily="34" charset="0"/>
         <a:buChar char="•"/>
         <a:defRPr sz="1800" kern="1200">
           <a:solidFill>
@@ -6181,7 +5920,7 @@
         <a:spcBef>
           <a:spcPts val="500"/>
         </a:spcBef>
-        <a:buFont typeface="Arial" panose="020B0604020202020204" pitchFamily="34" charset="0"/>
+        <a:buFont typeface="Arial" panose="020B0604020202090204" pitchFamily="34" charset="0"/>
         <a:buChar char="•"/>
         <a:defRPr sz="1800" kern="1200">
           <a:solidFill>
@@ -6199,7 +5938,7 @@
         <a:spcBef>
           <a:spcPts val="500"/>
         </a:spcBef>
-        <a:buFont typeface="Arial" panose="020B0604020202020204" pitchFamily="34" charset="0"/>
+        <a:buFont typeface="Arial" panose="020B0604020202090204" pitchFamily="34" charset="0"/>
         <a:buChar char="•"/>
         <a:defRPr sz="1800" kern="1200">
           <a:solidFill>
@@ -6217,7 +5956,7 @@
         <a:spcBef>
           <a:spcPts val="500"/>
         </a:spcBef>
-        <a:buFont typeface="Arial" panose="020B0604020202020204" pitchFamily="34" charset="0"/>
+        <a:buFont typeface="Arial" panose="020B0604020202090204" pitchFamily="34" charset="0"/>
         <a:buChar char="•"/>
         <a:defRPr sz="1800" kern="1200">
           <a:solidFill>
@@ -6235,7 +5974,7 @@
         <a:spcBef>
           <a:spcPts val="500"/>
         </a:spcBef>
-        <a:buFont typeface="Arial" panose="020B0604020202020204" pitchFamily="34" charset="0"/>
+        <a:buFont typeface="Arial" panose="020B0604020202090204" pitchFamily="34" charset="0"/>
         <a:buChar char="•"/>
         <a:defRPr sz="1800" kern="1200">
           <a:solidFill>
@@ -6253,7 +5992,7 @@
         <a:spcBef>
           <a:spcPts val="500"/>
         </a:spcBef>
-        <a:buFont typeface="Arial" panose="020B0604020202020204" pitchFamily="34" charset="0"/>
+        <a:buFont typeface="Arial" panose="020B0604020202090204" pitchFamily="34" charset="0"/>
         <a:buChar char="•"/>
         <a:defRPr sz="1800" kern="1200">
           <a:solidFill>
@@ -6430,7 +6169,6 @@
           <a:prstGeom prst="rect">
             <a:avLst/>
           </a:prstGeom>
-          <a:ln/>
         </p:spPr>
         <p:style>
           <a:lnRef idx="0">
@@ -6452,9 +6190,9 @@
           <a:p>
             <a:pPr algn="ctr"/>
             <a:endParaRPr lang="zh-CN" altLang="en-US">
-              <a:latin typeface="Arial" panose="020B0604020202020204" pitchFamily="34" charset="0"/>
+              <a:latin typeface="Arial" panose="020B0604020202090204" pitchFamily="34" charset="0"/>
               <a:ea typeface="微软雅黑" panose="020B0503020204020204" pitchFamily="34" charset="-122"/>
-              <a:sym typeface="Arial" panose="020B0604020202020204" pitchFamily="34" charset="0"/>
+              <a:sym typeface="Arial" panose="020B0604020202090204" pitchFamily="34" charset="0"/>
             </a:endParaRPr>
           </a:p>
         </p:txBody>
@@ -6487,9 +6225,9 @@
                 <a:solidFill>
                   <a:schemeClr val="bg1"/>
                 </a:solidFill>
-                <a:latin typeface="Arial" panose="020B0604020202020204" pitchFamily="34" charset="0"/>
+                <a:latin typeface="Arial" panose="020B0604020202090204" pitchFamily="34" charset="0"/>
                 <a:ea typeface="微软雅黑" panose="020B0503020204020204" pitchFamily="34" charset="-122"/>
-                <a:sym typeface="Arial" panose="020B0604020202020204" pitchFamily="34" charset="0"/>
+                <a:sym typeface="Arial" panose="020B0604020202090204" pitchFamily="34" charset="0"/>
               </a:rPr>
               <a:t>AlphaGo</a:t>
             </a:r>
@@ -6498,9 +6236,9 @@
                 <a:solidFill>
                   <a:schemeClr val="bg1"/>
                 </a:solidFill>
-                <a:latin typeface="Arial" panose="020B0604020202020204" pitchFamily="34" charset="0"/>
+                <a:latin typeface="Arial" panose="020B0604020202090204" pitchFamily="34" charset="0"/>
                 <a:ea typeface="微软雅黑" panose="020B0503020204020204" pitchFamily="34" charset="-122"/>
-                <a:sym typeface="Arial" panose="020B0604020202020204" pitchFamily="34" charset="0"/>
+                <a:sym typeface="Arial" panose="020B0604020202090204" pitchFamily="34" charset="0"/>
               </a:rPr>
               <a:t>介绍</a:t>
             </a:r>
@@ -6508,9 +6246,9 @@
               <a:solidFill>
                 <a:schemeClr val="bg1"/>
               </a:solidFill>
-              <a:latin typeface="Arial" panose="020B0604020202020204" pitchFamily="34" charset="0"/>
+              <a:latin typeface="Arial" panose="020B0604020202090204" pitchFamily="34" charset="0"/>
               <a:ea typeface="微软雅黑" panose="020B0503020204020204" pitchFamily="34" charset="-122"/>
-              <a:sym typeface="Arial" panose="020B0604020202020204" pitchFamily="34" charset="0"/>
+              <a:sym typeface="Arial" panose="020B0604020202090204" pitchFamily="34" charset="0"/>
             </a:endParaRPr>
           </a:p>
         </p:txBody>
@@ -6543,9 +6281,9 @@
                 <a:solidFill>
                   <a:schemeClr val="bg1"/>
                 </a:solidFill>
-                <a:latin typeface="Arial" panose="020B0604020202020204" pitchFamily="34" charset="0"/>
+                <a:latin typeface="Arial" panose="020B0604020202090204" pitchFamily="34" charset="0"/>
                 <a:ea typeface="微软雅黑" panose="020B0503020204020204" pitchFamily="34" charset="-122"/>
-                <a:sym typeface="Arial" panose="020B0604020202020204" pitchFamily="34" charset="0"/>
+                <a:sym typeface="Arial" panose="020B0604020202090204" pitchFamily="34" charset="0"/>
               </a:rPr>
               <a:t>Mastering the game of Go with deep neural networks and tree search</a:t>
             </a:r>
@@ -6553,9 +6291,9 @@
               <a:solidFill>
                 <a:schemeClr val="bg1"/>
               </a:solidFill>
-              <a:latin typeface="Arial" panose="020B0604020202020204" pitchFamily="34" charset="0"/>
+              <a:latin typeface="Arial" panose="020B0604020202090204" pitchFamily="34" charset="0"/>
               <a:ea typeface="微软雅黑" panose="020B0503020204020204" pitchFamily="34" charset="-122"/>
-              <a:sym typeface="Arial" panose="020B0604020202020204" pitchFamily="34" charset="0"/>
+              <a:sym typeface="Arial" panose="020B0604020202090204" pitchFamily="34" charset="0"/>
             </a:endParaRPr>
           </a:p>
         </p:txBody>
@@ -6588,9 +6326,9 @@
                 <a:solidFill>
                   <a:schemeClr val="bg1"/>
                 </a:solidFill>
-                <a:latin typeface="Arial" panose="020B0604020202020204" pitchFamily="34" charset="0"/>
+                <a:latin typeface="Arial" panose="020B0604020202090204" pitchFamily="34" charset="0"/>
                 <a:ea typeface="微软雅黑" panose="020B0503020204020204" pitchFamily="34" charset="-122"/>
-                <a:sym typeface="Arial" panose="020B0604020202020204" pitchFamily="34" charset="0"/>
+                <a:sym typeface="Arial" panose="020B0604020202090204" pitchFamily="34" charset="0"/>
               </a:rPr>
               <a:t>2016.10.20</a:t>
             </a:r>
@@ -6598,9 +6336,9 @@
               <a:solidFill>
                 <a:schemeClr val="bg1"/>
               </a:solidFill>
-              <a:latin typeface="Arial" panose="020B0604020202020204" pitchFamily="34" charset="0"/>
+              <a:latin typeface="Arial" panose="020B0604020202090204" pitchFamily="34" charset="0"/>
               <a:ea typeface="微软雅黑" panose="020B0503020204020204" pitchFamily="34" charset="-122"/>
-              <a:sym typeface="Arial" panose="020B0604020202020204" pitchFamily="34" charset="0"/>
+              <a:sym typeface="Arial" panose="020B0604020202090204" pitchFamily="34" charset="0"/>
             </a:endParaRPr>
           </a:p>
         </p:txBody>
@@ -6638,6 +6376,7 @@
               <a:rPr lang="zh-CN" altLang="en-US" sz="2400" dirty="0"/>
               <a:t>://github.com/Rochester-NRT/RocAlphaGo</a:t>
             </a:r>
+            <a:endParaRPr lang="zh-CN" altLang="en-US" sz="2400" dirty="0"/>
           </a:p>
         </p:txBody>
       </p:sp>
@@ -6645,11 +6384,6 @@
     <p:custDataLst>
       <p:tags r:id="rId1"/>
     </p:custDataLst>
-    <p:extLst>
-      <p:ext uri="{BB962C8B-B14F-4D97-AF65-F5344CB8AC3E}">
-        <p14:creationId xmlns:p14="http://schemas.microsoft.com/office/powerpoint/2010/main" val="2099160894"/>
-      </p:ext>
-    </p:extLst>
   </p:cSld>
   <p:clrMapOvr>
     <a:masterClrMapping/>
@@ -7106,9 +6840,9 @@
                   <a:solidFill>
                     <a:schemeClr val="bg1"/>
                   </a:solidFill>
-                  <a:latin typeface="Arial" panose="020B0604020202020204" pitchFamily="34" charset="0"/>
+                  <a:latin typeface="Arial" panose="020B0604020202090204" pitchFamily="34" charset="0"/>
                   <a:ea typeface="微软雅黑" panose="020B0503020204020204" pitchFamily="34" charset="-122"/>
-                  <a:sym typeface="Arial" panose="020B0604020202020204" pitchFamily="34" charset="0"/>
+                  <a:sym typeface="Arial" panose="020B0604020202090204" pitchFamily="34" charset="0"/>
                 </a:rPr>
                 <a:t>AlphaGo</a:t>
               </a:r>
@@ -7117,9 +6851,9 @@
                   <a:solidFill>
                     <a:schemeClr val="bg1"/>
                   </a:solidFill>
-                  <a:latin typeface="Arial" panose="020B0604020202020204" pitchFamily="34" charset="0"/>
+                  <a:latin typeface="Arial" panose="020B0604020202090204" pitchFamily="34" charset="0"/>
                   <a:ea typeface="微软雅黑" panose="020B0503020204020204" pitchFamily="34" charset="-122"/>
-                  <a:sym typeface="Arial" panose="020B0604020202020204" pitchFamily="34" charset="0"/>
+                  <a:sym typeface="Arial" panose="020B0604020202090204" pitchFamily="34" charset="0"/>
                 </a:rPr>
                 <a:t> </a:t>
               </a:r>
@@ -7128,9 +6862,9 @@
                   <a:solidFill>
                     <a:schemeClr val="bg1"/>
                   </a:solidFill>
-                  <a:latin typeface="Arial" panose="020B0604020202020204" pitchFamily="34" charset="0"/>
+                  <a:latin typeface="Arial" panose="020B0604020202090204" pitchFamily="34" charset="0"/>
                   <a:ea typeface="微软雅黑" panose="020B0503020204020204" pitchFamily="34" charset="-122"/>
-                  <a:sym typeface="Arial" panose="020B0604020202020204" pitchFamily="34" charset="0"/>
+                  <a:sym typeface="Arial" panose="020B0604020202090204" pitchFamily="34" charset="0"/>
                 </a:rPr>
                 <a:t>原理</a:t>
               </a:r>
@@ -7138,9 +6872,9 @@
                 <a:solidFill>
                   <a:schemeClr val="bg1"/>
                 </a:solidFill>
-                <a:latin typeface="Arial" panose="020B0604020202020204" pitchFamily="34" charset="0"/>
+                <a:latin typeface="Arial" panose="020B0604020202090204" pitchFamily="34" charset="0"/>
                 <a:ea typeface="微软雅黑" panose="020B0503020204020204" pitchFamily="34" charset="-122"/>
-                <a:sym typeface="Arial" panose="020B0604020202020204" pitchFamily="34" charset="0"/>
+                <a:sym typeface="Arial" panose="020B0604020202090204" pitchFamily="34" charset="0"/>
               </a:endParaRPr>
             </a:p>
           </p:txBody>
@@ -7191,9 +6925,9 @@
                 <a:solidFill>
                   <a:schemeClr val="bg1"/>
                 </a:solidFill>
-                <a:latin typeface="Arial" panose="020B0604020202020204" pitchFamily="34" charset="0"/>
+                <a:latin typeface="Arial" panose="020B0604020202090204" pitchFamily="34" charset="0"/>
                 <a:ea typeface="微软雅黑" panose="020B0503020204020204" pitchFamily="34" charset="-122"/>
-                <a:sym typeface="Arial" panose="020B0604020202020204" pitchFamily="34" charset="0"/>
+                <a:sym typeface="Arial" panose="020B0604020202090204" pitchFamily="34" charset="0"/>
               </a:endParaRPr>
             </a:p>
           </p:txBody>
@@ -7264,7 +6998,7 @@
               <a:rPr lang="zh-CN" altLang="en-US" sz="2400" b="1" dirty="0" smtClean="0">
                 <a:latin typeface="Calibri" panose="020F0502020204030204" pitchFamily="34" charset="0"/>
                 <a:ea typeface="宋体" panose="02010600030101010101" pitchFamily="2" charset="-122"/>
-                <a:cs typeface="Times New Roman" panose="02020603050405020304" pitchFamily="18" charset="0"/>
+                <a:cs typeface="Times New Roman" panose="02020503050405090304" pitchFamily="18" charset="0"/>
               </a:rPr>
               <a:t>深度策略网络           </a:t>
             </a:r>
@@ -7272,7 +7006,7 @@
               <a:rPr lang="en-US" altLang="zh-CN" sz="2400" b="1" dirty="0" smtClean="0">
                 <a:latin typeface="Calibri" panose="020F0502020204030204" pitchFamily="34" charset="0"/>
                 <a:ea typeface="宋体" panose="02010600030101010101" pitchFamily="2" charset="-122"/>
-                <a:cs typeface="Times New Roman" panose="02020603050405020304" pitchFamily="18" charset="0"/>
+                <a:cs typeface="Times New Roman" panose="02020503050405090304" pitchFamily="18" charset="0"/>
               </a:rPr>
               <a:t>:  (Supervised Learning Policy Network)</a:t>
             </a:r>
@@ -7280,14 +7014,14 @@
               <a:rPr lang="zh-CN" altLang="en-US" sz="2400" b="1" dirty="0" smtClean="0">
                 <a:latin typeface="Calibri" panose="020F0502020204030204" pitchFamily="34" charset="0"/>
                 <a:ea typeface="宋体" panose="02010600030101010101" pitchFamily="2" charset="-122"/>
-                <a:cs typeface="Times New Roman" panose="02020603050405020304" pitchFamily="18" charset="0"/>
+                <a:cs typeface="Times New Roman" panose="02020503050405090304" pitchFamily="18" charset="0"/>
               </a:rPr>
               <a:t>，</a:t>
             </a:r>
             <a:endParaRPr lang="en-US" altLang="zh-CN" sz="2400" b="1" dirty="0" smtClean="0">
               <a:latin typeface="Calibri" panose="020F0502020204030204" pitchFamily="34" charset="0"/>
               <a:ea typeface="宋体" panose="02010600030101010101" pitchFamily="2" charset="-122"/>
-              <a:cs typeface="Times New Roman" panose="02020603050405020304" pitchFamily="18" charset="0"/>
+              <a:cs typeface="Times New Roman" panose="02020503050405090304" pitchFamily="18" charset="0"/>
             </a:endParaRPr>
           </a:p>
           <a:p>
@@ -7299,7 +7033,7 @@
             <a:endParaRPr lang="en-US" altLang="zh-CN" sz="2400" b="1" dirty="0" smtClean="0">
               <a:latin typeface="Calibri" panose="020F0502020204030204" pitchFamily="34" charset="0"/>
               <a:ea typeface="宋体" panose="02010600030101010101" pitchFamily="2" charset="-122"/>
-              <a:cs typeface="Times New Roman" panose="02020603050405020304" pitchFamily="18" charset="0"/>
+              <a:cs typeface="Times New Roman" panose="02020503050405090304" pitchFamily="18" charset="0"/>
             </a:endParaRPr>
           </a:p>
           <a:p>
@@ -7312,7 +7046,7 @@
               <a:rPr lang="zh-CN" altLang="en-US" sz="2400" b="1" dirty="0">
                 <a:latin typeface="Calibri" panose="020F0502020204030204" pitchFamily="34" charset="0"/>
                 <a:ea typeface="宋体" panose="02010600030101010101" pitchFamily="2" charset="-122"/>
-                <a:cs typeface="Times New Roman" panose="02020603050405020304" pitchFamily="18" charset="0"/>
+                <a:cs typeface="Times New Roman" panose="02020503050405090304" pitchFamily="18" charset="0"/>
               </a:rPr>
               <a:t>轮次</a:t>
             </a:r>
@@ -7320,7 +7054,7 @@
               <a:rPr lang="zh-CN" altLang="en-US" sz="2400" b="1" dirty="0" smtClean="0">
                 <a:latin typeface="Calibri" panose="020F0502020204030204" pitchFamily="34" charset="0"/>
                 <a:ea typeface="宋体" panose="02010600030101010101" pitchFamily="2" charset="-122"/>
-                <a:cs typeface="Times New Roman" panose="02020603050405020304" pitchFamily="18" charset="0"/>
+                <a:cs typeface="Times New Roman" panose="02020503050405090304" pitchFamily="18" charset="0"/>
               </a:rPr>
               <a:t> （</a:t>
             </a:r>
@@ -7328,7 +7062,7 @@
               <a:rPr lang="en-US" altLang="zh-CN" sz="2400" b="1" dirty="0" smtClean="0">
                 <a:latin typeface="Calibri" panose="020F0502020204030204" pitchFamily="34" charset="0"/>
                 <a:ea typeface="宋体" panose="02010600030101010101" pitchFamily="2" charset="-122"/>
-                <a:cs typeface="Times New Roman" panose="02020603050405020304" pitchFamily="18" charset="0"/>
+                <a:cs typeface="Times New Roman" panose="02020503050405090304" pitchFamily="18" charset="0"/>
               </a:rPr>
               <a:t>Turn Since</a:t>
             </a:r>
@@ -7336,22 +7070,14 @@
               <a:rPr lang="zh-CN" altLang="en-US" sz="2400" b="1" dirty="0" smtClean="0">
                 <a:latin typeface="Calibri" panose="020F0502020204030204" pitchFamily="34" charset="0"/>
                 <a:ea typeface="宋体" panose="02010600030101010101" pitchFamily="2" charset="-122"/>
-                <a:cs typeface="Times New Roman" panose="02020603050405020304" pitchFamily="18" charset="0"/>
+                <a:cs typeface="Times New Roman" panose="02020503050405090304" pitchFamily="18" charset="0"/>
               </a:rPr>
-              <a:t>）</a:t>
-            </a:r>
-            <a:r>
-              <a:rPr lang="zh-CN" altLang="en-US" sz="2400" b="1" dirty="0" smtClean="0">
-                <a:latin typeface="Calibri" panose="020F0502020204030204" pitchFamily="34" charset="0"/>
-                <a:ea typeface="宋体" panose="02010600030101010101" pitchFamily="2" charset="-122"/>
-                <a:cs typeface="Times New Roman" panose="02020603050405020304" pitchFamily="18" charset="0"/>
-              </a:rPr>
-              <a:t>：</a:t>
+              <a:t>）：</a:t>
             </a:r>
             <a:endParaRPr lang="zh-CN" altLang="zh-CN" sz="2400" b="1" dirty="0">
               <a:latin typeface="Calibri" panose="020F0502020204030204" pitchFamily="34" charset="0"/>
               <a:ea typeface="宋体" panose="02010600030101010101" pitchFamily="2" charset="-122"/>
-              <a:cs typeface="Times New Roman" panose="02020603050405020304" pitchFamily="18" charset="0"/>
+              <a:cs typeface="Times New Roman" panose="02020503050405090304" pitchFamily="18" charset="0"/>
             </a:endParaRPr>
           </a:p>
         </p:txBody>
@@ -7365,7 +7091,7 @@
           <p:nvPr/>
         </p:nvPicPr>
         <p:blipFill>
-          <a:blip r:embed="rId4"/>
+          <a:blip r:embed="rId1"/>
           <a:stretch>
             <a:fillRect/>
           </a:stretch>
@@ -7389,7 +7115,7 @@
           <p:nvPr/>
         </p:nvPicPr>
         <p:blipFill>
-          <a:blip r:embed="rId5"/>
+          <a:blip r:embed="rId2"/>
           <a:stretch>
             <a:fillRect/>
           </a:stretch>
@@ -7406,13 +7132,8 @@
       </p:pic>
     </p:spTree>
     <p:custDataLst>
-      <p:tags r:id="rId1"/>
+      <p:tags r:id="rId3"/>
     </p:custDataLst>
-    <p:extLst>
-      <p:ext uri="{BB962C8B-B14F-4D97-AF65-F5344CB8AC3E}">
-        <p14:creationId xmlns:p14="http://schemas.microsoft.com/office/powerpoint/2010/main" val="457599025"/>
-      </p:ext>
-    </p:extLst>
   </p:cSld>
   <p:clrMapOvr>
     <a:masterClrMapping/>
@@ -7620,9 +7341,9 @@
                   <a:solidFill>
                     <a:schemeClr val="bg1"/>
                   </a:solidFill>
-                  <a:latin typeface="Arial" panose="020B0604020202020204" pitchFamily="34" charset="0"/>
+                  <a:latin typeface="Arial" panose="020B0604020202090204" pitchFamily="34" charset="0"/>
                   <a:ea typeface="微软雅黑" panose="020B0503020204020204" pitchFamily="34" charset="-122"/>
-                  <a:sym typeface="Arial" panose="020B0604020202020204" pitchFamily="34" charset="0"/>
+                  <a:sym typeface="Arial" panose="020B0604020202090204" pitchFamily="34" charset="0"/>
                 </a:rPr>
                 <a:t>AlphaGo</a:t>
               </a:r>
@@ -7631,9 +7352,9 @@
                   <a:solidFill>
                     <a:schemeClr val="bg1"/>
                   </a:solidFill>
-                  <a:latin typeface="Arial" panose="020B0604020202020204" pitchFamily="34" charset="0"/>
+                  <a:latin typeface="Arial" panose="020B0604020202090204" pitchFamily="34" charset="0"/>
                   <a:ea typeface="微软雅黑" panose="020B0503020204020204" pitchFamily="34" charset="-122"/>
-                  <a:sym typeface="Arial" panose="020B0604020202020204" pitchFamily="34" charset="0"/>
+                  <a:sym typeface="Arial" panose="020B0604020202090204" pitchFamily="34" charset="0"/>
                 </a:rPr>
                 <a:t> </a:t>
               </a:r>
@@ -7642,9 +7363,9 @@
                   <a:solidFill>
                     <a:schemeClr val="bg1"/>
                   </a:solidFill>
-                  <a:latin typeface="Arial" panose="020B0604020202020204" pitchFamily="34" charset="0"/>
+                  <a:latin typeface="Arial" panose="020B0604020202090204" pitchFamily="34" charset="0"/>
                   <a:ea typeface="微软雅黑" panose="020B0503020204020204" pitchFamily="34" charset="-122"/>
-                  <a:sym typeface="Arial" panose="020B0604020202020204" pitchFamily="34" charset="0"/>
+                  <a:sym typeface="Arial" panose="020B0604020202090204" pitchFamily="34" charset="0"/>
                 </a:rPr>
                 <a:t>原理</a:t>
               </a:r>
@@ -7652,9 +7373,9 @@
                 <a:solidFill>
                   <a:schemeClr val="bg1"/>
                 </a:solidFill>
-                <a:latin typeface="Arial" panose="020B0604020202020204" pitchFamily="34" charset="0"/>
+                <a:latin typeface="Arial" panose="020B0604020202090204" pitchFamily="34" charset="0"/>
                 <a:ea typeface="微软雅黑" panose="020B0503020204020204" pitchFamily="34" charset="-122"/>
-                <a:sym typeface="Arial" panose="020B0604020202020204" pitchFamily="34" charset="0"/>
+                <a:sym typeface="Arial" panose="020B0604020202090204" pitchFamily="34" charset="0"/>
               </a:endParaRPr>
             </a:p>
           </p:txBody>
@@ -7705,9 +7426,9 @@
                 <a:solidFill>
                   <a:schemeClr val="bg1"/>
                 </a:solidFill>
-                <a:latin typeface="Arial" panose="020B0604020202020204" pitchFamily="34" charset="0"/>
+                <a:latin typeface="Arial" panose="020B0604020202090204" pitchFamily="34" charset="0"/>
                 <a:ea typeface="微软雅黑" panose="020B0503020204020204" pitchFamily="34" charset="-122"/>
-                <a:sym typeface="Arial" panose="020B0604020202020204" pitchFamily="34" charset="0"/>
+                <a:sym typeface="Arial" panose="020B0604020202090204" pitchFamily="34" charset="0"/>
               </a:endParaRPr>
             </a:p>
           </p:txBody>
@@ -7778,7 +7499,7 @@
               <a:rPr lang="zh-CN" altLang="en-US" sz="2400" b="1" dirty="0" smtClean="0">
                 <a:latin typeface="Calibri" panose="020F0502020204030204" pitchFamily="34" charset="0"/>
                 <a:ea typeface="宋体" panose="02010600030101010101" pitchFamily="2" charset="-122"/>
-                <a:cs typeface="Times New Roman" panose="02020603050405020304" pitchFamily="18" charset="0"/>
+                <a:cs typeface="Times New Roman" panose="02020503050405090304" pitchFamily="18" charset="0"/>
               </a:rPr>
               <a:t>深度策略网络           </a:t>
             </a:r>
@@ -7786,7 +7507,7 @@
               <a:rPr lang="en-US" altLang="zh-CN" sz="2400" b="1" dirty="0" smtClean="0">
                 <a:latin typeface="Calibri" panose="020F0502020204030204" pitchFamily="34" charset="0"/>
                 <a:ea typeface="宋体" panose="02010600030101010101" pitchFamily="2" charset="-122"/>
-                <a:cs typeface="Times New Roman" panose="02020603050405020304" pitchFamily="18" charset="0"/>
+                <a:cs typeface="Times New Roman" panose="02020503050405090304" pitchFamily="18" charset="0"/>
               </a:rPr>
               <a:t>:  (Supervised Learning Policy Network)</a:t>
             </a:r>
@@ -7794,14 +7515,14 @@
               <a:rPr lang="zh-CN" altLang="en-US" sz="2400" b="1" dirty="0" smtClean="0">
                 <a:latin typeface="Calibri" panose="020F0502020204030204" pitchFamily="34" charset="0"/>
                 <a:ea typeface="宋体" panose="02010600030101010101" pitchFamily="2" charset="-122"/>
-                <a:cs typeface="Times New Roman" panose="02020603050405020304" pitchFamily="18" charset="0"/>
+                <a:cs typeface="Times New Roman" panose="02020503050405090304" pitchFamily="18" charset="0"/>
               </a:rPr>
               <a:t>，</a:t>
             </a:r>
             <a:endParaRPr lang="en-US" altLang="zh-CN" sz="2400" b="1" dirty="0" smtClean="0">
               <a:latin typeface="Calibri" panose="020F0502020204030204" pitchFamily="34" charset="0"/>
               <a:ea typeface="宋体" panose="02010600030101010101" pitchFamily="2" charset="-122"/>
-              <a:cs typeface="Times New Roman" panose="02020603050405020304" pitchFamily="18" charset="0"/>
+              <a:cs typeface="Times New Roman" panose="02020503050405090304" pitchFamily="18" charset="0"/>
             </a:endParaRPr>
           </a:p>
         </p:txBody>
@@ -7815,7 +7536,7 @@
           <p:nvPr/>
         </p:nvPicPr>
         <p:blipFill>
-          <a:blip r:embed="rId4"/>
+          <a:blip r:embed="rId1"/>
           <a:stretch>
             <a:fillRect/>
           </a:stretch>
@@ -7839,7 +7560,7 @@
           <p:nvPr/>
         </p:nvPicPr>
         <p:blipFill>
-          <a:blip r:embed="rId5"/>
+          <a:blip r:embed="rId2"/>
           <a:stretch>
             <a:fillRect/>
           </a:stretch>
@@ -7882,7 +7603,7 @@
             </a:pPr>
             <a:endParaRPr lang="en-US" altLang="zh-CN" b="1" dirty="0">
               <a:latin typeface="Calibri" panose="020F0502020204030204" pitchFamily="34" charset="0"/>
-              <a:cs typeface="Times New Roman" panose="02020603050405020304" pitchFamily="18" charset="0"/>
+              <a:cs typeface="Times New Roman" panose="02020503050405090304" pitchFamily="18" charset="0"/>
             </a:endParaRPr>
           </a:p>
           <a:p>
@@ -7895,7 +7616,7 @@
               <a:rPr lang="zh-CN" altLang="en-US" sz="2400" b="1" dirty="0">
                 <a:latin typeface="Calibri" panose="020F0502020204030204" pitchFamily="34" charset="0"/>
                 <a:ea typeface="宋体" panose="02010600030101010101" pitchFamily="2" charset="-122"/>
-                <a:cs typeface="Times New Roman" panose="02020603050405020304" pitchFamily="18" charset="0"/>
+                <a:cs typeface="Times New Roman" panose="02020503050405090304" pitchFamily="18" charset="0"/>
               </a:rPr>
               <a:t>气（</a:t>
             </a:r>
@@ -7903,7 +7624,7 @@
               <a:rPr lang="en-US" altLang="zh-CN" sz="2400" b="1" dirty="0">
                 <a:latin typeface="Calibri" panose="020F0502020204030204" pitchFamily="34" charset="0"/>
                 <a:ea typeface="宋体" panose="02010600030101010101" pitchFamily="2" charset="-122"/>
-                <a:cs typeface="Times New Roman" panose="02020603050405020304" pitchFamily="18" charset="0"/>
+                <a:cs typeface="Times New Roman" panose="02020503050405090304" pitchFamily="18" charset="0"/>
               </a:rPr>
               <a:t>Liberty</a:t>
             </a:r>
@@ -7911,14 +7632,14 @@
               <a:rPr lang="zh-CN" altLang="en-US" sz="2400" b="1" dirty="0">
                 <a:latin typeface="Calibri" panose="020F0502020204030204" pitchFamily="34" charset="0"/>
                 <a:ea typeface="宋体" panose="02010600030101010101" pitchFamily="2" charset="-122"/>
-                <a:cs typeface="Times New Roman" panose="02020603050405020304" pitchFamily="18" charset="0"/>
+                <a:cs typeface="Times New Roman" panose="02020503050405090304" pitchFamily="18" charset="0"/>
               </a:rPr>
               <a:t>）：</a:t>
             </a:r>
             <a:endParaRPr lang="zh-CN" altLang="zh-CN" sz="2400" b="1" dirty="0">
               <a:latin typeface="Calibri" panose="020F0502020204030204" pitchFamily="34" charset="0"/>
               <a:ea typeface="宋体" panose="02010600030101010101" pitchFamily="2" charset="-122"/>
-              <a:cs typeface="Times New Roman" panose="02020603050405020304" pitchFamily="18" charset="0"/>
+              <a:cs typeface="Times New Roman" panose="02020503050405090304" pitchFamily="18" charset="0"/>
             </a:endParaRPr>
           </a:p>
         </p:txBody>
@@ -7932,7 +7653,7 @@
           <p:nvPr/>
         </p:nvPicPr>
         <p:blipFill>
-          <a:blip r:embed="rId6"/>
+          <a:blip r:embed="rId3"/>
           <a:stretch>
             <a:fillRect/>
           </a:stretch>
@@ -7977,14 +7698,14 @@
               <a:rPr lang="zh-CN" altLang="en-US" sz="2400" b="1" dirty="0" smtClean="0">
                 <a:latin typeface="Calibri" panose="020F0502020204030204" pitchFamily="34" charset="0"/>
                 <a:ea typeface="宋体" panose="02010600030101010101" pitchFamily="2" charset="-122"/>
-                <a:cs typeface="Times New Roman" panose="02020603050405020304" pitchFamily="18" charset="0"/>
+                <a:cs typeface="Times New Roman" panose="02020503050405090304" pitchFamily="18" charset="0"/>
               </a:rPr>
               <a:t>打吃数量：</a:t>
             </a:r>
             <a:endParaRPr lang="zh-CN" altLang="zh-CN" sz="2400" b="1" dirty="0">
               <a:latin typeface="Calibri" panose="020F0502020204030204" pitchFamily="34" charset="0"/>
               <a:ea typeface="宋体" panose="02010600030101010101" pitchFamily="2" charset="-122"/>
-              <a:cs typeface="Times New Roman" panose="02020603050405020304" pitchFamily="18" charset="0"/>
+              <a:cs typeface="Times New Roman" panose="02020503050405090304" pitchFamily="18" charset="0"/>
             </a:endParaRPr>
           </a:p>
         </p:txBody>
@@ -7998,7 +7719,7 @@
           <p:nvPr/>
         </p:nvPicPr>
         <p:blipFill>
-          <a:blip r:embed="rId7"/>
+          <a:blip r:embed="rId4"/>
           <a:stretch>
             <a:fillRect/>
           </a:stretch>
@@ -8043,7 +7764,7 @@
               <a:rPr lang="zh-CN" altLang="en-US" sz="2400" b="1" dirty="0" smtClean="0">
                 <a:latin typeface="Calibri" panose="020F0502020204030204" pitchFamily="34" charset="0"/>
                 <a:ea typeface="宋体" panose="02010600030101010101" pitchFamily="2" charset="-122"/>
-                <a:cs typeface="Times New Roman" panose="02020603050405020304" pitchFamily="18" charset="0"/>
+                <a:cs typeface="Times New Roman" panose="02020503050405090304" pitchFamily="18" charset="0"/>
               </a:rPr>
               <a:t>征子（</a:t>
             </a:r>
@@ -8051,7 +7772,7 @@
               <a:rPr lang="en-US" altLang="zh-CN" sz="2400" b="1" dirty="0" smtClean="0">
                 <a:latin typeface="Calibri" panose="020F0502020204030204" pitchFamily="34" charset="0"/>
                 <a:ea typeface="宋体" panose="02010600030101010101" pitchFamily="2" charset="-122"/>
-                <a:cs typeface="Times New Roman" panose="02020603050405020304" pitchFamily="18" charset="0"/>
+                <a:cs typeface="Times New Roman" panose="02020503050405090304" pitchFamily="18" charset="0"/>
               </a:rPr>
               <a:t>Ladder</a:t>
             </a:r>
@@ -8059,14 +7780,14 @@
               <a:rPr lang="zh-CN" altLang="en-US" sz="2400" b="1" dirty="0" smtClean="0">
                 <a:latin typeface="Calibri" panose="020F0502020204030204" pitchFamily="34" charset="0"/>
                 <a:ea typeface="宋体" panose="02010600030101010101" pitchFamily="2" charset="-122"/>
-                <a:cs typeface="Times New Roman" panose="02020603050405020304" pitchFamily="18" charset="0"/>
+                <a:cs typeface="Times New Roman" panose="02020503050405090304" pitchFamily="18" charset="0"/>
               </a:rPr>
               <a:t>）：</a:t>
             </a:r>
             <a:endParaRPr lang="zh-CN" altLang="zh-CN" sz="2400" b="1" dirty="0">
               <a:latin typeface="Calibri" panose="020F0502020204030204" pitchFamily="34" charset="0"/>
               <a:ea typeface="宋体" panose="02010600030101010101" pitchFamily="2" charset="-122"/>
-              <a:cs typeface="Times New Roman" panose="02020603050405020304" pitchFamily="18" charset="0"/>
+              <a:cs typeface="Times New Roman" panose="02020503050405090304" pitchFamily="18" charset="0"/>
             </a:endParaRPr>
           </a:p>
         </p:txBody>
@@ -8080,7 +7801,7 @@
           <p:nvPr/>
         </p:nvPicPr>
         <p:blipFill>
-          <a:blip r:embed="rId8"/>
+          <a:blip r:embed="rId5"/>
           <a:stretch>
             <a:fillRect/>
           </a:stretch>
@@ -8123,7 +7844,7 @@
             </a:pPr>
             <a:endParaRPr lang="en-US" altLang="zh-CN" b="1" dirty="0">
               <a:latin typeface="Calibri" panose="020F0502020204030204" pitchFamily="34" charset="0"/>
-              <a:cs typeface="Times New Roman" panose="02020603050405020304" pitchFamily="18" charset="0"/>
+              <a:cs typeface="Times New Roman" panose="02020503050405090304" pitchFamily="18" charset="0"/>
             </a:endParaRPr>
           </a:p>
           <a:p>
@@ -8136,7 +7857,7 @@
               <a:rPr lang="zh-CN" altLang="en-US" sz="2400" b="1" dirty="0">
                 <a:latin typeface="Calibri" panose="020F0502020204030204" pitchFamily="34" charset="0"/>
                 <a:ea typeface="宋体" panose="02010600030101010101" pitchFamily="2" charset="-122"/>
-                <a:cs typeface="Times New Roman" panose="02020603050405020304" pitchFamily="18" charset="0"/>
+                <a:cs typeface="Times New Roman" panose="02020503050405090304" pitchFamily="18" charset="0"/>
               </a:rPr>
               <a:t>合法性</a:t>
             </a:r>
@@ -8144,7 +7865,7 @@
               <a:rPr lang="zh-CN" altLang="en-US" sz="2400" b="1" dirty="0" smtClean="0">
                 <a:latin typeface="Calibri" panose="020F0502020204030204" pitchFamily="34" charset="0"/>
                 <a:ea typeface="宋体" panose="02010600030101010101" pitchFamily="2" charset="-122"/>
-                <a:cs typeface="Times New Roman" panose="02020603050405020304" pitchFamily="18" charset="0"/>
+                <a:cs typeface="Times New Roman" panose="02020503050405090304" pitchFamily="18" charset="0"/>
               </a:rPr>
               <a:t>（</a:t>
             </a:r>
@@ -8152,7 +7873,7 @@
               <a:rPr lang="en-US" altLang="zh-CN" sz="2400" b="1" dirty="0" smtClean="0">
                 <a:latin typeface="Calibri" panose="020F0502020204030204" pitchFamily="34" charset="0"/>
                 <a:ea typeface="宋体" panose="02010600030101010101" pitchFamily="2" charset="-122"/>
-                <a:cs typeface="Times New Roman" panose="02020603050405020304" pitchFamily="18" charset="0"/>
+                <a:cs typeface="Times New Roman" panose="02020503050405090304" pitchFamily="18" charset="0"/>
               </a:rPr>
               <a:t>Sensibility</a:t>
             </a:r>
@@ -8160,27 +7881,22 @@
               <a:rPr lang="zh-CN" altLang="en-US" sz="2400" b="1" dirty="0" smtClean="0">
                 <a:latin typeface="Calibri" panose="020F0502020204030204" pitchFamily="34" charset="0"/>
                 <a:ea typeface="宋体" panose="02010600030101010101" pitchFamily="2" charset="-122"/>
-                <a:cs typeface="Times New Roman" panose="02020603050405020304" pitchFamily="18" charset="0"/>
+                <a:cs typeface="Times New Roman" panose="02020503050405090304" pitchFamily="18" charset="0"/>
               </a:rPr>
               <a:t>）：</a:t>
             </a:r>
             <a:endParaRPr lang="zh-CN" altLang="zh-CN" sz="2400" b="1" dirty="0">
               <a:latin typeface="Calibri" panose="020F0502020204030204" pitchFamily="34" charset="0"/>
               <a:ea typeface="宋体" panose="02010600030101010101" pitchFamily="2" charset="-122"/>
-              <a:cs typeface="Times New Roman" panose="02020603050405020304" pitchFamily="18" charset="0"/>
+              <a:cs typeface="Times New Roman" panose="02020503050405090304" pitchFamily="18" charset="0"/>
             </a:endParaRPr>
           </a:p>
         </p:txBody>
       </p:sp>
     </p:spTree>
     <p:custDataLst>
-      <p:tags r:id="rId1"/>
+      <p:tags r:id="rId6"/>
     </p:custDataLst>
-    <p:extLst>
-      <p:ext uri="{BB962C8B-B14F-4D97-AF65-F5344CB8AC3E}">
-        <p14:creationId xmlns:p14="http://schemas.microsoft.com/office/powerpoint/2010/main" val="1555204469"/>
-      </p:ext>
-    </p:extLst>
   </p:cSld>
   <p:clrMapOvr>
     <a:masterClrMapping/>
@@ -8388,9 +8104,9 @@
                   <a:solidFill>
                     <a:schemeClr val="bg1"/>
                   </a:solidFill>
-                  <a:latin typeface="Arial" panose="020B0604020202020204" pitchFamily="34" charset="0"/>
+                  <a:latin typeface="Arial" panose="020B0604020202090204" pitchFamily="34" charset="0"/>
                   <a:ea typeface="微软雅黑" panose="020B0503020204020204" pitchFamily="34" charset="-122"/>
-                  <a:sym typeface="Arial" panose="020B0604020202020204" pitchFamily="34" charset="0"/>
+                  <a:sym typeface="Arial" panose="020B0604020202090204" pitchFamily="34" charset="0"/>
                 </a:rPr>
                 <a:t>AlphaGo</a:t>
               </a:r>
@@ -8399,9 +8115,9 @@
                   <a:solidFill>
                     <a:schemeClr val="bg1"/>
                   </a:solidFill>
-                  <a:latin typeface="Arial" panose="020B0604020202020204" pitchFamily="34" charset="0"/>
+                  <a:latin typeface="Arial" panose="020B0604020202090204" pitchFamily="34" charset="0"/>
                   <a:ea typeface="微软雅黑" panose="020B0503020204020204" pitchFamily="34" charset="-122"/>
-                  <a:sym typeface="Arial" panose="020B0604020202020204" pitchFamily="34" charset="0"/>
+                  <a:sym typeface="Arial" panose="020B0604020202090204" pitchFamily="34" charset="0"/>
                 </a:rPr>
                 <a:t> </a:t>
               </a:r>
@@ -8410,9 +8126,9 @@
                   <a:solidFill>
                     <a:schemeClr val="bg1"/>
                   </a:solidFill>
-                  <a:latin typeface="Arial" panose="020B0604020202020204" pitchFamily="34" charset="0"/>
+                  <a:latin typeface="Arial" panose="020B0604020202090204" pitchFamily="34" charset="0"/>
                   <a:ea typeface="微软雅黑" panose="020B0503020204020204" pitchFamily="34" charset="-122"/>
-                  <a:sym typeface="Arial" panose="020B0604020202020204" pitchFamily="34" charset="0"/>
+                  <a:sym typeface="Arial" panose="020B0604020202090204" pitchFamily="34" charset="0"/>
                 </a:rPr>
                 <a:t>原理</a:t>
               </a:r>
@@ -8420,9 +8136,9 @@
                 <a:solidFill>
                   <a:schemeClr val="bg1"/>
                 </a:solidFill>
-                <a:latin typeface="Arial" panose="020B0604020202020204" pitchFamily="34" charset="0"/>
+                <a:latin typeface="Arial" panose="020B0604020202090204" pitchFamily="34" charset="0"/>
                 <a:ea typeface="微软雅黑" panose="020B0503020204020204" pitchFamily="34" charset="-122"/>
-                <a:sym typeface="Arial" panose="020B0604020202020204" pitchFamily="34" charset="0"/>
+                <a:sym typeface="Arial" panose="020B0604020202090204" pitchFamily="34" charset="0"/>
               </a:endParaRPr>
             </a:p>
           </p:txBody>
@@ -8473,9 +8189,9 @@
                 <a:solidFill>
                   <a:schemeClr val="bg1"/>
                 </a:solidFill>
-                <a:latin typeface="Arial" panose="020B0604020202020204" pitchFamily="34" charset="0"/>
+                <a:latin typeface="Arial" panose="020B0604020202090204" pitchFamily="34" charset="0"/>
                 <a:ea typeface="微软雅黑" panose="020B0503020204020204" pitchFamily="34" charset="-122"/>
-                <a:sym typeface="Arial" panose="020B0604020202020204" pitchFamily="34" charset="0"/>
+                <a:sym typeface="Arial" panose="020B0604020202090204" pitchFamily="34" charset="0"/>
               </a:endParaRPr>
             </a:p>
           </p:txBody>
@@ -8546,7 +8262,7 @@
               <a:rPr lang="zh-CN" altLang="en-US" sz="2400" b="1" dirty="0" smtClean="0">
                 <a:latin typeface="Calibri" panose="020F0502020204030204" pitchFamily="34" charset="0"/>
                 <a:ea typeface="宋体" panose="02010600030101010101" pitchFamily="2" charset="-122"/>
-                <a:cs typeface="Times New Roman" panose="02020603050405020304" pitchFamily="18" charset="0"/>
+                <a:cs typeface="Times New Roman" panose="02020503050405090304" pitchFamily="18" charset="0"/>
               </a:rPr>
               <a:t>深度策略网络           </a:t>
             </a:r>
@@ -8554,7 +8270,7 @@
               <a:rPr lang="en-US" altLang="zh-CN" sz="2400" b="1" dirty="0" smtClean="0">
                 <a:latin typeface="Calibri" panose="020F0502020204030204" pitchFamily="34" charset="0"/>
                 <a:ea typeface="宋体" panose="02010600030101010101" pitchFamily="2" charset="-122"/>
-                <a:cs typeface="Times New Roman" panose="02020603050405020304" pitchFamily="18" charset="0"/>
+                <a:cs typeface="Times New Roman" panose="02020503050405090304" pitchFamily="18" charset="0"/>
               </a:rPr>
               <a:t>:  (Reinforcement Learning Policy Network)</a:t>
             </a:r>
@@ -8562,7 +8278,7 @@
               <a:rPr lang="zh-CN" altLang="en-US" sz="2400" b="1" dirty="0" smtClean="0">
                 <a:latin typeface="Calibri" panose="020F0502020204030204" pitchFamily="34" charset="0"/>
                 <a:ea typeface="宋体" panose="02010600030101010101" pitchFamily="2" charset="-122"/>
-                <a:cs typeface="Times New Roman" panose="02020603050405020304" pitchFamily="18" charset="0"/>
+                <a:cs typeface="Times New Roman" panose="02020503050405090304" pitchFamily="18" charset="0"/>
               </a:rPr>
               <a:t> </a:t>
             </a:r>
@@ -8570,14 +8286,14 @@
               <a:rPr lang="en-US" altLang="zh-CN" sz="2400" b="1" dirty="0" smtClean="0">
                 <a:latin typeface="Calibri" panose="020F0502020204030204" pitchFamily="34" charset="0"/>
                 <a:ea typeface="宋体" panose="02010600030101010101" pitchFamily="2" charset="-122"/>
-                <a:cs typeface="Times New Roman" panose="02020603050405020304" pitchFamily="18" charset="0"/>
+                <a:cs typeface="Times New Roman" panose="02020503050405090304" pitchFamily="18" charset="0"/>
               </a:rPr>
               <a:t> </a:t>
             </a:r>
             <a:endParaRPr lang="zh-CN" altLang="zh-CN" sz="2400" b="1" dirty="0">
               <a:latin typeface="Calibri" panose="020F0502020204030204" pitchFamily="34" charset="0"/>
               <a:ea typeface="宋体" panose="02010600030101010101" pitchFamily="2" charset="-122"/>
-              <a:cs typeface="Times New Roman" panose="02020603050405020304" pitchFamily="18" charset="0"/>
+              <a:cs typeface="Times New Roman" panose="02020503050405090304" pitchFamily="18" charset="0"/>
             </a:endParaRPr>
           </a:p>
         </p:txBody>
@@ -8591,7 +8307,7 @@
           <p:nvPr/>
         </p:nvPicPr>
         <p:blipFill>
-          <a:blip r:embed="rId4"/>
+          <a:blip r:embed="rId1"/>
           <a:stretch>
             <a:fillRect/>
           </a:stretch>
@@ -8637,14 +8353,14 @@
               <a:rPr lang="zh-CN" altLang="en-US" sz="2400" b="1" dirty="0" smtClean="0">
                 <a:latin typeface="Calibri" panose="020F0502020204030204" pitchFamily="34" charset="0"/>
                 <a:ea typeface="宋体" panose="02010600030101010101" pitchFamily="2" charset="-122"/>
-                <a:cs typeface="Times New Roman" panose="02020603050405020304" pitchFamily="18" charset="0"/>
+                <a:cs typeface="Times New Roman" panose="02020503050405090304" pitchFamily="18" charset="0"/>
               </a:rPr>
               <a:t>网络结构、输入输出与         完全一样。</a:t>
             </a:r>
             <a:endParaRPr lang="en-US" altLang="zh-CN" sz="2400" b="1" dirty="0" smtClean="0">
               <a:latin typeface="Calibri" panose="020F0502020204030204" pitchFamily="34" charset="0"/>
               <a:ea typeface="宋体" panose="02010600030101010101" pitchFamily="2" charset="-122"/>
-              <a:cs typeface="Times New Roman" panose="02020603050405020304" pitchFamily="18" charset="0"/>
+              <a:cs typeface="Times New Roman" panose="02020503050405090304" pitchFamily="18" charset="0"/>
             </a:endParaRPr>
           </a:p>
           <a:p>
@@ -8656,7 +8372,7 @@
             <a:endParaRPr lang="en-US" altLang="zh-CN" sz="2400" b="1" dirty="0">
               <a:latin typeface="Calibri" panose="020F0502020204030204" pitchFamily="34" charset="0"/>
               <a:ea typeface="宋体" panose="02010600030101010101" pitchFamily="2" charset="-122"/>
-              <a:cs typeface="Times New Roman" panose="02020603050405020304" pitchFamily="18" charset="0"/>
+              <a:cs typeface="Times New Roman" panose="02020503050405090304" pitchFamily="18" charset="0"/>
             </a:endParaRPr>
           </a:p>
           <a:p>
@@ -8668,7 +8384,7 @@
             <a:endParaRPr lang="en-US" altLang="zh-CN" sz="2400" b="1" dirty="0" smtClean="0">
               <a:latin typeface="Calibri" panose="020F0502020204030204" pitchFamily="34" charset="0"/>
               <a:ea typeface="宋体" panose="02010600030101010101" pitchFamily="2" charset="-122"/>
-              <a:cs typeface="Times New Roman" panose="02020603050405020304" pitchFamily="18" charset="0"/>
+              <a:cs typeface="Times New Roman" panose="02020503050405090304" pitchFamily="18" charset="0"/>
             </a:endParaRPr>
           </a:p>
           <a:p>
@@ -8681,7 +8397,7 @@
               <a:rPr lang="en-US" altLang="zh-CN" sz="2400" b="1" dirty="0" smtClean="0">
                 <a:latin typeface="Calibri" panose="020F0502020204030204" pitchFamily="34" charset="0"/>
                 <a:ea typeface="宋体" panose="02010600030101010101" pitchFamily="2" charset="-122"/>
-                <a:cs typeface="Times New Roman" panose="02020603050405020304" pitchFamily="18" charset="0"/>
+                <a:cs typeface="Times New Roman" panose="02020503050405090304" pitchFamily="18" charset="0"/>
               </a:rPr>
               <a:t>2. </a:t>
             </a:r>
@@ -8689,7 +8405,7 @@
               <a:rPr lang="zh-CN" altLang="en-US" sz="2400" b="1" dirty="0">
                 <a:latin typeface="Calibri" panose="020F0502020204030204" pitchFamily="34" charset="0"/>
                 <a:ea typeface="宋体" panose="02010600030101010101" pitchFamily="2" charset="-122"/>
-                <a:cs typeface="Times New Roman" panose="02020603050405020304" pitchFamily="18" charset="0"/>
+                <a:cs typeface="Times New Roman" panose="02020503050405090304" pitchFamily="18" charset="0"/>
               </a:rPr>
               <a:t>一开</a:t>
             </a:r>
@@ -8697,14 +8413,14 @@
               <a:rPr lang="zh-CN" altLang="en-US" sz="2400" b="1" dirty="0" smtClean="0">
                 <a:latin typeface="Calibri" panose="020F0502020204030204" pitchFamily="34" charset="0"/>
                 <a:ea typeface="宋体" panose="02010600030101010101" pitchFamily="2" charset="-122"/>
-                <a:cs typeface="Times New Roman" panose="02020603050405020304" pitchFamily="18" charset="0"/>
+                <a:cs typeface="Times New Roman" panose="02020503050405090304" pitchFamily="18" charset="0"/>
               </a:rPr>
               <a:t>始初始化网络参数</a:t>
             </a:r>
             <a:endParaRPr lang="en-US" altLang="zh-CN" sz="2400" b="1" dirty="0" smtClean="0">
               <a:latin typeface="Calibri" panose="020F0502020204030204" pitchFamily="34" charset="0"/>
               <a:ea typeface="宋体" panose="02010600030101010101" pitchFamily="2" charset="-122"/>
-              <a:cs typeface="Times New Roman" panose="02020603050405020304" pitchFamily="18" charset="0"/>
+              <a:cs typeface="Times New Roman" panose="02020503050405090304" pitchFamily="18" charset="0"/>
             </a:endParaRPr>
           </a:p>
           <a:p>
@@ -8717,14 +8433,14 @@
               <a:rPr lang="zh-CN" altLang="en-US" sz="2400" b="1" dirty="0" smtClean="0">
                 <a:latin typeface="Calibri" panose="020F0502020204030204" pitchFamily="34" charset="0"/>
                 <a:ea typeface="宋体" panose="02010600030101010101" pitchFamily="2" charset="-122"/>
-                <a:cs typeface="Times New Roman" panose="02020603050405020304" pitchFamily="18" charset="0"/>
+                <a:cs typeface="Times New Roman" panose="02020503050405090304" pitchFamily="18" charset="0"/>
               </a:rPr>
               <a:t> </a:t>
             </a:r>
             <a:endParaRPr lang="en-US" altLang="zh-CN" sz="2400" b="1" dirty="0" smtClean="0">
               <a:latin typeface="Calibri" panose="020F0502020204030204" pitchFamily="34" charset="0"/>
               <a:ea typeface="宋体" panose="02010600030101010101" pitchFamily="2" charset="-122"/>
-              <a:cs typeface="Times New Roman" panose="02020603050405020304" pitchFamily="18" charset="0"/>
+              <a:cs typeface="Times New Roman" panose="02020503050405090304" pitchFamily="18" charset="0"/>
             </a:endParaRPr>
           </a:p>
           <a:p>
@@ -8736,7 +8452,7 @@
             <a:endParaRPr lang="en-US" altLang="zh-CN" sz="2400" b="1" dirty="0">
               <a:latin typeface="Calibri" panose="020F0502020204030204" pitchFamily="34" charset="0"/>
               <a:ea typeface="宋体" panose="02010600030101010101" pitchFamily="2" charset="-122"/>
-              <a:cs typeface="Times New Roman" panose="02020603050405020304" pitchFamily="18" charset="0"/>
+              <a:cs typeface="Times New Roman" panose="02020503050405090304" pitchFamily="18" charset="0"/>
             </a:endParaRPr>
           </a:p>
           <a:p>
@@ -8749,7 +8465,7 @@
               <a:rPr lang="en-US" altLang="zh-CN" sz="2400" b="1" dirty="0" smtClean="0">
                 <a:latin typeface="Calibri" panose="020F0502020204030204" pitchFamily="34" charset="0"/>
                 <a:ea typeface="宋体" panose="02010600030101010101" pitchFamily="2" charset="-122"/>
-                <a:cs typeface="Times New Roman" panose="02020603050405020304" pitchFamily="18" charset="0"/>
+                <a:cs typeface="Times New Roman" panose="02020503050405090304" pitchFamily="18" charset="0"/>
               </a:rPr>
               <a:t>3. </a:t>
             </a:r>
@@ -8757,14 +8473,14 @@
               <a:rPr lang="zh-CN" altLang="en-US" sz="2400" b="1" dirty="0" smtClean="0">
                 <a:latin typeface="Calibri" panose="020F0502020204030204" pitchFamily="34" charset="0"/>
                 <a:ea typeface="宋体" panose="02010600030101010101" pitchFamily="2" charset="-122"/>
-                <a:cs typeface="Times New Roman" panose="02020603050405020304" pitchFamily="18" charset="0"/>
+                <a:cs typeface="Times New Roman" panose="02020503050405090304" pitchFamily="18" charset="0"/>
               </a:rPr>
               <a:t>参数更新策略，自己和自己下棋，不断下下去直到分出胜负。</a:t>
             </a:r>
             <a:endParaRPr lang="en-US" altLang="zh-CN" sz="2400" b="1" dirty="0" smtClean="0">
               <a:latin typeface="Calibri" panose="020F0502020204030204" pitchFamily="34" charset="0"/>
               <a:ea typeface="宋体" panose="02010600030101010101" pitchFamily="2" charset="-122"/>
-              <a:cs typeface="Times New Roman" panose="02020603050405020304" pitchFamily="18" charset="0"/>
+              <a:cs typeface="Times New Roman" panose="02020503050405090304" pitchFamily="18" charset="0"/>
             </a:endParaRPr>
           </a:p>
           <a:p>
@@ -8776,7 +8492,7 @@
             <a:endParaRPr lang="en-US" altLang="zh-CN" sz="2400" b="1" dirty="0">
               <a:latin typeface="Calibri" panose="020F0502020204030204" pitchFamily="34" charset="0"/>
               <a:ea typeface="宋体" panose="02010600030101010101" pitchFamily="2" charset="-122"/>
-              <a:cs typeface="Times New Roman" panose="02020603050405020304" pitchFamily="18" charset="0"/>
+              <a:cs typeface="Times New Roman" panose="02020503050405090304" pitchFamily="18" charset="0"/>
             </a:endParaRPr>
           </a:p>
           <a:p>
@@ -8788,7 +8504,7 @@
             <a:endParaRPr lang="en-US" altLang="zh-CN" sz="2400" b="1" dirty="0" smtClean="0">
               <a:latin typeface="Calibri" panose="020F0502020204030204" pitchFamily="34" charset="0"/>
               <a:ea typeface="宋体" panose="02010600030101010101" pitchFamily="2" charset="-122"/>
-              <a:cs typeface="Times New Roman" panose="02020603050405020304" pitchFamily="18" charset="0"/>
+              <a:cs typeface="Times New Roman" panose="02020503050405090304" pitchFamily="18" charset="0"/>
             </a:endParaRPr>
           </a:p>
           <a:p>
@@ -8800,7 +8516,7 @@
             <a:endParaRPr lang="en-US" altLang="zh-CN" sz="2400" b="1" dirty="0">
               <a:latin typeface="Calibri" panose="020F0502020204030204" pitchFamily="34" charset="0"/>
               <a:ea typeface="宋体" panose="02010600030101010101" pitchFamily="2" charset="-122"/>
-              <a:cs typeface="Times New Roman" panose="02020603050405020304" pitchFamily="18" charset="0"/>
+              <a:cs typeface="Times New Roman" panose="02020503050405090304" pitchFamily="18" charset="0"/>
             </a:endParaRPr>
           </a:p>
           <a:p>
@@ -8812,7 +8528,7 @@
             <a:endParaRPr lang="en-US" altLang="zh-CN" sz="2400" b="1" dirty="0" smtClean="0">
               <a:latin typeface="Calibri" panose="020F0502020204030204" pitchFamily="34" charset="0"/>
               <a:ea typeface="宋体" panose="02010600030101010101" pitchFamily="2" charset="-122"/>
-              <a:cs typeface="Times New Roman" panose="02020603050405020304" pitchFamily="18" charset="0"/>
+              <a:cs typeface="Times New Roman" panose="02020503050405090304" pitchFamily="18" charset="0"/>
             </a:endParaRPr>
           </a:p>
           <a:p>
@@ -8824,7 +8540,7 @@
             <a:endParaRPr lang="en-US" altLang="zh-CN" sz="2400" b="1" dirty="0">
               <a:latin typeface="Calibri" panose="020F0502020204030204" pitchFamily="34" charset="0"/>
               <a:ea typeface="宋体" panose="02010600030101010101" pitchFamily="2" charset="-122"/>
-              <a:cs typeface="Times New Roman" panose="02020603050405020304" pitchFamily="18" charset="0"/>
+              <a:cs typeface="Times New Roman" panose="02020503050405090304" pitchFamily="18" charset="0"/>
             </a:endParaRPr>
           </a:p>
           <a:p>
@@ -8836,7 +8552,7 @@
             <a:endParaRPr lang="en-US" altLang="zh-CN" sz="2400" b="1" dirty="0" smtClean="0">
               <a:latin typeface="Calibri" panose="020F0502020204030204" pitchFamily="34" charset="0"/>
               <a:ea typeface="宋体" panose="02010600030101010101" pitchFamily="2" charset="-122"/>
-              <a:cs typeface="Times New Roman" panose="02020603050405020304" pitchFamily="18" charset="0"/>
+              <a:cs typeface="Times New Roman" panose="02020503050405090304" pitchFamily="18" charset="0"/>
             </a:endParaRPr>
           </a:p>
           <a:p>
@@ -8848,7 +8564,7 @@
             <a:endParaRPr lang="en-US" altLang="zh-CN" sz="2400" b="1" dirty="0" smtClean="0">
               <a:latin typeface="Calibri" panose="020F0502020204030204" pitchFamily="34" charset="0"/>
               <a:ea typeface="宋体" panose="02010600030101010101" pitchFamily="2" charset="-122"/>
-              <a:cs typeface="Times New Roman" panose="02020603050405020304" pitchFamily="18" charset="0"/>
+              <a:cs typeface="Times New Roman" panose="02020503050405090304" pitchFamily="18" charset="0"/>
             </a:endParaRPr>
           </a:p>
           <a:p>
@@ -8861,7 +8577,7 @@
               <a:rPr lang="zh-CN" altLang="en-US" sz="2400" b="1" dirty="0" smtClean="0">
                 <a:latin typeface="Calibri" panose="020F0502020204030204" pitchFamily="34" charset="0"/>
                 <a:ea typeface="宋体" panose="02010600030101010101" pitchFamily="2" charset="-122"/>
-                <a:cs typeface="Times New Roman" panose="02020603050405020304" pitchFamily="18" charset="0"/>
+                <a:cs typeface="Times New Roman" panose="02020503050405090304" pitchFamily="18" charset="0"/>
               </a:rPr>
               <a:t>上</a:t>
             </a:r>
@@ -8869,7 +8585,7 @@
               <a:rPr lang="zh-CN" altLang="en-US" sz="2400" b="1" dirty="0">
                 <a:latin typeface="Calibri" panose="020F0502020204030204" pitchFamily="34" charset="0"/>
                 <a:ea typeface="宋体" panose="02010600030101010101" pitchFamily="2" charset="-122"/>
-                <a:cs typeface="Times New Roman" panose="02020603050405020304" pitchFamily="18" charset="0"/>
+                <a:cs typeface="Times New Roman" panose="02020503050405090304" pitchFamily="18" charset="0"/>
               </a:rPr>
               <a:t>式</a:t>
             </a:r>
@@ -8877,7 +8593,7 @@
               <a:rPr lang="zh-CN" altLang="en-US" sz="2400" b="1" dirty="0" smtClean="0">
                 <a:latin typeface="Calibri" panose="020F0502020204030204" pitchFamily="34" charset="0"/>
                 <a:ea typeface="宋体" panose="02010600030101010101" pitchFamily="2" charset="-122"/>
-                <a:cs typeface="Times New Roman" panose="02020603050405020304" pitchFamily="18" charset="0"/>
+                <a:cs typeface="Times New Roman" panose="02020503050405090304" pitchFamily="18" charset="0"/>
               </a:rPr>
               <a:t>中，                   为在第</a:t>
             </a:r>
@@ -8885,7 +8601,7 @@
               <a:rPr lang="en-US" altLang="zh-CN" sz="2400" b="1" dirty="0" smtClean="0">
                 <a:latin typeface="Calibri" panose="020F0502020204030204" pitchFamily="34" charset="0"/>
                 <a:ea typeface="宋体" panose="02010600030101010101" pitchFamily="2" charset="-122"/>
-                <a:cs typeface="Times New Roman" panose="02020603050405020304" pitchFamily="18" charset="0"/>
+                <a:cs typeface="Times New Roman" panose="02020503050405090304" pitchFamily="18" charset="0"/>
               </a:rPr>
               <a:t>t</a:t>
             </a:r>
@@ -8893,14 +8609,14 @@
               <a:rPr lang="zh-CN" altLang="en-US" sz="2400" b="1" dirty="0" smtClean="0">
                 <a:latin typeface="Calibri" panose="020F0502020204030204" pitchFamily="34" charset="0"/>
                 <a:ea typeface="宋体" panose="02010600030101010101" pitchFamily="2" charset="-122"/>
-                <a:cs typeface="Times New Roman" panose="02020603050405020304" pitchFamily="18" charset="0"/>
+                <a:cs typeface="Times New Roman" panose="02020503050405090304" pitchFamily="18" charset="0"/>
               </a:rPr>
               <a:t>步走下一步      的概率，当胜利时， </a:t>
             </a:r>
             <a:endParaRPr lang="en-US" altLang="zh-CN" sz="2400" b="1" dirty="0" smtClean="0">
               <a:latin typeface="Calibri" panose="020F0502020204030204" pitchFamily="34" charset="0"/>
               <a:ea typeface="宋体" panose="02010600030101010101" pitchFamily="2" charset="-122"/>
-              <a:cs typeface="Times New Roman" panose="02020603050405020304" pitchFamily="18" charset="0"/>
+              <a:cs typeface="Times New Roman" panose="02020503050405090304" pitchFamily="18" charset="0"/>
             </a:endParaRPr>
           </a:p>
           <a:p>
@@ -8912,7 +8628,7 @@
             <a:endParaRPr lang="en-US" altLang="zh-CN" sz="2400" b="1" dirty="0">
               <a:latin typeface="Calibri" panose="020F0502020204030204" pitchFamily="34" charset="0"/>
               <a:ea typeface="宋体" panose="02010600030101010101" pitchFamily="2" charset="-122"/>
-              <a:cs typeface="Times New Roman" panose="02020603050405020304" pitchFamily="18" charset="0"/>
+              <a:cs typeface="Times New Roman" panose="02020503050405090304" pitchFamily="18" charset="0"/>
             </a:endParaRPr>
           </a:p>
           <a:p>
@@ -8925,7 +8641,7 @@
               <a:rPr lang="zh-CN" altLang="en-US" sz="2400" b="1" dirty="0" smtClean="0">
                 <a:latin typeface="Calibri" panose="020F0502020204030204" pitchFamily="34" charset="0"/>
                 <a:ea typeface="宋体" panose="02010600030101010101" pitchFamily="2" charset="-122"/>
-                <a:cs typeface="Times New Roman" panose="02020603050405020304" pitchFamily="18" charset="0"/>
+                <a:cs typeface="Times New Roman" panose="02020503050405090304" pitchFamily="18" charset="0"/>
               </a:rPr>
               <a:t>等于</a:t>
             </a:r>
@@ -8933,7 +8649,7 @@
               <a:rPr lang="en-US" altLang="zh-CN" sz="2400" b="1" dirty="0" smtClean="0">
                 <a:latin typeface="Calibri" panose="020F0502020204030204" pitchFamily="34" charset="0"/>
                 <a:ea typeface="宋体" panose="02010600030101010101" pitchFamily="2" charset="-122"/>
-                <a:cs typeface="Times New Roman" panose="02020603050405020304" pitchFamily="18" charset="0"/>
+                <a:cs typeface="Times New Roman" panose="02020503050405090304" pitchFamily="18" charset="0"/>
               </a:rPr>
               <a:t>1</a:t>
             </a:r>
@@ -8941,7 +8657,7 @@
               <a:rPr lang="zh-CN" altLang="en-US" sz="2400" b="1" dirty="0" smtClean="0">
                 <a:latin typeface="Calibri" panose="020F0502020204030204" pitchFamily="34" charset="0"/>
                 <a:ea typeface="宋体" panose="02010600030101010101" pitchFamily="2" charset="-122"/>
-                <a:cs typeface="Times New Roman" panose="02020603050405020304" pitchFamily="18" charset="0"/>
+                <a:cs typeface="Times New Roman" panose="02020503050405090304" pitchFamily="18" charset="0"/>
               </a:rPr>
               <a:t>，否则     等于</a:t>
             </a:r>
@@ -8949,7 +8665,7 @@
               <a:rPr lang="en-US" altLang="zh-CN" sz="2400" b="1" dirty="0" smtClean="0">
                 <a:latin typeface="Calibri" panose="020F0502020204030204" pitchFamily="34" charset="0"/>
                 <a:ea typeface="宋体" panose="02010600030101010101" pitchFamily="2" charset="-122"/>
-                <a:cs typeface="Times New Roman" panose="02020603050405020304" pitchFamily="18" charset="0"/>
+                <a:cs typeface="Times New Roman" panose="02020503050405090304" pitchFamily="18" charset="0"/>
               </a:rPr>
               <a:t>0</a:t>
             </a:r>
@@ -8957,14 +8673,14 @@
               <a:rPr lang="zh-CN" altLang="en-US" sz="2400" b="1" dirty="0" smtClean="0">
                 <a:latin typeface="Calibri" panose="020F0502020204030204" pitchFamily="34" charset="0"/>
                 <a:ea typeface="宋体" panose="02010600030101010101" pitchFamily="2" charset="-122"/>
-                <a:cs typeface="Times New Roman" panose="02020603050405020304" pitchFamily="18" charset="0"/>
+                <a:cs typeface="Times New Roman" panose="02020503050405090304" pitchFamily="18" charset="0"/>
               </a:rPr>
               <a:t>。</a:t>
             </a:r>
             <a:endParaRPr lang="en-US" altLang="zh-CN" sz="2400" b="1" dirty="0">
               <a:latin typeface="Calibri" panose="020F0502020204030204" pitchFamily="34" charset="0"/>
               <a:ea typeface="宋体" panose="02010600030101010101" pitchFamily="2" charset="-122"/>
-              <a:cs typeface="Times New Roman" panose="02020603050405020304" pitchFamily="18" charset="0"/>
+              <a:cs typeface="Times New Roman" panose="02020503050405090304" pitchFamily="18" charset="0"/>
             </a:endParaRPr>
           </a:p>
           <a:p>
@@ -8976,7 +8692,7 @@
             <a:endParaRPr lang="en-US" altLang="zh-CN" sz="2400" b="1" dirty="0">
               <a:latin typeface="Calibri" panose="020F0502020204030204" pitchFamily="34" charset="0"/>
               <a:ea typeface="宋体" panose="02010600030101010101" pitchFamily="2" charset="-122"/>
-              <a:cs typeface="Times New Roman" panose="02020603050405020304" pitchFamily="18" charset="0"/>
+              <a:cs typeface="Times New Roman" panose="02020503050405090304" pitchFamily="18" charset="0"/>
             </a:endParaRPr>
           </a:p>
           <a:p>
@@ -8989,14 +8705,14 @@
               <a:rPr lang="zh-CN" altLang="en-US" sz="2400" b="1" dirty="0" smtClean="0">
                 <a:latin typeface="Calibri" panose="020F0502020204030204" pitchFamily="34" charset="0"/>
                 <a:ea typeface="宋体" panose="02010600030101010101" pitchFamily="2" charset="-122"/>
-                <a:cs typeface="Times New Roman" panose="02020603050405020304" pitchFamily="18" charset="0"/>
+                <a:cs typeface="Times New Roman" panose="02020503050405090304" pitchFamily="18" charset="0"/>
               </a:rPr>
               <a:t> </a:t>
             </a:r>
             <a:endParaRPr lang="en-US" altLang="zh-CN" sz="2400" b="1" dirty="0" smtClean="0">
               <a:latin typeface="Calibri" panose="020F0502020204030204" pitchFamily="34" charset="0"/>
               <a:ea typeface="宋体" panose="02010600030101010101" pitchFamily="2" charset="-122"/>
-              <a:cs typeface="Times New Roman" panose="02020603050405020304" pitchFamily="18" charset="0"/>
+              <a:cs typeface="Times New Roman" panose="02020503050405090304" pitchFamily="18" charset="0"/>
             </a:endParaRPr>
           </a:p>
         </p:txBody>
@@ -9010,7 +8726,7 @@
           <p:nvPr/>
         </p:nvPicPr>
         <p:blipFill>
-          <a:blip r:embed="rId5"/>
+          <a:blip r:embed="rId2"/>
           <a:stretch>
             <a:fillRect/>
           </a:stretch>
@@ -9034,7 +8750,7 @@
           <p:nvPr/>
         </p:nvPicPr>
         <p:blipFill>
-          <a:blip r:embed="rId6"/>
+          <a:blip r:embed="rId3"/>
           <a:stretch>
             <a:fillRect/>
           </a:stretch>
@@ -9058,7 +8774,7 @@
           <p:nvPr/>
         </p:nvPicPr>
         <p:blipFill>
-          <a:blip r:embed="rId7"/>
+          <a:blip r:embed="rId4"/>
           <a:stretch>
             <a:fillRect/>
           </a:stretch>
@@ -9082,7 +8798,7 @@
           <p:nvPr/>
         </p:nvPicPr>
         <p:blipFill>
-          <a:blip r:embed="rId8"/>
+          <a:blip r:embed="rId5"/>
           <a:stretch>
             <a:fillRect/>
           </a:stretch>
@@ -9106,7 +8822,7 @@
           <p:nvPr/>
         </p:nvPicPr>
         <p:blipFill>
-          <a:blip r:embed="rId9"/>
+          <a:blip r:embed="rId6"/>
           <a:stretch>
             <a:fillRect/>
           </a:stretch>
@@ -9130,7 +8846,7 @@
           <p:nvPr/>
         </p:nvPicPr>
         <p:blipFill>
-          <a:blip r:embed="rId10"/>
+          <a:blip r:embed="rId7"/>
           <a:stretch>
             <a:fillRect/>
           </a:stretch>
@@ -9154,7 +8870,7 @@
           <p:nvPr/>
         </p:nvPicPr>
         <p:blipFill>
-          <a:blip r:embed="rId10"/>
+          <a:blip r:embed="rId7"/>
           <a:stretch>
             <a:fillRect/>
           </a:stretch>
@@ -9171,13 +8887,8 @@
       </p:pic>
     </p:spTree>
     <p:custDataLst>
-      <p:tags r:id="rId1"/>
+      <p:tags r:id="rId8"/>
     </p:custDataLst>
-    <p:extLst>
-      <p:ext uri="{BB962C8B-B14F-4D97-AF65-F5344CB8AC3E}">
-        <p14:creationId xmlns:p14="http://schemas.microsoft.com/office/powerpoint/2010/main" val="427659924"/>
-      </p:ext>
-    </p:extLst>
   </p:cSld>
   <p:clrMapOvr>
     <a:masterClrMapping/>
@@ -9385,9 +9096,9 @@
                   <a:solidFill>
                     <a:schemeClr val="bg1"/>
                   </a:solidFill>
-                  <a:latin typeface="Arial" panose="020B0604020202020204" pitchFamily="34" charset="0"/>
+                  <a:latin typeface="Arial" panose="020B0604020202090204" pitchFamily="34" charset="0"/>
                   <a:ea typeface="微软雅黑" panose="020B0503020204020204" pitchFamily="34" charset="-122"/>
-                  <a:sym typeface="Arial" panose="020B0604020202020204" pitchFamily="34" charset="0"/>
+                  <a:sym typeface="Arial" panose="020B0604020202090204" pitchFamily="34" charset="0"/>
                 </a:rPr>
                 <a:t>AlphaGo</a:t>
               </a:r>
@@ -9396,9 +9107,9 @@
                   <a:solidFill>
                     <a:schemeClr val="bg1"/>
                   </a:solidFill>
-                  <a:latin typeface="Arial" panose="020B0604020202020204" pitchFamily="34" charset="0"/>
+                  <a:latin typeface="Arial" panose="020B0604020202090204" pitchFamily="34" charset="0"/>
                   <a:ea typeface="微软雅黑" panose="020B0503020204020204" pitchFamily="34" charset="-122"/>
-                  <a:sym typeface="Arial" panose="020B0604020202020204" pitchFamily="34" charset="0"/>
+                  <a:sym typeface="Arial" panose="020B0604020202090204" pitchFamily="34" charset="0"/>
                 </a:rPr>
                 <a:t> </a:t>
               </a:r>
@@ -9407,9 +9118,9 @@
                   <a:solidFill>
                     <a:schemeClr val="bg1"/>
                   </a:solidFill>
-                  <a:latin typeface="Arial" panose="020B0604020202020204" pitchFamily="34" charset="0"/>
+                  <a:latin typeface="Arial" panose="020B0604020202090204" pitchFamily="34" charset="0"/>
                   <a:ea typeface="微软雅黑" panose="020B0503020204020204" pitchFamily="34" charset="-122"/>
-                  <a:sym typeface="Arial" panose="020B0604020202020204" pitchFamily="34" charset="0"/>
+                  <a:sym typeface="Arial" panose="020B0604020202090204" pitchFamily="34" charset="0"/>
                 </a:rPr>
                 <a:t>原理</a:t>
               </a:r>
@@ -9417,9 +9128,9 @@
                 <a:solidFill>
                   <a:schemeClr val="bg1"/>
                 </a:solidFill>
-                <a:latin typeface="Arial" panose="020B0604020202020204" pitchFamily="34" charset="0"/>
+                <a:latin typeface="Arial" panose="020B0604020202090204" pitchFamily="34" charset="0"/>
                 <a:ea typeface="微软雅黑" panose="020B0503020204020204" pitchFamily="34" charset="-122"/>
-                <a:sym typeface="Arial" panose="020B0604020202020204" pitchFamily="34" charset="0"/>
+                <a:sym typeface="Arial" panose="020B0604020202090204" pitchFamily="34" charset="0"/>
               </a:endParaRPr>
             </a:p>
           </p:txBody>
@@ -9470,9 +9181,9 @@
                 <a:solidFill>
                   <a:schemeClr val="bg1"/>
                 </a:solidFill>
-                <a:latin typeface="Arial" panose="020B0604020202020204" pitchFamily="34" charset="0"/>
+                <a:latin typeface="Arial" panose="020B0604020202090204" pitchFamily="34" charset="0"/>
                 <a:ea typeface="微软雅黑" panose="020B0503020204020204" pitchFamily="34" charset="-122"/>
-                <a:sym typeface="Arial" panose="020B0604020202020204" pitchFamily="34" charset="0"/>
+                <a:sym typeface="Arial" panose="020B0604020202090204" pitchFamily="34" charset="0"/>
               </a:endParaRPr>
             </a:p>
           </p:txBody>
@@ -9543,7 +9254,7 @@
               <a:rPr lang="zh-CN" altLang="en-US" sz="2400" b="1" dirty="0" smtClean="0">
                 <a:latin typeface="Calibri" panose="020F0502020204030204" pitchFamily="34" charset="0"/>
                 <a:ea typeface="宋体" panose="02010600030101010101" pitchFamily="2" charset="-122"/>
-                <a:cs typeface="Times New Roman" panose="02020603050405020304" pitchFamily="18" charset="0"/>
+                <a:cs typeface="Times New Roman" panose="02020503050405090304" pitchFamily="18" charset="0"/>
               </a:rPr>
               <a:t>深度策略网络           </a:t>
             </a:r>
@@ -9551,7 +9262,7 @@
               <a:rPr lang="en-US" altLang="zh-CN" sz="2400" b="1" dirty="0" smtClean="0">
                 <a:latin typeface="Calibri" panose="020F0502020204030204" pitchFamily="34" charset="0"/>
                 <a:ea typeface="宋体" panose="02010600030101010101" pitchFamily="2" charset="-122"/>
-                <a:cs typeface="Times New Roman" panose="02020603050405020304" pitchFamily="18" charset="0"/>
+                <a:cs typeface="Times New Roman" panose="02020503050405090304" pitchFamily="18" charset="0"/>
               </a:rPr>
               <a:t>:  (Rollout Policy Network)</a:t>
             </a:r>
@@ -9559,7 +9270,7 @@
               <a:rPr lang="zh-CN" altLang="en-US" sz="2400" b="1" dirty="0" smtClean="0">
                 <a:latin typeface="Calibri" panose="020F0502020204030204" pitchFamily="34" charset="0"/>
                 <a:ea typeface="宋体" panose="02010600030101010101" pitchFamily="2" charset="-122"/>
-                <a:cs typeface="Times New Roman" panose="02020603050405020304" pitchFamily="18" charset="0"/>
+                <a:cs typeface="Times New Roman" panose="02020503050405090304" pitchFamily="18" charset="0"/>
               </a:rPr>
               <a:t> </a:t>
             </a:r>
@@ -9567,14 +9278,14 @@
               <a:rPr lang="en-US" altLang="zh-CN" sz="2400" b="1" dirty="0" smtClean="0">
                 <a:latin typeface="Calibri" panose="020F0502020204030204" pitchFamily="34" charset="0"/>
                 <a:ea typeface="宋体" panose="02010600030101010101" pitchFamily="2" charset="-122"/>
-                <a:cs typeface="Times New Roman" panose="02020603050405020304" pitchFamily="18" charset="0"/>
+                <a:cs typeface="Times New Roman" panose="02020503050405090304" pitchFamily="18" charset="0"/>
               </a:rPr>
               <a:t> </a:t>
             </a:r>
             <a:endParaRPr lang="zh-CN" altLang="zh-CN" sz="2400" b="1" dirty="0">
               <a:latin typeface="Calibri" panose="020F0502020204030204" pitchFamily="34" charset="0"/>
               <a:ea typeface="宋体" panose="02010600030101010101" pitchFamily="2" charset="-122"/>
-              <a:cs typeface="Times New Roman" panose="02020603050405020304" pitchFamily="18" charset="0"/>
+              <a:cs typeface="Times New Roman" panose="02020503050405090304" pitchFamily="18" charset="0"/>
             </a:endParaRPr>
           </a:p>
         </p:txBody>
@@ -9608,7 +9319,7 @@
             <a:endParaRPr lang="en-US" altLang="zh-CN" sz="2400" b="1" dirty="0">
               <a:latin typeface="Calibri" panose="020F0502020204030204" pitchFamily="34" charset="0"/>
               <a:ea typeface="宋体" panose="02010600030101010101" pitchFamily="2" charset="-122"/>
-              <a:cs typeface="Times New Roman" panose="02020603050405020304" pitchFamily="18" charset="0"/>
+              <a:cs typeface="Times New Roman" panose="02020503050405090304" pitchFamily="18" charset="0"/>
             </a:endParaRPr>
           </a:p>
           <a:p>
@@ -9621,7 +9332,7 @@
               <a:rPr lang="zh-CN" altLang="en-US" sz="2400" b="1" dirty="0" smtClean="0">
                 <a:latin typeface="Calibri" panose="020F0502020204030204" pitchFamily="34" charset="0"/>
                 <a:ea typeface="宋体" panose="02010600030101010101" pitchFamily="2" charset="-122"/>
-                <a:cs typeface="Times New Roman" panose="02020603050405020304" pitchFamily="18" charset="0"/>
+                <a:cs typeface="Times New Roman" panose="02020503050405090304" pitchFamily="18" charset="0"/>
               </a:rPr>
               <a:t> </a:t>
             </a:r>
@@ -9629,7 +9340,7 @@
               <a:rPr lang="en-US" altLang="zh-CN" sz="2400" b="1" dirty="0" smtClean="0">
                 <a:latin typeface="Calibri" panose="020F0502020204030204" pitchFamily="34" charset="0"/>
                 <a:ea typeface="宋体" panose="02010600030101010101" pitchFamily="2" charset="-122"/>
-                <a:cs typeface="Times New Roman" panose="02020603050405020304" pitchFamily="18" charset="0"/>
+                <a:cs typeface="Times New Roman" panose="02020503050405090304" pitchFamily="18" charset="0"/>
               </a:rPr>
               <a:t>1. </a:t>
             </a:r>
@@ -9637,14 +9348,14 @@
               <a:rPr lang="zh-CN" altLang="en-US" sz="2400" b="1" dirty="0" smtClean="0">
                 <a:latin typeface="Calibri" panose="020F0502020204030204" pitchFamily="34" charset="0"/>
                 <a:ea typeface="宋体" panose="02010600030101010101" pitchFamily="2" charset="-122"/>
-                <a:cs typeface="Times New Roman" panose="02020603050405020304" pitchFamily="18" charset="0"/>
+                <a:cs typeface="Times New Roman" panose="02020503050405090304" pitchFamily="18" charset="0"/>
               </a:rPr>
               <a:t>输入特征比         和         少。</a:t>
             </a:r>
             <a:endParaRPr lang="en-US" altLang="zh-CN" sz="2400" b="1" dirty="0" smtClean="0">
               <a:latin typeface="Calibri" panose="020F0502020204030204" pitchFamily="34" charset="0"/>
               <a:ea typeface="宋体" panose="02010600030101010101" pitchFamily="2" charset="-122"/>
-              <a:cs typeface="Times New Roman" panose="02020603050405020304" pitchFamily="18" charset="0"/>
+              <a:cs typeface="Times New Roman" panose="02020503050405090304" pitchFamily="18" charset="0"/>
             </a:endParaRPr>
           </a:p>
           <a:p>
@@ -9656,7 +9367,7 @@
             <a:endParaRPr lang="en-US" altLang="zh-CN" sz="2400" b="1" dirty="0">
               <a:latin typeface="Calibri" panose="020F0502020204030204" pitchFamily="34" charset="0"/>
               <a:ea typeface="宋体" panose="02010600030101010101" pitchFamily="2" charset="-122"/>
-              <a:cs typeface="Times New Roman" panose="02020603050405020304" pitchFamily="18" charset="0"/>
+              <a:cs typeface="Times New Roman" panose="02020503050405090304" pitchFamily="18" charset="0"/>
             </a:endParaRPr>
           </a:p>
           <a:p>
@@ -9668,7 +9379,7 @@
             <a:endParaRPr lang="en-US" altLang="zh-CN" sz="2400" b="1" dirty="0" smtClean="0">
               <a:latin typeface="Calibri" panose="020F0502020204030204" pitchFamily="34" charset="0"/>
               <a:ea typeface="宋体" panose="02010600030101010101" pitchFamily="2" charset="-122"/>
-              <a:cs typeface="Times New Roman" panose="02020603050405020304" pitchFamily="18" charset="0"/>
+              <a:cs typeface="Times New Roman" panose="02020503050405090304" pitchFamily="18" charset="0"/>
             </a:endParaRPr>
           </a:p>
           <a:p>
@@ -9680,7 +9391,7 @@
             <a:endParaRPr lang="en-US" altLang="zh-CN" sz="2400" b="1" dirty="0">
               <a:latin typeface="Calibri" panose="020F0502020204030204" pitchFamily="34" charset="0"/>
               <a:ea typeface="宋体" panose="02010600030101010101" pitchFamily="2" charset="-122"/>
-              <a:cs typeface="Times New Roman" panose="02020603050405020304" pitchFamily="18" charset="0"/>
+              <a:cs typeface="Times New Roman" panose="02020503050405090304" pitchFamily="18" charset="0"/>
             </a:endParaRPr>
           </a:p>
           <a:p>
@@ -9692,7 +9403,7 @@
             <a:endParaRPr lang="en-US" altLang="zh-CN" sz="2400" b="1" dirty="0" smtClean="0">
               <a:latin typeface="Calibri" panose="020F0502020204030204" pitchFamily="34" charset="0"/>
               <a:ea typeface="宋体" panose="02010600030101010101" pitchFamily="2" charset="-122"/>
-              <a:cs typeface="Times New Roman" panose="02020603050405020304" pitchFamily="18" charset="0"/>
+              <a:cs typeface="Times New Roman" panose="02020503050405090304" pitchFamily="18" charset="0"/>
             </a:endParaRPr>
           </a:p>
           <a:p>
@@ -9704,7 +9415,7 @@
             <a:endParaRPr lang="en-US" altLang="zh-CN" sz="2400" b="1" dirty="0">
               <a:latin typeface="Calibri" panose="020F0502020204030204" pitchFamily="34" charset="0"/>
               <a:ea typeface="宋体" panose="02010600030101010101" pitchFamily="2" charset="-122"/>
-              <a:cs typeface="Times New Roman" panose="02020603050405020304" pitchFamily="18" charset="0"/>
+              <a:cs typeface="Times New Roman" panose="02020503050405090304" pitchFamily="18" charset="0"/>
             </a:endParaRPr>
           </a:p>
           <a:p>
@@ -9716,7 +9427,7 @@
             <a:endParaRPr lang="en-US" altLang="zh-CN" sz="2400" b="1" dirty="0" smtClean="0">
               <a:latin typeface="Calibri" panose="020F0502020204030204" pitchFamily="34" charset="0"/>
               <a:ea typeface="宋体" panose="02010600030101010101" pitchFamily="2" charset="-122"/>
-              <a:cs typeface="Times New Roman" panose="02020603050405020304" pitchFamily="18" charset="0"/>
+              <a:cs typeface="Times New Roman" panose="02020503050405090304" pitchFamily="18" charset="0"/>
             </a:endParaRPr>
           </a:p>
           <a:p>
@@ -9728,7 +9439,7 @@
             <a:endParaRPr lang="en-US" altLang="zh-CN" sz="2400" b="1" dirty="0">
               <a:latin typeface="Calibri" panose="020F0502020204030204" pitchFamily="34" charset="0"/>
               <a:ea typeface="宋体" panose="02010600030101010101" pitchFamily="2" charset="-122"/>
-              <a:cs typeface="Times New Roman" panose="02020603050405020304" pitchFamily="18" charset="0"/>
+              <a:cs typeface="Times New Roman" panose="02020503050405090304" pitchFamily="18" charset="0"/>
             </a:endParaRPr>
           </a:p>
           <a:p>
@@ -9740,7 +9451,7 @@
             <a:endParaRPr lang="en-US" altLang="zh-CN" sz="2400" b="1" dirty="0" smtClean="0">
               <a:latin typeface="Calibri" panose="020F0502020204030204" pitchFamily="34" charset="0"/>
               <a:ea typeface="宋体" panose="02010600030101010101" pitchFamily="2" charset="-122"/>
-              <a:cs typeface="Times New Roman" panose="02020603050405020304" pitchFamily="18" charset="0"/>
+              <a:cs typeface="Times New Roman" panose="02020503050405090304" pitchFamily="18" charset="0"/>
             </a:endParaRPr>
           </a:p>
           <a:p>
@@ -9752,7 +9463,7 @@
             <a:endParaRPr lang="en-US" altLang="zh-CN" sz="2400" b="1" dirty="0">
               <a:latin typeface="Calibri" panose="020F0502020204030204" pitchFamily="34" charset="0"/>
               <a:ea typeface="宋体" panose="02010600030101010101" pitchFamily="2" charset="-122"/>
-              <a:cs typeface="Times New Roman" panose="02020603050405020304" pitchFamily="18" charset="0"/>
+              <a:cs typeface="Times New Roman" panose="02020503050405090304" pitchFamily="18" charset="0"/>
             </a:endParaRPr>
           </a:p>
           <a:p>
@@ -9764,7 +9475,7 @@
             <a:endParaRPr lang="en-US" altLang="zh-CN" sz="2400" b="1" dirty="0" smtClean="0">
               <a:latin typeface="Calibri" panose="020F0502020204030204" pitchFamily="34" charset="0"/>
               <a:ea typeface="宋体" panose="02010600030101010101" pitchFamily="2" charset="-122"/>
-              <a:cs typeface="Times New Roman" panose="02020603050405020304" pitchFamily="18" charset="0"/>
+              <a:cs typeface="Times New Roman" panose="02020503050405090304" pitchFamily="18" charset="0"/>
             </a:endParaRPr>
           </a:p>
           <a:p>
@@ -9776,7 +9487,7 @@
             <a:endParaRPr lang="en-US" altLang="zh-CN" sz="2400" b="1" dirty="0">
               <a:latin typeface="Calibri" panose="020F0502020204030204" pitchFamily="34" charset="0"/>
               <a:ea typeface="宋体" panose="02010600030101010101" pitchFamily="2" charset="-122"/>
-              <a:cs typeface="Times New Roman" panose="02020603050405020304" pitchFamily="18" charset="0"/>
+              <a:cs typeface="Times New Roman" panose="02020503050405090304" pitchFamily="18" charset="0"/>
             </a:endParaRPr>
           </a:p>
           <a:p>
@@ -9788,7 +9499,7 @@
             <a:endParaRPr lang="en-US" altLang="zh-CN" sz="2400" b="1" dirty="0" smtClean="0">
               <a:latin typeface="Calibri" panose="020F0502020204030204" pitchFamily="34" charset="0"/>
               <a:ea typeface="宋体" panose="02010600030101010101" pitchFamily="2" charset="-122"/>
-              <a:cs typeface="Times New Roman" panose="02020603050405020304" pitchFamily="18" charset="0"/>
+              <a:cs typeface="Times New Roman" panose="02020503050405090304" pitchFamily="18" charset="0"/>
             </a:endParaRPr>
           </a:p>
           <a:p>
@@ -9800,7 +9511,7 @@
             <a:endParaRPr lang="en-US" altLang="zh-CN" sz="2400" b="1" dirty="0">
               <a:latin typeface="Calibri" panose="020F0502020204030204" pitchFamily="34" charset="0"/>
               <a:ea typeface="宋体" panose="02010600030101010101" pitchFamily="2" charset="-122"/>
-              <a:cs typeface="Times New Roman" panose="02020603050405020304" pitchFamily="18" charset="0"/>
+              <a:cs typeface="Times New Roman" panose="02020503050405090304" pitchFamily="18" charset="0"/>
             </a:endParaRPr>
           </a:p>
           <a:p>
@@ -9812,7 +9523,7 @@
             <a:endParaRPr lang="en-US" altLang="zh-CN" sz="2400" b="1" dirty="0">
               <a:latin typeface="Calibri" panose="020F0502020204030204" pitchFamily="34" charset="0"/>
               <a:ea typeface="宋体" panose="02010600030101010101" pitchFamily="2" charset="-122"/>
-              <a:cs typeface="Times New Roman" panose="02020603050405020304" pitchFamily="18" charset="0"/>
+              <a:cs typeface="Times New Roman" panose="02020503050405090304" pitchFamily="18" charset="0"/>
             </a:endParaRPr>
           </a:p>
           <a:p>
@@ -9825,7 +9536,7 @@
               <a:rPr lang="en-US" altLang="zh-CN" sz="2400" b="1" dirty="0" smtClean="0">
                 <a:latin typeface="Calibri" panose="020F0502020204030204" pitchFamily="34" charset="0"/>
                 <a:ea typeface="宋体" panose="02010600030101010101" pitchFamily="2" charset="-122"/>
-                <a:cs typeface="Times New Roman" panose="02020603050405020304" pitchFamily="18" charset="0"/>
+                <a:cs typeface="Times New Roman" panose="02020503050405090304" pitchFamily="18" charset="0"/>
               </a:rPr>
               <a:t>2. </a:t>
             </a:r>
@@ -9833,14 +9544,14 @@
               <a:rPr lang="zh-CN" altLang="en-US" sz="2400" b="1" dirty="0" smtClean="0">
                 <a:latin typeface="Calibri" panose="020F0502020204030204" pitchFamily="34" charset="0"/>
                 <a:ea typeface="宋体" panose="02010600030101010101" pitchFamily="2" charset="-122"/>
-                <a:cs typeface="Times New Roman" panose="02020603050405020304" pitchFamily="18" charset="0"/>
+                <a:cs typeface="Times New Roman" panose="02020503050405090304" pitchFamily="18" charset="0"/>
               </a:rPr>
               <a:t>网络结构更简单。</a:t>
             </a:r>
             <a:endParaRPr lang="en-US" altLang="zh-CN" sz="2400" b="1" dirty="0" smtClean="0">
               <a:latin typeface="Calibri" panose="020F0502020204030204" pitchFamily="34" charset="0"/>
               <a:ea typeface="宋体" panose="02010600030101010101" pitchFamily="2" charset="-122"/>
-              <a:cs typeface="Times New Roman" panose="02020603050405020304" pitchFamily="18" charset="0"/>
+              <a:cs typeface="Times New Roman" panose="02020503050405090304" pitchFamily="18" charset="0"/>
             </a:endParaRPr>
           </a:p>
           <a:p>
@@ -9852,7 +9563,7 @@
             <a:endParaRPr lang="en-US" altLang="zh-CN" sz="2400" b="1" dirty="0">
               <a:latin typeface="Calibri" panose="020F0502020204030204" pitchFamily="34" charset="0"/>
               <a:ea typeface="宋体" panose="02010600030101010101" pitchFamily="2" charset="-122"/>
-              <a:cs typeface="Times New Roman" panose="02020603050405020304" pitchFamily="18" charset="0"/>
+              <a:cs typeface="Times New Roman" panose="02020503050405090304" pitchFamily="18" charset="0"/>
             </a:endParaRPr>
           </a:p>
           <a:p>
@@ -9868,9 +9579,20 @@
                 </a:solidFill>
                 <a:latin typeface="Calibri" panose="020F0502020204030204" pitchFamily="34" charset="0"/>
                 <a:ea typeface="宋体" panose="02010600030101010101" pitchFamily="2" charset="-122"/>
-                <a:cs typeface="Times New Roman" panose="02020603050405020304" pitchFamily="18" charset="0"/>
+                <a:cs typeface="Times New Roman" panose="02020503050405090304" pitchFamily="18" charset="0"/>
               </a:rPr>
-              <a:t>换句话说，这个网络以牺牲准确率换取速</a:t>
+              <a:t>换句话说，这个网络以牺牲准确率换取速度。</a:t>
+            </a:r>
+            <a:r>
+              <a:rPr lang="en-US" altLang="zh-CN" sz="2400" b="1" dirty="0" smtClean="0">
+                <a:solidFill>
+                  <a:srgbClr val="FF0000"/>
+                </a:solidFill>
+                <a:latin typeface="Calibri" panose="020F0502020204030204" pitchFamily="34" charset="0"/>
+                <a:ea typeface="宋体" panose="02010600030101010101" pitchFamily="2" charset="-122"/>
+                <a:cs typeface="Times New Roman" panose="02020503050405090304" pitchFamily="18" charset="0"/>
+              </a:rPr>
+              <a:t>24.2%</a:t>
             </a:r>
             <a:r>
               <a:rPr lang="zh-CN" altLang="en-US" sz="2400" b="1" dirty="0" smtClean="0">
@@ -9879,29 +9601,7 @@
                 </a:solidFill>
                 <a:latin typeface="Calibri" panose="020F0502020204030204" pitchFamily="34" charset="0"/>
                 <a:ea typeface="宋体" panose="02010600030101010101" pitchFamily="2" charset="-122"/>
-                <a:cs typeface="Times New Roman" panose="02020603050405020304" pitchFamily="18" charset="0"/>
-              </a:rPr>
-              <a:t>度。</a:t>
-            </a:r>
-            <a:r>
-              <a:rPr lang="en-US" altLang="zh-CN" sz="2400" b="1" dirty="0" smtClean="0">
-                <a:solidFill>
-                  <a:srgbClr val="FF0000"/>
-                </a:solidFill>
-                <a:latin typeface="Calibri" panose="020F0502020204030204" pitchFamily="34" charset="0"/>
-                <a:ea typeface="宋体" panose="02010600030101010101" pitchFamily="2" charset="-122"/>
-                <a:cs typeface="Times New Roman" panose="02020603050405020304" pitchFamily="18" charset="0"/>
-              </a:rPr>
-              <a:t>24.2%</a:t>
-            </a:r>
-            <a:r>
-              <a:rPr lang="zh-CN" altLang="en-US" sz="2400" b="1" dirty="0" smtClean="0">
-                <a:solidFill>
-                  <a:srgbClr val="FF0000"/>
-                </a:solidFill>
-                <a:latin typeface="Calibri" panose="020F0502020204030204" pitchFamily="34" charset="0"/>
-                <a:ea typeface="宋体" panose="02010600030101010101" pitchFamily="2" charset="-122"/>
-                <a:cs typeface="Times New Roman" panose="02020603050405020304" pitchFamily="18" charset="0"/>
+                <a:cs typeface="Times New Roman" panose="02020503050405090304" pitchFamily="18" charset="0"/>
               </a:rPr>
               <a:t>正确率，</a:t>
             </a:r>
@@ -9911,7 +9611,7 @@
               </a:solidFill>
               <a:latin typeface="Calibri" panose="020F0502020204030204" pitchFamily="34" charset="0"/>
               <a:ea typeface="宋体" panose="02010600030101010101" pitchFamily="2" charset="-122"/>
-              <a:cs typeface="Times New Roman" panose="02020603050405020304" pitchFamily="18" charset="0"/>
+              <a:cs typeface="Times New Roman" panose="02020503050405090304" pitchFamily="18" charset="0"/>
             </a:endParaRPr>
           </a:p>
           <a:p>
@@ -9926,7 +9626,7 @@
               </a:solidFill>
               <a:latin typeface="Calibri" panose="020F0502020204030204" pitchFamily="34" charset="0"/>
               <a:ea typeface="宋体" panose="02010600030101010101" pitchFamily="2" charset="-122"/>
-              <a:cs typeface="Times New Roman" panose="02020603050405020304" pitchFamily="18" charset="0"/>
+              <a:cs typeface="Times New Roman" panose="02020503050405090304" pitchFamily="18" charset="0"/>
             </a:endParaRPr>
           </a:p>
           <a:p>
@@ -9942,7 +9642,7 @@
                 </a:solidFill>
                 <a:latin typeface="Calibri" panose="020F0502020204030204" pitchFamily="34" charset="0"/>
                 <a:ea typeface="宋体" panose="02010600030101010101" pitchFamily="2" charset="-122"/>
-                <a:cs typeface="Times New Roman" panose="02020603050405020304" pitchFamily="18" charset="0"/>
+                <a:cs typeface="Times New Roman" panose="02020503050405090304" pitchFamily="18" charset="0"/>
               </a:rPr>
               <a:t>2um</a:t>
             </a:r>
@@ -9953,7 +9653,7 @@
                 </a:solidFill>
                 <a:latin typeface="Calibri" panose="020F0502020204030204" pitchFamily="34" charset="0"/>
                 <a:ea typeface="宋体" panose="02010600030101010101" pitchFamily="2" charset="-122"/>
-                <a:cs typeface="Times New Roman" panose="02020603050405020304" pitchFamily="18" charset="0"/>
+                <a:cs typeface="Times New Roman" panose="02020503050405090304" pitchFamily="18" charset="0"/>
               </a:rPr>
               <a:t>一步。</a:t>
             </a:r>
@@ -9964,7 +9664,7 @@
                 </a:solidFill>
                 <a:latin typeface="Calibri" panose="020F0502020204030204" pitchFamily="34" charset="0"/>
                 <a:ea typeface="宋体" panose="02010600030101010101" pitchFamily="2" charset="-122"/>
-                <a:cs typeface="Times New Roman" panose="02020603050405020304" pitchFamily="18" charset="0"/>
+                <a:cs typeface="Times New Roman" panose="02020503050405090304" pitchFamily="18" charset="0"/>
               </a:rPr>
               <a:t> </a:t>
             </a:r>
@@ -9974,7 +9674,7 @@
               </a:solidFill>
               <a:latin typeface="Calibri" panose="020F0502020204030204" pitchFamily="34" charset="0"/>
               <a:ea typeface="宋体" panose="02010600030101010101" pitchFamily="2" charset="-122"/>
-              <a:cs typeface="Times New Roman" panose="02020603050405020304" pitchFamily="18" charset="0"/>
+              <a:cs typeface="Times New Roman" panose="02020503050405090304" pitchFamily="18" charset="0"/>
             </a:endParaRPr>
           </a:p>
         </p:txBody>
@@ -9988,7 +9688,7 @@
           <p:nvPr/>
         </p:nvPicPr>
         <p:blipFill>
-          <a:blip r:embed="rId4"/>
+          <a:blip r:embed="rId1"/>
           <a:stretch>
             <a:fillRect/>
           </a:stretch>
@@ -10012,7 +9712,7 @@
           <p:nvPr/>
         </p:nvPicPr>
         <p:blipFill>
-          <a:blip r:embed="rId5"/>
+          <a:blip r:embed="rId2"/>
           <a:stretch>
             <a:fillRect/>
           </a:stretch>
@@ -10036,7 +9736,7 @@
           <p:nvPr/>
         </p:nvPicPr>
         <p:blipFill>
-          <a:blip r:embed="rId6"/>
+          <a:blip r:embed="rId3"/>
           <a:stretch>
             <a:fillRect/>
           </a:stretch>
@@ -10060,7 +9760,7 @@
           <p:nvPr/>
         </p:nvPicPr>
         <p:blipFill>
-          <a:blip r:embed="rId7"/>
+          <a:blip r:embed="rId4"/>
           <a:stretch>
             <a:fillRect/>
           </a:stretch>
@@ -10077,13 +9777,8 @@
       </p:pic>
     </p:spTree>
     <p:custDataLst>
-      <p:tags r:id="rId1"/>
+      <p:tags r:id="rId5"/>
     </p:custDataLst>
-    <p:extLst>
-      <p:ext uri="{BB962C8B-B14F-4D97-AF65-F5344CB8AC3E}">
-        <p14:creationId xmlns:p14="http://schemas.microsoft.com/office/powerpoint/2010/main" val="93317367"/>
-      </p:ext>
-    </p:extLst>
   </p:cSld>
   <p:clrMapOvr>
     <a:masterClrMapping/>
@@ -10291,9 +9986,9 @@
                   <a:solidFill>
                     <a:schemeClr val="bg1"/>
                   </a:solidFill>
-                  <a:latin typeface="Arial" panose="020B0604020202020204" pitchFamily="34" charset="0"/>
+                  <a:latin typeface="Arial" panose="020B0604020202090204" pitchFamily="34" charset="0"/>
                   <a:ea typeface="微软雅黑" panose="020B0503020204020204" pitchFamily="34" charset="-122"/>
-                  <a:sym typeface="Arial" panose="020B0604020202020204" pitchFamily="34" charset="0"/>
+                  <a:sym typeface="Arial" panose="020B0604020202090204" pitchFamily="34" charset="0"/>
                 </a:rPr>
                 <a:t>AlphaGo</a:t>
               </a:r>
@@ -10302,9 +9997,9 @@
                   <a:solidFill>
                     <a:schemeClr val="bg1"/>
                   </a:solidFill>
-                  <a:latin typeface="Arial" panose="020B0604020202020204" pitchFamily="34" charset="0"/>
+                  <a:latin typeface="Arial" panose="020B0604020202090204" pitchFamily="34" charset="0"/>
                   <a:ea typeface="微软雅黑" panose="020B0503020204020204" pitchFamily="34" charset="-122"/>
-                  <a:sym typeface="Arial" panose="020B0604020202020204" pitchFamily="34" charset="0"/>
+                  <a:sym typeface="Arial" panose="020B0604020202090204" pitchFamily="34" charset="0"/>
                 </a:rPr>
                 <a:t> </a:t>
               </a:r>
@@ -10313,9 +10008,9 @@
                   <a:solidFill>
                     <a:schemeClr val="bg1"/>
                   </a:solidFill>
-                  <a:latin typeface="Arial" panose="020B0604020202020204" pitchFamily="34" charset="0"/>
+                  <a:latin typeface="Arial" panose="020B0604020202090204" pitchFamily="34" charset="0"/>
                   <a:ea typeface="微软雅黑" panose="020B0503020204020204" pitchFamily="34" charset="-122"/>
-                  <a:sym typeface="Arial" panose="020B0604020202020204" pitchFamily="34" charset="0"/>
+                  <a:sym typeface="Arial" panose="020B0604020202090204" pitchFamily="34" charset="0"/>
                 </a:rPr>
                 <a:t>原理</a:t>
               </a:r>
@@ -10323,9 +10018,9 @@
                 <a:solidFill>
                   <a:schemeClr val="bg1"/>
                 </a:solidFill>
-                <a:latin typeface="Arial" panose="020B0604020202020204" pitchFamily="34" charset="0"/>
+                <a:latin typeface="Arial" panose="020B0604020202090204" pitchFamily="34" charset="0"/>
                 <a:ea typeface="微软雅黑" panose="020B0503020204020204" pitchFamily="34" charset="-122"/>
-                <a:sym typeface="Arial" panose="020B0604020202020204" pitchFamily="34" charset="0"/>
+                <a:sym typeface="Arial" panose="020B0604020202090204" pitchFamily="34" charset="0"/>
               </a:endParaRPr>
             </a:p>
           </p:txBody>
@@ -10376,9 +10071,9 @@
                 <a:solidFill>
                   <a:schemeClr val="bg1"/>
                 </a:solidFill>
-                <a:latin typeface="Arial" panose="020B0604020202020204" pitchFamily="34" charset="0"/>
+                <a:latin typeface="Arial" panose="020B0604020202090204" pitchFamily="34" charset="0"/>
                 <a:ea typeface="微软雅黑" panose="020B0503020204020204" pitchFamily="34" charset="-122"/>
-                <a:sym typeface="Arial" panose="020B0604020202020204" pitchFamily="34" charset="0"/>
+                <a:sym typeface="Arial" panose="020B0604020202090204" pitchFamily="34" charset="0"/>
               </a:endParaRPr>
             </a:p>
           </p:txBody>
@@ -10449,7 +10144,7 @@
               <a:rPr lang="zh-CN" altLang="en-US" sz="2400" b="1" dirty="0">
                 <a:latin typeface="Calibri" panose="020F0502020204030204" pitchFamily="34" charset="0"/>
                 <a:ea typeface="宋体" panose="02010600030101010101" pitchFamily="2" charset="-122"/>
-                <a:cs typeface="Times New Roman" panose="02020603050405020304" pitchFamily="18" charset="0"/>
+                <a:cs typeface="Times New Roman" panose="02020503050405090304" pitchFamily="18" charset="0"/>
               </a:rPr>
               <a:t>强</a:t>
             </a:r>
@@ -10457,14 +10152,14 @@
               <a:rPr lang="zh-CN" altLang="en-US" sz="2400" b="1" dirty="0" smtClean="0">
                 <a:latin typeface="Calibri" panose="020F0502020204030204" pitchFamily="34" charset="0"/>
                 <a:ea typeface="宋体" panose="02010600030101010101" pitchFamily="2" charset="-122"/>
-                <a:cs typeface="Times New Roman" panose="02020603050405020304" pitchFamily="18" charset="0"/>
+                <a:cs typeface="Times New Roman" panose="02020503050405090304" pitchFamily="18" charset="0"/>
               </a:rPr>
               <a:t>化学习训练策略：</a:t>
             </a:r>
             <a:endParaRPr lang="zh-CN" altLang="zh-CN" sz="2400" b="1" dirty="0">
               <a:latin typeface="Calibri" panose="020F0502020204030204" pitchFamily="34" charset="0"/>
               <a:ea typeface="宋体" panose="02010600030101010101" pitchFamily="2" charset="-122"/>
-              <a:cs typeface="Times New Roman" panose="02020603050405020304" pitchFamily="18" charset="0"/>
+              <a:cs typeface="Times New Roman" panose="02020503050405090304" pitchFamily="18" charset="0"/>
             </a:endParaRPr>
           </a:p>
         </p:txBody>
@@ -10478,7 +10173,7 @@
           <p:nvPr/>
         </p:nvPicPr>
         <p:blipFill>
-          <a:blip r:embed="rId4"/>
+          <a:blip r:embed="rId1"/>
           <a:stretch>
             <a:fillRect/>
           </a:stretch>
@@ -10495,13 +10190,8 @@
       </p:pic>
     </p:spTree>
     <p:custDataLst>
-      <p:tags r:id="rId1"/>
+      <p:tags r:id="rId2"/>
     </p:custDataLst>
-    <p:extLst>
-      <p:ext uri="{BB962C8B-B14F-4D97-AF65-F5344CB8AC3E}">
-        <p14:creationId xmlns:p14="http://schemas.microsoft.com/office/powerpoint/2010/main" val="182468813"/>
-      </p:ext>
-    </p:extLst>
   </p:cSld>
   <p:clrMapOvr>
     <a:masterClrMapping/>
@@ -10709,9 +10399,9 @@
                   <a:solidFill>
                     <a:schemeClr val="bg1"/>
                   </a:solidFill>
-                  <a:latin typeface="Arial" panose="020B0604020202020204" pitchFamily="34" charset="0"/>
+                  <a:latin typeface="Arial" panose="020B0604020202090204" pitchFamily="34" charset="0"/>
                   <a:ea typeface="微软雅黑" panose="020B0503020204020204" pitchFamily="34" charset="-122"/>
-                  <a:sym typeface="Arial" panose="020B0604020202020204" pitchFamily="34" charset="0"/>
+                  <a:sym typeface="Arial" panose="020B0604020202090204" pitchFamily="34" charset="0"/>
                 </a:rPr>
                 <a:t>AlphaGo</a:t>
               </a:r>
@@ -10720,9 +10410,9 @@
                   <a:solidFill>
                     <a:schemeClr val="bg1"/>
                   </a:solidFill>
-                  <a:latin typeface="Arial" panose="020B0604020202020204" pitchFamily="34" charset="0"/>
+                  <a:latin typeface="Arial" panose="020B0604020202090204" pitchFamily="34" charset="0"/>
                   <a:ea typeface="微软雅黑" panose="020B0503020204020204" pitchFamily="34" charset="-122"/>
-                  <a:sym typeface="Arial" panose="020B0604020202020204" pitchFamily="34" charset="0"/>
+                  <a:sym typeface="Arial" panose="020B0604020202090204" pitchFamily="34" charset="0"/>
                 </a:rPr>
                 <a:t> </a:t>
               </a:r>
@@ -10731,9 +10421,9 @@
                   <a:solidFill>
                     <a:schemeClr val="bg1"/>
                   </a:solidFill>
-                  <a:latin typeface="Arial" panose="020B0604020202020204" pitchFamily="34" charset="0"/>
+                  <a:latin typeface="Arial" panose="020B0604020202090204" pitchFamily="34" charset="0"/>
                   <a:ea typeface="微软雅黑" panose="020B0503020204020204" pitchFamily="34" charset="-122"/>
-                  <a:sym typeface="Arial" panose="020B0604020202020204" pitchFamily="34" charset="0"/>
+                  <a:sym typeface="Arial" panose="020B0604020202090204" pitchFamily="34" charset="0"/>
                 </a:rPr>
                 <a:t>原理</a:t>
               </a:r>
@@ -10741,9 +10431,9 @@
                 <a:solidFill>
                   <a:schemeClr val="bg1"/>
                 </a:solidFill>
-                <a:latin typeface="Arial" panose="020B0604020202020204" pitchFamily="34" charset="0"/>
+                <a:latin typeface="Arial" panose="020B0604020202090204" pitchFamily="34" charset="0"/>
                 <a:ea typeface="微软雅黑" panose="020B0503020204020204" pitchFamily="34" charset="-122"/>
-                <a:sym typeface="Arial" panose="020B0604020202020204" pitchFamily="34" charset="0"/>
+                <a:sym typeface="Arial" panose="020B0604020202090204" pitchFamily="34" charset="0"/>
               </a:endParaRPr>
             </a:p>
           </p:txBody>
@@ -10794,9 +10484,9 @@
                 <a:solidFill>
                   <a:schemeClr val="bg1"/>
                 </a:solidFill>
-                <a:latin typeface="Arial" panose="020B0604020202020204" pitchFamily="34" charset="0"/>
+                <a:latin typeface="Arial" panose="020B0604020202090204" pitchFamily="34" charset="0"/>
                 <a:ea typeface="微软雅黑" panose="020B0503020204020204" pitchFamily="34" charset="-122"/>
-                <a:sym typeface="Arial" panose="020B0604020202020204" pitchFamily="34" charset="0"/>
+                <a:sym typeface="Arial" panose="020B0604020202090204" pitchFamily="34" charset="0"/>
               </a:endParaRPr>
             </a:p>
           </p:txBody>
@@ -10867,14 +10557,14 @@
               <a:rPr lang="zh-CN" altLang="en-US" sz="2400" b="1" dirty="0" smtClean="0">
                 <a:latin typeface="Calibri" panose="020F0502020204030204" pitchFamily="34" charset="0"/>
                 <a:ea typeface="宋体" panose="02010600030101010101" pitchFamily="2" charset="-122"/>
-                <a:cs typeface="Times New Roman" panose="02020603050405020304" pitchFamily="18" charset="0"/>
+                <a:cs typeface="Times New Roman" panose="02020503050405090304" pitchFamily="18" charset="0"/>
               </a:rPr>
               <a:t>训练细节和结果：</a:t>
             </a:r>
             <a:endParaRPr lang="zh-CN" altLang="zh-CN" sz="2400" b="1" dirty="0">
               <a:latin typeface="Calibri" panose="020F0502020204030204" pitchFamily="34" charset="0"/>
               <a:ea typeface="宋体" panose="02010600030101010101" pitchFamily="2" charset="-122"/>
-              <a:cs typeface="Times New Roman" panose="02020603050405020304" pitchFamily="18" charset="0"/>
+              <a:cs typeface="Times New Roman" panose="02020503050405090304" pitchFamily="18" charset="0"/>
             </a:endParaRPr>
           </a:p>
         </p:txBody>
@@ -10888,7 +10578,7 @@
           <p:nvPr/>
         </p:nvPicPr>
         <p:blipFill>
-          <a:blip r:embed="rId4"/>
+          <a:blip r:embed="rId1"/>
           <a:stretch>
             <a:fillRect/>
           </a:stretch>
@@ -10905,13 +10595,8 @@
       </p:pic>
     </p:spTree>
     <p:custDataLst>
-      <p:tags r:id="rId1"/>
+      <p:tags r:id="rId2"/>
     </p:custDataLst>
-    <p:extLst>
-      <p:ext uri="{BB962C8B-B14F-4D97-AF65-F5344CB8AC3E}">
-        <p14:creationId xmlns:p14="http://schemas.microsoft.com/office/powerpoint/2010/main" val="2506574295"/>
-      </p:ext>
-    </p:extLst>
   </p:cSld>
   <p:clrMapOvr>
     <a:masterClrMapping/>
@@ -11119,9 +10804,9 @@
                   <a:solidFill>
                     <a:schemeClr val="bg1"/>
                   </a:solidFill>
-                  <a:latin typeface="Arial" panose="020B0604020202020204" pitchFamily="34" charset="0"/>
+                  <a:latin typeface="Arial" panose="020B0604020202090204" pitchFamily="34" charset="0"/>
                   <a:ea typeface="微软雅黑" panose="020B0503020204020204" pitchFamily="34" charset="-122"/>
-                  <a:sym typeface="Arial" panose="020B0604020202020204" pitchFamily="34" charset="0"/>
+                  <a:sym typeface="Arial" panose="020B0604020202090204" pitchFamily="34" charset="0"/>
                 </a:rPr>
                 <a:t>AlphaGo</a:t>
               </a:r>
@@ -11130,9 +10815,9 @@
                   <a:solidFill>
                     <a:schemeClr val="bg1"/>
                   </a:solidFill>
-                  <a:latin typeface="Arial" panose="020B0604020202020204" pitchFamily="34" charset="0"/>
+                  <a:latin typeface="Arial" panose="020B0604020202090204" pitchFamily="34" charset="0"/>
                   <a:ea typeface="微软雅黑" panose="020B0503020204020204" pitchFamily="34" charset="-122"/>
-                  <a:sym typeface="Arial" panose="020B0604020202020204" pitchFamily="34" charset="0"/>
+                  <a:sym typeface="Arial" panose="020B0604020202090204" pitchFamily="34" charset="0"/>
                 </a:rPr>
                 <a:t> </a:t>
               </a:r>
@@ -11141,9 +10826,9 @@
                   <a:solidFill>
                     <a:schemeClr val="bg1"/>
                   </a:solidFill>
-                  <a:latin typeface="Arial" panose="020B0604020202020204" pitchFamily="34" charset="0"/>
+                  <a:latin typeface="Arial" panose="020B0604020202090204" pitchFamily="34" charset="0"/>
                   <a:ea typeface="微软雅黑" panose="020B0503020204020204" pitchFamily="34" charset="-122"/>
-                  <a:sym typeface="Arial" panose="020B0604020202020204" pitchFamily="34" charset="0"/>
+                  <a:sym typeface="Arial" panose="020B0604020202090204" pitchFamily="34" charset="0"/>
                 </a:rPr>
                 <a:t>原理</a:t>
               </a:r>
@@ -11151,9 +10836,9 @@
                 <a:solidFill>
                   <a:schemeClr val="bg1"/>
                 </a:solidFill>
-                <a:latin typeface="Arial" panose="020B0604020202020204" pitchFamily="34" charset="0"/>
+                <a:latin typeface="Arial" panose="020B0604020202090204" pitchFamily="34" charset="0"/>
                 <a:ea typeface="微软雅黑" panose="020B0503020204020204" pitchFamily="34" charset="-122"/>
-                <a:sym typeface="Arial" panose="020B0604020202020204" pitchFamily="34" charset="0"/>
+                <a:sym typeface="Arial" panose="020B0604020202090204" pitchFamily="34" charset="0"/>
               </a:endParaRPr>
             </a:p>
           </p:txBody>
@@ -11204,9 +10889,9 @@
                 <a:solidFill>
                   <a:schemeClr val="bg1"/>
                 </a:solidFill>
-                <a:latin typeface="Arial" panose="020B0604020202020204" pitchFamily="34" charset="0"/>
+                <a:latin typeface="Arial" panose="020B0604020202090204" pitchFamily="34" charset="0"/>
                 <a:ea typeface="微软雅黑" panose="020B0503020204020204" pitchFamily="34" charset="-122"/>
-                <a:sym typeface="Arial" panose="020B0604020202020204" pitchFamily="34" charset="0"/>
+                <a:sym typeface="Arial" panose="020B0604020202090204" pitchFamily="34" charset="0"/>
               </a:endParaRPr>
             </a:p>
           </p:txBody>
@@ -11277,7 +10962,7 @@
               <a:rPr lang="zh-CN" altLang="en-US" sz="2400" b="1" dirty="0" smtClean="0">
                 <a:latin typeface="Calibri" panose="020F0502020204030204" pitchFamily="34" charset="0"/>
                 <a:ea typeface="宋体" panose="02010600030101010101" pitchFamily="2" charset="-122"/>
-                <a:cs typeface="Times New Roman" panose="02020603050405020304" pitchFamily="18" charset="0"/>
+                <a:cs typeface="Times New Roman" panose="02020503050405090304" pitchFamily="18" charset="0"/>
               </a:rPr>
               <a:t>深度估值网络           </a:t>
             </a:r>
@@ -11285,7 +10970,7 @@
               <a:rPr lang="en-US" altLang="zh-CN" sz="2400" b="1" dirty="0" smtClean="0">
                 <a:latin typeface="Calibri" panose="020F0502020204030204" pitchFamily="34" charset="0"/>
                 <a:ea typeface="宋体" panose="02010600030101010101" pitchFamily="2" charset="-122"/>
-                <a:cs typeface="Times New Roman" panose="02020603050405020304" pitchFamily="18" charset="0"/>
+                <a:cs typeface="Times New Roman" panose="02020503050405090304" pitchFamily="18" charset="0"/>
               </a:rPr>
               <a:t>:  (Rollout Policy Network)</a:t>
             </a:r>
@@ -11293,7 +10978,7 @@
               <a:rPr lang="zh-CN" altLang="en-US" sz="2400" b="1" dirty="0" smtClean="0">
                 <a:latin typeface="Calibri" panose="020F0502020204030204" pitchFamily="34" charset="0"/>
                 <a:ea typeface="宋体" panose="02010600030101010101" pitchFamily="2" charset="-122"/>
-                <a:cs typeface="Times New Roman" panose="02020603050405020304" pitchFamily="18" charset="0"/>
+                <a:cs typeface="Times New Roman" panose="02020503050405090304" pitchFamily="18" charset="0"/>
               </a:rPr>
               <a:t> </a:t>
             </a:r>
@@ -11301,14 +10986,14 @@
               <a:rPr lang="en-US" altLang="zh-CN" sz="2400" b="1" dirty="0" smtClean="0">
                 <a:latin typeface="Calibri" panose="020F0502020204030204" pitchFamily="34" charset="0"/>
                 <a:ea typeface="宋体" panose="02010600030101010101" pitchFamily="2" charset="-122"/>
-                <a:cs typeface="Times New Roman" panose="02020603050405020304" pitchFamily="18" charset="0"/>
+                <a:cs typeface="Times New Roman" panose="02020503050405090304" pitchFamily="18" charset="0"/>
               </a:rPr>
               <a:t> </a:t>
             </a:r>
             <a:endParaRPr lang="zh-CN" altLang="zh-CN" sz="2400" b="1" dirty="0">
               <a:latin typeface="Calibri" panose="020F0502020204030204" pitchFamily="34" charset="0"/>
               <a:ea typeface="宋体" panose="02010600030101010101" pitchFamily="2" charset="-122"/>
-              <a:cs typeface="Times New Roman" panose="02020603050405020304" pitchFamily="18" charset="0"/>
+              <a:cs typeface="Times New Roman" panose="02020503050405090304" pitchFamily="18" charset="0"/>
             </a:endParaRPr>
           </a:p>
         </p:txBody>
@@ -11342,7 +11027,7 @@
             <a:endParaRPr lang="en-US" altLang="zh-CN" sz="2400" b="1" dirty="0" smtClean="0">
               <a:latin typeface="Calibri" panose="020F0502020204030204" pitchFamily="34" charset="0"/>
               <a:ea typeface="宋体" panose="02010600030101010101" pitchFamily="2" charset="-122"/>
-              <a:cs typeface="Times New Roman" panose="02020603050405020304" pitchFamily="18" charset="0"/>
+              <a:cs typeface="Times New Roman" panose="02020503050405090304" pitchFamily="18" charset="0"/>
             </a:endParaRPr>
           </a:p>
           <a:p>
@@ -11355,7 +11040,7 @@
               <a:rPr lang="zh-CN" altLang="en-US" sz="2400" b="1" dirty="0" smtClean="0">
                 <a:latin typeface="Calibri" panose="020F0502020204030204" pitchFamily="34" charset="0"/>
                 <a:ea typeface="宋体" panose="02010600030101010101" pitchFamily="2" charset="-122"/>
-                <a:cs typeface="Times New Roman" panose="02020603050405020304" pitchFamily="18" charset="0"/>
+                <a:cs typeface="Times New Roman" panose="02020503050405090304" pitchFamily="18" charset="0"/>
               </a:rPr>
               <a:t> </a:t>
             </a:r>
@@ -11363,7 +11048,7 @@
               <a:rPr lang="en-US" altLang="zh-CN" sz="2400" b="1" dirty="0" smtClean="0">
                 <a:latin typeface="Calibri" panose="020F0502020204030204" pitchFamily="34" charset="0"/>
                 <a:ea typeface="宋体" panose="02010600030101010101" pitchFamily="2" charset="-122"/>
-                <a:cs typeface="Times New Roman" panose="02020603050405020304" pitchFamily="18" charset="0"/>
+                <a:cs typeface="Times New Roman" panose="02020503050405090304" pitchFamily="18" charset="0"/>
               </a:rPr>
               <a:t>1. </a:t>
             </a:r>
@@ -11371,14 +11056,14 @@
               <a:rPr lang="zh-CN" altLang="en-US" sz="2400" b="1" dirty="0" smtClean="0">
                 <a:latin typeface="Calibri" panose="020F0502020204030204" pitchFamily="34" charset="0"/>
                 <a:ea typeface="宋体" panose="02010600030101010101" pitchFamily="2" charset="-122"/>
-                <a:cs typeface="Times New Roman" panose="02020603050405020304" pitchFamily="18" charset="0"/>
+                <a:cs typeface="Times New Roman" panose="02020503050405090304" pitchFamily="18" charset="0"/>
               </a:rPr>
               <a:t>输入：当前棋盘状态 （与          输入一样），以及执黑或执白。</a:t>
             </a:r>
             <a:endParaRPr lang="en-US" altLang="zh-CN" sz="2400" b="1" dirty="0" smtClean="0">
               <a:latin typeface="Calibri" panose="020F0502020204030204" pitchFamily="34" charset="0"/>
               <a:ea typeface="宋体" panose="02010600030101010101" pitchFamily="2" charset="-122"/>
-              <a:cs typeface="Times New Roman" panose="02020603050405020304" pitchFamily="18" charset="0"/>
+              <a:cs typeface="Times New Roman" panose="02020503050405090304" pitchFamily="18" charset="0"/>
             </a:endParaRPr>
           </a:p>
           <a:p>
@@ -11390,7 +11075,7 @@
             <a:endParaRPr lang="en-US" altLang="zh-CN" sz="2400" b="1" dirty="0">
               <a:latin typeface="Calibri" panose="020F0502020204030204" pitchFamily="34" charset="0"/>
               <a:ea typeface="宋体" panose="02010600030101010101" pitchFamily="2" charset="-122"/>
-              <a:cs typeface="Times New Roman" panose="02020603050405020304" pitchFamily="18" charset="0"/>
+              <a:cs typeface="Times New Roman" panose="02020503050405090304" pitchFamily="18" charset="0"/>
             </a:endParaRPr>
           </a:p>
           <a:p>
@@ -11403,14 +11088,14 @@
               <a:rPr lang="en-US" altLang="zh-CN" sz="2400" b="1" dirty="0">
                 <a:latin typeface="Calibri" panose="020F0502020204030204" pitchFamily="34" charset="0"/>
                 <a:ea typeface="宋体" panose="02010600030101010101" pitchFamily="2" charset="-122"/>
-                <a:cs typeface="Times New Roman" panose="02020603050405020304" pitchFamily="18" charset="0"/>
+                <a:cs typeface="Times New Roman" panose="02020503050405090304" pitchFamily="18" charset="0"/>
               </a:rPr>
               <a:t> </a:t>
             </a:r>
             <a:endParaRPr lang="en-US" altLang="zh-CN" sz="2400" b="1" dirty="0" smtClean="0">
               <a:latin typeface="Calibri" panose="020F0502020204030204" pitchFamily="34" charset="0"/>
               <a:ea typeface="宋体" panose="02010600030101010101" pitchFamily="2" charset="-122"/>
-              <a:cs typeface="Times New Roman" panose="02020603050405020304" pitchFamily="18" charset="0"/>
+              <a:cs typeface="Times New Roman" panose="02020503050405090304" pitchFamily="18" charset="0"/>
             </a:endParaRPr>
           </a:p>
           <a:p>
@@ -11423,7 +11108,7 @@
               <a:rPr lang="en-US" altLang="zh-CN" sz="2400" b="1" dirty="0" smtClean="0">
                 <a:latin typeface="Calibri" panose="020F0502020204030204" pitchFamily="34" charset="0"/>
                 <a:ea typeface="宋体" panose="02010600030101010101" pitchFamily="2" charset="-122"/>
-                <a:cs typeface="Times New Roman" panose="02020603050405020304" pitchFamily="18" charset="0"/>
+                <a:cs typeface="Times New Roman" panose="02020503050405090304" pitchFamily="18" charset="0"/>
               </a:rPr>
               <a:t> 2. </a:t>
             </a:r>
@@ -11431,7 +11116,7 @@
               <a:rPr lang="zh-CN" altLang="en-US" sz="2400" b="1" dirty="0" smtClean="0">
                 <a:latin typeface="Calibri" panose="020F0502020204030204" pitchFamily="34" charset="0"/>
                 <a:ea typeface="宋体" panose="02010600030101010101" pitchFamily="2" charset="-122"/>
-                <a:cs typeface="Times New Roman" panose="02020603050405020304" pitchFamily="18" charset="0"/>
+                <a:cs typeface="Times New Roman" panose="02020503050405090304" pitchFamily="18" charset="0"/>
               </a:rPr>
               <a:t>输出： 获胜的概率（</a:t>
             </a:r>
@@ -11439,7 +11124,7 @@
               <a:rPr lang="zh-CN" altLang="en-US" sz="2400" b="1" dirty="0">
                 <a:latin typeface="Calibri" panose="020F0502020204030204" pitchFamily="34" charset="0"/>
                 <a:ea typeface="宋体" panose="02010600030101010101" pitchFamily="2" charset="-122"/>
-                <a:cs typeface="Times New Roman" panose="02020603050405020304" pitchFamily="18" charset="0"/>
+                <a:cs typeface="Times New Roman" panose="02020503050405090304" pitchFamily="18" charset="0"/>
               </a:rPr>
               <a:t>一</a:t>
             </a:r>
@@ -11447,7 +11132,7 @@
               <a:rPr lang="zh-CN" altLang="en-US" sz="2400" b="1" dirty="0" smtClean="0">
                 <a:latin typeface="Calibri" panose="020F0502020204030204" pitchFamily="34" charset="0"/>
                 <a:ea typeface="宋体" panose="02010600030101010101" pitchFamily="2" charset="-122"/>
-                <a:cs typeface="Times New Roman" panose="02020603050405020304" pitchFamily="18" charset="0"/>
+                <a:cs typeface="Times New Roman" panose="02020503050405090304" pitchFamily="18" charset="0"/>
               </a:rPr>
               <a:t>个</a:t>
             </a:r>
@@ -11455,7 +11140,7 @@
               <a:rPr lang="en-US" altLang="zh-CN" sz="2400" b="1" dirty="0" smtClean="0">
                 <a:latin typeface="Calibri" panose="020F0502020204030204" pitchFamily="34" charset="0"/>
                 <a:ea typeface="宋体" panose="02010600030101010101" pitchFamily="2" charset="-122"/>
-                <a:cs typeface="Times New Roman" panose="02020603050405020304" pitchFamily="18" charset="0"/>
+                <a:cs typeface="Times New Roman" panose="02020503050405090304" pitchFamily="18" charset="0"/>
               </a:rPr>
               <a:t>0</a:t>
             </a:r>
@@ -11463,7 +11148,7 @@
               <a:rPr lang="zh-CN" altLang="en-US" sz="2400" b="1" dirty="0" smtClean="0">
                 <a:latin typeface="Calibri" panose="020F0502020204030204" pitchFamily="34" charset="0"/>
                 <a:ea typeface="宋体" panose="02010600030101010101" pitchFamily="2" charset="-122"/>
-                <a:cs typeface="Times New Roman" panose="02020603050405020304" pitchFamily="18" charset="0"/>
+                <a:cs typeface="Times New Roman" panose="02020503050405090304" pitchFamily="18" charset="0"/>
               </a:rPr>
               <a:t>到</a:t>
             </a:r>
@@ -11471,7 +11156,7 @@
               <a:rPr lang="en-US" altLang="zh-CN" sz="2400" b="1" dirty="0" smtClean="0">
                 <a:latin typeface="Calibri" panose="020F0502020204030204" pitchFamily="34" charset="0"/>
                 <a:ea typeface="宋体" panose="02010600030101010101" pitchFamily="2" charset="-122"/>
-                <a:cs typeface="Times New Roman" panose="02020603050405020304" pitchFamily="18" charset="0"/>
+                <a:cs typeface="Times New Roman" panose="02020503050405090304" pitchFamily="18" charset="0"/>
               </a:rPr>
               <a:t>1</a:t>
             </a:r>
@@ -11479,14 +11164,14 @@
               <a:rPr lang="zh-CN" altLang="en-US" sz="2400" b="1" dirty="0" smtClean="0">
                 <a:latin typeface="Calibri" panose="020F0502020204030204" pitchFamily="34" charset="0"/>
                 <a:ea typeface="宋体" panose="02010600030101010101" pitchFamily="2" charset="-122"/>
-                <a:cs typeface="Times New Roman" panose="02020603050405020304" pitchFamily="18" charset="0"/>
+                <a:cs typeface="Times New Roman" panose="02020503050405090304" pitchFamily="18" charset="0"/>
               </a:rPr>
               <a:t>的数）</a:t>
             </a:r>
             <a:endParaRPr lang="en-US" altLang="zh-CN" sz="2400" b="1" dirty="0" smtClean="0">
               <a:latin typeface="Calibri" panose="020F0502020204030204" pitchFamily="34" charset="0"/>
               <a:ea typeface="宋体" panose="02010600030101010101" pitchFamily="2" charset="-122"/>
-              <a:cs typeface="Times New Roman" panose="02020603050405020304" pitchFamily="18" charset="0"/>
+              <a:cs typeface="Times New Roman" panose="02020503050405090304" pitchFamily="18" charset="0"/>
             </a:endParaRPr>
           </a:p>
           <a:p>
@@ -11498,7 +11183,7 @@
             <a:endParaRPr lang="en-US" altLang="zh-CN" sz="2400" b="1" dirty="0">
               <a:latin typeface="Calibri" panose="020F0502020204030204" pitchFamily="34" charset="0"/>
               <a:ea typeface="宋体" panose="02010600030101010101" pitchFamily="2" charset="-122"/>
-              <a:cs typeface="Times New Roman" panose="02020603050405020304" pitchFamily="18" charset="0"/>
+              <a:cs typeface="Times New Roman" panose="02020503050405090304" pitchFamily="18" charset="0"/>
             </a:endParaRPr>
           </a:p>
           <a:p>
@@ -11511,14 +11196,14 @@
               <a:rPr lang="en-US" altLang="zh-CN" sz="2400" b="1" dirty="0">
                 <a:latin typeface="Calibri" panose="020F0502020204030204" pitchFamily="34" charset="0"/>
                 <a:ea typeface="宋体" panose="02010600030101010101" pitchFamily="2" charset="-122"/>
-                <a:cs typeface="Times New Roman" panose="02020603050405020304" pitchFamily="18" charset="0"/>
+                <a:cs typeface="Times New Roman" panose="02020503050405090304" pitchFamily="18" charset="0"/>
               </a:rPr>
               <a:t> </a:t>
             </a:r>
             <a:endParaRPr lang="en-US" altLang="zh-CN" sz="2400" b="1" dirty="0" smtClean="0">
               <a:latin typeface="Calibri" panose="020F0502020204030204" pitchFamily="34" charset="0"/>
               <a:ea typeface="宋体" panose="02010600030101010101" pitchFamily="2" charset="-122"/>
-              <a:cs typeface="Times New Roman" panose="02020603050405020304" pitchFamily="18" charset="0"/>
+              <a:cs typeface="Times New Roman" panose="02020503050405090304" pitchFamily="18" charset="0"/>
             </a:endParaRPr>
           </a:p>
           <a:p>
@@ -11531,7 +11216,7 @@
               <a:rPr lang="en-US" altLang="zh-CN" sz="2400" b="1" dirty="0">
                 <a:latin typeface="Calibri" panose="020F0502020204030204" pitchFamily="34" charset="0"/>
                 <a:ea typeface="宋体" panose="02010600030101010101" pitchFamily="2" charset="-122"/>
-                <a:cs typeface="Times New Roman" panose="02020603050405020304" pitchFamily="18" charset="0"/>
+                <a:cs typeface="Times New Roman" panose="02020503050405090304" pitchFamily="18" charset="0"/>
               </a:rPr>
               <a:t> </a:t>
             </a:r>
@@ -11539,7 +11224,7 @@
               <a:rPr lang="en-US" altLang="zh-CN" sz="2400" b="1" dirty="0" smtClean="0">
                 <a:latin typeface="Calibri" panose="020F0502020204030204" pitchFamily="34" charset="0"/>
                 <a:ea typeface="宋体" panose="02010600030101010101" pitchFamily="2" charset="-122"/>
-                <a:cs typeface="Times New Roman" panose="02020603050405020304" pitchFamily="18" charset="0"/>
+                <a:cs typeface="Times New Roman" panose="02020503050405090304" pitchFamily="18" charset="0"/>
               </a:rPr>
               <a:t>3. </a:t>
             </a:r>
@@ -11547,7 +11232,7 @@
               <a:rPr lang="zh-CN" altLang="en-US" sz="2400" b="1" dirty="0">
                 <a:latin typeface="Calibri" panose="020F0502020204030204" pitchFamily="34" charset="0"/>
                 <a:ea typeface="宋体" panose="02010600030101010101" pitchFamily="2" charset="-122"/>
-                <a:cs typeface="Times New Roman" panose="02020603050405020304" pitchFamily="18" charset="0"/>
+                <a:cs typeface="Times New Roman" panose="02020503050405090304" pitchFamily="18" charset="0"/>
               </a:rPr>
               <a:t>参</a:t>
             </a:r>
@@ -11555,14 +11240,14 @@
               <a:rPr lang="zh-CN" altLang="en-US" sz="2400" b="1" dirty="0" smtClean="0">
                 <a:latin typeface="Calibri" panose="020F0502020204030204" pitchFamily="34" charset="0"/>
                 <a:ea typeface="宋体" panose="02010600030101010101" pitchFamily="2" charset="-122"/>
-                <a:cs typeface="Times New Roman" panose="02020603050405020304" pitchFamily="18" charset="0"/>
+                <a:cs typeface="Times New Roman" panose="02020503050405090304" pitchFamily="18" charset="0"/>
               </a:rPr>
               <a:t>数更新策略：</a:t>
             </a:r>
             <a:endParaRPr lang="en-US" altLang="zh-CN" sz="2400" b="1" dirty="0" smtClean="0">
               <a:latin typeface="Calibri" panose="020F0502020204030204" pitchFamily="34" charset="0"/>
               <a:ea typeface="宋体" panose="02010600030101010101" pitchFamily="2" charset="-122"/>
-              <a:cs typeface="Times New Roman" panose="02020603050405020304" pitchFamily="18" charset="0"/>
+              <a:cs typeface="Times New Roman" panose="02020503050405090304" pitchFamily="18" charset="0"/>
             </a:endParaRPr>
           </a:p>
           <a:p>
@@ -11574,7 +11259,7 @@
             <a:endParaRPr lang="en-US" altLang="zh-CN" sz="2400" b="1" dirty="0">
               <a:latin typeface="Calibri" panose="020F0502020204030204" pitchFamily="34" charset="0"/>
               <a:ea typeface="宋体" panose="02010600030101010101" pitchFamily="2" charset="-122"/>
-              <a:cs typeface="Times New Roman" panose="02020603050405020304" pitchFamily="18" charset="0"/>
+              <a:cs typeface="Times New Roman" panose="02020503050405090304" pitchFamily="18" charset="0"/>
             </a:endParaRPr>
           </a:p>
           <a:p>
@@ -11586,7 +11271,7 @@
             <a:endParaRPr lang="en-US" altLang="zh-CN" sz="2400" b="1" dirty="0" smtClean="0">
               <a:latin typeface="Calibri" panose="020F0502020204030204" pitchFamily="34" charset="0"/>
               <a:ea typeface="宋体" panose="02010600030101010101" pitchFamily="2" charset="-122"/>
-              <a:cs typeface="Times New Roman" panose="02020603050405020304" pitchFamily="18" charset="0"/>
+              <a:cs typeface="Times New Roman" panose="02020503050405090304" pitchFamily="18" charset="0"/>
             </a:endParaRPr>
           </a:p>
           <a:p>
@@ -11598,7 +11283,7 @@
             <a:endParaRPr lang="en-US" altLang="zh-CN" sz="2400" b="1" dirty="0" smtClean="0">
               <a:latin typeface="Calibri" panose="020F0502020204030204" pitchFamily="34" charset="0"/>
               <a:ea typeface="宋体" panose="02010600030101010101" pitchFamily="2" charset="-122"/>
-              <a:cs typeface="Times New Roman" panose="02020603050405020304" pitchFamily="18" charset="0"/>
+              <a:cs typeface="Times New Roman" panose="02020503050405090304" pitchFamily="18" charset="0"/>
             </a:endParaRPr>
           </a:p>
           <a:p>
@@ -11610,7 +11295,7 @@
             <a:endParaRPr lang="en-US" altLang="zh-CN" sz="2400" b="1" dirty="0">
               <a:latin typeface="Calibri" panose="020F0502020204030204" pitchFamily="34" charset="0"/>
               <a:ea typeface="宋体" panose="02010600030101010101" pitchFamily="2" charset="-122"/>
-              <a:cs typeface="Times New Roman" panose="02020603050405020304" pitchFamily="18" charset="0"/>
+              <a:cs typeface="Times New Roman" panose="02020503050405090304" pitchFamily="18" charset="0"/>
             </a:endParaRPr>
           </a:p>
           <a:p>
@@ -11622,7 +11307,7 @@
             <a:endParaRPr lang="en-US" altLang="zh-CN" sz="2400" b="1" dirty="0" smtClean="0">
               <a:latin typeface="Calibri" panose="020F0502020204030204" pitchFamily="34" charset="0"/>
               <a:ea typeface="宋体" panose="02010600030101010101" pitchFamily="2" charset="-122"/>
-              <a:cs typeface="Times New Roman" panose="02020603050405020304" pitchFamily="18" charset="0"/>
+              <a:cs typeface="Times New Roman" panose="02020503050405090304" pitchFamily="18" charset="0"/>
             </a:endParaRPr>
           </a:p>
           <a:p>
@@ -11634,7 +11319,7 @@
             <a:endParaRPr lang="en-US" altLang="zh-CN" sz="2400" b="1" dirty="0">
               <a:latin typeface="Calibri" panose="020F0502020204030204" pitchFamily="34" charset="0"/>
               <a:ea typeface="宋体" panose="02010600030101010101" pitchFamily="2" charset="-122"/>
-              <a:cs typeface="Times New Roman" panose="02020603050405020304" pitchFamily="18" charset="0"/>
+              <a:cs typeface="Times New Roman" panose="02020503050405090304" pitchFamily="18" charset="0"/>
             </a:endParaRPr>
           </a:p>
           <a:p>
@@ -11647,7 +11332,7 @@
               <a:rPr lang="en-US" altLang="zh-CN" sz="2400" b="1" dirty="0" smtClean="0">
                 <a:latin typeface="Calibri" panose="020F0502020204030204" pitchFamily="34" charset="0"/>
                 <a:ea typeface="宋体" panose="02010600030101010101" pitchFamily="2" charset="-122"/>
-                <a:cs typeface="Times New Roman" panose="02020603050405020304" pitchFamily="18" charset="0"/>
+                <a:cs typeface="Times New Roman" panose="02020503050405090304" pitchFamily="18" charset="0"/>
               </a:rPr>
               <a:t>  </a:t>
             </a:r>
@@ -11655,14 +11340,14 @@
               <a:rPr lang="zh-CN" altLang="en-US" sz="2400" b="1" dirty="0" smtClean="0">
                 <a:latin typeface="Calibri" panose="020F0502020204030204" pitchFamily="34" charset="0"/>
                 <a:ea typeface="宋体" panose="02010600030101010101" pitchFamily="2" charset="-122"/>
-                <a:cs typeface="Times New Roman" panose="02020603050405020304" pitchFamily="18" charset="0"/>
+                <a:cs typeface="Times New Roman" panose="02020503050405090304" pitchFamily="18" charset="0"/>
               </a:rPr>
               <a:t>用          来预测     。 </a:t>
             </a:r>
             <a:endParaRPr lang="en-US" altLang="zh-CN" sz="2400" b="1" dirty="0">
               <a:latin typeface="Calibri" panose="020F0502020204030204" pitchFamily="34" charset="0"/>
               <a:ea typeface="宋体" panose="02010600030101010101" pitchFamily="2" charset="-122"/>
-              <a:cs typeface="Times New Roman" panose="02020603050405020304" pitchFamily="18" charset="0"/>
+              <a:cs typeface="Times New Roman" panose="02020503050405090304" pitchFamily="18" charset="0"/>
             </a:endParaRPr>
           </a:p>
           <a:p>
@@ -11674,7 +11359,7 @@
             <a:endParaRPr lang="en-US" altLang="zh-CN" sz="2400" b="1" dirty="0" smtClean="0">
               <a:latin typeface="Calibri" panose="020F0502020204030204" pitchFamily="34" charset="0"/>
               <a:ea typeface="宋体" panose="02010600030101010101" pitchFamily="2" charset="-122"/>
-              <a:cs typeface="Times New Roman" panose="02020603050405020304" pitchFamily="18" charset="0"/>
+              <a:cs typeface="Times New Roman" panose="02020503050405090304" pitchFamily="18" charset="0"/>
             </a:endParaRPr>
           </a:p>
           <a:p>
@@ -11686,7 +11371,7 @@
             <a:endParaRPr lang="en-US" altLang="zh-CN" sz="2400" b="1" dirty="0">
               <a:latin typeface="Calibri" panose="020F0502020204030204" pitchFamily="34" charset="0"/>
               <a:ea typeface="宋体" panose="02010600030101010101" pitchFamily="2" charset="-122"/>
-              <a:cs typeface="Times New Roman" panose="02020603050405020304" pitchFamily="18" charset="0"/>
+              <a:cs typeface="Times New Roman" panose="02020503050405090304" pitchFamily="18" charset="0"/>
             </a:endParaRPr>
           </a:p>
           <a:p>
@@ -11698,7 +11383,7 @@
             <a:endParaRPr lang="en-US" altLang="zh-CN" sz="2400" b="1" dirty="0" smtClean="0">
               <a:latin typeface="Calibri" panose="020F0502020204030204" pitchFamily="34" charset="0"/>
               <a:ea typeface="宋体" panose="02010600030101010101" pitchFamily="2" charset="-122"/>
-              <a:cs typeface="Times New Roman" panose="02020603050405020304" pitchFamily="18" charset="0"/>
+              <a:cs typeface="Times New Roman" panose="02020503050405090304" pitchFamily="18" charset="0"/>
             </a:endParaRPr>
           </a:p>
           <a:p>
@@ -11710,7 +11395,7 @@
             <a:endParaRPr lang="en-US" altLang="zh-CN" sz="2400" b="1" dirty="0">
               <a:latin typeface="Calibri" panose="020F0502020204030204" pitchFamily="34" charset="0"/>
               <a:ea typeface="宋体" panose="02010600030101010101" pitchFamily="2" charset="-122"/>
-              <a:cs typeface="Times New Roman" panose="02020603050405020304" pitchFamily="18" charset="0"/>
+              <a:cs typeface="Times New Roman" panose="02020503050405090304" pitchFamily="18" charset="0"/>
             </a:endParaRPr>
           </a:p>
           <a:p>
@@ -11722,7 +11407,7 @@
             <a:endParaRPr lang="en-US" altLang="zh-CN" sz="2400" b="1" dirty="0" smtClean="0">
               <a:latin typeface="Calibri" panose="020F0502020204030204" pitchFamily="34" charset="0"/>
               <a:ea typeface="宋体" panose="02010600030101010101" pitchFamily="2" charset="-122"/>
-              <a:cs typeface="Times New Roman" panose="02020603050405020304" pitchFamily="18" charset="0"/>
+              <a:cs typeface="Times New Roman" panose="02020503050405090304" pitchFamily="18" charset="0"/>
             </a:endParaRPr>
           </a:p>
           <a:p>
@@ -11734,7 +11419,7 @@
             <a:endParaRPr lang="en-US" altLang="zh-CN" sz="2400" b="1" dirty="0">
               <a:latin typeface="Calibri" panose="020F0502020204030204" pitchFamily="34" charset="0"/>
               <a:ea typeface="宋体" panose="02010600030101010101" pitchFamily="2" charset="-122"/>
-              <a:cs typeface="Times New Roman" panose="02020603050405020304" pitchFamily="18" charset="0"/>
+              <a:cs typeface="Times New Roman" panose="02020503050405090304" pitchFamily="18" charset="0"/>
             </a:endParaRPr>
           </a:p>
           <a:p>
@@ -11746,7 +11431,7 @@
             <a:endParaRPr lang="en-US" altLang="zh-CN" sz="2400" b="1" dirty="0" smtClean="0">
               <a:latin typeface="Calibri" panose="020F0502020204030204" pitchFamily="34" charset="0"/>
               <a:ea typeface="宋体" panose="02010600030101010101" pitchFamily="2" charset="-122"/>
-              <a:cs typeface="Times New Roman" panose="02020603050405020304" pitchFamily="18" charset="0"/>
+              <a:cs typeface="Times New Roman" panose="02020503050405090304" pitchFamily="18" charset="0"/>
             </a:endParaRPr>
           </a:p>
           <a:p>
@@ -11758,7 +11443,7 @@
             <a:endParaRPr lang="en-US" altLang="zh-CN" sz="2400" b="1" dirty="0">
               <a:latin typeface="Calibri" panose="020F0502020204030204" pitchFamily="34" charset="0"/>
               <a:ea typeface="宋体" panose="02010600030101010101" pitchFamily="2" charset="-122"/>
-              <a:cs typeface="Times New Roman" panose="02020603050405020304" pitchFamily="18" charset="0"/>
+              <a:cs typeface="Times New Roman" panose="02020503050405090304" pitchFamily="18" charset="0"/>
             </a:endParaRPr>
           </a:p>
           <a:p>
@@ -11770,7 +11455,7 @@
             <a:endParaRPr lang="en-US" altLang="zh-CN" sz="2400" b="1" dirty="0" smtClean="0">
               <a:latin typeface="Calibri" panose="020F0502020204030204" pitchFamily="34" charset="0"/>
               <a:ea typeface="宋体" panose="02010600030101010101" pitchFamily="2" charset="-122"/>
-              <a:cs typeface="Times New Roman" panose="02020603050405020304" pitchFamily="18" charset="0"/>
+              <a:cs typeface="Times New Roman" panose="02020503050405090304" pitchFamily="18" charset="0"/>
             </a:endParaRPr>
           </a:p>
           <a:p>
@@ -11782,7 +11467,7 @@
             <a:endParaRPr lang="en-US" altLang="zh-CN" sz="2400" b="1" dirty="0">
               <a:latin typeface="Calibri" panose="020F0502020204030204" pitchFamily="34" charset="0"/>
               <a:ea typeface="宋体" panose="02010600030101010101" pitchFamily="2" charset="-122"/>
-              <a:cs typeface="Times New Roman" panose="02020603050405020304" pitchFamily="18" charset="0"/>
+              <a:cs typeface="Times New Roman" panose="02020503050405090304" pitchFamily="18" charset="0"/>
             </a:endParaRPr>
           </a:p>
         </p:txBody>
@@ -11796,7 +11481,7 @@
           <p:nvPr/>
         </p:nvPicPr>
         <p:blipFill>
-          <a:blip r:embed="rId4"/>
+          <a:blip r:embed="rId1"/>
           <a:stretch>
             <a:fillRect/>
           </a:stretch>
@@ -11820,7 +11505,7 @@
           <p:nvPr/>
         </p:nvPicPr>
         <p:blipFill>
-          <a:blip r:embed="rId5"/>
+          <a:blip r:embed="rId2"/>
           <a:stretch>
             <a:fillRect/>
           </a:stretch>
@@ -11844,7 +11529,7 @@
           <p:nvPr/>
         </p:nvPicPr>
         <p:blipFill>
-          <a:blip r:embed="rId6"/>
+          <a:blip r:embed="rId3"/>
           <a:stretch>
             <a:fillRect/>
           </a:stretch>
@@ -11868,7 +11553,7 @@
           <p:nvPr/>
         </p:nvPicPr>
         <p:blipFill>
-          <a:blip r:embed="rId7"/>
+          <a:blip r:embed="rId4"/>
           <a:stretch>
             <a:fillRect/>
           </a:stretch>
@@ -11892,7 +11577,7 @@
           <p:nvPr/>
         </p:nvPicPr>
         <p:blipFill>
-          <a:blip r:embed="rId8"/>
+          <a:blip r:embed="rId5"/>
           <a:stretch>
             <a:fillRect/>
           </a:stretch>
@@ -11909,13 +11594,8 @@
       </p:pic>
     </p:spTree>
     <p:custDataLst>
-      <p:tags r:id="rId1"/>
+      <p:tags r:id="rId6"/>
     </p:custDataLst>
-    <p:extLst>
-      <p:ext uri="{BB962C8B-B14F-4D97-AF65-F5344CB8AC3E}">
-        <p14:creationId xmlns:p14="http://schemas.microsoft.com/office/powerpoint/2010/main" val="3895265415"/>
-      </p:ext>
-    </p:extLst>
   </p:cSld>
   <p:clrMapOvr>
     <a:masterClrMapping/>
@@ -12123,9 +11803,9 @@
                   <a:solidFill>
                     <a:schemeClr val="bg1"/>
                   </a:solidFill>
-                  <a:latin typeface="Arial" panose="020B0604020202020204" pitchFamily="34" charset="0"/>
+                  <a:latin typeface="Arial" panose="020B0604020202090204" pitchFamily="34" charset="0"/>
                   <a:ea typeface="微软雅黑" panose="020B0503020204020204" pitchFamily="34" charset="-122"/>
-                  <a:sym typeface="Arial" panose="020B0604020202020204" pitchFamily="34" charset="0"/>
+                  <a:sym typeface="Arial" panose="020B0604020202090204" pitchFamily="34" charset="0"/>
                 </a:rPr>
                 <a:t>AlphaGo</a:t>
               </a:r>
@@ -12134,9 +11814,9 @@
                   <a:solidFill>
                     <a:schemeClr val="bg1"/>
                   </a:solidFill>
-                  <a:latin typeface="Arial" panose="020B0604020202020204" pitchFamily="34" charset="0"/>
+                  <a:latin typeface="Arial" panose="020B0604020202090204" pitchFamily="34" charset="0"/>
                   <a:ea typeface="微软雅黑" panose="020B0503020204020204" pitchFamily="34" charset="-122"/>
-                  <a:sym typeface="Arial" panose="020B0604020202020204" pitchFamily="34" charset="0"/>
+                  <a:sym typeface="Arial" panose="020B0604020202090204" pitchFamily="34" charset="0"/>
                 </a:rPr>
                 <a:t> </a:t>
               </a:r>
@@ -12145,9 +11825,9 @@
                   <a:solidFill>
                     <a:schemeClr val="bg1"/>
                   </a:solidFill>
-                  <a:latin typeface="Arial" panose="020B0604020202020204" pitchFamily="34" charset="0"/>
+                  <a:latin typeface="Arial" panose="020B0604020202090204" pitchFamily="34" charset="0"/>
                   <a:ea typeface="微软雅黑" panose="020B0503020204020204" pitchFamily="34" charset="-122"/>
-                  <a:sym typeface="Arial" panose="020B0604020202020204" pitchFamily="34" charset="0"/>
+                  <a:sym typeface="Arial" panose="020B0604020202090204" pitchFamily="34" charset="0"/>
                 </a:rPr>
                 <a:t>原理</a:t>
               </a:r>
@@ -12155,9 +11835,9 @@
                 <a:solidFill>
                   <a:schemeClr val="bg1"/>
                 </a:solidFill>
-                <a:latin typeface="Arial" panose="020B0604020202020204" pitchFamily="34" charset="0"/>
+                <a:latin typeface="Arial" panose="020B0604020202090204" pitchFamily="34" charset="0"/>
                 <a:ea typeface="微软雅黑" panose="020B0503020204020204" pitchFamily="34" charset="-122"/>
-                <a:sym typeface="Arial" panose="020B0604020202020204" pitchFamily="34" charset="0"/>
+                <a:sym typeface="Arial" panose="020B0604020202090204" pitchFamily="34" charset="0"/>
               </a:endParaRPr>
             </a:p>
           </p:txBody>
@@ -12208,9 +11888,9 @@
                 <a:solidFill>
                   <a:schemeClr val="bg1"/>
                 </a:solidFill>
-                <a:latin typeface="Arial" panose="020B0604020202020204" pitchFamily="34" charset="0"/>
+                <a:latin typeface="Arial" panose="020B0604020202090204" pitchFamily="34" charset="0"/>
                 <a:ea typeface="微软雅黑" panose="020B0503020204020204" pitchFamily="34" charset="-122"/>
-                <a:sym typeface="Arial" panose="020B0604020202020204" pitchFamily="34" charset="0"/>
+                <a:sym typeface="Arial" panose="020B0604020202090204" pitchFamily="34" charset="0"/>
               </a:endParaRPr>
             </a:p>
           </p:txBody>
@@ -12281,7 +11961,7 @@
               <a:rPr lang="zh-CN" altLang="en-US" sz="2400" b="1" dirty="0" smtClean="0">
                 <a:latin typeface="Calibri" panose="020F0502020204030204" pitchFamily="34" charset="0"/>
                 <a:ea typeface="宋体" panose="02010600030101010101" pitchFamily="2" charset="-122"/>
-                <a:cs typeface="Times New Roman" panose="02020603050405020304" pitchFamily="18" charset="0"/>
+                <a:cs typeface="Times New Roman" panose="02020503050405090304" pitchFamily="18" charset="0"/>
               </a:rPr>
               <a:t>深度估值网络           </a:t>
             </a:r>
@@ -12289,7 +11969,7 @@
               <a:rPr lang="en-US" altLang="zh-CN" sz="2400" b="1" dirty="0" smtClean="0">
                 <a:latin typeface="Calibri" panose="020F0502020204030204" pitchFamily="34" charset="0"/>
                 <a:ea typeface="宋体" panose="02010600030101010101" pitchFamily="2" charset="-122"/>
-                <a:cs typeface="Times New Roman" panose="02020603050405020304" pitchFamily="18" charset="0"/>
+                <a:cs typeface="Times New Roman" panose="02020503050405090304" pitchFamily="18" charset="0"/>
               </a:rPr>
               <a:t>:  (Rollout Policy Network)</a:t>
             </a:r>
@@ -12297,7 +11977,7 @@
               <a:rPr lang="zh-CN" altLang="en-US" sz="2400" b="1" dirty="0" smtClean="0">
                 <a:latin typeface="Calibri" panose="020F0502020204030204" pitchFamily="34" charset="0"/>
                 <a:ea typeface="宋体" panose="02010600030101010101" pitchFamily="2" charset="-122"/>
-                <a:cs typeface="Times New Roman" panose="02020603050405020304" pitchFamily="18" charset="0"/>
+                <a:cs typeface="Times New Roman" panose="02020503050405090304" pitchFamily="18" charset="0"/>
               </a:rPr>
               <a:t> </a:t>
             </a:r>
@@ -12305,14 +11985,14 @@
               <a:rPr lang="en-US" altLang="zh-CN" sz="2400" b="1" dirty="0" smtClean="0">
                 <a:latin typeface="Calibri" panose="020F0502020204030204" pitchFamily="34" charset="0"/>
                 <a:ea typeface="宋体" panose="02010600030101010101" pitchFamily="2" charset="-122"/>
-                <a:cs typeface="Times New Roman" panose="02020603050405020304" pitchFamily="18" charset="0"/>
+                <a:cs typeface="Times New Roman" panose="02020503050405090304" pitchFamily="18" charset="0"/>
               </a:rPr>
               <a:t> </a:t>
             </a:r>
             <a:endParaRPr lang="zh-CN" altLang="zh-CN" sz="2400" b="1" dirty="0">
               <a:latin typeface="Calibri" panose="020F0502020204030204" pitchFamily="34" charset="0"/>
               <a:ea typeface="宋体" panose="02010600030101010101" pitchFamily="2" charset="-122"/>
-              <a:cs typeface="Times New Roman" panose="02020603050405020304" pitchFamily="18" charset="0"/>
+              <a:cs typeface="Times New Roman" panose="02020503050405090304" pitchFamily="18" charset="0"/>
             </a:endParaRPr>
           </a:p>
         </p:txBody>
@@ -12326,7 +12006,7 @@
           <p:nvPr/>
         </p:nvPicPr>
         <p:blipFill>
-          <a:blip r:embed="rId4"/>
+          <a:blip r:embed="rId1"/>
           <a:stretch>
             <a:fillRect/>
           </a:stretch>
@@ -12350,7 +12030,7 @@
           <p:nvPr/>
         </p:nvPicPr>
         <p:blipFill>
-          <a:blip r:embed="rId5"/>
+          <a:blip r:embed="rId2"/>
           <a:stretch>
             <a:fillRect/>
           </a:stretch>
@@ -12367,13 +12047,8 @@
       </p:pic>
     </p:spTree>
     <p:custDataLst>
-      <p:tags r:id="rId1"/>
+      <p:tags r:id="rId3"/>
     </p:custDataLst>
-    <p:extLst>
-      <p:ext uri="{BB962C8B-B14F-4D97-AF65-F5344CB8AC3E}">
-        <p14:creationId xmlns:p14="http://schemas.microsoft.com/office/powerpoint/2010/main" val="2719892424"/>
-      </p:ext>
-    </p:extLst>
   </p:cSld>
   <p:clrMapOvr>
     <a:masterClrMapping/>
@@ -12581,9 +12256,9 @@
                   <a:solidFill>
                     <a:schemeClr val="bg1"/>
                   </a:solidFill>
-                  <a:latin typeface="Arial" panose="020B0604020202020204" pitchFamily="34" charset="0"/>
+                  <a:latin typeface="Arial" panose="020B0604020202090204" pitchFamily="34" charset="0"/>
                   <a:ea typeface="微软雅黑" panose="020B0503020204020204" pitchFamily="34" charset="-122"/>
-                  <a:sym typeface="Arial" panose="020B0604020202020204" pitchFamily="34" charset="0"/>
+                  <a:sym typeface="Arial" panose="020B0604020202090204" pitchFamily="34" charset="0"/>
                 </a:rPr>
                 <a:t>AlphaGo</a:t>
               </a:r>
@@ -12592,9 +12267,9 @@
                   <a:solidFill>
                     <a:schemeClr val="bg1"/>
                   </a:solidFill>
-                  <a:latin typeface="Arial" panose="020B0604020202020204" pitchFamily="34" charset="0"/>
+                  <a:latin typeface="Arial" panose="020B0604020202090204" pitchFamily="34" charset="0"/>
                   <a:ea typeface="微软雅黑" panose="020B0503020204020204" pitchFamily="34" charset="-122"/>
-                  <a:sym typeface="Arial" panose="020B0604020202020204" pitchFamily="34" charset="0"/>
+                  <a:sym typeface="Arial" panose="020B0604020202090204" pitchFamily="34" charset="0"/>
                 </a:rPr>
                 <a:t> </a:t>
               </a:r>
@@ -12603,9 +12278,9 @@
                   <a:solidFill>
                     <a:schemeClr val="bg1"/>
                   </a:solidFill>
-                  <a:latin typeface="Arial" panose="020B0604020202020204" pitchFamily="34" charset="0"/>
+                  <a:latin typeface="Arial" panose="020B0604020202090204" pitchFamily="34" charset="0"/>
                   <a:ea typeface="微软雅黑" panose="020B0503020204020204" pitchFamily="34" charset="-122"/>
-                  <a:sym typeface="Arial" panose="020B0604020202020204" pitchFamily="34" charset="0"/>
+                  <a:sym typeface="Arial" panose="020B0604020202090204" pitchFamily="34" charset="0"/>
                 </a:rPr>
                 <a:t>原理</a:t>
               </a:r>
@@ -12613,9 +12288,9 @@
                 <a:solidFill>
                   <a:schemeClr val="bg1"/>
                 </a:solidFill>
-                <a:latin typeface="Arial" panose="020B0604020202020204" pitchFamily="34" charset="0"/>
+                <a:latin typeface="Arial" panose="020B0604020202090204" pitchFamily="34" charset="0"/>
                 <a:ea typeface="微软雅黑" panose="020B0503020204020204" pitchFamily="34" charset="-122"/>
-                <a:sym typeface="Arial" panose="020B0604020202020204" pitchFamily="34" charset="0"/>
+                <a:sym typeface="Arial" panose="020B0604020202090204" pitchFamily="34" charset="0"/>
               </a:endParaRPr>
             </a:p>
           </p:txBody>
@@ -12666,9 +12341,9 @@
                 <a:solidFill>
                   <a:schemeClr val="bg1"/>
                 </a:solidFill>
-                <a:latin typeface="Arial" panose="020B0604020202020204" pitchFamily="34" charset="0"/>
+                <a:latin typeface="Arial" panose="020B0604020202090204" pitchFamily="34" charset="0"/>
                 <a:ea typeface="微软雅黑" panose="020B0503020204020204" pitchFamily="34" charset="-122"/>
-                <a:sym typeface="Arial" panose="020B0604020202020204" pitchFamily="34" charset="0"/>
+                <a:sym typeface="Arial" panose="020B0604020202090204" pitchFamily="34" charset="0"/>
               </a:endParaRPr>
             </a:p>
           </p:txBody>
@@ -12739,7 +12414,7 @@
               <a:rPr lang="zh-CN" altLang="en-US" sz="2400" b="1" dirty="0" smtClean="0">
                 <a:latin typeface="Calibri" panose="020F0502020204030204" pitchFamily="34" charset="0"/>
                 <a:ea typeface="宋体" panose="02010600030101010101" pitchFamily="2" charset="-122"/>
-                <a:cs typeface="Times New Roman" panose="02020603050405020304" pitchFamily="18" charset="0"/>
+                <a:cs typeface="Times New Roman" panose="02020503050405090304" pitchFamily="18" charset="0"/>
               </a:rPr>
               <a:t>深度估值网络           </a:t>
             </a:r>
@@ -12747,7 +12422,7 @@
               <a:rPr lang="en-US" altLang="zh-CN" sz="2400" b="1" dirty="0" smtClean="0">
                 <a:latin typeface="Calibri" panose="020F0502020204030204" pitchFamily="34" charset="0"/>
                 <a:ea typeface="宋体" panose="02010600030101010101" pitchFamily="2" charset="-122"/>
-                <a:cs typeface="Times New Roman" panose="02020603050405020304" pitchFamily="18" charset="0"/>
+                <a:cs typeface="Times New Roman" panose="02020503050405090304" pitchFamily="18" charset="0"/>
               </a:rPr>
               <a:t>:  (Rollout Policy Network)</a:t>
             </a:r>
@@ -12755,7 +12430,7 @@
               <a:rPr lang="zh-CN" altLang="en-US" sz="2400" b="1" dirty="0" smtClean="0">
                 <a:latin typeface="Calibri" panose="020F0502020204030204" pitchFamily="34" charset="0"/>
                 <a:ea typeface="宋体" panose="02010600030101010101" pitchFamily="2" charset="-122"/>
-                <a:cs typeface="Times New Roman" panose="02020603050405020304" pitchFamily="18" charset="0"/>
+                <a:cs typeface="Times New Roman" panose="02020503050405090304" pitchFamily="18" charset="0"/>
               </a:rPr>
               <a:t> </a:t>
             </a:r>
@@ -12763,14 +12438,14 @@
               <a:rPr lang="en-US" altLang="zh-CN" sz="2400" b="1" dirty="0" smtClean="0">
                 <a:latin typeface="Calibri" panose="020F0502020204030204" pitchFamily="34" charset="0"/>
                 <a:ea typeface="宋体" panose="02010600030101010101" pitchFamily="2" charset="-122"/>
-                <a:cs typeface="Times New Roman" panose="02020603050405020304" pitchFamily="18" charset="0"/>
+                <a:cs typeface="Times New Roman" panose="02020503050405090304" pitchFamily="18" charset="0"/>
               </a:rPr>
               <a:t> </a:t>
             </a:r>
             <a:endParaRPr lang="zh-CN" altLang="zh-CN" sz="2400" b="1" dirty="0">
               <a:latin typeface="Calibri" panose="020F0502020204030204" pitchFamily="34" charset="0"/>
               <a:ea typeface="宋体" panose="02010600030101010101" pitchFamily="2" charset="-122"/>
-              <a:cs typeface="Times New Roman" panose="02020603050405020304" pitchFamily="18" charset="0"/>
+              <a:cs typeface="Times New Roman" panose="02020503050405090304" pitchFamily="18" charset="0"/>
             </a:endParaRPr>
           </a:p>
         </p:txBody>
@@ -12784,7 +12459,7 @@
           <p:nvPr/>
         </p:nvPicPr>
         <p:blipFill>
-          <a:blip r:embed="rId4"/>
+          <a:blip r:embed="rId1"/>
           <a:stretch>
             <a:fillRect/>
           </a:stretch>
@@ -12808,7 +12483,7 @@
           <p:nvPr/>
         </p:nvPicPr>
         <p:blipFill>
-          <a:blip r:embed="rId5"/>
+          <a:blip r:embed="rId2"/>
           <a:stretch>
             <a:fillRect/>
           </a:stretch>
@@ -12825,13 +12500,8 @@
       </p:pic>
     </p:spTree>
     <p:custDataLst>
-      <p:tags r:id="rId1"/>
+      <p:tags r:id="rId3"/>
     </p:custDataLst>
-    <p:extLst>
-      <p:ext uri="{BB962C8B-B14F-4D97-AF65-F5344CB8AC3E}">
-        <p14:creationId xmlns:p14="http://schemas.microsoft.com/office/powerpoint/2010/main" val="3679871453"/>
-      </p:ext>
-    </p:extLst>
   </p:cSld>
   <p:clrMapOvr>
     <a:masterClrMapping/>
@@ -13039,9 +12709,9 @@
                   <a:solidFill>
                     <a:schemeClr val="bg1"/>
                   </a:solidFill>
-                  <a:latin typeface="Arial" panose="020B0604020202020204" pitchFamily="34" charset="0"/>
+                  <a:latin typeface="Arial" panose="020B0604020202090204" pitchFamily="34" charset="0"/>
                   <a:ea typeface="微软雅黑" panose="020B0503020204020204" pitchFamily="34" charset="-122"/>
-                  <a:sym typeface="Arial" panose="020B0604020202020204" pitchFamily="34" charset="0"/>
+                  <a:sym typeface="Arial" panose="020B0604020202090204" pitchFamily="34" charset="0"/>
                 </a:rPr>
                 <a:t>AlphaGo</a:t>
               </a:r>
@@ -13050,9 +12720,9 @@
                   <a:solidFill>
                     <a:schemeClr val="bg1"/>
                   </a:solidFill>
-                  <a:latin typeface="Arial" panose="020B0604020202020204" pitchFamily="34" charset="0"/>
+                  <a:latin typeface="Arial" panose="020B0604020202090204" pitchFamily="34" charset="0"/>
                   <a:ea typeface="微软雅黑" panose="020B0503020204020204" pitchFamily="34" charset="-122"/>
-                  <a:sym typeface="Arial" panose="020B0604020202020204" pitchFamily="34" charset="0"/>
+                  <a:sym typeface="Arial" panose="020B0604020202090204" pitchFamily="34" charset="0"/>
                 </a:rPr>
                 <a:t> </a:t>
               </a:r>
@@ -13061,9 +12731,9 @@
                   <a:solidFill>
                     <a:schemeClr val="bg1"/>
                   </a:solidFill>
-                  <a:latin typeface="Arial" panose="020B0604020202020204" pitchFamily="34" charset="0"/>
+                  <a:latin typeface="Arial" panose="020B0604020202090204" pitchFamily="34" charset="0"/>
                   <a:ea typeface="微软雅黑" panose="020B0503020204020204" pitchFamily="34" charset="-122"/>
-                  <a:sym typeface="Arial" panose="020B0604020202020204" pitchFamily="34" charset="0"/>
+                  <a:sym typeface="Arial" panose="020B0604020202090204" pitchFamily="34" charset="0"/>
                 </a:rPr>
                 <a:t>原理</a:t>
               </a:r>
@@ -13071,9 +12741,9 @@
                 <a:solidFill>
                   <a:schemeClr val="bg1"/>
                 </a:solidFill>
-                <a:latin typeface="Arial" panose="020B0604020202020204" pitchFamily="34" charset="0"/>
+                <a:latin typeface="Arial" panose="020B0604020202090204" pitchFamily="34" charset="0"/>
                 <a:ea typeface="微软雅黑" panose="020B0503020204020204" pitchFamily="34" charset="-122"/>
-                <a:sym typeface="Arial" panose="020B0604020202020204" pitchFamily="34" charset="0"/>
+                <a:sym typeface="Arial" panose="020B0604020202090204" pitchFamily="34" charset="0"/>
               </a:endParaRPr>
             </a:p>
           </p:txBody>
@@ -13124,9 +12794,9 @@
                 <a:solidFill>
                   <a:schemeClr val="bg1"/>
                 </a:solidFill>
-                <a:latin typeface="Arial" panose="020B0604020202020204" pitchFamily="34" charset="0"/>
+                <a:latin typeface="Arial" panose="020B0604020202090204" pitchFamily="34" charset="0"/>
                 <a:ea typeface="微软雅黑" panose="020B0503020204020204" pitchFamily="34" charset="-122"/>
-                <a:sym typeface="Arial" panose="020B0604020202020204" pitchFamily="34" charset="0"/>
+                <a:sym typeface="Arial" panose="020B0604020202090204" pitchFamily="34" charset="0"/>
               </a:endParaRPr>
             </a:p>
           </p:txBody>
@@ -13197,7 +12867,7 @@
               <a:rPr lang="zh-CN" altLang="en-US" sz="2400" b="1" dirty="0" smtClean="0">
                 <a:latin typeface="Calibri" panose="020F0502020204030204" pitchFamily="34" charset="0"/>
                 <a:ea typeface="宋体" panose="02010600030101010101" pitchFamily="2" charset="-122"/>
-                <a:cs typeface="Times New Roman" panose="02020603050405020304" pitchFamily="18" charset="0"/>
+                <a:cs typeface="Times New Roman" panose="02020503050405090304" pitchFamily="18" charset="0"/>
               </a:rPr>
               <a:t>下棋方法 </a:t>
             </a:r>
@@ -13205,7 +12875,7 @@
               <a:rPr lang="en-US" altLang="zh-CN" sz="2400" b="1" dirty="0" smtClean="0">
                 <a:latin typeface="Calibri" panose="020F0502020204030204" pitchFamily="34" charset="0"/>
                 <a:ea typeface="宋体" panose="02010600030101010101" pitchFamily="2" charset="-122"/>
-                <a:cs typeface="Times New Roman" panose="02020603050405020304" pitchFamily="18" charset="0"/>
+                <a:cs typeface="Times New Roman" panose="02020503050405090304" pitchFamily="18" charset="0"/>
               </a:rPr>
               <a:t>-- </a:t>
             </a:r>
@@ -13213,7 +12883,7 @@
               <a:rPr lang="zh-CN" altLang="en-US" sz="2400" b="1" dirty="0" smtClean="0">
                 <a:latin typeface="Calibri" panose="020F0502020204030204" pitchFamily="34" charset="0"/>
                 <a:ea typeface="宋体" panose="02010600030101010101" pitchFamily="2" charset="-122"/>
-                <a:cs typeface="Times New Roman" panose="02020603050405020304" pitchFamily="18" charset="0"/>
+                <a:cs typeface="Times New Roman" panose="02020503050405090304" pitchFamily="18" charset="0"/>
               </a:rPr>
               <a:t>蒙</a:t>
             </a:r>
@@ -13221,7 +12891,7 @@
               <a:rPr lang="zh-CN" altLang="en-US" sz="2400" b="1" dirty="0">
                 <a:latin typeface="Calibri" panose="020F0502020204030204" pitchFamily="34" charset="0"/>
                 <a:ea typeface="宋体" panose="02010600030101010101" pitchFamily="2" charset="-122"/>
-                <a:cs typeface="Times New Roman" panose="02020603050405020304" pitchFamily="18" charset="0"/>
+                <a:cs typeface="Times New Roman" panose="02020503050405090304" pitchFamily="18" charset="0"/>
               </a:rPr>
               <a:t>特卡</a:t>
             </a:r>
@@ -13229,7 +12899,7 @@
               <a:rPr lang="zh-CN" altLang="en-US" sz="2400" b="1" dirty="0" smtClean="0">
                 <a:latin typeface="Calibri" panose="020F0502020204030204" pitchFamily="34" charset="0"/>
                 <a:ea typeface="宋体" panose="02010600030101010101" pitchFamily="2" charset="-122"/>
-                <a:cs typeface="Times New Roman" panose="02020603050405020304" pitchFamily="18" charset="0"/>
+                <a:cs typeface="Times New Roman" panose="02020503050405090304" pitchFamily="18" charset="0"/>
               </a:rPr>
               <a:t>洛树搜索 （</a:t>
             </a:r>
@@ -13237,7 +12907,7 @@
               <a:rPr lang="en-US" altLang="zh-CN" sz="2400" b="1" dirty="0" smtClean="0">
                 <a:latin typeface="Calibri" panose="020F0502020204030204" pitchFamily="34" charset="0"/>
                 <a:ea typeface="宋体" panose="02010600030101010101" pitchFamily="2" charset="-122"/>
-                <a:cs typeface="Times New Roman" panose="02020603050405020304" pitchFamily="18" charset="0"/>
+                <a:cs typeface="Times New Roman" panose="02020503050405090304" pitchFamily="18" charset="0"/>
               </a:rPr>
               <a:t>Monte Carlo Tree Search</a:t>
             </a:r>
@@ -13245,14 +12915,14 @@
               <a:rPr lang="zh-CN" altLang="en-US" sz="2400" b="1" dirty="0" smtClean="0">
                 <a:latin typeface="Calibri" panose="020F0502020204030204" pitchFamily="34" charset="0"/>
                 <a:ea typeface="宋体" panose="02010600030101010101" pitchFamily="2" charset="-122"/>
-                <a:cs typeface="Times New Roman" panose="02020603050405020304" pitchFamily="18" charset="0"/>
+                <a:cs typeface="Times New Roman" panose="02020503050405090304" pitchFamily="18" charset="0"/>
               </a:rPr>
               <a:t>）： </a:t>
             </a:r>
             <a:endParaRPr lang="en-US" altLang="zh-CN" sz="2400" b="1" dirty="0" smtClean="0">
               <a:latin typeface="Calibri" panose="020F0502020204030204" pitchFamily="34" charset="0"/>
               <a:ea typeface="宋体" panose="02010600030101010101" pitchFamily="2" charset="-122"/>
-              <a:cs typeface="Times New Roman" panose="02020603050405020304" pitchFamily="18" charset="0"/>
+              <a:cs typeface="Times New Roman" panose="02020503050405090304" pitchFamily="18" charset="0"/>
             </a:endParaRPr>
           </a:p>
           <a:p>
@@ -13264,7 +12934,7 @@
             <a:endParaRPr lang="en-US" altLang="zh-CN" sz="2400" b="1" dirty="0">
               <a:latin typeface="Calibri" panose="020F0502020204030204" pitchFamily="34" charset="0"/>
               <a:ea typeface="宋体" panose="02010600030101010101" pitchFamily="2" charset="-122"/>
-              <a:cs typeface="Times New Roman" panose="02020603050405020304" pitchFamily="18" charset="0"/>
+              <a:cs typeface="Times New Roman" panose="02020503050405090304" pitchFamily="18" charset="0"/>
             </a:endParaRPr>
           </a:p>
           <a:p>
@@ -13277,14 +12947,14 @@
               <a:rPr lang="zh-CN" altLang="en-US" sz="2400" b="1" dirty="0" smtClean="0">
                 <a:latin typeface="Calibri" panose="020F0502020204030204" pitchFamily="34" charset="0"/>
                 <a:ea typeface="宋体" panose="02010600030101010101" pitchFamily="2" charset="-122"/>
-                <a:cs typeface="Times New Roman" panose="02020603050405020304" pitchFamily="18" charset="0"/>
+                <a:cs typeface="Times New Roman" panose="02020503050405090304" pitchFamily="18" charset="0"/>
               </a:rPr>
               <a:t>多次模拟未来棋局，然后选择在模拟中选择次数最多的走法</a:t>
             </a:r>
             <a:endParaRPr lang="en-US" altLang="zh-CN" sz="2400" b="1" dirty="0" smtClean="0">
               <a:latin typeface="Calibri" panose="020F0502020204030204" pitchFamily="34" charset="0"/>
               <a:ea typeface="宋体" panose="02010600030101010101" pitchFamily="2" charset="-122"/>
-              <a:cs typeface="Times New Roman" panose="02020603050405020304" pitchFamily="18" charset="0"/>
+              <a:cs typeface="Times New Roman" panose="02020503050405090304" pitchFamily="18" charset="0"/>
             </a:endParaRPr>
           </a:p>
           <a:p>
@@ -13296,7 +12966,7 @@
             <a:endParaRPr lang="en-US" altLang="zh-CN" sz="2400" b="1" dirty="0">
               <a:latin typeface="Calibri" panose="020F0502020204030204" pitchFamily="34" charset="0"/>
               <a:ea typeface="宋体" panose="02010600030101010101" pitchFamily="2" charset="-122"/>
-              <a:cs typeface="Times New Roman" panose="02020603050405020304" pitchFamily="18" charset="0"/>
+              <a:cs typeface="Times New Roman" panose="02020503050405090304" pitchFamily="18" charset="0"/>
             </a:endParaRPr>
           </a:p>
           <a:p>
@@ -13308,7 +12978,7 @@
             <a:endParaRPr lang="zh-CN" altLang="zh-CN" sz="2400" b="1" dirty="0">
               <a:latin typeface="Calibri" panose="020F0502020204030204" pitchFamily="34" charset="0"/>
               <a:ea typeface="宋体" panose="02010600030101010101" pitchFamily="2" charset="-122"/>
-              <a:cs typeface="Times New Roman" panose="02020603050405020304" pitchFamily="18" charset="0"/>
+              <a:cs typeface="Times New Roman" panose="02020503050405090304" pitchFamily="18" charset="0"/>
             </a:endParaRPr>
           </a:p>
         </p:txBody>
@@ -13322,7 +12992,7 @@
           <p:nvPr/>
         </p:nvPicPr>
         <p:blipFill>
-          <a:blip r:embed="rId4"/>
+          <a:blip r:embed="rId1"/>
           <a:stretch>
             <a:fillRect/>
           </a:stretch>
@@ -13339,13 +13009,8 @@
       </p:pic>
     </p:spTree>
     <p:custDataLst>
-      <p:tags r:id="rId1"/>
+      <p:tags r:id="rId2"/>
     </p:custDataLst>
-    <p:extLst>
-      <p:ext uri="{BB962C8B-B14F-4D97-AF65-F5344CB8AC3E}">
-        <p14:creationId xmlns:p14="http://schemas.microsoft.com/office/powerpoint/2010/main" val="1053756829"/>
-      </p:ext>
-    </p:extLst>
   </p:cSld>
   <p:clrMapOvr>
     <a:masterClrMapping/>
@@ -13553,9 +13218,9 @@
                   <a:solidFill>
                     <a:schemeClr val="bg1"/>
                   </a:solidFill>
-                  <a:latin typeface="Arial" panose="020B0604020202020204" pitchFamily="34" charset="0"/>
+                  <a:latin typeface="Arial" panose="020B0604020202090204" pitchFamily="34" charset="0"/>
                   <a:ea typeface="微软雅黑" panose="020B0503020204020204" pitchFamily="34" charset="-122"/>
-                  <a:sym typeface="Arial" panose="020B0604020202020204" pitchFamily="34" charset="0"/>
+                  <a:sym typeface="Arial" panose="020B0604020202090204" pitchFamily="34" charset="0"/>
                 </a:rPr>
                 <a:t>论文</a:t>
               </a:r>
@@ -13563,9 +13228,9 @@
                 <a:solidFill>
                   <a:schemeClr val="bg1"/>
                 </a:solidFill>
-                <a:latin typeface="Arial" panose="020B0604020202020204" pitchFamily="34" charset="0"/>
+                <a:latin typeface="Arial" panose="020B0604020202090204" pitchFamily="34" charset="0"/>
                 <a:ea typeface="微软雅黑" panose="020B0503020204020204" pitchFamily="34" charset="-122"/>
-                <a:sym typeface="Arial" panose="020B0604020202020204" pitchFamily="34" charset="0"/>
+                <a:sym typeface="Arial" panose="020B0604020202090204" pitchFamily="34" charset="0"/>
               </a:endParaRPr>
             </a:p>
           </p:txBody>
@@ -13616,9 +13281,9 @@
                 <a:solidFill>
                   <a:schemeClr val="bg1"/>
                 </a:solidFill>
-                <a:latin typeface="Arial" panose="020B0604020202020204" pitchFamily="34" charset="0"/>
+                <a:latin typeface="Arial" panose="020B0604020202090204" pitchFamily="34" charset="0"/>
                 <a:ea typeface="微软雅黑" panose="020B0503020204020204" pitchFamily="34" charset="-122"/>
-                <a:sym typeface="Arial" panose="020B0604020202020204" pitchFamily="34" charset="0"/>
+                <a:sym typeface="Arial" panose="020B0604020202090204" pitchFamily="34" charset="0"/>
               </a:endParaRPr>
             </a:p>
           </p:txBody>
@@ -13693,10 +13358,15 @@
               <a:rPr lang="en-US" altLang="zh-CN" sz="2400" b="1" dirty="0" smtClean="0">
                 <a:latin typeface="Calibri" panose="020F0502020204030204" pitchFamily="34" charset="0"/>
                 <a:ea typeface="宋体" panose="02010600030101010101" pitchFamily="2" charset="-122"/>
-                <a:cs typeface="Times New Roman" panose="02020603050405020304" pitchFamily="18" charset="0"/>
+                <a:cs typeface="Times New Roman" panose="02020503050405090304" pitchFamily="18" charset="0"/>
               </a:rPr>
               <a:t>Mastering the Game of Go with Deep Neural Networks and Tree Search, Nature, 2015.</a:t>
             </a:r>
+            <a:endParaRPr lang="en-US" altLang="zh-CN" sz="2400" b="1" dirty="0" smtClean="0">
+              <a:latin typeface="Calibri" panose="020F0502020204030204" pitchFamily="34" charset="0"/>
+              <a:ea typeface="宋体" panose="02010600030101010101" pitchFamily="2" charset="-122"/>
+              <a:cs typeface="Times New Roman" panose="02020503050405090304" pitchFamily="18" charset="0"/>
+            </a:endParaRPr>
           </a:p>
           <a:p>
             <a:pPr algn="just">
@@ -13707,7 +13377,7 @@
             <a:endParaRPr lang="en-US" altLang="zh-CN" sz="2400" b="1" dirty="0" smtClean="0">
               <a:latin typeface="Calibri" panose="020F0502020204030204" pitchFamily="34" charset="0"/>
               <a:ea typeface="宋体" panose="02010600030101010101" pitchFamily="2" charset="-122"/>
-              <a:cs typeface="Times New Roman" panose="02020603050405020304" pitchFamily="18" charset="0"/>
+              <a:cs typeface="Times New Roman" panose="02020503050405090304" pitchFamily="18" charset="0"/>
             </a:endParaRPr>
           </a:p>
           <a:p>
@@ -13721,7 +13391,7 @@
             <a:endParaRPr lang="en-US" altLang="zh-CN" sz="2400" b="1" dirty="0">
               <a:latin typeface="Calibri" panose="020F0502020204030204" pitchFamily="34" charset="0"/>
               <a:ea typeface="宋体" panose="02010600030101010101" pitchFamily="2" charset="-122"/>
-              <a:cs typeface="Times New Roman" panose="02020603050405020304" pitchFamily="18" charset="0"/>
+              <a:cs typeface="Times New Roman" panose="02020503050405090304" pitchFamily="18" charset="0"/>
             </a:endParaRPr>
           </a:p>
           <a:p>
@@ -13757,7 +13427,7 @@
             <a:endParaRPr lang="zh-CN" altLang="zh-CN" sz="2400" b="1" dirty="0">
               <a:latin typeface="Calibri" panose="020F0502020204030204" pitchFamily="34" charset="0"/>
               <a:ea typeface="宋体" panose="02010600030101010101" pitchFamily="2" charset="-122"/>
-              <a:cs typeface="Times New Roman" panose="02020603050405020304" pitchFamily="18" charset="0"/>
+              <a:cs typeface="Times New Roman" panose="02020503050405090304" pitchFamily="18" charset="0"/>
             </a:endParaRPr>
           </a:p>
         </p:txBody>
@@ -13766,11 +13436,6 @@
     <p:custDataLst>
       <p:tags r:id="rId1"/>
     </p:custDataLst>
-    <p:extLst>
-      <p:ext uri="{BB962C8B-B14F-4D97-AF65-F5344CB8AC3E}">
-        <p14:creationId xmlns:p14="http://schemas.microsoft.com/office/powerpoint/2010/main" val="3848531755"/>
-      </p:ext>
-    </p:extLst>
   </p:cSld>
   <p:clrMapOvr>
     <a:masterClrMapping/>
@@ -13978,9 +13643,9 @@
                   <a:solidFill>
                     <a:schemeClr val="bg1"/>
                   </a:solidFill>
-                  <a:latin typeface="Arial" panose="020B0604020202020204" pitchFamily="34" charset="0"/>
+                  <a:latin typeface="Arial" panose="020B0604020202090204" pitchFamily="34" charset="0"/>
                   <a:ea typeface="微软雅黑" panose="020B0503020204020204" pitchFamily="34" charset="-122"/>
-                  <a:sym typeface="Arial" panose="020B0604020202020204" pitchFamily="34" charset="0"/>
+                  <a:sym typeface="Arial" panose="020B0604020202090204" pitchFamily="34" charset="0"/>
                 </a:rPr>
                 <a:t>AlphaGo</a:t>
               </a:r>
@@ -13989,9 +13654,9 @@
                   <a:solidFill>
                     <a:schemeClr val="bg1"/>
                   </a:solidFill>
-                  <a:latin typeface="Arial" panose="020B0604020202020204" pitchFamily="34" charset="0"/>
+                  <a:latin typeface="Arial" panose="020B0604020202090204" pitchFamily="34" charset="0"/>
                   <a:ea typeface="微软雅黑" panose="020B0503020204020204" pitchFamily="34" charset="-122"/>
-                  <a:sym typeface="Arial" panose="020B0604020202020204" pitchFamily="34" charset="0"/>
+                  <a:sym typeface="Arial" panose="020B0604020202090204" pitchFamily="34" charset="0"/>
                 </a:rPr>
                 <a:t> </a:t>
               </a:r>
@@ -14000,9 +13665,9 @@
                   <a:solidFill>
                     <a:schemeClr val="bg1"/>
                   </a:solidFill>
-                  <a:latin typeface="Arial" panose="020B0604020202020204" pitchFamily="34" charset="0"/>
+                  <a:latin typeface="Arial" panose="020B0604020202090204" pitchFamily="34" charset="0"/>
                   <a:ea typeface="微软雅黑" panose="020B0503020204020204" pitchFamily="34" charset="-122"/>
-                  <a:sym typeface="Arial" panose="020B0604020202020204" pitchFamily="34" charset="0"/>
+                  <a:sym typeface="Arial" panose="020B0604020202090204" pitchFamily="34" charset="0"/>
                 </a:rPr>
                 <a:t>原理</a:t>
               </a:r>
@@ -14010,9 +13675,9 @@
                 <a:solidFill>
                   <a:schemeClr val="bg1"/>
                 </a:solidFill>
-                <a:latin typeface="Arial" panose="020B0604020202020204" pitchFamily="34" charset="0"/>
+                <a:latin typeface="Arial" panose="020B0604020202090204" pitchFamily="34" charset="0"/>
                 <a:ea typeface="微软雅黑" panose="020B0503020204020204" pitchFamily="34" charset="-122"/>
-                <a:sym typeface="Arial" panose="020B0604020202020204" pitchFamily="34" charset="0"/>
+                <a:sym typeface="Arial" panose="020B0604020202090204" pitchFamily="34" charset="0"/>
               </a:endParaRPr>
             </a:p>
           </p:txBody>
@@ -14063,9 +13728,9 @@
                 <a:solidFill>
                   <a:schemeClr val="bg1"/>
                 </a:solidFill>
-                <a:latin typeface="Arial" panose="020B0604020202020204" pitchFamily="34" charset="0"/>
+                <a:latin typeface="Arial" panose="020B0604020202090204" pitchFamily="34" charset="0"/>
                 <a:ea typeface="微软雅黑" panose="020B0503020204020204" pitchFamily="34" charset="-122"/>
-                <a:sym typeface="Arial" panose="020B0604020202020204" pitchFamily="34" charset="0"/>
+                <a:sym typeface="Arial" panose="020B0604020202090204" pitchFamily="34" charset="0"/>
               </a:endParaRPr>
             </a:p>
           </p:txBody>
@@ -14136,7 +13801,7 @@
               <a:rPr lang="zh-CN" altLang="en-US" sz="2400" b="1" dirty="0">
                 <a:latin typeface="Calibri" panose="020F0502020204030204" pitchFamily="34" charset="0"/>
                 <a:ea typeface="宋体" panose="02010600030101010101" pitchFamily="2" charset="-122"/>
-                <a:cs typeface="Times New Roman" panose="02020603050405020304" pitchFamily="18" charset="0"/>
+                <a:cs typeface="Times New Roman" panose="02020503050405090304" pitchFamily="18" charset="0"/>
               </a:rPr>
               <a:t>蒙特卡</a:t>
             </a:r>
@@ -14144,7 +13809,7 @@
               <a:rPr lang="zh-CN" altLang="en-US" sz="2400" b="1" dirty="0" smtClean="0">
                 <a:latin typeface="Calibri" panose="020F0502020204030204" pitchFamily="34" charset="0"/>
                 <a:ea typeface="宋体" panose="02010600030101010101" pitchFamily="2" charset="-122"/>
-                <a:cs typeface="Times New Roman" panose="02020603050405020304" pitchFamily="18" charset="0"/>
+                <a:cs typeface="Times New Roman" panose="02020503050405090304" pitchFamily="18" charset="0"/>
               </a:rPr>
               <a:t>洛树搜索 （</a:t>
             </a:r>
@@ -14152,7 +13817,7 @@
               <a:rPr lang="en-US" altLang="zh-CN" sz="2400" b="1" dirty="0" smtClean="0">
                 <a:latin typeface="Calibri" panose="020F0502020204030204" pitchFamily="34" charset="0"/>
                 <a:ea typeface="宋体" panose="02010600030101010101" pitchFamily="2" charset="-122"/>
-                <a:cs typeface="Times New Roman" panose="02020603050405020304" pitchFamily="18" charset="0"/>
+                <a:cs typeface="Times New Roman" panose="02020503050405090304" pitchFamily="18" charset="0"/>
               </a:rPr>
               <a:t>Monte Carlo Tree Search</a:t>
             </a:r>
@@ -14160,14 +13825,14 @@
               <a:rPr lang="zh-CN" altLang="en-US" sz="2400" b="1" dirty="0" smtClean="0">
                 <a:latin typeface="Calibri" panose="020F0502020204030204" pitchFamily="34" charset="0"/>
                 <a:ea typeface="宋体" panose="02010600030101010101" pitchFamily="2" charset="-122"/>
-                <a:cs typeface="Times New Roman" panose="02020603050405020304" pitchFamily="18" charset="0"/>
+                <a:cs typeface="Times New Roman" panose="02020503050405090304" pitchFamily="18" charset="0"/>
               </a:rPr>
               <a:t>）最终确定走棋。</a:t>
             </a:r>
             <a:endParaRPr lang="en-US" altLang="zh-CN" sz="2400" b="1" dirty="0" smtClean="0">
               <a:latin typeface="Calibri" panose="020F0502020204030204" pitchFamily="34" charset="0"/>
               <a:ea typeface="宋体" panose="02010600030101010101" pitchFamily="2" charset="-122"/>
-              <a:cs typeface="Times New Roman" panose="02020603050405020304" pitchFamily="18" charset="0"/>
+              <a:cs typeface="Times New Roman" panose="02020503050405090304" pitchFamily="18" charset="0"/>
             </a:endParaRPr>
           </a:p>
           <a:p>
@@ -14179,7 +13844,7 @@
             <a:endParaRPr lang="en-US" altLang="zh-CN" sz="2400" b="1" dirty="0">
               <a:latin typeface="Calibri" panose="020F0502020204030204" pitchFamily="34" charset="0"/>
               <a:ea typeface="宋体" panose="02010600030101010101" pitchFamily="2" charset="-122"/>
-              <a:cs typeface="Times New Roman" panose="02020603050405020304" pitchFamily="18" charset="0"/>
+              <a:cs typeface="Times New Roman" panose="02020503050405090304" pitchFamily="18" charset="0"/>
             </a:endParaRPr>
           </a:p>
           <a:p>
@@ -14191,7 +13856,7 @@
             <a:endParaRPr lang="zh-CN" altLang="zh-CN" sz="2400" b="1" dirty="0">
               <a:latin typeface="Calibri" panose="020F0502020204030204" pitchFamily="34" charset="0"/>
               <a:ea typeface="宋体" panose="02010600030101010101" pitchFamily="2" charset="-122"/>
-              <a:cs typeface="Times New Roman" panose="02020603050405020304" pitchFamily="18" charset="0"/>
+              <a:cs typeface="Times New Roman" panose="02020503050405090304" pitchFamily="18" charset="0"/>
             </a:endParaRPr>
           </a:p>
         </p:txBody>
@@ -14205,7 +13870,7 @@
           <p:nvPr/>
         </p:nvPicPr>
         <p:blipFill>
-          <a:blip r:embed="rId4"/>
+          <a:blip r:embed="rId1"/>
           <a:stretch>
             <a:fillRect/>
           </a:stretch>
@@ -14229,7 +13894,7 @@
           <p:nvPr/>
         </p:nvPicPr>
         <p:blipFill>
-          <a:blip r:embed="rId5"/>
+          <a:blip r:embed="rId2"/>
           <a:stretch>
             <a:fillRect/>
           </a:stretch>
@@ -14253,7 +13918,7 @@
           <p:nvPr/>
         </p:nvPicPr>
         <p:blipFill>
-          <a:blip r:embed="rId6"/>
+          <a:blip r:embed="rId3"/>
           <a:stretch>
             <a:fillRect/>
           </a:stretch>
@@ -14277,7 +13942,7 @@
           <p:nvPr/>
         </p:nvPicPr>
         <p:blipFill>
-          <a:blip r:embed="rId7"/>
+          <a:blip r:embed="rId4"/>
           <a:stretch>
             <a:fillRect/>
           </a:stretch>
@@ -14301,7 +13966,7 @@
           <p:nvPr/>
         </p:nvPicPr>
         <p:blipFill>
-          <a:blip r:embed="rId8"/>
+          <a:blip r:embed="rId5"/>
           <a:stretch>
             <a:fillRect/>
           </a:stretch>
@@ -14318,13 +13983,8 @@
       </p:pic>
     </p:spTree>
     <p:custDataLst>
-      <p:tags r:id="rId1"/>
+      <p:tags r:id="rId6"/>
     </p:custDataLst>
-    <p:extLst>
-      <p:ext uri="{BB962C8B-B14F-4D97-AF65-F5344CB8AC3E}">
-        <p14:creationId xmlns:p14="http://schemas.microsoft.com/office/powerpoint/2010/main" val="3560811699"/>
-      </p:ext>
-    </p:extLst>
   </p:cSld>
   <p:clrMapOvr>
     <a:masterClrMapping/>
@@ -14532,9 +14192,9 @@
                   <a:solidFill>
                     <a:schemeClr val="bg1"/>
                   </a:solidFill>
-                  <a:latin typeface="Arial" panose="020B0604020202020204" pitchFamily="34" charset="0"/>
+                  <a:latin typeface="Arial" panose="020B0604020202090204" pitchFamily="34" charset="0"/>
                   <a:ea typeface="微软雅黑" panose="020B0503020204020204" pitchFamily="34" charset="-122"/>
-                  <a:sym typeface="Arial" panose="020B0604020202020204" pitchFamily="34" charset="0"/>
+                  <a:sym typeface="Arial" panose="020B0604020202090204" pitchFamily="34" charset="0"/>
                 </a:rPr>
                 <a:t>AlphaGo</a:t>
               </a:r>
@@ -14543,9 +14203,9 @@
                   <a:solidFill>
                     <a:schemeClr val="bg1"/>
                   </a:solidFill>
-                  <a:latin typeface="Arial" panose="020B0604020202020204" pitchFamily="34" charset="0"/>
+                  <a:latin typeface="Arial" panose="020B0604020202090204" pitchFamily="34" charset="0"/>
                   <a:ea typeface="微软雅黑" panose="020B0503020204020204" pitchFamily="34" charset="-122"/>
-                  <a:sym typeface="Arial" panose="020B0604020202020204" pitchFamily="34" charset="0"/>
+                  <a:sym typeface="Arial" panose="020B0604020202090204" pitchFamily="34" charset="0"/>
                 </a:rPr>
                 <a:t> </a:t>
               </a:r>
@@ -14554,9 +14214,9 @@
                   <a:solidFill>
                     <a:schemeClr val="bg1"/>
                   </a:solidFill>
-                  <a:latin typeface="Arial" panose="020B0604020202020204" pitchFamily="34" charset="0"/>
+                  <a:latin typeface="Arial" panose="020B0604020202090204" pitchFamily="34" charset="0"/>
                   <a:ea typeface="微软雅黑" panose="020B0503020204020204" pitchFamily="34" charset="-122"/>
-                  <a:sym typeface="Arial" panose="020B0604020202020204" pitchFamily="34" charset="0"/>
+                  <a:sym typeface="Arial" panose="020B0604020202090204" pitchFamily="34" charset="0"/>
                 </a:rPr>
                 <a:t>原理</a:t>
               </a:r>
@@ -14564,9 +14224,9 @@
                 <a:solidFill>
                   <a:schemeClr val="bg1"/>
                 </a:solidFill>
-                <a:latin typeface="Arial" panose="020B0604020202020204" pitchFamily="34" charset="0"/>
+                <a:latin typeface="Arial" panose="020B0604020202090204" pitchFamily="34" charset="0"/>
                 <a:ea typeface="微软雅黑" panose="020B0503020204020204" pitchFamily="34" charset="-122"/>
-                <a:sym typeface="Arial" panose="020B0604020202020204" pitchFamily="34" charset="0"/>
+                <a:sym typeface="Arial" panose="020B0604020202090204" pitchFamily="34" charset="0"/>
               </a:endParaRPr>
             </a:p>
           </p:txBody>
@@ -14617,9 +14277,9 @@
                 <a:solidFill>
                   <a:schemeClr val="bg1"/>
                 </a:solidFill>
-                <a:latin typeface="Arial" panose="020B0604020202020204" pitchFamily="34" charset="0"/>
+                <a:latin typeface="Arial" panose="020B0604020202090204" pitchFamily="34" charset="0"/>
                 <a:ea typeface="微软雅黑" panose="020B0503020204020204" pitchFamily="34" charset="-122"/>
-                <a:sym typeface="Arial" panose="020B0604020202020204" pitchFamily="34" charset="0"/>
+                <a:sym typeface="Arial" panose="020B0604020202090204" pitchFamily="34" charset="0"/>
               </a:endParaRPr>
             </a:p>
           </p:txBody>
@@ -14690,7 +14350,7 @@
               <a:rPr lang="zh-CN" altLang="en-US" sz="2400" b="1" dirty="0" smtClean="0">
                 <a:latin typeface="Calibri" panose="020F0502020204030204" pitchFamily="34" charset="0"/>
                 <a:ea typeface="宋体" panose="02010600030101010101" pitchFamily="2" charset="-122"/>
-                <a:cs typeface="Times New Roman" panose="02020603050405020304" pitchFamily="18" charset="0"/>
+                <a:cs typeface="Times New Roman" panose="02020503050405090304" pitchFamily="18" charset="0"/>
               </a:rPr>
               <a:t>下棋方法 </a:t>
             </a:r>
@@ -14698,7 +14358,7 @@
               <a:rPr lang="en-US" altLang="zh-CN" sz="2400" b="1" dirty="0" smtClean="0">
                 <a:latin typeface="Calibri" panose="020F0502020204030204" pitchFamily="34" charset="0"/>
                 <a:ea typeface="宋体" panose="02010600030101010101" pitchFamily="2" charset="-122"/>
-                <a:cs typeface="Times New Roman" panose="02020603050405020304" pitchFamily="18" charset="0"/>
+                <a:cs typeface="Times New Roman" panose="02020503050405090304" pitchFamily="18" charset="0"/>
               </a:rPr>
               <a:t>-- </a:t>
             </a:r>
@@ -14706,7 +14366,7 @@
               <a:rPr lang="zh-CN" altLang="en-US" sz="2400" b="1" dirty="0" smtClean="0">
                 <a:latin typeface="Calibri" panose="020F0502020204030204" pitchFamily="34" charset="0"/>
                 <a:ea typeface="宋体" panose="02010600030101010101" pitchFamily="2" charset="-122"/>
-                <a:cs typeface="Times New Roman" panose="02020603050405020304" pitchFamily="18" charset="0"/>
+                <a:cs typeface="Times New Roman" panose="02020503050405090304" pitchFamily="18" charset="0"/>
               </a:rPr>
               <a:t>蒙</a:t>
             </a:r>
@@ -14714,7 +14374,7 @@
               <a:rPr lang="zh-CN" altLang="en-US" sz="2400" b="1" dirty="0">
                 <a:latin typeface="Calibri" panose="020F0502020204030204" pitchFamily="34" charset="0"/>
                 <a:ea typeface="宋体" panose="02010600030101010101" pitchFamily="2" charset="-122"/>
-                <a:cs typeface="Times New Roman" panose="02020603050405020304" pitchFamily="18" charset="0"/>
+                <a:cs typeface="Times New Roman" panose="02020503050405090304" pitchFamily="18" charset="0"/>
               </a:rPr>
               <a:t>特卡</a:t>
             </a:r>
@@ -14722,7 +14382,7 @@
               <a:rPr lang="zh-CN" altLang="en-US" sz="2400" b="1" dirty="0" smtClean="0">
                 <a:latin typeface="Calibri" panose="020F0502020204030204" pitchFamily="34" charset="0"/>
                 <a:ea typeface="宋体" panose="02010600030101010101" pitchFamily="2" charset="-122"/>
-                <a:cs typeface="Times New Roman" panose="02020603050405020304" pitchFamily="18" charset="0"/>
+                <a:cs typeface="Times New Roman" panose="02020503050405090304" pitchFamily="18" charset="0"/>
               </a:rPr>
               <a:t>洛树搜索 （</a:t>
             </a:r>
@@ -14730,7 +14390,7 @@
               <a:rPr lang="en-US" altLang="zh-CN" sz="2400" b="1" dirty="0" smtClean="0">
                 <a:latin typeface="Calibri" panose="020F0502020204030204" pitchFamily="34" charset="0"/>
                 <a:ea typeface="宋体" panose="02010600030101010101" pitchFamily="2" charset="-122"/>
-                <a:cs typeface="Times New Roman" panose="02020603050405020304" pitchFamily="18" charset="0"/>
+                <a:cs typeface="Times New Roman" panose="02020503050405090304" pitchFamily="18" charset="0"/>
               </a:rPr>
               <a:t>Monte Carlo Tree Search</a:t>
             </a:r>
@@ -14738,14 +14398,14 @@
               <a:rPr lang="zh-CN" altLang="en-US" sz="2400" b="1" dirty="0" smtClean="0">
                 <a:latin typeface="Calibri" panose="020F0502020204030204" pitchFamily="34" charset="0"/>
                 <a:ea typeface="宋体" panose="02010600030101010101" pitchFamily="2" charset="-122"/>
-                <a:cs typeface="Times New Roman" panose="02020603050405020304" pitchFamily="18" charset="0"/>
+                <a:cs typeface="Times New Roman" panose="02020503050405090304" pitchFamily="18" charset="0"/>
               </a:rPr>
               <a:t>）</a:t>
             </a:r>
             <a:endParaRPr lang="en-US" altLang="zh-CN" sz="2400" b="1" dirty="0">
               <a:latin typeface="Calibri" panose="020F0502020204030204" pitchFamily="34" charset="0"/>
               <a:ea typeface="宋体" panose="02010600030101010101" pitchFamily="2" charset="-122"/>
-              <a:cs typeface="Times New Roman" panose="02020603050405020304" pitchFamily="18" charset="0"/>
+              <a:cs typeface="Times New Roman" panose="02020503050405090304" pitchFamily="18" charset="0"/>
             </a:endParaRPr>
           </a:p>
           <a:p>
@@ -14757,7 +14417,7 @@
             <a:endParaRPr lang="zh-CN" altLang="zh-CN" sz="2400" b="1" dirty="0">
               <a:latin typeface="Calibri" panose="020F0502020204030204" pitchFamily="34" charset="0"/>
               <a:ea typeface="宋体" panose="02010600030101010101" pitchFamily="2" charset="-122"/>
-              <a:cs typeface="Times New Roman" panose="02020603050405020304" pitchFamily="18" charset="0"/>
+              <a:cs typeface="Times New Roman" panose="02020503050405090304" pitchFamily="18" charset="0"/>
             </a:endParaRPr>
           </a:p>
         </p:txBody>
@@ -14771,7 +14431,7 @@
           <p:nvPr/>
         </p:nvPicPr>
         <p:blipFill>
-          <a:blip r:embed="rId4"/>
+          <a:blip r:embed="rId1"/>
           <a:stretch>
             <a:fillRect/>
           </a:stretch>
@@ -14788,13 +14448,8 @@
       </p:pic>
     </p:spTree>
     <p:custDataLst>
-      <p:tags r:id="rId1"/>
+      <p:tags r:id="rId2"/>
     </p:custDataLst>
-    <p:extLst>
-      <p:ext uri="{BB962C8B-B14F-4D97-AF65-F5344CB8AC3E}">
-        <p14:creationId xmlns:p14="http://schemas.microsoft.com/office/powerpoint/2010/main" val="3346178439"/>
-      </p:ext>
-    </p:extLst>
   </p:cSld>
   <p:clrMapOvr>
     <a:masterClrMapping/>
@@ -15002,9 +14657,9 @@
                   <a:solidFill>
                     <a:schemeClr val="bg1"/>
                   </a:solidFill>
-                  <a:latin typeface="Arial" panose="020B0604020202020204" pitchFamily="34" charset="0"/>
+                  <a:latin typeface="Arial" panose="020B0604020202090204" pitchFamily="34" charset="0"/>
                   <a:ea typeface="微软雅黑" panose="020B0503020204020204" pitchFamily="34" charset="-122"/>
-                  <a:sym typeface="Arial" panose="020B0604020202020204" pitchFamily="34" charset="0"/>
+                  <a:sym typeface="Arial" panose="020B0604020202090204" pitchFamily="34" charset="0"/>
                 </a:rPr>
                 <a:t>AlphaGo</a:t>
               </a:r>
@@ -15013,9 +14668,9 @@
                   <a:solidFill>
                     <a:schemeClr val="bg1"/>
                   </a:solidFill>
-                  <a:latin typeface="Arial" panose="020B0604020202020204" pitchFamily="34" charset="0"/>
+                  <a:latin typeface="Arial" panose="020B0604020202090204" pitchFamily="34" charset="0"/>
                   <a:ea typeface="微软雅黑" panose="020B0503020204020204" pitchFamily="34" charset="-122"/>
-                  <a:sym typeface="Arial" panose="020B0604020202020204" pitchFamily="34" charset="0"/>
+                  <a:sym typeface="Arial" panose="020B0604020202090204" pitchFamily="34" charset="0"/>
                 </a:rPr>
                 <a:t> </a:t>
               </a:r>
@@ -15024,9 +14679,9 @@
                   <a:solidFill>
                     <a:schemeClr val="bg1"/>
                   </a:solidFill>
-                  <a:latin typeface="Arial" panose="020B0604020202020204" pitchFamily="34" charset="0"/>
+                  <a:latin typeface="Arial" panose="020B0604020202090204" pitchFamily="34" charset="0"/>
                   <a:ea typeface="微软雅黑" panose="020B0503020204020204" pitchFamily="34" charset="-122"/>
-                  <a:sym typeface="Arial" panose="020B0604020202020204" pitchFamily="34" charset="0"/>
+                  <a:sym typeface="Arial" panose="020B0604020202090204" pitchFamily="34" charset="0"/>
                 </a:rPr>
                 <a:t>原理</a:t>
               </a:r>
@@ -15034,9 +14689,9 @@
                 <a:solidFill>
                   <a:schemeClr val="bg1"/>
                 </a:solidFill>
-                <a:latin typeface="Arial" panose="020B0604020202020204" pitchFamily="34" charset="0"/>
+                <a:latin typeface="Arial" panose="020B0604020202090204" pitchFamily="34" charset="0"/>
                 <a:ea typeface="微软雅黑" panose="020B0503020204020204" pitchFamily="34" charset="-122"/>
-                <a:sym typeface="Arial" panose="020B0604020202020204" pitchFamily="34" charset="0"/>
+                <a:sym typeface="Arial" panose="020B0604020202090204" pitchFamily="34" charset="0"/>
               </a:endParaRPr>
             </a:p>
           </p:txBody>
@@ -15087,9 +14742,9 @@
                 <a:solidFill>
                   <a:schemeClr val="bg1"/>
                 </a:solidFill>
-                <a:latin typeface="Arial" panose="020B0604020202020204" pitchFamily="34" charset="0"/>
+                <a:latin typeface="Arial" panose="020B0604020202090204" pitchFamily="34" charset="0"/>
                 <a:ea typeface="微软雅黑" panose="020B0503020204020204" pitchFamily="34" charset="-122"/>
-                <a:sym typeface="Arial" panose="020B0604020202020204" pitchFamily="34" charset="0"/>
+                <a:sym typeface="Arial" panose="020B0604020202090204" pitchFamily="34" charset="0"/>
               </a:endParaRPr>
             </a:p>
           </p:txBody>
@@ -15139,7 +14794,7 @@
           <p:nvPr/>
         </p:nvPicPr>
         <p:blipFill>
-          <a:blip r:embed="rId4"/>
+          <a:blip r:embed="rId1"/>
           <a:stretch>
             <a:fillRect/>
           </a:stretch>
@@ -15184,7 +14839,7 @@
               <a:rPr lang="zh-CN" altLang="en-US" sz="2400" b="1" dirty="0" smtClean="0">
                 <a:latin typeface="Calibri" panose="020F0502020204030204" pitchFamily="34" charset="0"/>
                 <a:ea typeface="宋体" panose="02010600030101010101" pitchFamily="2" charset="-122"/>
-                <a:cs typeface="Times New Roman" panose="02020603050405020304" pitchFamily="18" charset="0"/>
+                <a:cs typeface="Times New Roman" panose="02020503050405090304" pitchFamily="18" charset="0"/>
               </a:rPr>
               <a:t>下棋方法 </a:t>
             </a:r>
@@ -15192,7 +14847,7 @@
               <a:rPr lang="en-US" altLang="zh-CN" sz="2400" b="1" dirty="0" smtClean="0">
                 <a:latin typeface="Calibri" panose="020F0502020204030204" pitchFamily="34" charset="0"/>
                 <a:ea typeface="宋体" panose="02010600030101010101" pitchFamily="2" charset="-122"/>
-                <a:cs typeface="Times New Roman" panose="02020603050405020304" pitchFamily="18" charset="0"/>
+                <a:cs typeface="Times New Roman" panose="02020503050405090304" pitchFamily="18" charset="0"/>
               </a:rPr>
               <a:t>-- </a:t>
             </a:r>
@@ -15200,7 +14855,7 @@
               <a:rPr lang="zh-CN" altLang="en-US" sz="2400" b="1" dirty="0" smtClean="0">
                 <a:latin typeface="Calibri" panose="020F0502020204030204" pitchFamily="34" charset="0"/>
                 <a:ea typeface="宋体" panose="02010600030101010101" pitchFamily="2" charset="-122"/>
-                <a:cs typeface="Times New Roman" panose="02020603050405020304" pitchFamily="18" charset="0"/>
+                <a:cs typeface="Times New Roman" panose="02020503050405090304" pitchFamily="18" charset="0"/>
               </a:rPr>
               <a:t>蒙</a:t>
             </a:r>
@@ -15208,7 +14863,7 @@
               <a:rPr lang="zh-CN" altLang="en-US" sz="2400" b="1" dirty="0">
                 <a:latin typeface="Calibri" panose="020F0502020204030204" pitchFamily="34" charset="0"/>
                 <a:ea typeface="宋体" panose="02010600030101010101" pitchFamily="2" charset="-122"/>
-                <a:cs typeface="Times New Roman" panose="02020603050405020304" pitchFamily="18" charset="0"/>
+                <a:cs typeface="Times New Roman" panose="02020503050405090304" pitchFamily="18" charset="0"/>
               </a:rPr>
               <a:t>特卡</a:t>
             </a:r>
@@ -15216,7 +14871,7 @@
               <a:rPr lang="zh-CN" altLang="en-US" sz="2400" b="1" dirty="0" smtClean="0">
                 <a:latin typeface="Calibri" panose="020F0502020204030204" pitchFamily="34" charset="0"/>
                 <a:ea typeface="宋体" panose="02010600030101010101" pitchFamily="2" charset="-122"/>
-                <a:cs typeface="Times New Roman" panose="02020603050405020304" pitchFamily="18" charset="0"/>
+                <a:cs typeface="Times New Roman" panose="02020503050405090304" pitchFamily="18" charset="0"/>
               </a:rPr>
               <a:t>洛树搜索 （</a:t>
             </a:r>
@@ -15224,7 +14879,7 @@
               <a:rPr lang="en-US" altLang="zh-CN" sz="2400" b="1" dirty="0" smtClean="0">
                 <a:latin typeface="Calibri" panose="020F0502020204030204" pitchFamily="34" charset="0"/>
                 <a:ea typeface="宋体" panose="02010600030101010101" pitchFamily="2" charset="-122"/>
-                <a:cs typeface="Times New Roman" panose="02020603050405020304" pitchFamily="18" charset="0"/>
+                <a:cs typeface="Times New Roman" panose="02020503050405090304" pitchFamily="18" charset="0"/>
               </a:rPr>
               <a:t>Monte Carlo Tree Search</a:t>
             </a:r>
@@ -15232,14 +14887,14 @@
               <a:rPr lang="zh-CN" altLang="en-US" sz="2400" b="1" dirty="0" smtClean="0">
                 <a:latin typeface="Calibri" panose="020F0502020204030204" pitchFamily="34" charset="0"/>
                 <a:ea typeface="宋体" panose="02010600030101010101" pitchFamily="2" charset="-122"/>
-                <a:cs typeface="Times New Roman" panose="02020603050405020304" pitchFamily="18" charset="0"/>
+                <a:cs typeface="Times New Roman" panose="02020503050405090304" pitchFamily="18" charset="0"/>
               </a:rPr>
               <a:t>）</a:t>
             </a:r>
             <a:endParaRPr lang="en-US" altLang="zh-CN" sz="2400" b="1" dirty="0">
               <a:latin typeface="Calibri" panose="020F0502020204030204" pitchFamily="34" charset="0"/>
               <a:ea typeface="宋体" panose="02010600030101010101" pitchFamily="2" charset="-122"/>
-              <a:cs typeface="Times New Roman" panose="02020603050405020304" pitchFamily="18" charset="0"/>
+              <a:cs typeface="Times New Roman" panose="02020503050405090304" pitchFamily="18" charset="0"/>
             </a:endParaRPr>
           </a:p>
           <a:p>
@@ -15251,20 +14906,15 @@
             <a:endParaRPr lang="zh-CN" altLang="zh-CN" sz="2400" b="1" dirty="0">
               <a:latin typeface="Calibri" panose="020F0502020204030204" pitchFamily="34" charset="0"/>
               <a:ea typeface="宋体" panose="02010600030101010101" pitchFamily="2" charset="-122"/>
-              <a:cs typeface="Times New Roman" panose="02020603050405020304" pitchFamily="18" charset="0"/>
+              <a:cs typeface="Times New Roman" panose="02020503050405090304" pitchFamily="18" charset="0"/>
             </a:endParaRPr>
           </a:p>
         </p:txBody>
       </p:sp>
     </p:spTree>
     <p:custDataLst>
-      <p:tags r:id="rId1"/>
+      <p:tags r:id="rId2"/>
     </p:custDataLst>
-    <p:extLst>
-      <p:ext uri="{BB962C8B-B14F-4D97-AF65-F5344CB8AC3E}">
-        <p14:creationId xmlns:p14="http://schemas.microsoft.com/office/powerpoint/2010/main" val="4132503514"/>
-      </p:ext>
-    </p:extLst>
   </p:cSld>
   <p:clrMapOvr>
     <a:masterClrMapping/>
@@ -15472,9 +15122,9 @@
                   <a:solidFill>
                     <a:schemeClr val="bg1"/>
                   </a:solidFill>
-                  <a:latin typeface="Arial" panose="020B0604020202020204" pitchFamily="34" charset="0"/>
+                  <a:latin typeface="Arial" panose="020B0604020202090204" pitchFamily="34" charset="0"/>
                   <a:ea typeface="微软雅黑" panose="020B0503020204020204" pitchFamily="34" charset="-122"/>
-                  <a:sym typeface="Arial" panose="020B0604020202020204" pitchFamily="34" charset="0"/>
+                  <a:sym typeface="Arial" panose="020B0604020202090204" pitchFamily="34" charset="0"/>
                 </a:rPr>
                 <a:t>AlphaGo</a:t>
               </a:r>
@@ -15483,9 +15133,9 @@
                   <a:solidFill>
                     <a:schemeClr val="bg1"/>
                   </a:solidFill>
-                  <a:latin typeface="Arial" panose="020B0604020202020204" pitchFamily="34" charset="0"/>
+                  <a:latin typeface="Arial" panose="020B0604020202090204" pitchFamily="34" charset="0"/>
                   <a:ea typeface="微软雅黑" panose="020B0503020204020204" pitchFamily="34" charset="-122"/>
-                  <a:sym typeface="Arial" panose="020B0604020202020204" pitchFamily="34" charset="0"/>
+                  <a:sym typeface="Arial" panose="020B0604020202090204" pitchFamily="34" charset="0"/>
                 </a:rPr>
                 <a:t> </a:t>
               </a:r>
@@ -15494,9 +15144,9 @@
                   <a:solidFill>
                     <a:schemeClr val="bg1"/>
                   </a:solidFill>
-                  <a:latin typeface="Arial" panose="020B0604020202020204" pitchFamily="34" charset="0"/>
+                  <a:latin typeface="Arial" panose="020B0604020202090204" pitchFamily="34" charset="0"/>
                   <a:ea typeface="微软雅黑" panose="020B0503020204020204" pitchFamily="34" charset="-122"/>
-                  <a:sym typeface="Arial" panose="020B0604020202020204" pitchFamily="34" charset="0"/>
+                  <a:sym typeface="Arial" panose="020B0604020202090204" pitchFamily="34" charset="0"/>
                 </a:rPr>
                 <a:t>原理</a:t>
               </a:r>
@@ -15504,9 +15154,9 @@
                 <a:solidFill>
                   <a:schemeClr val="bg1"/>
                 </a:solidFill>
-                <a:latin typeface="Arial" panose="020B0604020202020204" pitchFamily="34" charset="0"/>
+                <a:latin typeface="Arial" panose="020B0604020202090204" pitchFamily="34" charset="0"/>
                 <a:ea typeface="微软雅黑" panose="020B0503020204020204" pitchFamily="34" charset="-122"/>
-                <a:sym typeface="Arial" panose="020B0604020202020204" pitchFamily="34" charset="0"/>
+                <a:sym typeface="Arial" panose="020B0604020202090204" pitchFamily="34" charset="0"/>
               </a:endParaRPr>
             </a:p>
           </p:txBody>
@@ -15557,9 +15207,9 @@
                 <a:solidFill>
                   <a:schemeClr val="bg1"/>
                 </a:solidFill>
-                <a:latin typeface="Arial" panose="020B0604020202020204" pitchFamily="34" charset="0"/>
+                <a:latin typeface="Arial" panose="020B0604020202090204" pitchFamily="34" charset="0"/>
                 <a:ea typeface="微软雅黑" panose="020B0503020204020204" pitchFamily="34" charset="-122"/>
-                <a:sym typeface="Arial" panose="020B0604020202020204" pitchFamily="34" charset="0"/>
+                <a:sym typeface="Arial" panose="020B0604020202090204" pitchFamily="34" charset="0"/>
               </a:endParaRPr>
             </a:p>
           </p:txBody>
@@ -15630,7 +15280,7 @@
               <a:rPr lang="zh-CN" altLang="en-US" sz="2400" b="1" dirty="0" smtClean="0">
                 <a:latin typeface="Calibri" panose="020F0502020204030204" pitchFamily="34" charset="0"/>
                 <a:ea typeface="宋体" panose="02010600030101010101" pitchFamily="2" charset="-122"/>
-                <a:cs typeface="Times New Roman" panose="02020603050405020304" pitchFamily="18" charset="0"/>
+                <a:cs typeface="Times New Roman" panose="02020503050405090304" pitchFamily="18" charset="0"/>
               </a:rPr>
               <a:t>下棋方法 </a:t>
             </a:r>
@@ -15638,7 +15288,7 @@
               <a:rPr lang="en-US" altLang="zh-CN" sz="2400" b="1" dirty="0" smtClean="0">
                 <a:latin typeface="Calibri" panose="020F0502020204030204" pitchFamily="34" charset="0"/>
                 <a:ea typeface="宋体" panose="02010600030101010101" pitchFamily="2" charset="-122"/>
-                <a:cs typeface="Times New Roman" panose="02020603050405020304" pitchFamily="18" charset="0"/>
+                <a:cs typeface="Times New Roman" panose="02020503050405090304" pitchFamily="18" charset="0"/>
               </a:rPr>
               <a:t>-- </a:t>
             </a:r>
@@ -15646,7 +15296,7 @@
               <a:rPr lang="zh-CN" altLang="en-US" sz="2400" b="1" dirty="0" smtClean="0">
                 <a:latin typeface="Calibri" panose="020F0502020204030204" pitchFamily="34" charset="0"/>
                 <a:ea typeface="宋体" panose="02010600030101010101" pitchFamily="2" charset="-122"/>
-                <a:cs typeface="Times New Roman" panose="02020603050405020304" pitchFamily="18" charset="0"/>
+                <a:cs typeface="Times New Roman" panose="02020503050405090304" pitchFamily="18" charset="0"/>
               </a:rPr>
               <a:t>蒙</a:t>
             </a:r>
@@ -15654,7 +15304,7 @@
               <a:rPr lang="zh-CN" altLang="en-US" sz="2400" b="1" dirty="0">
                 <a:latin typeface="Calibri" panose="020F0502020204030204" pitchFamily="34" charset="0"/>
                 <a:ea typeface="宋体" panose="02010600030101010101" pitchFamily="2" charset="-122"/>
-                <a:cs typeface="Times New Roman" panose="02020603050405020304" pitchFamily="18" charset="0"/>
+                <a:cs typeface="Times New Roman" panose="02020503050405090304" pitchFamily="18" charset="0"/>
               </a:rPr>
               <a:t>特卡</a:t>
             </a:r>
@@ -15662,7 +15312,7 @@
               <a:rPr lang="zh-CN" altLang="en-US" sz="2400" b="1" dirty="0" smtClean="0">
                 <a:latin typeface="Calibri" panose="020F0502020204030204" pitchFamily="34" charset="0"/>
                 <a:ea typeface="宋体" panose="02010600030101010101" pitchFamily="2" charset="-122"/>
-                <a:cs typeface="Times New Roman" panose="02020603050405020304" pitchFamily="18" charset="0"/>
+                <a:cs typeface="Times New Roman" panose="02020503050405090304" pitchFamily="18" charset="0"/>
               </a:rPr>
               <a:t>洛树搜索 （</a:t>
             </a:r>
@@ -15670,7 +15320,7 @@
               <a:rPr lang="en-US" altLang="zh-CN" sz="2400" b="1" dirty="0" smtClean="0">
                 <a:latin typeface="Calibri" panose="020F0502020204030204" pitchFamily="34" charset="0"/>
                 <a:ea typeface="宋体" panose="02010600030101010101" pitchFamily="2" charset="-122"/>
-                <a:cs typeface="Times New Roman" panose="02020603050405020304" pitchFamily="18" charset="0"/>
+                <a:cs typeface="Times New Roman" panose="02020503050405090304" pitchFamily="18" charset="0"/>
               </a:rPr>
               <a:t>Monte Carlo Tree Search</a:t>
             </a:r>
@@ -15678,14 +15328,14 @@
               <a:rPr lang="zh-CN" altLang="en-US" sz="2400" b="1" dirty="0" smtClean="0">
                 <a:latin typeface="Calibri" panose="020F0502020204030204" pitchFamily="34" charset="0"/>
                 <a:ea typeface="宋体" panose="02010600030101010101" pitchFamily="2" charset="-122"/>
-                <a:cs typeface="Times New Roman" panose="02020603050405020304" pitchFamily="18" charset="0"/>
+                <a:cs typeface="Times New Roman" panose="02020503050405090304" pitchFamily="18" charset="0"/>
               </a:rPr>
               <a:t>）</a:t>
             </a:r>
             <a:endParaRPr lang="en-US" altLang="zh-CN" sz="2400" b="1" dirty="0">
               <a:latin typeface="Calibri" panose="020F0502020204030204" pitchFamily="34" charset="0"/>
               <a:ea typeface="宋体" panose="02010600030101010101" pitchFamily="2" charset="-122"/>
-              <a:cs typeface="Times New Roman" panose="02020603050405020304" pitchFamily="18" charset="0"/>
+              <a:cs typeface="Times New Roman" panose="02020503050405090304" pitchFamily="18" charset="0"/>
             </a:endParaRPr>
           </a:p>
           <a:p>
@@ -15697,7 +15347,7 @@
             <a:endParaRPr lang="zh-CN" altLang="zh-CN" sz="2400" b="1" dirty="0">
               <a:latin typeface="Calibri" panose="020F0502020204030204" pitchFamily="34" charset="0"/>
               <a:ea typeface="宋体" panose="02010600030101010101" pitchFamily="2" charset="-122"/>
-              <a:cs typeface="Times New Roman" panose="02020603050405020304" pitchFamily="18" charset="0"/>
+              <a:cs typeface="Times New Roman" panose="02020503050405090304" pitchFamily="18" charset="0"/>
             </a:endParaRPr>
           </a:p>
         </p:txBody>
@@ -15711,7 +15361,7 @@
           <p:nvPr/>
         </p:nvPicPr>
         <p:blipFill>
-          <a:blip r:embed="rId4"/>
+          <a:blip r:embed="rId1"/>
           <a:stretch>
             <a:fillRect/>
           </a:stretch>
@@ -15728,13 +15378,8 @@
       </p:pic>
     </p:spTree>
     <p:custDataLst>
-      <p:tags r:id="rId1"/>
+      <p:tags r:id="rId2"/>
     </p:custDataLst>
-    <p:extLst>
-      <p:ext uri="{BB962C8B-B14F-4D97-AF65-F5344CB8AC3E}">
-        <p14:creationId xmlns:p14="http://schemas.microsoft.com/office/powerpoint/2010/main" val="3889830209"/>
-      </p:ext>
-    </p:extLst>
   </p:cSld>
   <p:clrMapOvr>
     <a:masterClrMapping/>
@@ -15942,9 +15587,9 @@
                   <a:solidFill>
                     <a:schemeClr val="bg1"/>
                   </a:solidFill>
-                  <a:latin typeface="Arial" panose="020B0604020202020204" pitchFamily="34" charset="0"/>
+                  <a:latin typeface="Arial" panose="020B0604020202090204" pitchFamily="34" charset="0"/>
                   <a:ea typeface="微软雅黑" panose="020B0503020204020204" pitchFamily="34" charset="-122"/>
-                  <a:sym typeface="Arial" panose="020B0604020202020204" pitchFamily="34" charset="0"/>
+                  <a:sym typeface="Arial" panose="020B0604020202090204" pitchFamily="34" charset="0"/>
                 </a:rPr>
                 <a:t>AlphaGo</a:t>
               </a:r>
@@ -15953,9 +15598,9 @@
                   <a:solidFill>
                     <a:schemeClr val="bg1"/>
                   </a:solidFill>
-                  <a:latin typeface="Arial" panose="020B0604020202020204" pitchFamily="34" charset="0"/>
+                  <a:latin typeface="Arial" panose="020B0604020202090204" pitchFamily="34" charset="0"/>
                   <a:ea typeface="微软雅黑" panose="020B0503020204020204" pitchFamily="34" charset="-122"/>
-                  <a:sym typeface="Arial" panose="020B0604020202020204" pitchFamily="34" charset="0"/>
+                  <a:sym typeface="Arial" panose="020B0604020202090204" pitchFamily="34" charset="0"/>
                 </a:rPr>
                 <a:t> </a:t>
               </a:r>
@@ -15964,9 +15609,9 @@
                   <a:solidFill>
                     <a:schemeClr val="bg1"/>
                   </a:solidFill>
-                  <a:latin typeface="Arial" panose="020B0604020202020204" pitchFamily="34" charset="0"/>
+                  <a:latin typeface="Arial" panose="020B0604020202090204" pitchFamily="34" charset="0"/>
                   <a:ea typeface="微软雅黑" panose="020B0503020204020204" pitchFamily="34" charset="-122"/>
-                  <a:sym typeface="Arial" panose="020B0604020202020204" pitchFamily="34" charset="0"/>
+                  <a:sym typeface="Arial" panose="020B0604020202090204" pitchFamily="34" charset="0"/>
                 </a:rPr>
                 <a:t>原理</a:t>
               </a:r>
@@ -15974,9 +15619,9 @@
                 <a:solidFill>
                   <a:schemeClr val="bg1"/>
                 </a:solidFill>
-                <a:latin typeface="Arial" panose="020B0604020202020204" pitchFamily="34" charset="0"/>
+                <a:latin typeface="Arial" panose="020B0604020202090204" pitchFamily="34" charset="0"/>
                 <a:ea typeface="微软雅黑" panose="020B0503020204020204" pitchFamily="34" charset="-122"/>
-                <a:sym typeface="Arial" panose="020B0604020202020204" pitchFamily="34" charset="0"/>
+                <a:sym typeface="Arial" panose="020B0604020202090204" pitchFamily="34" charset="0"/>
               </a:endParaRPr>
             </a:p>
           </p:txBody>
@@ -16027,9 +15672,9 @@
                 <a:solidFill>
                   <a:schemeClr val="bg1"/>
                 </a:solidFill>
-                <a:latin typeface="Arial" panose="020B0604020202020204" pitchFamily="34" charset="0"/>
+                <a:latin typeface="Arial" panose="020B0604020202090204" pitchFamily="34" charset="0"/>
                 <a:ea typeface="微软雅黑" panose="020B0503020204020204" pitchFamily="34" charset="-122"/>
-                <a:sym typeface="Arial" panose="020B0604020202020204" pitchFamily="34" charset="0"/>
+                <a:sym typeface="Arial" panose="020B0604020202090204" pitchFamily="34" charset="0"/>
               </a:endParaRPr>
             </a:p>
           </p:txBody>
@@ -16100,7 +15745,7 @@
               <a:rPr lang="zh-CN" altLang="en-US" sz="2400" b="1" dirty="0" smtClean="0">
                 <a:latin typeface="Calibri" panose="020F0502020204030204" pitchFamily="34" charset="0"/>
                 <a:ea typeface="宋体" panose="02010600030101010101" pitchFamily="2" charset="-122"/>
-                <a:cs typeface="Times New Roman" panose="02020603050405020304" pitchFamily="18" charset="0"/>
+                <a:cs typeface="Times New Roman" panose="02020503050405090304" pitchFamily="18" charset="0"/>
               </a:rPr>
               <a:t>下棋方法 </a:t>
             </a:r>
@@ -16108,7 +15753,7 @@
               <a:rPr lang="en-US" altLang="zh-CN" sz="2400" b="1" dirty="0" smtClean="0">
                 <a:latin typeface="Calibri" panose="020F0502020204030204" pitchFamily="34" charset="0"/>
                 <a:ea typeface="宋体" panose="02010600030101010101" pitchFamily="2" charset="-122"/>
-                <a:cs typeface="Times New Roman" panose="02020603050405020304" pitchFamily="18" charset="0"/>
+                <a:cs typeface="Times New Roman" panose="02020503050405090304" pitchFamily="18" charset="0"/>
               </a:rPr>
               <a:t>-- </a:t>
             </a:r>
@@ -16116,7 +15761,7 @@
               <a:rPr lang="zh-CN" altLang="en-US" sz="2400" b="1" dirty="0" smtClean="0">
                 <a:latin typeface="Calibri" panose="020F0502020204030204" pitchFamily="34" charset="0"/>
                 <a:ea typeface="宋体" panose="02010600030101010101" pitchFamily="2" charset="-122"/>
-                <a:cs typeface="Times New Roman" panose="02020603050405020304" pitchFamily="18" charset="0"/>
+                <a:cs typeface="Times New Roman" panose="02020503050405090304" pitchFamily="18" charset="0"/>
               </a:rPr>
               <a:t>蒙</a:t>
             </a:r>
@@ -16124,7 +15769,7 @@
               <a:rPr lang="zh-CN" altLang="en-US" sz="2400" b="1" dirty="0">
                 <a:latin typeface="Calibri" panose="020F0502020204030204" pitchFamily="34" charset="0"/>
                 <a:ea typeface="宋体" panose="02010600030101010101" pitchFamily="2" charset="-122"/>
-                <a:cs typeface="Times New Roman" panose="02020603050405020304" pitchFamily="18" charset="0"/>
+                <a:cs typeface="Times New Roman" panose="02020503050405090304" pitchFamily="18" charset="0"/>
               </a:rPr>
               <a:t>特卡</a:t>
             </a:r>
@@ -16132,7 +15777,7 @@
               <a:rPr lang="zh-CN" altLang="en-US" sz="2400" b="1" dirty="0" smtClean="0">
                 <a:latin typeface="Calibri" panose="020F0502020204030204" pitchFamily="34" charset="0"/>
                 <a:ea typeface="宋体" panose="02010600030101010101" pitchFamily="2" charset="-122"/>
-                <a:cs typeface="Times New Roman" panose="02020603050405020304" pitchFamily="18" charset="0"/>
+                <a:cs typeface="Times New Roman" panose="02020503050405090304" pitchFamily="18" charset="0"/>
               </a:rPr>
               <a:t>洛树搜索 （</a:t>
             </a:r>
@@ -16140,7 +15785,7 @@
               <a:rPr lang="en-US" altLang="zh-CN" sz="2400" b="1" dirty="0" smtClean="0">
                 <a:latin typeface="Calibri" panose="020F0502020204030204" pitchFamily="34" charset="0"/>
                 <a:ea typeface="宋体" panose="02010600030101010101" pitchFamily="2" charset="-122"/>
-                <a:cs typeface="Times New Roman" panose="02020603050405020304" pitchFamily="18" charset="0"/>
+                <a:cs typeface="Times New Roman" panose="02020503050405090304" pitchFamily="18" charset="0"/>
               </a:rPr>
               <a:t>Monte Carlo Tree Search</a:t>
             </a:r>
@@ -16148,14 +15793,14 @@
               <a:rPr lang="zh-CN" altLang="en-US" sz="2400" b="1" dirty="0" smtClean="0">
                 <a:latin typeface="Calibri" panose="020F0502020204030204" pitchFamily="34" charset="0"/>
                 <a:ea typeface="宋体" panose="02010600030101010101" pitchFamily="2" charset="-122"/>
-                <a:cs typeface="Times New Roman" panose="02020603050405020304" pitchFamily="18" charset="0"/>
+                <a:cs typeface="Times New Roman" panose="02020503050405090304" pitchFamily="18" charset="0"/>
               </a:rPr>
               <a:t>）</a:t>
             </a:r>
             <a:endParaRPr lang="en-US" altLang="zh-CN" sz="2400" b="1" dirty="0">
               <a:latin typeface="Calibri" panose="020F0502020204030204" pitchFamily="34" charset="0"/>
               <a:ea typeface="宋体" panose="02010600030101010101" pitchFamily="2" charset="-122"/>
-              <a:cs typeface="Times New Roman" panose="02020603050405020304" pitchFamily="18" charset="0"/>
+              <a:cs typeface="Times New Roman" panose="02020503050405090304" pitchFamily="18" charset="0"/>
             </a:endParaRPr>
           </a:p>
           <a:p>
@@ -16167,7 +15812,7 @@
             <a:endParaRPr lang="zh-CN" altLang="zh-CN" sz="2400" b="1" dirty="0">
               <a:latin typeface="Calibri" panose="020F0502020204030204" pitchFamily="34" charset="0"/>
               <a:ea typeface="宋体" panose="02010600030101010101" pitchFamily="2" charset="-122"/>
-              <a:cs typeface="Times New Roman" panose="02020603050405020304" pitchFamily="18" charset="0"/>
+              <a:cs typeface="Times New Roman" panose="02020503050405090304" pitchFamily="18" charset="0"/>
             </a:endParaRPr>
           </a:p>
         </p:txBody>
@@ -16181,7 +15826,7 @@
           <p:nvPr/>
         </p:nvPicPr>
         <p:blipFill>
-          <a:blip r:embed="rId4"/>
+          <a:blip r:embed="rId1"/>
           <a:stretch>
             <a:fillRect/>
           </a:stretch>
@@ -16198,13 +15843,8 @@
       </p:pic>
     </p:spTree>
     <p:custDataLst>
-      <p:tags r:id="rId1"/>
+      <p:tags r:id="rId2"/>
     </p:custDataLst>
-    <p:extLst>
-      <p:ext uri="{BB962C8B-B14F-4D97-AF65-F5344CB8AC3E}">
-        <p14:creationId xmlns:p14="http://schemas.microsoft.com/office/powerpoint/2010/main" val="2726595718"/>
-      </p:ext>
-    </p:extLst>
   </p:cSld>
   <p:clrMapOvr>
     <a:masterClrMapping/>
@@ -16412,9 +16052,9 @@
                   <a:solidFill>
                     <a:schemeClr val="bg1"/>
                   </a:solidFill>
-                  <a:latin typeface="Arial" panose="020B0604020202020204" pitchFamily="34" charset="0"/>
+                  <a:latin typeface="Arial" panose="020B0604020202090204" pitchFamily="34" charset="0"/>
                   <a:ea typeface="微软雅黑" panose="020B0503020204020204" pitchFamily="34" charset="-122"/>
-                  <a:sym typeface="Arial" panose="020B0604020202020204" pitchFamily="34" charset="0"/>
+                  <a:sym typeface="Arial" panose="020B0604020202090204" pitchFamily="34" charset="0"/>
                 </a:rPr>
                 <a:t>AlphaGo</a:t>
               </a:r>
@@ -16423,9 +16063,9 @@
                   <a:solidFill>
                     <a:schemeClr val="bg1"/>
                   </a:solidFill>
-                  <a:latin typeface="Arial" panose="020B0604020202020204" pitchFamily="34" charset="0"/>
+                  <a:latin typeface="Arial" panose="020B0604020202090204" pitchFamily="34" charset="0"/>
                   <a:ea typeface="微软雅黑" panose="020B0503020204020204" pitchFamily="34" charset="-122"/>
-                  <a:sym typeface="Arial" panose="020B0604020202020204" pitchFamily="34" charset="0"/>
+                  <a:sym typeface="Arial" panose="020B0604020202090204" pitchFamily="34" charset="0"/>
                 </a:rPr>
                 <a:t> </a:t>
               </a:r>
@@ -16434,9 +16074,9 @@
                   <a:solidFill>
                     <a:schemeClr val="bg1"/>
                   </a:solidFill>
-                  <a:latin typeface="Arial" panose="020B0604020202020204" pitchFamily="34" charset="0"/>
+                  <a:latin typeface="Arial" panose="020B0604020202090204" pitchFamily="34" charset="0"/>
                   <a:ea typeface="微软雅黑" panose="020B0503020204020204" pitchFamily="34" charset="-122"/>
-                  <a:sym typeface="Arial" panose="020B0604020202020204" pitchFamily="34" charset="0"/>
+                  <a:sym typeface="Arial" panose="020B0604020202090204" pitchFamily="34" charset="0"/>
                 </a:rPr>
                 <a:t>原理</a:t>
               </a:r>
@@ -16444,9 +16084,9 @@
                 <a:solidFill>
                   <a:schemeClr val="bg1"/>
                 </a:solidFill>
-                <a:latin typeface="Arial" panose="020B0604020202020204" pitchFamily="34" charset="0"/>
+                <a:latin typeface="Arial" panose="020B0604020202090204" pitchFamily="34" charset="0"/>
                 <a:ea typeface="微软雅黑" panose="020B0503020204020204" pitchFamily="34" charset="-122"/>
-                <a:sym typeface="Arial" panose="020B0604020202020204" pitchFamily="34" charset="0"/>
+                <a:sym typeface="Arial" panose="020B0604020202090204" pitchFamily="34" charset="0"/>
               </a:endParaRPr>
             </a:p>
           </p:txBody>
@@ -16497,9 +16137,9 @@
                 <a:solidFill>
                   <a:schemeClr val="bg1"/>
                 </a:solidFill>
-                <a:latin typeface="Arial" panose="020B0604020202020204" pitchFamily="34" charset="0"/>
+                <a:latin typeface="Arial" panose="020B0604020202090204" pitchFamily="34" charset="0"/>
                 <a:ea typeface="微软雅黑" panose="020B0503020204020204" pitchFamily="34" charset="-122"/>
-                <a:sym typeface="Arial" panose="020B0604020202020204" pitchFamily="34" charset="0"/>
+                <a:sym typeface="Arial" panose="020B0604020202090204" pitchFamily="34" charset="0"/>
               </a:endParaRPr>
             </a:p>
           </p:txBody>
@@ -16570,7 +16210,7 @@
               <a:rPr lang="zh-CN" altLang="en-US" sz="2400" b="1" dirty="0" smtClean="0">
                 <a:latin typeface="Calibri" panose="020F0502020204030204" pitchFamily="34" charset="0"/>
                 <a:ea typeface="宋体" panose="02010600030101010101" pitchFamily="2" charset="-122"/>
-                <a:cs typeface="Times New Roman" panose="02020603050405020304" pitchFamily="18" charset="0"/>
+                <a:cs typeface="Times New Roman" panose="02020503050405090304" pitchFamily="18" charset="0"/>
               </a:rPr>
               <a:t>下棋方法 </a:t>
             </a:r>
@@ -16578,7 +16218,7 @@
               <a:rPr lang="en-US" altLang="zh-CN" sz="2400" b="1" dirty="0" smtClean="0">
                 <a:latin typeface="Calibri" panose="020F0502020204030204" pitchFamily="34" charset="0"/>
                 <a:ea typeface="宋体" panose="02010600030101010101" pitchFamily="2" charset="-122"/>
-                <a:cs typeface="Times New Roman" panose="02020603050405020304" pitchFamily="18" charset="0"/>
+                <a:cs typeface="Times New Roman" panose="02020503050405090304" pitchFamily="18" charset="0"/>
               </a:rPr>
               <a:t>-- </a:t>
             </a:r>
@@ -16586,7 +16226,7 @@
               <a:rPr lang="zh-CN" altLang="en-US" sz="2400" b="1" dirty="0" smtClean="0">
                 <a:latin typeface="Calibri" panose="020F0502020204030204" pitchFamily="34" charset="0"/>
                 <a:ea typeface="宋体" panose="02010600030101010101" pitchFamily="2" charset="-122"/>
-                <a:cs typeface="Times New Roman" panose="02020603050405020304" pitchFamily="18" charset="0"/>
+                <a:cs typeface="Times New Roman" panose="02020503050405090304" pitchFamily="18" charset="0"/>
               </a:rPr>
               <a:t>蒙</a:t>
             </a:r>
@@ -16594,7 +16234,7 @@
               <a:rPr lang="zh-CN" altLang="en-US" sz="2400" b="1" dirty="0">
                 <a:latin typeface="Calibri" panose="020F0502020204030204" pitchFamily="34" charset="0"/>
                 <a:ea typeface="宋体" panose="02010600030101010101" pitchFamily="2" charset="-122"/>
-                <a:cs typeface="Times New Roman" panose="02020603050405020304" pitchFamily="18" charset="0"/>
+                <a:cs typeface="Times New Roman" panose="02020503050405090304" pitchFamily="18" charset="0"/>
               </a:rPr>
               <a:t>特卡</a:t>
             </a:r>
@@ -16602,7 +16242,7 @@
               <a:rPr lang="zh-CN" altLang="en-US" sz="2400" b="1" dirty="0" smtClean="0">
                 <a:latin typeface="Calibri" panose="020F0502020204030204" pitchFamily="34" charset="0"/>
                 <a:ea typeface="宋体" panose="02010600030101010101" pitchFamily="2" charset="-122"/>
-                <a:cs typeface="Times New Roman" panose="02020603050405020304" pitchFamily="18" charset="0"/>
+                <a:cs typeface="Times New Roman" panose="02020503050405090304" pitchFamily="18" charset="0"/>
               </a:rPr>
               <a:t>洛树搜索 （</a:t>
             </a:r>
@@ -16610,7 +16250,7 @@
               <a:rPr lang="en-US" altLang="zh-CN" sz="2400" b="1" dirty="0" smtClean="0">
                 <a:latin typeface="Calibri" panose="020F0502020204030204" pitchFamily="34" charset="0"/>
                 <a:ea typeface="宋体" panose="02010600030101010101" pitchFamily="2" charset="-122"/>
-                <a:cs typeface="Times New Roman" panose="02020603050405020304" pitchFamily="18" charset="0"/>
+                <a:cs typeface="Times New Roman" panose="02020503050405090304" pitchFamily="18" charset="0"/>
               </a:rPr>
               <a:t>Monte Carlo Tree Search</a:t>
             </a:r>
@@ -16618,14 +16258,14 @@
               <a:rPr lang="zh-CN" altLang="en-US" sz="2400" b="1" dirty="0" smtClean="0">
                 <a:latin typeface="Calibri" panose="020F0502020204030204" pitchFamily="34" charset="0"/>
                 <a:ea typeface="宋体" panose="02010600030101010101" pitchFamily="2" charset="-122"/>
-                <a:cs typeface="Times New Roman" panose="02020603050405020304" pitchFamily="18" charset="0"/>
+                <a:cs typeface="Times New Roman" panose="02020503050405090304" pitchFamily="18" charset="0"/>
               </a:rPr>
               <a:t>）</a:t>
             </a:r>
             <a:endParaRPr lang="en-US" altLang="zh-CN" sz="2400" b="1" dirty="0">
               <a:latin typeface="Calibri" panose="020F0502020204030204" pitchFamily="34" charset="0"/>
               <a:ea typeface="宋体" panose="02010600030101010101" pitchFamily="2" charset="-122"/>
-              <a:cs typeface="Times New Roman" panose="02020603050405020304" pitchFamily="18" charset="0"/>
+              <a:cs typeface="Times New Roman" panose="02020503050405090304" pitchFamily="18" charset="0"/>
             </a:endParaRPr>
           </a:p>
           <a:p>
@@ -16637,7 +16277,7 @@
             <a:endParaRPr lang="zh-CN" altLang="zh-CN" sz="2400" b="1" dirty="0">
               <a:latin typeface="Calibri" panose="020F0502020204030204" pitchFamily="34" charset="0"/>
               <a:ea typeface="宋体" panose="02010600030101010101" pitchFamily="2" charset="-122"/>
-              <a:cs typeface="Times New Roman" panose="02020603050405020304" pitchFamily="18" charset="0"/>
+              <a:cs typeface="Times New Roman" panose="02020503050405090304" pitchFamily="18" charset="0"/>
             </a:endParaRPr>
           </a:p>
         </p:txBody>
@@ -16651,7 +16291,7 @@
           <p:nvPr/>
         </p:nvPicPr>
         <p:blipFill>
-          <a:blip r:embed="rId4"/>
+          <a:blip r:embed="rId1"/>
           <a:stretch>
             <a:fillRect/>
           </a:stretch>
@@ -16668,13 +16308,8 @@
       </p:pic>
     </p:spTree>
     <p:custDataLst>
-      <p:tags r:id="rId1"/>
+      <p:tags r:id="rId2"/>
     </p:custDataLst>
-    <p:extLst>
-      <p:ext uri="{BB962C8B-B14F-4D97-AF65-F5344CB8AC3E}">
-        <p14:creationId xmlns:p14="http://schemas.microsoft.com/office/powerpoint/2010/main" val="1435712295"/>
-      </p:ext>
-    </p:extLst>
   </p:cSld>
   <p:clrMapOvr>
     <a:masterClrMapping/>
@@ -16882,9 +16517,9 @@
                   <a:solidFill>
                     <a:schemeClr val="bg1"/>
                   </a:solidFill>
-                  <a:latin typeface="Arial" panose="020B0604020202020204" pitchFamily="34" charset="0"/>
+                  <a:latin typeface="Arial" panose="020B0604020202090204" pitchFamily="34" charset="0"/>
                   <a:ea typeface="微软雅黑" panose="020B0503020204020204" pitchFamily="34" charset="-122"/>
-                  <a:sym typeface="Arial" panose="020B0604020202020204" pitchFamily="34" charset="0"/>
+                  <a:sym typeface="Arial" panose="020B0604020202090204" pitchFamily="34" charset="0"/>
                 </a:rPr>
                 <a:t>AlphaGo</a:t>
               </a:r>
@@ -16893,31 +16528,20 @@
                   <a:solidFill>
                     <a:schemeClr val="bg1"/>
                   </a:solidFill>
-                  <a:latin typeface="Arial" panose="020B0604020202020204" pitchFamily="34" charset="0"/>
+                  <a:latin typeface="Arial" panose="020B0604020202090204" pitchFamily="34" charset="0"/>
                   <a:ea typeface="微软雅黑" panose="020B0503020204020204" pitchFamily="34" charset="-122"/>
-                  <a:sym typeface="Arial" panose="020B0604020202020204" pitchFamily="34" charset="0"/>
+                  <a:sym typeface="Arial" panose="020B0604020202090204" pitchFamily="34" charset="0"/>
                 </a:rPr>
-                <a:t> </a:t>
-              </a:r>
-              <a:r>
-                <a:rPr lang="en-US" altLang="zh-CN" sz="2000" b="1" dirty="0" smtClean="0">
-                  <a:solidFill>
-                    <a:schemeClr val="bg1"/>
-                  </a:solidFill>
-                  <a:latin typeface="Arial" panose="020B0604020202020204" pitchFamily="34" charset="0"/>
-                  <a:ea typeface="微软雅黑" panose="020B0503020204020204" pitchFamily="34" charset="-122"/>
-                  <a:sym typeface="Arial" panose="020B0604020202020204" pitchFamily="34" charset="0"/>
-                </a:rPr>
-                <a:t> Zero </a:t>
+                <a:t>  Zero </a:t>
               </a:r>
               <a:r>
                 <a:rPr lang="zh-CN" altLang="en-US" sz="2000" b="1" dirty="0" smtClean="0">
                   <a:solidFill>
                     <a:schemeClr val="bg1"/>
                   </a:solidFill>
-                  <a:latin typeface="Arial" panose="020B0604020202020204" pitchFamily="34" charset="0"/>
+                  <a:latin typeface="Arial" panose="020B0604020202090204" pitchFamily="34" charset="0"/>
                   <a:ea typeface="微软雅黑" panose="020B0503020204020204" pitchFamily="34" charset="-122"/>
-                  <a:sym typeface="Arial" panose="020B0604020202020204" pitchFamily="34" charset="0"/>
+                  <a:sym typeface="Arial" panose="020B0604020202090204" pitchFamily="34" charset="0"/>
                 </a:rPr>
                 <a:t>的改进</a:t>
               </a:r>
@@ -16925,9 +16549,9 @@
                 <a:solidFill>
                   <a:schemeClr val="bg1"/>
                 </a:solidFill>
-                <a:latin typeface="Arial" panose="020B0604020202020204" pitchFamily="34" charset="0"/>
+                <a:latin typeface="Arial" panose="020B0604020202090204" pitchFamily="34" charset="0"/>
                 <a:ea typeface="微软雅黑" panose="020B0503020204020204" pitchFamily="34" charset="-122"/>
-                <a:sym typeface="Arial" panose="020B0604020202020204" pitchFamily="34" charset="0"/>
+                <a:sym typeface="Arial" panose="020B0604020202090204" pitchFamily="34" charset="0"/>
               </a:endParaRPr>
             </a:p>
           </p:txBody>
@@ -16978,9 +16602,9 @@
                 <a:solidFill>
                   <a:schemeClr val="bg1"/>
                 </a:solidFill>
-                <a:latin typeface="Arial" panose="020B0604020202020204" pitchFamily="34" charset="0"/>
+                <a:latin typeface="Arial" panose="020B0604020202090204" pitchFamily="34" charset="0"/>
                 <a:ea typeface="微软雅黑" panose="020B0503020204020204" pitchFamily="34" charset="-122"/>
-                <a:sym typeface="Arial" panose="020B0604020202020204" pitchFamily="34" charset="0"/>
+                <a:sym typeface="Arial" panose="020B0604020202090204" pitchFamily="34" charset="0"/>
               </a:endParaRPr>
             </a:p>
           </p:txBody>
@@ -17051,7 +16675,7 @@
               <a:rPr lang="zh-CN" altLang="en-US" sz="2400" b="1" dirty="0" smtClean="0">
                 <a:latin typeface="Calibri" panose="020F0502020204030204" pitchFamily="34" charset="0"/>
                 <a:ea typeface="宋体" panose="02010600030101010101" pitchFamily="2" charset="-122"/>
-                <a:cs typeface="Times New Roman" panose="02020603050405020304" pitchFamily="18" charset="0"/>
+                <a:cs typeface="Times New Roman" panose="02020503050405090304" pitchFamily="18" charset="0"/>
               </a:rPr>
               <a:t>（</a:t>
             </a:r>
@@ -17059,7 +16683,7 @@
               <a:rPr lang="en-US" altLang="zh-CN" sz="2400" b="1" dirty="0" smtClean="0">
                 <a:latin typeface="Calibri" panose="020F0502020204030204" pitchFamily="34" charset="0"/>
                 <a:ea typeface="宋体" panose="02010600030101010101" pitchFamily="2" charset="-122"/>
-                <a:cs typeface="Times New Roman" panose="02020603050405020304" pitchFamily="18" charset="0"/>
+                <a:cs typeface="Times New Roman" panose="02020503050405090304" pitchFamily="18" charset="0"/>
               </a:rPr>
               <a:t>1</a:t>
             </a:r>
@@ -17067,14 +16691,14 @@
               <a:rPr lang="zh-CN" altLang="en-US" sz="2400" b="1" dirty="0" smtClean="0">
                 <a:latin typeface="Calibri" panose="020F0502020204030204" pitchFamily="34" charset="0"/>
                 <a:ea typeface="宋体" panose="02010600030101010101" pitchFamily="2" charset="-122"/>
-                <a:cs typeface="Times New Roman" panose="02020603050405020304" pitchFamily="18" charset="0"/>
+                <a:cs typeface="Times New Roman" panose="02020503050405090304" pitchFamily="18" charset="0"/>
               </a:rPr>
               <a:t>）完全不需要人类棋谱，采用自己和自己下棋的方式学习。</a:t>
             </a:r>
             <a:endParaRPr lang="en-US" altLang="zh-CN" sz="2400" b="1" dirty="0" smtClean="0">
               <a:latin typeface="Calibri" panose="020F0502020204030204" pitchFamily="34" charset="0"/>
               <a:ea typeface="宋体" panose="02010600030101010101" pitchFamily="2" charset="-122"/>
-              <a:cs typeface="Times New Roman" panose="02020603050405020304" pitchFamily="18" charset="0"/>
+              <a:cs typeface="Times New Roman" panose="02020503050405090304" pitchFamily="18" charset="0"/>
             </a:endParaRPr>
           </a:p>
           <a:p>
@@ -17086,7 +16710,7 @@
             <a:endParaRPr lang="en-US" altLang="zh-CN" sz="2400" b="1" dirty="0">
               <a:latin typeface="Calibri" panose="020F0502020204030204" pitchFamily="34" charset="0"/>
               <a:ea typeface="宋体" panose="02010600030101010101" pitchFamily="2" charset="-122"/>
-              <a:cs typeface="Times New Roman" panose="02020603050405020304" pitchFamily="18" charset="0"/>
+              <a:cs typeface="Times New Roman" panose="02020503050405090304" pitchFamily="18" charset="0"/>
             </a:endParaRPr>
           </a:p>
           <a:p>
@@ -17098,7 +16722,7 @@
             <a:endParaRPr lang="en-US" altLang="zh-CN" sz="2400" b="1" dirty="0" smtClean="0">
               <a:latin typeface="Calibri" panose="020F0502020204030204" pitchFamily="34" charset="0"/>
               <a:ea typeface="宋体" panose="02010600030101010101" pitchFamily="2" charset="-122"/>
-              <a:cs typeface="Times New Roman" panose="02020603050405020304" pitchFamily="18" charset="0"/>
+              <a:cs typeface="Times New Roman" panose="02020503050405090304" pitchFamily="18" charset="0"/>
             </a:endParaRPr>
           </a:p>
           <a:p>
@@ -17111,7 +16735,7 @@
               <a:rPr lang="zh-CN" altLang="en-US" sz="2400" b="1" dirty="0" smtClean="0">
                 <a:latin typeface="Calibri" panose="020F0502020204030204" pitchFamily="34" charset="0"/>
                 <a:ea typeface="宋体" panose="02010600030101010101" pitchFamily="2" charset="-122"/>
-                <a:cs typeface="Times New Roman" panose="02020603050405020304" pitchFamily="18" charset="0"/>
+                <a:cs typeface="Times New Roman" panose="02020503050405090304" pitchFamily="18" charset="0"/>
               </a:rPr>
               <a:t>（</a:t>
             </a:r>
@@ -17119,7 +16743,7 @@
               <a:rPr lang="en-US" altLang="zh-CN" sz="2400" b="1" dirty="0" smtClean="0">
                 <a:latin typeface="Calibri" panose="020F0502020204030204" pitchFamily="34" charset="0"/>
                 <a:ea typeface="宋体" panose="02010600030101010101" pitchFamily="2" charset="-122"/>
-                <a:cs typeface="Times New Roman" panose="02020603050405020304" pitchFamily="18" charset="0"/>
+                <a:cs typeface="Times New Roman" panose="02020503050405090304" pitchFamily="18" charset="0"/>
               </a:rPr>
               <a:t>2</a:t>
             </a:r>
@@ -17127,14 +16751,14 @@
               <a:rPr lang="zh-CN" altLang="en-US" sz="2400" b="1" dirty="0" smtClean="0">
                 <a:latin typeface="Calibri" panose="020F0502020204030204" pitchFamily="34" charset="0"/>
                 <a:ea typeface="宋体" panose="02010600030101010101" pitchFamily="2" charset="-122"/>
-                <a:cs typeface="Times New Roman" panose="02020603050405020304" pitchFamily="18" charset="0"/>
+                <a:cs typeface="Times New Roman" panose="02020503050405090304" pitchFamily="18" charset="0"/>
               </a:rPr>
               <a:t>）将走棋网络和估值网络合并为一个网络：</a:t>
             </a:r>
             <a:endParaRPr lang="en-US" altLang="zh-CN" sz="2400" b="1" dirty="0" smtClean="0">
               <a:latin typeface="Calibri" panose="020F0502020204030204" pitchFamily="34" charset="0"/>
               <a:ea typeface="宋体" panose="02010600030101010101" pitchFamily="2" charset="-122"/>
-              <a:cs typeface="Times New Roman" panose="02020603050405020304" pitchFamily="18" charset="0"/>
+              <a:cs typeface="Times New Roman" panose="02020503050405090304" pitchFamily="18" charset="0"/>
             </a:endParaRPr>
           </a:p>
           <a:p>
@@ -17146,7 +16770,7 @@
             <a:endParaRPr lang="zh-CN" altLang="zh-CN" sz="2400" b="1" dirty="0">
               <a:latin typeface="Calibri" panose="020F0502020204030204" pitchFamily="34" charset="0"/>
               <a:ea typeface="宋体" panose="02010600030101010101" pitchFamily="2" charset="-122"/>
-              <a:cs typeface="Times New Roman" panose="02020603050405020304" pitchFamily="18" charset="0"/>
+              <a:cs typeface="Times New Roman" panose="02020503050405090304" pitchFamily="18" charset="0"/>
             </a:endParaRPr>
           </a:p>
         </p:txBody>
@@ -17160,7 +16784,7 @@
           <p:nvPr/>
         </p:nvPicPr>
         <p:blipFill>
-          <a:blip r:embed="rId4"/>
+          <a:blip r:embed="rId1"/>
           <a:stretch>
             <a:fillRect/>
           </a:stretch>
@@ -17177,13 +16801,8 @@
       </p:pic>
     </p:spTree>
     <p:custDataLst>
-      <p:tags r:id="rId1"/>
+      <p:tags r:id="rId2"/>
     </p:custDataLst>
-    <p:extLst>
-      <p:ext uri="{BB962C8B-B14F-4D97-AF65-F5344CB8AC3E}">
-        <p14:creationId xmlns:p14="http://schemas.microsoft.com/office/powerpoint/2010/main" val="1536963391"/>
-      </p:ext>
-    </p:extLst>
   </p:cSld>
   <p:clrMapOvr>
     <a:masterClrMapping/>
@@ -17391,9 +17010,9 @@
                   <a:solidFill>
                     <a:schemeClr val="bg1"/>
                   </a:solidFill>
-                  <a:latin typeface="Arial" panose="020B0604020202020204" pitchFamily="34" charset="0"/>
+                  <a:latin typeface="Arial" panose="020B0604020202090204" pitchFamily="34" charset="0"/>
                   <a:ea typeface="微软雅黑" panose="020B0503020204020204" pitchFamily="34" charset="-122"/>
-                  <a:sym typeface="Arial" panose="020B0604020202020204" pitchFamily="34" charset="0"/>
+                  <a:sym typeface="Arial" panose="020B0604020202090204" pitchFamily="34" charset="0"/>
                 </a:rPr>
                 <a:t>AlphaGo</a:t>
               </a:r>
@@ -17402,31 +17021,20 @@
                   <a:solidFill>
                     <a:schemeClr val="bg1"/>
                   </a:solidFill>
-                  <a:latin typeface="Arial" panose="020B0604020202020204" pitchFamily="34" charset="0"/>
+                  <a:latin typeface="Arial" panose="020B0604020202090204" pitchFamily="34" charset="0"/>
                   <a:ea typeface="微软雅黑" panose="020B0503020204020204" pitchFamily="34" charset="-122"/>
-                  <a:sym typeface="Arial" panose="020B0604020202020204" pitchFamily="34" charset="0"/>
+                  <a:sym typeface="Arial" panose="020B0604020202090204" pitchFamily="34" charset="0"/>
                 </a:rPr>
-                <a:t> </a:t>
-              </a:r>
-              <a:r>
-                <a:rPr lang="en-US" altLang="zh-CN" sz="2000" b="1" dirty="0" smtClean="0">
-                  <a:solidFill>
-                    <a:schemeClr val="bg1"/>
-                  </a:solidFill>
-                  <a:latin typeface="Arial" panose="020B0604020202020204" pitchFamily="34" charset="0"/>
-                  <a:ea typeface="微软雅黑" panose="020B0503020204020204" pitchFamily="34" charset="-122"/>
-                  <a:sym typeface="Arial" panose="020B0604020202020204" pitchFamily="34" charset="0"/>
-                </a:rPr>
-                <a:t> Zero </a:t>
+                <a:t>  Zero </a:t>
               </a:r>
               <a:r>
                 <a:rPr lang="zh-CN" altLang="en-US" sz="2000" b="1" dirty="0" smtClean="0">
                   <a:solidFill>
                     <a:schemeClr val="bg1"/>
                   </a:solidFill>
-                  <a:latin typeface="Arial" panose="020B0604020202020204" pitchFamily="34" charset="0"/>
+                  <a:latin typeface="Arial" panose="020B0604020202090204" pitchFamily="34" charset="0"/>
                   <a:ea typeface="微软雅黑" panose="020B0503020204020204" pitchFamily="34" charset="-122"/>
-                  <a:sym typeface="Arial" panose="020B0604020202020204" pitchFamily="34" charset="0"/>
+                  <a:sym typeface="Arial" panose="020B0604020202090204" pitchFamily="34" charset="0"/>
                 </a:rPr>
                 <a:t>的改进</a:t>
               </a:r>
@@ -17434,9 +17042,9 @@
                 <a:solidFill>
                   <a:schemeClr val="bg1"/>
                 </a:solidFill>
-                <a:latin typeface="Arial" panose="020B0604020202020204" pitchFamily="34" charset="0"/>
+                <a:latin typeface="Arial" panose="020B0604020202090204" pitchFamily="34" charset="0"/>
                 <a:ea typeface="微软雅黑" panose="020B0503020204020204" pitchFamily="34" charset="-122"/>
-                <a:sym typeface="Arial" panose="020B0604020202020204" pitchFamily="34" charset="0"/>
+                <a:sym typeface="Arial" panose="020B0604020202090204" pitchFamily="34" charset="0"/>
               </a:endParaRPr>
             </a:p>
           </p:txBody>
@@ -17487,9 +17095,9 @@
                 <a:solidFill>
                   <a:schemeClr val="bg1"/>
                 </a:solidFill>
-                <a:latin typeface="Arial" panose="020B0604020202020204" pitchFamily="34" charset="0"/>
+                <a:latin typeface="Arial" panose="020B0604020202090204" pitchFamily="34" charset="0"/>
                 <a:ea typeface="微软雅黑" panose="020B0503020204020204" pitchFamily="34" charset="-122"/>
-                <a:sym typeface="Arial" panose="020B0604020202020204" pitchFamily="34" charset="0"/>
+                <a:sym typeface="Arial" panose="020B0604020202090204" pitchFamily="34" charset="0"/>
               </a:endParaRPr>
             </a:p>
           </p:txBody>
@@ -17560,14 +17168,14 @@
               <a:rPr lang="zh-CN" altLang="en-US" sz="2400" b="1" dirty="0" smtClean="0">
                 <a:latin typeface="Calibri" panose="020F0502020204030204" pitchFamily="34" charset="0"/>
                 <a:ea typeface="宋体" panose="02010600030101010101" pitchFamily="2" charset="-122"/>
-                <a:cs typeface="Times New Roman" panose="02020603050405020304" pitchFamily="18" charset="0"/>
+                <a:cs typeface="Times New Roman" panose="02020503050405090304" pitchFamily="18" charset="0"/>
               </a:rPr>
               <a:t>自学习过程和神经网络训练过程</a:t>
             </a:r>
             <a:endParaRPr lang="en-US" altLang="zh-CN" sz="2400" b="1" dirty="0">
               <a:latin typeface="Calibri" panose="020F0502020204030204" pitchFamily="34" charset="0"/>
               <a:ea typeface="宋体" panose="02010600030101010101" pitchFamily="2" charset="-122"/>
-              <a:cs typeface="Times New Roman" panose="02020603050405020304" pitchFamily="18" charset="0"/>
+              <a:cs typeface="Times New Roman" panose="02020503050405090304" pitchFamily="18" charset="0"/>
             </a:endParaRPr>
           </a:p>
           <a:p>
@@ -17579,7 +17187,7 @@
             <a:endParaRPr lang="zh-CN" altLang="zh-CN" sz="2400" b="1" dirty="0">
               <a:latin typeface="Calibri" panose="020F0502020204030204" pitchFamily="34" charset="0"/>
               <a:ea typeface="宋体" panose="02010600030101010101" pitchFamily="2" charset="-122"/>
-              <a:cs typeface="Times New Roman" panose="02020603050405020304" pitchFamily="18" charset="0"/>
+              <a:cs typeface="Times New Roman" panose="02020503050405090304" pitchFamily="18" charset="0"/>
             </a:endParaRPr>
           </a:p>
         </p:txBody>
@@ -17593,7 +17201,7 @@
           <p:nvPr/>
         </p:nvPicPr>
         <p:blipFill>
-          <a:blip r:embed="rId4"/>
+          <a:blip r:embed="rId1"/>
           <a:stretch>
             <a:fillRect/>
           </a:stretch>
@@ -17610,13 +17218,8 @@
       </p:pic>
     </p:spTree>
     <p:custDataLst>
-      <p:tags r:id="rId1"/>
+      <p:tags r:id="rId2"/>
     </p:custDataLst>
-    <p:extLst>
-      <p:ext uri="{BB962C8B-B14F-4D97-AF65-F5344CB8AC3E}">
-        <p14:creationId xmlns:p14="http://schemas.microsoft.com/office/powerpoint/2010/main" val="2235602207"/>
-      </p:ext>
-    </p:extLst>
   </p:cSld>
   <p:clrMapOvr>
     <a:masterClrMapping/>
@@ -17824,9 +17427,9 @@
                   <a:solidFill>
                     <a:schemeClr val="bg1"/>
                   </a:solidFill>
-                  <a:latin typeface="Arial" panose="020B0604020202020204" pitchFamily="34" charset="0"/>
+                  <a:latin typeface="Arial" panose="020B0604020202090204" pitchFamily="34" charset="0"/>
                   <a:ea typeface="微软雅黑" panose="020B0503020204020204" pitchFamily="34" charset="-122"/>
-                  <a:sym typeface="Arial" panose="020B0604020202020204" pitchFamily="34" charset="0"/>
+                  <a:sym typeface="Arial" panose="020B0604020202090204" pitchFamily="34" charset="0"/>
                 </a:rPr>
                 <a:t>AlphaGo</a:t>
               </a:r>
@@ -17835,31 +17438,20 @@
                   <a:solidFill>
                     <a:schemeClr val="bg1"/>
                   </a:solidFill>
-                  <a:latin typeface="Arial" panose="020B0604020202020204" pitchFamily="34" charset="0"/>
+                  <a:latin typeface="Arial" panose="020B0604020202090204" pitchFamily="34" charset="0"/>
                   <a:ea typeface="微软雅黑" panose="020B0503020204020204" pitchFamily="34" charset="-122"/>
-                  <a:sym typeface="Arial" panose="020B0604020202020204" pitchFamily="34" charset="0"/>
+                  <a:sym typeface="Arial" panose="020B0604020202090204" pitchFamily="34" charset="0"/>
                 </a:rPr>
-                <a:t> </a:t>
-              </a:r>
-              <a:r>
-                <a:rPr lang="en-US" altLang="zh-CN" sz="2000" b="1" dirty="0" smtClean="0">
-                  <a:solidFill>
-                    <a:schemeClr val="bg1"/>
-                  </a:solidFill>
-                  <a:latin typeface="Arial" panose="020B0604020202020204" pitchFamily="34" charset="0"/>
-                  <a:ea typeface="微软雅黑" panose="020B0503020204020204" pitchFamily="34" charset="-122"/>
-                  <a:sym typeface="Arial" panose="020B0604020202020204" pitchFamily="34" charset="0"/>
-                </a:rPr>
-                <a:t> Zero </a:t>
+                <a:t>  Zero </a:t>
               </a:r>
               <a:r>
                 <a:rPr lang="zh-CN" altLang="en-US" sz="2000" b="1" dirty="0" smtClean="0">
                   <a:solidFill>
                     <a:schemeClr val="bg1"/>
                   </a:solidFill>
-                  <a:latin typeface="Arial" panose="020B0604020202020204" pitchFamily="34" charset="0"/>
+                  <a:latin typeface="Arial" panose="020B0604020202090204" pitchFamily="34" charset="0"/>
                   <a:ea typeface="微软雅黑" panose="020B0503020204020204" pitchFamily="34" charset="-122"/>
-                  <a:sym typeface="Arial" panose="020B0604020202020204" pitchFamily="34" charset="0"/>
+                  <a:sym typeface="Arial" panose="020B0604020202090204" pitchFamily="34" charset="0"/>
                 </a:rPr>
                 <a:t>的改进</a:t>
               </a:r>
@@ -17867,9 +17459,9 @@
                 <a:solidFill>
                   <a:schemeClr val="bg1"/>
                 </a:solidFill>
-                <a:latin typeface="Arial" panose="020B0604020202020204" pitchFamily="34" charset="0"/>
+                <a:latin typeface="Arial" panose="020B0604020202090204" pitchFamily="34" charset="0"/>
                 <a:ea typeface="微软雅黑" panose="020B0503020204020204" pitchFamily="34" charset="-122"/>
-                <a:sym typeface="Arial" panose="020B0604020202020204" pitchFamily="34" charset="0"/>
+                <a:sym typeface="Arial" panose="020B0604020202090204" pitchFamily="34" charset="0"/>
               </a:endParaRPr>
             </a:p>
           </p:txBody>
@@ -17920,9 +17512,9 @@
                 <a:solidFill>
                   <a:schemeClr val="bg1"/>
                 </a:solidFill>
-                <a:latin typeface="Arial" panose="020B0604020202020204" pitchFamily="34" charset="0"/>
+                <a:latin typeface="Arial" panose="020B0604020202090204" pitchFamily="34" charset="0"/>
                 <a:ea typeface="微软雅黑" panose="020B0503020204020204" pitchFamily="34" charset="-122"/>
-                <a:sym typeface="Arial" panose="020B0604020202020204" pitchFamily="34" charset="0"/>
+                <a:sym typeface="Arial" panose="020B0604020202090204" pitchFamily="34" charset="0"/>
               </a:endParaRPr>
             </a:p>
           </p:txBody>
@@ -17972,7 +17564,7 @@
           <p:nvPr/>
         </p:nvPicPr>
         <p:blipFill>
-          <a:blip r:embed="rId4"/>
+          <a:blip r:embed="rId1"/>
           <a:stretch>
             <a:fillRect/>
           </a:stretch>
@@ -17996,7 +17588,7 @@
           <p:nvPr/>
         </p:nvPicPr>
         <p:blipFill>
-          <a:blip r:embed="rId5"/>
+          <a:blip r:embed="rId2"/>
           <a:stretch>
             <a:fillRect/>
           </a:stretch>
@@ -18020,7 +17612,7 @@
           <p:nvPr/>
         </p:nvPicPr>
         <p:blipFill>
-          <a:blip r:embed="rId6"/>
+          <a:blip r:embed="rId3"/>
           <a:stretch>
             <a:fillRect/>
           </a:stretch>
@@ -18044,7 +17636,7 @@
           <p:nvPr/>
         </p:nvPicPr>
         <p:blipFill>
-          <a:blip r:embed="rId7"/>
+          <a:blip r:embed="rId4"/>
           <a:stretch>
             <a:fillRect/>
           </a:stretch>
@@ -18068,7 +17660,7 @@
           <p:nvPr/>
         </p:nvPicPr>
         <p:blipFill>
-          <a:blip r:embed="rId8"/>
+          <a:blip r:embed="rId5"/>
           <a:stretch>
             <a:fillRect/>
           </a:stretch>
@@ -18113,7 +17705,7 @@
               <a:rPr lang="zh-CN" altLang="en-US" sz="2400" b="1" dirty="0">
                 <a:latin typeface="Calibri" panose="020F0502020204030204" pitchFamily="34" charset="0"/>
                 <a:ea typeface="宋体" panose="02010600030101010101" pitchFamily="2" charset="-122"/>
-                <a:cs typeface="Times New Roman" panose="02020603050405020304" pitchFamily="18" charset="0"/>
+                <a:cs typeface="Times New Roman" panose="02020503050405090304" pitchFamily="18" charset="0"/>
               </a:rPr>
               <a:t>标</a:t>
             </a:r>
@@ -18121,14 +17713,14 @@
               <a:rPr lang="zh-CN" altLang="en-US" sz="2400" b="1" dirty="0" smtClean="0">
                 <a:latin typeface="Calibri" panose="020F0502020204030204" pitchFamily="34" charset="0"/>
                 <a:ea typeface="宋体" panose="02010600030101010101" pitchFamily="2" charset="-122"/>
-                <a:cs typeface="Times New Roman" panose="02020603050405020304" pitchFamily="18" charset="0"/>
+                <a:cs typeface="Times New Roman" panose="02020503050405090304" pitchFamily="18" charset="0"/>
               </a:rPr>
               <a:t>签      的生成</a:t>
             </a:r>
             <a:endParaRPr lang="en-US" altLang="zh-CN" sz="2400" b="1" dirty="0">
               <a:latin typeface="Calibri" panose="020F0502020204030204" pitchFamily="34" charset="0"/>
               <a:ea typeface="宋体" panose="02010600030101010101" pitchFamily="2" charset="-122"/>
-              <a:cs typeface="Times New Roman" panose="02020603050405020304" pitchFamily="18" charset="0"/>
+              <a:cs typeface="Times New Roman" panose="02020503050405090304" pitchFamily="18" charset="0"/>
             </a:endParaRPr>
           </a:p>
           <a:p>
@@ -18140,7 +17732,7 @@
             <a:endParaRPr lang="zh-CN" altLang="zh-CN" sz="2400" b="1" dirty="0">
               <a:latin typeface="Calibri" panose="020F0502020204030204" pitchFamily="34" charset="0"/>
               <a:ea typeface="宋体" panose="02010600030101010101" pitchFamily="2" charset="-122"/>
-              <a:cs typeface="Times New Roman" panose="02020603050405020304" pitchFamily="18" charset="0"/>
+              <a:cs typeface="Times New Roman" panose="02020503050405090304" pitchFamily="18" charset="0"/>
             </a:endParaRPr>
           </a:p>
         </p:txBody>
@@ -18154,7 +17746,7 @@
           <p:nvPr/>
         </p:nvPicPr>
         <p:blipFill>
-          <a:blip r:embed="rId9"/>
+          <a:blip r:embed="rId6"/>
           <a:stretch>
             <a:fillRect/>
           </a:stretch>
@@ -18178,7 +17770,7 @@
           <p:nvPr/>
         </p:nvPicPr>
         <p:blipFill>
-          <a:blip r:embed="rId10"/>
+          <a:blip r:embed="rId7"/>
           <a:stretch>
             <a:fillRect/>
           </a:stretch>
@@ -18195,13 +17787,8 @@
       </p:pic>
     </p:spTree>
     <p:custDataLst>
-      <p:tags r:id="rId1"/>
+      <p:tags r:id="rId8"/>
     </p:custDataLst>
-    <p:extLst>
-      <p:ext uri="{BB962C8B-B14F-4D97-AF65-F5344CB8AC3E}">
-        <p14:creationId xmlns:p14="http://schemas.microsoft.com/office/powerpoint/2010/main" val="1138223542"/>
-      </p:ext>
-    </p:extLst>
   </p:cSld>
   <p:clrMapOvr>
     <a:masterClrMapping/>
@@ -18409,9 +17996,9 @@
                   <a:solidFill>
                     <a:schemeClr val="bg1"/>
                   </a:solidFill>
-                  <a:latin typeface="Arial" panose="020B0604020202020204" pitchFamily="34" charset="0"/>
+                  <a:latin typeface="Arial" panose="020B0604020202090204" pitchFamily="34" charset="0"/>
                   <a:ea typeface="微软雅黑" panose="020B0503020204020204" pitchFamily="34" charset="-122"/>
-                  <a:sym typeface="Arial" panose="020B0604020202020204" pitchFamily="34" charset="0"/>
+                  <a:sym typeface="Arial" panose="020B0604020202090204" pitchFamily="34" charset="0"/>
                 </a:rPr>
                 <a:t>AlphaGo</a:t>
               </a:r>
@@ -18420,31 +18007,20 @@
                   <a:solidFill>
                     <a:schemeClr val="bg1"/>
                   </a:solidFill>
-                  <a:latin typeface="Arial" panose="020B0604020202020204" pitchFamily="34" charset="0"/>
+                  <a:latin typeface="Arial" panose="020B0604020202090204" pitchFamily="34" charset="0"/>
                   <a:ea typeface="微软雅黑" panose="020B0503020204020204" pitchFamily="34" charset="-122"/>
-                  <a:sym typeface="Arial" panose="020B0604020202020204" pitchFamily="34" charset="0"/>
+                  <a:sym typeface="Arial" panose="020B0604020202090204" pitchFamily="34" charset="0"/>
                 </a:rPr>
-                <a:t> </a:t>
-              </a:r>
-              <a:r>
-                <a:rPr lang="en-US" altLang="zh-CN" sz="2000" b="1" dirty="0" smtClean="0">
-                  <a:solidFill>
-                    <a:schemeClr val="bg1"/>
-                  </a:solidFill>
-                  <a:latin typeface="Arial" panose="020B0604020202020204" pitchFamily="34" charset="0"/>
-                  <a:ea typeface="微软雅黑" panose="020B0503020204020204" pitchFamily="34" charset="-122"/>
-                  <a:sym typeface="Arial" panose="020B0604020202020204" pitchFamily="34" charset="0"/>
-                </a:rPr>
-                <a:t> Zero </a:t>
+                <a:t>  Zero </a:t>
               </a:r>
               <a:r>
                 <a:rPr lang="zh-CN" altLang="en-US" sz="2000" b="1" dirty="0" smtClean="0">
                   <a:solidFill>
                     <a:schemeClr val="bg1"/>
                   </a:solidFill>
-                  <a:latin typeface="Arial" panose="020B0604020202020204" pitchFamily="34" charset="0"/>
+                  <a:latin typeface="Arial" panose="020B0604020202090204" pitchFamily="34" charset="0"/>
                   <a:ea typeface="微软雅黑" panose="020B0503020204020204" pitchFamily="34" charset="-122"/>
-                  <a:sym typeface="Arial" panose="020B0604020202020204" pitchFamily="34" charset="0"/>
+                  <a:sym typeface="Arial" panose="020B0604020202090204" pitchFamily="34" charset="0"/>
                 </a:rPr>
                 <a:t>的改进</a:t>
               </a:r>
@@ -18452,9 +18028,9 @@
                 <a:solidFill>
                   <a:schemeClr val="bg1"/>
                 </a:solidFill>
-                <a:latin typeface="Arial" panose="020B0604020202020204" pitchFamily="34" charset="0"/>
+                <a:latin typeface="Arial" panose="020B0604020202090204" pitchFamily="34" charset="0"/>
                 <a:ea typeface="微软雅黑" panose="020B0503020204020204" pitchFamily="34" charset="-122"/>
-                <a:sym typeface="Arial" panose="020B0604020202020204" pitchFamily="34" charset="0"/>
+                <a:sym typeface="Arial" panose="020B0604020202090204" pitchFamily="34" charset="0"/>
               </a:endParaRPr>
             </a:p>
           </p:txBody>
@@ -18505,9 +18081,9 @@
                 <a:solidFill>
                   <a:schemeClr val="bg1"/>
                 </a:solidFill>
-                <a:latin typeface="Arial" panose="020B0604020202020204" pitchFamily="34" charset="0"/>
+                <a:latin typeface="Arial" panose="020B0604020202090204" pitchFamily="34" charset="0"/>
                 <a:ea typeface="微软雅黑" panose="020B0503020204020204" pitchFamily="34" charset="-122"/>
-                <a:sym typeface="Arial" panose="020B0604020202020204" pitchFamily="34" charset="0"/>
+                <a:sym typeface="Arial" panose="020B0604020202090204" pitchFamily="34" charset="0"/>
               </a:endParaRPr>
             </a:p>
           </p:txBody>
@@ -18557,7 +18133,7 @@
           <p:nvPr/>
         </p:nvPicPr>
         <p:blipFill>
-          <a:blip r:embed="rId4"/>
+          <a:blip r:embed="rId1"/>
           <a:stretch>
             <a:fillRect/>
           </a:stretch>
@@ -18581,7 +18157,7 @@
           <p:nvPr/>
         </p:nvPicPr>
         <p:blipFill>
-          <a:blip r:embed="rId5"/>
+          <a:blip r:embed="rId2"/>
           <a:stretch>
             <a:fillRect/>
           </a:stretch>
@@ -18626,27 +18202,22 @@
               <a:rPr lang="zh-CN" altLang="en-US" sz="2400" b="1" dirty="0" smtClean="0">
                 <a:latin typeface="Calibri" panose="020F0502020204030204" pitchFamily="34" charset="0"/>
                 <a:ea typeface="宋体" panose="02010600030101010101" pitchFamily="2" charset="-122"/>
-                <a:cs typeface="Times New Roman" panose="02020603050405020304" pitchFamily="18" charset="0"/>
+                <a:cs typeface="Times New Roman" panose="02020503050405090304" pitchFamily="18" charset="0"/>
               </a:rPr>
               <a:t>目标函数</a:t>
             </a:r>
             <a:endParaRPr lang="zh-CN" altLang="zh-CN" sz="2400" b="1" dirty="0">
               <a:latin typeface="Calibri" panose="020F0502020204030204" pitchFamily="34" charset="0"/>
               <a:ea typeface="宋体" panose="02010600030101010101" pitchFamily="2" charset="-122"/>
-              <a:cs typeface="Times New Roman" panose="02020603050405020304" pitchFamily="18" charset="0"/>
+              <a:cs typeface="Times New Roman" panose="02020503050405090304" pitchFamily="18" charset="0"/>
             </a:endParaRPr>
           </a:p>
         </p:txBody>
       </p:sp>
     </p:spTree>
     <p:custDataLst>
-      <p:tags r:id="rId1"/>
+      <p:tags r:id="rId3"/>
     </p:custDataLst>
-    <p:extLst>
-      <p:ext uri="{BB962C8B-B14F-4D97-AF65-F5344CB8AC3E}">
-        <p14:creationId xmlns:p14="http://schemas.microsoft.com/office/powerpoint/2010/main" val="103499554"/>
-      </p:ext>
-    </p:extLst>
   </p:cSld>
   <p:clrMapOvr>
     <a:masterClrMapping/>
@@ -18854,9 +18425,9 @@
                   <a:solidFill>
                     <a:schemeClr val="bg1"/>
                   </a:solidFill>
-                  <a:latin typeface="Arial" panose="020B0604020202020204" pitchFamily="34" charset="0"/>
+                  <a:latin typeface="Arial" panose="020B0604020202090204" pitchFamily="34" charset="0"/>
                   <a:ea typeface="微软雅黑" panose="020B0503020204020204" pitchFamily="34" charset="-122"/>
-                  <a:sym typeface="Arial" panose="020B0604020202020204" pitchFamily="34" charset="0"/>
+                  <a:sym typeface="Arial" panose="020B0604020202090204" pitchFamily="34" charset="0"/>
                 </a:rPr>
                 <a:t>围</a:t>
               </a:r>
@@ -18865,9 +18436,9 @@
                   <a:solidFill>
                     <a:schemeClr val="bg1"/>
                   </a:solidFill>
-                  <a:latin typeface="Arial" panose="020B0604020202020204" pitchFamily="34" charset="0"/>
+                  <a:latin typeface="Arial" panose="020B0604020202090204" pitchFamily="34" charset="0"/>
                   <a:ea typeface="微软雅黑" panose="020B0503020204020204" pitchFamily="34" charset="-122"/>
-                  <a:sym typeface="Arial" panose="020B0604020202020204" pitchFamily="34" charset="0"/>
+                  <a:sym typeface="Arial" panose="020B0604020202090204" pitchFamily="34" charset="0"/>
                 </a:rPr>
                 <a:t>棋规则 （中国规则）</a:t>
               </a:r>
@@ -18875,9 +18446,9 @@
                 <a:solidFill>
                   <a:schemeClr val="bg1"/>
                 </a:solidFill>
-                <a:latin typeface="Arial" panose="020B0604020202020204" pitchFamily="34" charset="0"/>
+                <a:latin typeface="Arial" panose="020B0604020202090204" pitchFamily="34" charset="0"/>
                 <a:ea typeface="微软雅黑" panose="020B0503020204020204" pitchFamily="34" charset="-122"/>
-                <a:sym typeface="Arial" panose="020B0604020202020204" pitchFamily="34" charset="0"/>
+                <a:sym typeface="Arial" panose="020B0604020202090204" pitchFamily="34" charset="0"/>
               </a:endParaRPr>
             </a:p>
           </p:txBody>
@@ -18928,9 +18499,9 @@
                 <a:solidFill>
                   <a:schemeClr val="bg1"/>
                 </a:solidFill>
-                <a:latin typeface="Arial" panose="020B0604020202020204" pitchFamily="34" charset="0"/>
+                <a:latin typeface="Arial" panose="020B0604020202090204" pitchFamily="34" charset="0"/>
                 <a:ea typeface="微软雅黑" panose="020B0503020204020204" pitchFamily="34" charset="-122"/>
-                <a:sym typeface="Arial" panose="020B0604020202020204" pitchFamily="34" charset="0"/>
+                <a:sym typeface="Arial" panose="020B0604020202090204" pitchFamily="34" charset="0"/>
               </a:endParaRPr>
             </a:p>
           </p:txBody>
@@ -19003,14 +18574,14 @@
               <a:rPr lang="zh-CN" altLang="en-US" sz="2400" b="1" dirty="0">
                 <a:latin typeface="Calibri" panose="020F0502020204030204" pitchFamily="34" charset="0"/>
                 <a:ea typeface="宋体" panose="02010600030101010101" pitchFamily="2" charset="-122"/>
-                <a:cs typeface="Times New Roman" panose="02020603050405020304" pitchFamily="18" charset="0"/>
+                <a:cs typeface="Times New Roman" panose="02020503050405090304" pitchFamily="18" charset="0"/>
               </a:rPr>
               <a:t>无气自提 </a:t>
             </a:r>
             <a:endParaRPr lang="en-US" altLang="zh-CN" sz="2400" b="1" dirty="0" smtClean="0">
               <a:latin typeface="Calibri" panose="020F0502020204030204" pitchFamily="34" charset="0"/>
               <a:ea typeface="宋体" panose="02010600030101010101" pitchFamily="2" charset="-122"/>
-              <a:cs typeface="Times New Roman" panose="02020603050405020304" pitchFamily="18" charset="0"/>
+              <a:cs typeface="Times New Roman" panose="02020503050405090304" pitchFamily="18" charset="0"/>
             </a:endParaRPr>
           </a:p>
           <a:p>
@@ -19022,7 +18593,7 @@
             <a:endParaRPr lang="en-US" altLang="zh-CN" sz="2400" b="1" dirty="0">
               <a:latin typeface="Calibri" panose="020F0502020204030204" pitchFamily="34" charset="0"/>
               <a:ea typeface="宋体" panose="02010600030101010101" pitchFamily="2" charset="-122"/>
-              <a:cs typeface="Times New Roman" panose="02020603050405020304" pitchFamily="18" charset="0"/>
+              <a:cs typeface="Times New Roman" panose="02020503050405090304" pitchFamily="18" charset="0"/>
             </a:endParaRPr>
           </a:p>
           <a:p>
@@ -19036,7 +18607,7 @@
             <a:endParaRPr lang="en-US" altLang="zh-CN" sz="2400" b="1" dirty="0">
               <a:latin typeface="Calibri" panose="020F0502020204030204" pitchFamily="34" charset="0"/>
               <a:ea typeface="宋体" panose="02010600030101010101" pitchFamily="2" charset="-122"/>
-              <a:cs typeface="Times New Roman" panose="02020603050405020304" pitchFamily="18" charset="0"/>
+              <a:cs typeface="Times New Roman" panose="02020503050405090304" pitchFamily="18" charset="0"/>
             </a:endParaRPr>
           </a:p>
           <a:p>
@@ -19049,7 +18620,7 @@
               <a:rPr lang="en-US" altLang="zh-CN" sz="2400" b="1" dirty="0" smtClean="0">
                 <a:latin typeface="Calibri" panose="020F0502020204030204" pitchFamily="34" charset="0"/>
                 <a:ea typeface="宋体" panose="02010600030101010101" pitchFamily="2" charset="-122"/>
-                <a:cs typeface="Times New Roman" panose="02020603050405020304" pitchFamily="18" charset="0"/>
+                <a:cs typeface="Times New Roman" panose="02020503050405090304" pitchFamily="18" charset="0"/>
               </a:rPr>
               <a:t>2. </a:t>
             </a:r>
@@ -19057,7 +18628,7 @@
               <a:rPr lang="zh-CN" altLang="en-US" sz="2400" b="1" dirty="0" smtClean="0">
                 <a:latin typeface="Calibri" panose="020F0502020204030204" pitchFamily="34" charset="0"/>
                 <a:ea typeface="宋体" panose="02010600030101010101" pitchFamily="2" charset="-122"/>
-                <a:cs typeface="Times New Roman" panose="02020603050405020304" pitchFamily="18" charset="0"/>
+                <a:cs typeface="Times New Roman" panose="02020503050405090304" pitchFamily="18" charset="0"/>
               </a:rPr>
               <a:t>禁</a:t>
             </a:r>
@@ -19065,14 +18636,14 @@
               <a:rPr lang="zh-CN" altLang="en-US" sz="2400" b="1" dirty="0">
                 <a:latin typeface="Calibri" panose="020F0502020204030204" pitchFamily="34" charset="0"/>
                 <a:ea typeface="宋体" panose="02010600030101010101" pitchFamily="2" charset="-122"/>
-                <a:cs typeface="Times New Roman" panose="02020603050405020304" pitchFamily="18" charset="0"/>
+                <a:cs typeface="Times New Roman" panose="02020503050405090304" pitchFamily="18" charset="0"/>
               </a:rPr>
               <a:t>止全局同形 </a:t>
             </a:r>
             <a:endParaRPr lang="en-US" altLang="zh-CN" sz="2400" b="1" dirty="0">
               <a:latin typeface="Calibri" panose="020F0502020204030204" pitchFamily="34" charset="0"/>
               <a:ea typeface="宋体" panose="02010600030101010101" pitchFamily="2" charset="-122"/>
-              <a:cs typeface="Times New Roman" panose="02020603050405020304" pitchFamily="18" charset="0"/>
+              <a:cs typeface="Times New Roman" panose="02020503050405090304" pitchFamily="18" charset="0"/>
             </a:endParaRPr>
           </a:p>
           <a:p>
@@ -19084,7 +18655,7 @@
             <a:endParaRPr lang="en-US" altLang="zh-CN" sz="2400" dirty="0">
               <a:latin typeface="Calibri" panose="020F0502020204030204" pitchFamily="34" charset="0"/>
               <a:ea typeface="宋体" panose="02010600030101010101" pitchFamily="2" charset="-122"/>
-              <a:cs typeface="Times New Roman" panose="02020603050405020304" pitchFamily="18" charset="0"/>
+              <a:cs typeface="Times New Roman" panose="02020503050405090304" pitchFamily="18" charset="0"/>
             </a:endParaRPr>
           </a:p>
           <a:p>
@@ -19097,7 +18668,7 @@
               <a:rPr lang="en-US" altLang="zh-CN" sz="2400" dirty="0">
                 <a:latin typeface="Calibri" panose="020F0502020204030204" pitchFamily="34" charset="0"/>
                 <a:ea typeface="宋体" panose="02010600030101010101" pitchFamily="2" charset="-122"/>
-                <a:cs typeface="Times New Roman" panose="02020603050405020304" pitchFamily="18" charset="0"/>
+                <a:cs typeface="Times New Roman" panose="02020503050405090304" pitchFamily="18" charset="0"/>
               </a:rPr>
               <a:t>  -- </a:t>
             </a:r>
@@ -19105,7 +18676,7 @@
               <a:rPr lang="zh-CN" altLang="en-US" sz="2400" dirty="0">
                 <a:latin typeface="Calibri" panose="020F0502020204030204" pitchFamily="34" charset="0"/>
                 <a:ea typeface="宋体" panose="02010600030101010101" pitchFamily="2" charset="-122"/>
-                <a:cs typeface="Times New Roman" panose="02020603050405020304" pitchFamily="18" charset="0"/>
+                <a:cs typeface="Times New Roman" panose="02020503050405090304" pitchFamily="18" charset="0"/>
               </a:rPr>
               <a:t>每走一步，棋盘状</a:t>
             </a:r>
@@ -19113,7 +18684,7 @@
               <a:rPr lang="zh-CN" altLang="en-US" sz="2400" dirty="0" smtClean="0">
                 <a:latin typeface="Calibri" panose="020F0502020204030204" pitchFamily="34" charset="0"/>
                 <a:ea typeface="宋体" panose="02010600030101010101" pitchFamily="2" charset="-122"/>
-                <a:cs typeface="Times New Roman" panose="02020603050405020304" pitchFamily="18" charset="0"/>
+                <a:cs typeface="Times New Roman" panose="02020503050405090304" pitchFamily="18" charset="0"/>
               </a:rPr>
               <a:t>态（即黑子和白子的位置）都</a:t>
             </a:r>
@@ -19121,7 +18692,7 @@
               <a:rPr lang="zh-CN" altLang="en-US" sz="2400" dirty="0">
                 <a:latin typeface="Calibri" panose="020F0502020204030204" pitchFamily="34" charset="0"/>
                 <a:ea typeface="宋体" panose="02010600030101010101" pitchFamily="2" charset="-122"/>
-                <a:cs typeface="Times New Roman" panose="02020603050405020304" pitchFamily="18" charset="0"/>
+                <a:cs typeface="Times New Roman" panose="02020503050405090304" pitchFamily="18" charset="0"/>
               </a:rPr>
               <a:t>必</a:t>
             </a:r>
@@ -19129,14 +18700,14 @@
               <a:rPr lang="zh-CN" altLang="en-US" sz="2400" dirty="0" smtClean="0">
                 <a:latin typeface="Calibri" panose="020F0502020204030204" pitchFamily="34" charset="0"/>
                 <a:ea typeface="宋体" panose="02010600030101010101" pitchFamily="2" charset="-122"/>
-                <a:cs typeface="Times New Roman" panose="02020603050405020304" pitchFamily="18" charset="0"/>
+                <a:cs typeface="Times New Roman" panose="02020503050405090304" pitchFamily="18" charset="0"/>
               </a:rPr>
               <a:t>须</a:t>
             </a:r>
             <a:endParaRPr lang="en-US" altLang="zh-CN" sz="2400" dirty="0" smtClean="0">
               <a:latin typeface="Calibri" panose="020F0502020204030204" pitchFamily="34" charset="0"/>
               <a:ea typeface="宋体" panose="02010600030101010101" pitchFamily="2" charset="-122"/>
-              <a:cs typeface="Times New Roman" panose="02020603050405020304" pitchFamily="18" charset="0"/>
+              <a:cs typeface="Times New Roman" panose="02020503050405090304" pitchFamily="18" charset="0"/>
             </a:endParaRPr>
           </a:p>
           <a:p>
@@ -19148,7 +18719,7 @@
             <a:endParaRPr lang="en-US" altLang="zh-CN" sz="2400" dirty="0">
               <a:latin typeface="Calibri" panose="020F0502020204030204" pitchFamily="34" charset="0"/>
               <a:ea typeface="宋体" panose="02010600030101010101" pitchFamily="2" charset="-122"/>
-              <a:cs typeface="Times New Roman" panose="02020603050405020304" pitchFamily="18" charset="0"/>
+              <a:cs typeface="Times New Roman" panose="02020503050405090304" pitchFamily="18" charset="0"/>
             </a:endParaRPr>
           </a:p>
           <a:p>
@@ -19161,7 +18732,7 @@
               <a:rPr lang="zh-CN" altLang="en-US" sz="2400" dirty="0" smtClean="0">
                 <a:latin typeface="Calibri" panose="020F0502020204030204" pitchFamily="34" charset="0"/>
                 <a:ea typeface="宋体" panose="02010600030101010101" pitchFamily="2" charset="-122"/>
-                <a:cs typeface="Times New Roman" panose="02020603050405020304" pitchFamily="18" charset="0"/>
+                <a:cs typeface="Times New Roman" panose="02020503050405090304" pitchFamily="18" charset="0"/>
               </a:rPr>
               <a:t>与</a:t>
             </a:r>
@@ -19169,7 +18740,7 @@
               <a:rPr lang="zh-CN" altLang="en-US" sz="2400" dirty="0">
                 <a:latin typeface="Calibri" panose="020F0502020204030204" pitchFamily="34" charset="0"/>
                 <a:ea typeface="宋体" panose="02010600030101010101" pitchFamily="2" charset="-122"/>
-                <a:cs typeface="Times New Roman" panose="02020603050405020304" pitchFamily="18" charset="0"/>
+                <a:cs typeface="Times New Roman" panose="02020503050405090304" pitchFamily="18" charset="0"/>
               </a:rPr>
               <a:t>以前所有步的棋盘状</a:t>
             </a:r>
@@ -19177,7 +18748,7 @@
               <a:rPr lang="zh-CN" altLang="en-US" sz="2400" dirty="0" smtClean="0">
                 <a:latin typeface="Calibri" panose="020F0502020204030204" pitchFamily="34" charset="0"/>
                 <a:ea typeface="宋体" panose="02010600030101010101" pitchFamily="2" charset="-122"/>
-                <a:cs typeface="Times New Roman" panose="02020603050405020304" pitchFamily="18" charset="0"/>
+                <a:cs typeface="Times New Roman" panose="02020503050405090304" pitchFamily="18" charset="0"/>
               </a:rPr>
               <a:t>态不</a:t>
             </a:r>
@@ -19185,7 +18756,7 @@
               <a:rPr lang="zh-CN" altLang="en-US" sz="2400" dirty="0">
                 <a:latin typeface="Calibri" panose="020F0502020204030204" pitchFamily="34" charset="0"/>
                 <a:ea typeface="宋体" panose="02010600030101010101" pitchFamily="2" charset="-122"/>
-                <a:cs typeface="Times New Roman" panose="02020603050405020304" pitchFamily="18" charset="0"/>
+                <a:cs typeface="Times New Roman" panose="02020503050405090304" pitchFamily="18" charset="0"/>
               </a:rPr>
               <a:t>一样</a:t>
             </a:r>
@@ -19193,14 +18764,14 @@
               <a:rPr lang="zh-CN" altLang="en-US" sz="2400" dirty="0" smtClean="0">
                 <a:latin typeface="Calibri" panose="020F0502020204030204" pitchFamily="34" charset="0"/>
                 <a:ea typeface="宋体" panose="02010600030101010101" pitchFamily="2" charset="-122"/>
-                <a:cs typeface="Times New Roman" panose="02020603050405020304" pitchFamily="18" charset="0"/>
+                <a:cs typeface="Times New Roman" panose="02020503050405090304" pitchFamily="18" charset="0"/>
               </a:rPr>
               <a:t>。</a:t>
             </a:r>
             <a:endParaRPr lang="en-US" altLang="zh-CN" sz="2400" dirty="0">
               <a:latin typeface="Calibri" panose="020F0502020204030204" pitchFamily="34" charset="0"/>
               <a:ea typeface="宋体" panose="02010600030101010101" pitchFamily="2" charset="-122"/>
-              <a:cs typeface="Times New Roman" panose="02020603050405020304" pitchFamily="18" charset="0"/>
+              <a:cs typeface="Times New Roman" panose="02020503050405090304" pitchFamily="18" charset="0"/>
             </a:endParaRPr>
           </a:p>
           <a:p>
@@ -19212,7 +18783,7 @@
             <a:endParaRPr lang="en-US" altLang="zh-CN" sz="2400" dirty="0">
               <a:latin typeface="Calibri" panose="020F0502020204030204" pitchFamily="34" charset="0"/>
               <a:ea typeface="宋体" panose="02010600030101010101" pitchFamily="2" charset="-122"/>
-              <a:cs typeface="Times New Roman" panose="02020603050405020304" pitchFamily="18" charset="0"/>
+              <a:cs typeface="Times New Roman" panose="02020503050405090304" pitchFamily="18" charset="0"/>
             </a:endParaRPr>
           </a:p>
           <a:p>
@@ -19224,7 +18795,7 @@
             <a:endParaRPr lang="en-US" altLang="zh-CN" sz="2400" dirty="0">
               <a:latin typeface="Calibri" panose="020F0502020204030204" pitchFamily="34" charset="0"/>
               <a:ea typeface="宋体" panose="02010600030101010101" pitchFamily="2" charset="-122"/>
-              <a:cs typeface="Times New Roman" panose="02020603050405020304" pitchFamily="18" charset="0"/>
+              <a:cs typeface="Times New Roman" panose="02020503050405090304" pitchFamily="18" charset="0"/>
             </a:endParaRPr>
           </a:p>
           <a:p>
@@ -19237,7 +18808,7 @@
               <a:rPr lang="en-US" altLang="zh-CN" sz="2400" b="1" dirty="0">
                 <a:latin typeface="Calibri" panose="020F0502020204030204" pitchFamily="34" charset="0"/>
                 <a:ea typeface="宋体" panose="02010600030101010101" pitchFamily="2" charset="-122"/>
-                <a:cs typeface="Times New Roman" panose="02020603050405020304" pitchFamily="18" charset="0"/>
+                <a:cs typeface="Times New Roman" panose="02020503050405090304" pitchFamily="18" charset="0"/>
               </a:rPr>
               <a:t>3. </a:t>
             </a:r>
@@ -19245,7 +18816,7 @@
               <a:rPr lang="zh-CN" altLang="en-US" sz="2400" b="1" dirty="0">
                 <a:latin typeface="Calibri" panose="020F0502020204030204" pitchFamily="34" charset="0"/>
                 <a:ea typeface="宋体" panose="02010600030101010101" pitchFamily="2" charset="-122"/>
-                <a:cs typeface="Times New Roman" panose="02020603050405020304" pitchFamily="18" charset="0"/>
+                <a:cs typeface="Times New Roman" panose="02020503050405090304" pitchFamily="18" charset="0"/>
               </a:rPr>
               <a:t>地大者</a:t>
             </a:r>
@@ -19253,14 +18824,14 @@
               <a:rPr lang="zh-CN" altLang="en-US" sz="2400" b="1" dirty="0" smtClean="0">
                 <a:latin typeface="Calibri" panose="020F0502020204030204" pitchFamily="34" charset="0"/>
                 <a:ea typeface="宋体" panose="02010600030101010101" pitchFamily="2" charset="-122"/>
-                <a:cs typeface="Times New Roman" panose="02020603050405020304" pitchFamily="18" charset="0"/>
+                <a:cs typeface="Times New Roman" panose="02020503050405090304" pitchFamily="18" charset="0"/>
               </a:rPr>
               <a:t>胜</a:t>
             </a:r>
             <a:endParaRPr lang="en-US" altLang="zh-CN" sz="2400" b="1" dirty="0" smtClean="0">
               <a:latin typeface="Calibri" panose="020F0502020204030204" pitchFamily="34" charset="0"/>
               <a:ea typeface="宋体" panose="02010600030101010101" pitchFamily="2" charset="-122"/>
-              <a:cs typeface="Times New Roman" panose="02020603050405020304" pitchFamily="18" charset="0"/>
+              <a:cs typeface="Times New Roman" panose="02020503050405090304" pitchFamily="18" charset="0"/>
             </a:endParaRPr>
           </a:p>
           <a:p>
@@ -19272,7 +18843,7 @@
             <a:endParaRPr lang="en-US" altLang="zh-CN" sz="2400" b="1" dirty="0">
               <a:latin typeface="Calibri" panose="020F0502020204030204" pitchFamily="34" charset="0"/>
               <a:ea typeface="宋体" panose="02010600030101010101" pitchFamily="2" charset="-122"/>
-              <a:cs typeface="Times New Roman" panose="02020603050405020304" pitchFamily="18" charset="0"/>
+              <a:cs typeface="Times New Roman" panose="02020503050405090304" pitchFamily="18" charset="0"/>
             </a:endParaRPr>
           </a:p>
           <a:p>
@@ -19284,7 +18855,7 @@
             <a:endParaRPr lang="en-US" altLang="zh-CN" sz="2400" b="1" dirty="0" smtClean="0">
               <a:latin typeface="Calibri" panose="020F0502020204030204" pitchFamily="34" charset="0"/>
               <a:ea typeface="宋体" panose="02010600030101010101" pitchFamily="2" charset="-122"/>
-              <a:cs typeface="Times New Roman" panose="02020603050405020304" pitchFamily="18" charset="0"/>
+              <a:cs typeface="Times New Roman" panose="02020503050405090304" pitchFamily="18" charset="0"/>
             </a:endParaRPr>
           </a:p>
           <a:p>
@@ -19300,7 +18871,7 @@
                 </a:solidFill>
                 <a:latin typeface="Calibri" panose="020F0502020204030204" pitchFamily="34" charset="0"/>
                 <a:ea typeface="宋体" panose="02010600030101010101" pitchFamily="2" charset="-122"/>
-                <a:cs typeface="Times New Roman" panose="02020603050405020304" pitchFamily="18" charset="0"/>
+                <a:cs typeface="Times New Roman" panose="02020503050405090304" pitchFamily="18" charset="0"/>
               </a:rPr>
               <a:t>围</a:t>
             </a:r>
@@ -19311,7 +18882,7 @@
                 </a:solidFill>
                 <a:latin typeface="Calibri" panose="020F0502020204030204" pitchFamily="34" charset="0"/>
                 <a:ea typeface="宋体" panose="02010600030101010101" pitchFamily="2" charset="-122"/>
-                <a:cs typeface="Times New Roman" panose="02020603050405020304" pitchFamily="18" charset="0"/>
+                <a:cs typeface="Times New Roman" panose="02020503050405090304" pitchFamily="18" charset="0"/>
               </a:rPr>
               <a:t>棋有必胜策略！</a:t>
             </a:r>
@@ -19321,7 +18892,7 @@
               </a:solidFill>
               <a:latin typeface="Calibri" panose="020F0502020204030204" pitchFamily="34" charset="0"/>
               <a:ea typeface="宋体" panose="02010600030101010101" pitchFamily="2" charset="-122"/>
-              <a:cs typeface="Times New Roman" panose="02020603050405020304" pitchFamily="18" charset="0"/>
+              <a:cs typeface="Times New Roman" panose="02020503050405090304" pitchFamily="18" charset="0"/>
             </a:endParaRPr>
           </a:p>
         </p:txBody>
@@ -19330,11 +18901,6 @@
     <p:custDataLst>
       <p:tags r:id="rId1"/>
     </p:custDataLst>
-    <p:extLst>
-      <p:ext uri="{BB962C8B-B14F-4D97-AF65-F5344CB8AC3E}">
-        <p14:creationId xmlns:p14="http://schemas.microsoft.com/office/powerpoint/2010/main" val="3100417146"/>
-      </p:ext>
-    </p:extLst>
   </p:cSld>
   <p:clrMapOvr>
     <a:masterClrMapping/>
@@ -19542,9 +19108,9 @@
                   <a:solidFill>
                     <a:schemeClr val="bg1"/>
                   </a:solidFill>
-                  <a:latin typeface="Arial" panose="020B0604020202020204" pitchFamily="34" charset="0"/>
+                  <a:latin typeface="Arial" panose="020B0604020202090204" pitchFamily="34" charset="0"/>
                   <a:ea typeface="微软雅黑" panose="020B0503020204020204" pitchFamily="34" charset="-122"/>
-                  <a:sym typeface="Arial" panose="020B0604020202020204" pitchFamily="34" charset="0"/>
+                  <a:sym typeface="Arial" panose="020B0604020202090204" pitchFamily="34" charset="0"/>
                 </a:rPr>
                 <a:t>AlphaGo</a:t>
               </a:r>
@@ -19553,31 +19119,20 @@
                   <a:solidFill>
                     <a:schemeClr val="bg1"/>
                   </a:solidFill>
-                  <a:latin typeface="Arial" panose="020B0604020202020204" pitchFamily="34" charset="0"/>
+                  <a:latin typeface="Arial" panose="020B0604020202090204" pitchFamily="34" charset="0"/>
                   <a:ea typeface="微软雅黑" panose="020B0503020204020204" pitchFamily="34" charset="-122"/>
-                  <a:sym typeface="Arial" panose="020B0604020202020204" pitchFamily="34" charset="0"/>
+                  <a:sym typeface="Arial" panose="020B0604020202090204" pitchFamily="34" charset="0"/>
                 </a:rPr>
-                <a:t> </a:t>
-              </a:r>
-              <a:r>
-                <a:rPr lang="en-US" altLang="zh-CN" sz="2000" b="1" dirty="0" smtClean="0">
-                  <a:solidFill>
-                    <a:schemeClr val="bg1"/>
-                  </a:solidFill>
-                  <a:latin typeface="Arial" panose="020B0604020202020204" pitchFamily="34" charset="0"/>
-                  <a:ea typeface="微软雅黑" panose="020B0503020204020204" pitchFamily="34" charset="-122"/>
-                  <a:sym typeface="Arial" panose="020B0604020202020204" pitchFamily="34" charset="0"/>
-                </a:rPr>
-                <a:t> Zero </a:t>
+                <a:t>  Zero </a:t>
               </a:r>
               <a:r>
                 <a:rPr lang="zh-CN" altLang="en-US" sz="2000" b="1" dirty="0" smtClean="0">
                   <a:solidFill>
                     <a:schemeClr val="bg1"/>
                   </a:solidFill>
-                  <a:latin typeface="Arial" panose="020B0604020202020204" pitchFamily="34" charset="0"/>
+                  <a:latin typeface="Arial" panose="020B0604020202090204" pitchFamily="34" charset="0"/>
                   <a:ea typeface="微软雅黑" panose="020B0503020204020204" pitchFamily="34" charset="-122"/>
-                  <a:sym typeface="Arial" panose="020B0604020202020204" pitchFamily="34" charset="0"/>
+                  <a:sym typeface="Arial" panose="020B0604020202090204" pitchFamily="34" charset="0"/>
                 </a:rPr>
                 <a:t>的改进</a:t>
               </a:r>
@@ -19585,9 +19140,9 @@
                 <a:solidFill>
                   <a:schemeClr val="bg1"/>
                 </a:solidFill>
-                <a:latin typeface="Arial" panose="020B0604020202020204" pitchFamily="34" charset="0"/>
+                <a:latin typeface="Arial" panose="020B0604020202090204" pitchFamily="34" charset="0"/>
                 <a:ea typeface="微软雅黑" panose="020B0503020204020204" pitchFamily="34" charset="-122"/>
-                <a:sym typeface="Arial" panose="020B0604020202020204" pitchFamily="34" charset="0"/>
+                <a:sym typeface="Arial" panose="020B0604020202090204" pitchFamily="34" charset="0"/>
               </a:endParaRPr>
             </a:p>
           </p:txBody>
@@ -19638,9 +19193,9 @@
                 <a:solidFill>
                   <a:schemeClr val="bg1"/>
                 </a:solidFill>
-                <a:latin typeface="Arial" panose="020B0604020202020204" pitchFamily="34" charset="0"/>
+                <a:latin typeface="Arial" panose="020B0604020202090204" pitchFamily="34" charset="0"/>
                 <a:ea typeface="微软雅黑" panose="020B0503020204020204" pitchFamily="34" charset="-122"/>
-                <a:sym typeface="Arial" panose="020B0604020202020204" pitchFamily="34" charset="0"/>
+                <a:sym typeface="Arial" panose="020B0604020202090204" pitchFamily="34" charset="0"/>
               </a:endParaRPr>
             </a:p>
           </p:txBody>
@@ -19690,7 +19245,7 @@
           <p:nvPr/>
         </p:nvPicPr>
         <p:blipFill>
-          <a:blip r:embed="rId4"/>
+          <a:blip r:embed="rId1"/>
           <a:stretch>
             <a:fillRect/>
           </a:stretch>
@@ -19735,7 +19290,7 @@
               <a:rPr lang="zh-CN" altLang="en-US" sz="2400" b="1" dirty="0">
                 <a:latin typeface="Calibri" panose="020F0502020204030204" pitchFamily="34" charset="0"/>
                 <a:ea typeface="宋体" panose="02010600030101010101" pitchFamily="2" charset="-122"/>
-                <a:cs typeface="Times New Roman" panose="02020603050405020304" pitchFamily="18" charset="0"/>
+                <a:cs typeface="Times New Roman" panose="02020503050405090304" pitchFamily="18" charset="0"/>
               </a:rPr>
               <a:t>实</a:t>
             </a:r>
@@ -19743,27 +19298,22 @@
               <a:rPr lang="zh-CN" altLang="en-US" sz="2400" b="1" dirty="0" smtClean="0">
                 <a:latin typeface="Calibri" panose="020F0502020204030204" pitchFamily="34" charset="0"/>
                 <a:ea typeface="宋体" panose="02010600030101010101" pitchFamily="2" charset="-122"/>
-                <a:cs typeface="Times New Roman" panose="02020603050405020304" pitchFamily="18" charset="0"/>
+                <a:cs typeface="Times New Roman" panose="02020503050405090304" pitchFamily="18" charset="0"/>
               </a:rPr>
               <a:t>验结果对比</a:t>
             </a:r>
             <a:endParaRPr lang="zh-CN" altLang="zh-CN" sz="2400" b="1" dirty="0">
               <a:latin typeface="Calibri" panose="020F0502020204030204" pitchFamily="34" charset="0"/>
               <a:ea typeface="宋体" panose="02010600030101010101" pitchFamily="2" charset="-122"/>
-              <a:cs typeface="Times New Roman" panose="02020603050405020304" pitchFamily="18" charset="0"/>
+              <a:cs typeface="Times New Roman" panose="02020503050405090304" pitchFamily="18" charset="0"/>
             </a:endParaRPr>
           </a:p>
         </p:txBody>
       </p:sp>
     </p:spTree>
     <p:custDataLst>
-      <p:tags r:id="rId1"/>
+      <p:tags r:id="rId2"/>
     </p:custDataLst>
-    <p:extLst>
-      <p:ext uri="{BB962C8B-B14F-4D97-AF65-F5344CB8AC3E}">
-        <p14:creationId xmlns:p14="http://schemas.microsoft.com/office/powerpoint/2010/main" val="4239028465"/>
-      </p:ext>
-    </p:extLst>
   </p:cSld>
   <p:clrMapOvr>
     <a:masterClrMapping/>
@@ -19971,9 +19521,9 @@
                   <a:solidFill>
                     <a:schemeClr val="bg1"/>
                   </a:solidFill>
-                  <a:latin typeface="Arial" panose="020B0604020202020204" pitchFamily="34" charset="0"/>
+                  <a:latin typeface="Arial" panose="020B0604020202090204" pitchFamily="34" charset="0"/>
                   <a:ea typeface="微软雅黑" panose="020B0503020204020204" pitchFamily="34" charset="-122"/>
-                  <a:sym typeface="Arial" panose="020B0604020202020204" pitchFamily="34" charset="0"/>
+                  <a:sym typeface="Arial" panose="020B0604020202090204" pitchFamily="34" charset="0"/>
                 </a:rPr>
                 <a:t>AlphaGo</a:t>
               </a:r>
@@ -19982,9 +19532,9 @@
                   <a:solidFill>
                     <a:schemeClr val="bg1"/>
                   </a:solidFill>
-                  <a:latin typeface="Arial" panose="020B0604020202020204" pitchFamily="34" charset="0"/>
+                  <a:latin typeface="Arial" panose="020B0604020202090204" pitchFamily="34" charset="0"/>
                   <a:ea typeface="微软雅黑" panose="020B0503020204020204" pitchFamily="34" charset="-122"/>
-                  <a:sym typeface="Arial" panose="020B0604020202020204" pitchFamily="34" charset="0"/>
+                  <a:sym typeface="Arial" panose="020B0604020202090204" pitchFamily="34" charset="0"/>
                 </a:rPr>
                 <a:t> </a:t>
               </a:r>
@@ -19993,9 +19543,9 @@
                   <a:solidFill>
                     <a:schemeClr val="bg1"/>
                   </a:solidFill>
-                  <a:latin typeface="Arial" panose="020B0604020202020204" pitchFamily="34" charset="0"/>
+                  <a:latin typeface="Arial" panose="020B0604020202090204" pitchFamily="34" charset="0"/>
                   <a:ea typeface="微软雅黑" panose="020B0503020204020204" pitchFamily="34" charset="-122"/>
-                  <a:sym typeface="Arial" panose="020B0604020202020204" pitchFamily="34" charset="0"/>
+                  <a:sym typeface="Arial" panose="020B0604020202090204" pitchFamily="34" charset="0"/>
                 </a:rPr>
                 <a:t>原理</a:t>
               </a:r>
@@ -20003,9 +19553,9 @@
                 <a:solidFill>
                   <a:schemeClr val="bg1"/>
                 </a:solidFill>
-                <a:latin typeface="Arial" panose="020B0604020202020204" pitchFamily="34" charset="0"/>
+                <a:latin typeface="Arial" panose="020B0604020202090204" pitchFamily="34" charset="0"/>
                 <a:ea typeface="微软雅黑" panose="020B0503020204020204" pitchFamily="34" charset="-122"/>
-                <a:sym typeface="Arial" panose="020B0604020202020204" pitchFamily="34" charset="0"/>
+                <a:sym typeface="Arial" panose="020B0604020202090204" pitchFamily="34" charset="0"/>
               </a:endParaRPr>
             </a:p>
           </p:txBody>
@@ -20056,9 +19606,9 @@
                 <a:solidFill>
                   <a:schemeClr val="bg1"/>
                 </a:solidFill>
-                <a:latin typeface="Arial" panose="020B0604020202020204" pitchFamily="34" charset="0"/>
+                <a:latin typeface="Arial" panose="020B0604020202090204" pitchFamily="34" charset="0"/>
                 <a:ea typeface="微软雅黑" panose="020B0503020204020204" pitchFamily="34" charset="-122"/>
-                <a:sym typeface="Arial" panose="020B0604020202020204" pitchFamily="34" charset="0"/>
+                <a:sym typeface="Arial" panose="020B0604020202090204" pitchFamily="34" charset="0"/>
               </a:endParaRPr>
             </a:p>
           </p:txBody>
@@ -20129,7 +19679,7 @@
               <a:rPr lang="zh-CN" altLang="en-US" sz="2400" b="1" dirty="0">
                 <a:latin typeface="Calibri" panose="020F0502020204030204" pitchFamily="34" charset="0"/>
                 <a:ea typeface="宋体" panose="02010600030101010101" pitchFamily="2" charset="-122"/>
-                <a:cs typeface="Times New Roman" panose="02020603050405020304" pitchFamily="18" charset="0"/>
+                <a:cs typeface="Times New Roman" panose="02020503050405090304" pitchFamily="18" charset="0"/>
               </a:rPr>
               <a:t>三</a:t>
             </a:r>
@@ -20137,7 +19687,7 @@
               <a:rPr lang="zh-CN" altLang="en-US" sz="2400" b="1" dirty="0" smtClean="0">
                 <a:latin typeface="Calibri" panose="020F0502020204030204" pitchFamily="34" charset="0"/>
                 <a:ea typeface="宋体" panose="02010600030101010101" pitchFamily="2" charset="-122"/>
-                <a:cs typeface="Times New Roman" panose="02020603050405020304" pitchFamily="18" charset="0"/>
+                <a:cs typeface="Times New Roman" panose="02020503050405090304" pitchFamily="18" charset="0"/>
               </a:rPr>
               <a:t>个深度策略网络 </a:t>
             </a:r>
@@ -20145,27 +19695,27 @@
               <a:rPr lang="en-US" altLang="zh-CN" sz="2400" b="1" dirty="0" smtClean="0">
                 <a:latin typeface="Calibri" panose="020F0502020204030204" pitchFamily="34" charset="0"/>
                 <a:ea typeface="宋体" panose="02010600030101010101" pitchFamily="2" charset="-122"/>
-                <a:cs typeface="Times New Roman" panose="02020603050405020304" pitchFamily="18" charset="0"/>
+                <a:cs typeface="Times New Roman" panose="02020503050405090304" pitchFamily="18" charset="0"/>
               </a:rPr>
               <a:t>(Policy Networks),</a:t>
             </a:r>
             <a:r>
               <a:rPr lang="zh-CN" altLang="en-US" sz="2400" b="1" dirty="0">
                 <a:latin typeface="Calibri" panose="020F0502020204030204" pitchFamily="34" charset="0"/>
-                <a:cs typeface="Times New Roman" panose="02020603050405020304" pitchFamily="18" charset="0"/>
+                <a:cs typeface="Times New Roman" panose="02020503050405090304" pitchFamily="18" charset="0"/>
               </a:rPr>
               <a:t>一个深度估值网</a:t>
             </a:r>
             <a:r>
               <a:rPr lang="zh-CN" altLang="en-US" sz="2400" b="1" dirty="0" smtClean="0">
                 <a:latin typeface="Calibri" panose="020F0502020204030204" pitchFamily="34" charset="0"/>
-                <a:cs typeface="Times New Roman" panose="02020603050405020304" pitchFamily="18" charset="0"/>
+                <a:cs typeface="Times New Roman" panose="02020503050405090304" pitchFamily="18" charset="0"/>
               </a:rPr>
               <a:t>络</a:t>
             </a:r>
             <a:endParaRPr lang="en-US" altLang="zh-CN" sz="2400" b="1" dirty="0" smtClean="0">
               <a:latin typeface="Calibri" panose="020F0502020204030204" pitchFamily="34" charset="0"/>
-              <a:cs typeface="Times New Roman" panose="02020603050405020304" pitchFamily="18" charset="0"/>
+              <a:cs typeface="Times New Roman" panose="02020503050405090304" pitchFamily="18" charset="0"/>
             </a:endParaRPr>
           </a:p>
           <a:p>
@@ -20176,7 +19726,7 @@
             </a:pPr>
             <a:endParaRPr lang="en-US" altLang="zh-CN" sz="2400" b="1" dirty="0">
               <a:latin typeface="Calibri" panose="020F0502020204030204" pitchFamily="34" charset="0"/>
-              <a:cs typeface="Times New Roman" panose="02020603050405020304" pitchFamily="18" charset="0"/>
+              <a:cs typeface="Times New Roman" panose="02020503050405090304" pitchFamily="18" charset="0"/>
             </a:endParaRPr>
           </a:p>
           <a:p>
@@ -20188,20 +19738,20 @@
             <a:r>
               <a:rPr lang="zh-CN" altLang="en-US" sz="2400" b="1" dirty="0" smtClean="0">
                 <a:latin typeface="Calibri" panose="020F0502020204030204" pitchFamily="34" charset="0"/>
-                <a:cs typeface="Times New Roman" panose="02020603050405020304" pitchFamily="18" charset="0"/>
+                <a:cs typeface="Times New Roman" panose="02020503050405090304" pitchFamily="18" charset="0"/>
               </a:rPr>
               <a:t> </a:t>
             </a:r>
             <a:r>
               <a:rPr lang="en-US" altLang="zh-CN" sz="2400" b="1" dirty="0">
                 <a:latin typeface="Calibri" panose="020F0502020204030204" pitchFamily="34" charset="0"/>
-                <a:cs typeface="Times New Roman" panose="02020603050405020304" pitchFamily="18" charset="0"/>
+                <a:cs typeface="Times New Roman" panose="02020503050405090304" pitchFamily="18" charset="0"/>
               </a:rPr>
               <a:t>(Value Network)</a:t>
             </a:r>
             <a:endParaRPr lang="zh-CN" altLang="zh-CN" sz="2400" b="1" dirty="0">
               <a:latin typeface="Calibri" panose="020F0502020204030204" pitchFamily="34" charset="0"/>
-              <a:cs typeface="Times New Roman" panose="02020603050405020304" pitchFamily="18" charset="0"/>
+              <a:cs typeface="Times New Roman" panose="02020503050405090304" pitchFamily="18" charset="0"/>
             </a:endParaRPr>
           </a:p>
           <a:p>
@@ -20214,14 +19764,14 @@
               <a:rPr lang="zh-CN" altLang="en-US" sz="2400" b="1" dirty="0" smtClean="0">
                 <a:latin typeface="Calibri" panose="020F0502020204030204" pitchFamily="34" charset="0"/>
                 <a:ea typeface="宋体" panose="02010600030101010101" pitchFamily="2" charset="-122"/>
-                <a:cs typeface="Times New Roman" panose="02020603050405020304" pitchFamily="18" charset="0"/>
+                <a:cs typeface="Times New Roman" panose="02020503050405090304" pitchFamily="18" charset="0"/>
               </a:rPr>
               <a:t> </a:t>
             </a:r>
             <a:endParaRPr lang="zh-CN" altLang="zh-CN" sz="2400" b="1" dirty="0">
               <a:latin typeface="Calibri" panose="020F0502020204030204" pitchFamily="34" charset="0"/>
               <a:ea typeface="宋体" panose="02010600030101010101" pitchFamily="2" charset="-122"/>
-              <a:cs typeface="Times New Roman" panose="02020603050405020304" pitchFamily="18" charset="0"/>
+              <a:cs typeface="Times New Roman" panose="02020503050405090304" pitchFamily="18" charset="0"/>
             </a:endParaRPr>
           </a:p>
         </p:txBody>
@@ -20235,7 +19785,7 @@
           <p:nvPr/>
         </p:nvPicPr>
         <p:blipFill>
-          <a:blip r:embed="rId4"/>
+          <a:blip r:embed="rId1"/>
           <a:stretch>
             <a:fillRect/>
           </a:stretch>
@@ -20259,7 +19809,7 @@
           <p:nvPr/>
         </p:nvPicPr>
         <p:blipFill>
-          <a:blip r:embed="rId5"/>
+          <a:blip r:embed="rId2"/>
           <a:stretch>
             <a:fillRect/>
           </a:stretch>
@@ -20276,13 +19826,8 @@
       </p:pic>
     </p:spTree>
     <p:custDataLst>
-      <p:tags r:id="rId1"/>
+      <p:tags r:id="rId3"/>
     </p:custDataLst>
-    <p:extLst>
-      <p:ext uri="{BB962C8B-B14F-4D97-AF65-F5344CB8AC3E}">
-        <p14:creationId xmlns:p14="http://schemas.microsoft.com/office/powerpoint/2010/main" val="1611465691"/>
-      </p:ext>
-    </p:extLst>
   </p:cSld>
   <p:clrMapOvr>
     <a:masterClrMapping/>
@@ -20490,9 +20035,9 @@
                   <a:solidFill>
                     <a:schemeClr val="bg1"/>
                   </a:solidFill>
-                  <a:latin typeface="Arial" panose="020B0604020202020204" pitchFamily="34" charset="0"/>
+                  <a:latin typeface="Arial" panose="020B0604020202090204" pitchFamily="34" charset="0"/>
                   <a:ea typeface="微软雅黑" panose="020B0503020204020204" pitchFamily="34" charset="-122"/>
-                  <a:sym typeface="Arial" panose="020B0604020202020204" pitchFamily="34" charset="0"/>
+                  <a:sym typeface="Arial" panose="020B0604020202090204" pitchFamily="34" charset="0"/>
                 </a:rPr>
                 <a:t>AlphaGo</a:t>
               </a:r>
@@ -20501,9 +20046,9 @@
                   <a:solidFill>
                     <a:schemeClr val="bg1"/>
                   </a:solidFill>
-                  <a:latin typeface="Arial" panose="020B0604020202020204" pitchFamily="34" charset="0"/>
+                  <a:latin typeface="Arial" panose="020B0604020202090204" pitchFamily="34" charset="0"/>
                   <a:ea typeface="微软雅黑" panose="020B0503020204020204" pitchFamily="34" charset="-122"/>
-                  <a:sym typeface="Arial" panose="020B0604020202020204" pitchFamily="34" charset="0"/>
+                  <a:sym typeface="Arial" panose="020B0604020202090204" pitchFamily="34" charset="0"/>
                 </a:rPr>
                 <a:t> </a:t>
               </a:r>
@@ -20512,9 +20057,9 @@
                   <a:solidFill>
                     <a:schemeClr val="bg1"/>
                   </a:solidFill>
-                  <a:latin typeface="Arial" panose="020B0604020202020204" pitchFamily="34" charset="0"/>
+                  <a:latin typeface="Arial" panose="020B0604020202090204" pitchFamily="34" charset="0"/>
                   <a:ea typeface="微软雅黑" panose="020B0503020204020204" pitchFamily="34" charset="-122"/>
-                  <a:sym typeface="Arial" panose="020B0604020202020204" pitchFamily="34" charset="0"/>
+                  <a:sym typeface="Arial" panose="020B0604020202090204" pitchFamily="34" charset="0"/>
                 </a:rPr>
                 <a:t>原理</a:t>
               </a:r>
@@ -20522,9 +20067,9 @@
                 <a:solidFill>
                   <a:schemeClr val="bg1"/>
                 </a:solidFill>
-                <a:latin typeface="Arial" panose="020B0604020202020204" pitchFamily="34" charset="0"/>
+                <a:latin typeface="Arial" panose="020B0604020202090204" pitchFamily="34" charset="0"/>
                 <a:ea typeface="微软雅黑" panose="020B0503020204020204" pitchFamily="34" charset="-122"/>
-                <a:sym typeface="Arial" panose="020B0604020202020204" pitchFamily="34" charset="0"/>
+                <a:sym typeface="Arial" panose="020B0604020202090204" pitchFamily="34" charset="0"/>
               </a:endParaRPr>
             </a:p>
           </p:txBody>
@@ -20575,9 +20120,9 @@
                 <a:solidFill>
                   <a:schemeClr val="bg1"/>
                 </a:solidFill>
-                <a:latin typeface="Arial" panose="020B0604020202020204" pitchFamily="34" charset="0"/>
+                <a:latin typeface="Arial" panose="020B0604020202090204" pitchFamily="34" charset="0"/>
                 <a:ea typeface="微软雅黑" panose="020B0503020204020204" pitchFamily="34" charset="-122"/>
-                <a:sym typeface="Arial" panose="020B0604020202020204" pitchFamily="34" charset="0"/>
+                <a:sym typeface="Arial" panose="020B0604020202090204" pitchFamily="34" charset="0"/>
               </a:endParaRPr>
             </a:p>
           </p:txBody>
@@ -20648,7 +20193,7 @@
               <a:rPr lang="zh-CN" altLang="en-US" sz="2400" b="1" dirty="0" smtClean="0">
                 <a:latin typeface="Calibri" panose="020F0502020204030204" pitchFamily="34" charset="0"/>
                 <a:ea typeface="宋体" panose="02010600030101010101" pitchFamily="2" charset="-122"/>
-                <a:cs typeface="Times New Roman" panose="02020603050405020304" pitchFamily="18" charset="0"/>
+                <a:cs typeface="Times New Roman" panose="02020503050405090304" pitchFamily="18" charset="0"/>
               </a:rPr>
               <a:t>深度策略网络           </a:t>
             </a:r>
@@ -20656,7 +20201,7 @@
               <a:rPr lang="en-US" altLang="zh-CN" sz="2400" b="1" dirty="0" smtClean="0">
                 <a:latin typeface="Calibri" panose="020F0502020204030204" pitchFamily="34" charset="0"/>
                 <a:ea typeface="宋体" panose="02010600030101010101" pitchFamily="2" charset="-122"/>
-                <a:cs typeface="Times New Roman" panose="02020603050405020304" pitchFamily="18" charset="0"/>
+                <a:cs typeface="Times New Roman" panose="02020503050405090304" pitchFamily="18" charset="0"/>
               </a:rPr>
               <a:t>:  (Supervised Learning Policy Network)</a:t>
             </a:r>
@@ -20664,7 +20209,7 @@
               <a:rPr lang="zh-CN" altLang="en-US" sz="2400" b="1" dirty="0" smtClean="0">
                 <a:latin typeface="Calibri" panose="020F0502020204030204" pitchFamily="34" charset="0"/>
                 <a:ea typeface="宋体" panose="02010600030101010101" pitchFamily="2" charset="-122"/>
-                <a:cs typeface="Times New Roman" panose="02020603050405020304" pitchFamily="18" charset="0"/>
+                <a:cs typeface="Times New Roman" panose="02020503050405090304" pitchFamily="18" charset="0"/>
               </a:rPr>
               <a:t> </a:t>
             </a:r>
@@ -20672,14 +20217,14 @@
               <a:rPr lang="en-US" altLang="zh-CN" sz="2400" b="1" dirty="0" smtClean="0">
                 <a:latin typeface="Calibri" panose="020F0502020204030204" pitchFamily="34" charset="0"/>
                 <a:ea typeface="宋体" panose="02010600030101010101" pitchFamily="2" charset="-122"/>
-                <a:cs typeface="Times New Roman" panose="02020603050405020304" pitchFamily="18" charset="0"/>
+                <a:cs typeface="Times New Roman" panose="02020503050405090304" pitchFamily="18" charset="0"/>
               </a:rPr>
               <a:t> </a:t>
             </a:r>
             <a:endParaRPr lang="zh-CN" altLang="zh-CN" sz="2400" b="1" dirty="0">
               <a:latin typeface="Calibri" panose="020F0502020204030204" pitchFamily="34" charset="0"/>
               <a:ea typeface="宋体" panose="02010600030101010101" pitchFamily="2" charset="-122"/>
-              <a:cs typeface="Times New Roman" panose="02020603050405020304" pitchFamily="18" charset="0"/>
+              <a:cs typeface="Times New Roman" panose="02020503050405090304" pitchFamily="18" charset="0"/>
             </a:endParaRPr>
           </a:p>
         </p:txBody>
@@ -20693,7 +20238,7 @@
           <p:nvPr/>
         </p:nvPicPr>
         <p:blipFill>
-          <a:blip r:embed="rId4"/>
+          <a:blip r:embed="rId1"/>
           <a:stretch>
             <a:fillRect/>
           </a:stretch>
@@ -20738,14 +20283,14 @@
               <a:rPr lang="zh-CN" altLang="en-US" sz="2400" b="1" dirty="0" smtClean="0">
                 <a:latin typeface="Calibri" panose="020F0502020204030204" pitchFamily="34" charset="0"/>
                 <a:ea typeface="宋体" panose="02010600030101010101" pitchFamily="2" charset="-122"/>
-                <a:cs typeface="Times New Roman" panose="02020603050405020304" pitchFamily="18" charset="0"/>
+                <a:cs typeface="Times New Roman" panose="02020503050405090304" pitchFamily="18" charset="0"/>
               </a:rPr>
               <a:t>输入：当前棋盘状态。</a:t>
             </a:r>
             <a:endParaRPr lang="en-US" altLang="zh-CN" sz="2400" b="1" dirty="0" smtClean="0">
               <a:latin typeface="Calibri" panose="020F0502020204030204" pitchFamily="34" charset="0"/>
               <a:ea typeface="宋体" panose="02010600030101010101" pitchFamily="2" charset="-122"/>
-              <a:cs typeface="Times New Roman" panose="02020603050405020304" pitchFamily="18" charset="0"/>
+              <a:cs typeface="Times New Roman" panose="02020503050405090304" pitchFamily="18" charset="0"/>
             </a:endParaRPr>
           </a:p>
           <a:p>
@@ -20758,14 +20303,14 @@
               <a:rPr lang="zh-CN" altLang="en-US" sz="2400" b="1" dirty="0" smtClean="0">
                 <a:latin typeface="Calibri" panose="020F0502020204030204" pitchFamily="34" charset="0"/>
                 <a:ea typeface="宋体" panose="02010600030101010101" pitchFamily="2" charset="-122"/>
-                <a:cs typeface="Times New Roman" panose="02020603050405020304" pitchFamily="18" charset="0"/>
+                <a:cs typeface="Times New Roman" panose="02020503050405090304" pitchFamily="18" charset="0"/>
               </a:rPr>
               <a:t> </a:t>
             </a:r>
             <a:endParaRPr lang="en-US" altLang="zh-CN" sz="2400" b="1" dirty="0" smtClean="0">
               <a:latin typeface="Calibri" panose="020F0502020204030204" pitchFamily="34" charset="0"/>
               <a:ea typeface="宋体" panose="02010600030101010101" pitchFamily="2" charset="-122"/>
-              <a:cs typeface="Times New Roman" panose="02020603050405020304" pitchFamily="18" charset="0"/>
+              <a:cs typeface="Times New Roman" panose="02020503050405090304" pitchFamily="18" charset="0"/>
             </a:endParaRPr>
           </a:p>
           <a:p>
@@ -20778,7 +20323,7 @@
               <a:rPr lang="zh-CN" altLang="en-US" sz="2400" b="1" dirty="0">
                 <a:latin typeface="Calibri" panose="020F0502020204030204" pitchFamily="34" charset="0"/>
                 <a:ea typeface="宋体" panose="02010600030101010101" pitchFamily="2" charset="-122"/>
-                <a:cs typeface="Times New Roman" panose="02020603050405020304" pitchFamily="18" charset="0"/>
+                <a:cs typeface="Times New Roman" panose="02020503050405090304" pitchFamily="18" charset="0"/>
               </a:rPr>
               <a:t>输</a:t>
             </a:r>
@@ -20786,14 +20331,14 @@
               <a:rPr lang="zh-CN" altLang="en-US" sz="2400" b="1" dirty="0" smtClean="0">
                 <a:latin typeface="Calibri" panose="020F0502020204030204" pitchFamily="34" charset="0"/>
                 <a:ea typeface="宋体" panose="02010600030101010101" pitchFamily="2" charset="-122"/>
-                <a:cs typeface="Times New Roman" panose="02020603050405020304" pitchFamily="18" charset="0"/>
+                <a:cs typeface="Times New Roman" panose="02020503050405090304" pitchFamily="18" charset="0"/>
               </a:rPr>
               <a:t>出：下一步的走法。</a:t>
             </a:r>
             <a:endParaRPr lang="en-US" altLang="zh-CN" sz="2400" b="1" dirty="0" smtClean="0">
               <a:latin typeface="Calibri" panose="020F0502020204030204" pitchFamily="34" charset="0"/>
               <a:ea typeface="宋体" panose="02010600030101010101" pitchFamily="2" charset="-122"/>
-              <a:cs typeface="Times New Roman" panose="02020603050405020304" pitchFamily="18" charset="0"/>
+              <a:cs typeface="Times New Roman" panose="02020503050405090304" pitchFamily="18" charset="0"/>
             </a:endParaRPr>
           </a:p>
           <a:p>
@@ -20805,7 +20350,7 @@
             <a:endParaRPr lang="en-US" altLang="zh-CN" sz="2400" b="1" dirty="0">
               <a:latin typeface="Calibri" panose="020F0502020204030204" pitchFamily="34" charset="0"/>
               <a:ea typeface="宋体" panose="02010600030101010101" pitchFamily="2" charset="-122"/>
-              <a:cs typeface="Times New Roman" panose="02020603050405020304" pitchFamily="18" charset="0"/>
+              <a:cs typeface="Times New Roman" panose="02020503050405090304" pitchFamily="18" charset="0"/>
             </a:endParaRPr>
           </a:p>
           <a:p>
@@ -20818,7 +20363,7 @@
               <a:rPr lang="zh-CN" altLang="en-US" sz="2400" b="1" dirty="0" smtClean="0">
                 <a:latin typeface="Calibri" panose="020F0502020204030204" pitchFamily="34" charset="0"/>
                 <a:ea typeface="宋体" panose="02010600030101010101" pitchFamily="2" charset="-122"/>
-                <a:cs typeface="Times New Roman" panose="02020603050405020304" pitchFamily="18" charset="0"/>
+                <a:cs typeface="Times New Roman" panose="02020503050405090304" pitchFamily="18" charset="0"/>
               </a:rPr>
               <a:t>训练数据： </a:t>
             </a:r>
@@ -20826,7 +20371,7 @@
               <a:rPr lang="en-US" altLang="zh-CN" sz="2400" b="1" dirty="0" smtClean="0">
                 <a:latin typeface="Calibri" panose="020F0502020204030204" pitchFamily="34" charset="0"/>
                 <a:ea typeface="宋体" panose="02010600030101010101" pitchFamily="2" charset="-122"/>
-                <a:cs typeface="Times New Roman" panose="02020603050405020304" pitchFamily="18" charset="0"/>
+                <a:cs typeface="Times New Roman" panose="02020503050405090304" pitchFamily="18" charset="0"/>
               </a:rPr>
               <a:t>KGS Go SERVER</a:t>
             </a:r>
@@ -20834,14 +20379,14 @@
               <a:rPr lang="zh-CN" altLang="en-US" sz="2400" b="1" dirty="0" smtClean="0">
                 <a:latin typeface="Calibri" panose="020F0502020204030204" pitchFamily="34" charset="0"/>
                 <a:ea typeface="宋体" panose="02010600030101010101" pitchFamily="2" charset="-122"/>
-                <a:cs typeface="Times New Roman" panose="02020603050405020304" pitchFamily="18" charset="0"/>
+                <a:cs typeface="Times New Roman" panose="02020503050405090304" pitchFamily="18" charset="0"/>
               </a:rPr>
               <a:t>上的 三亿个样本。</a:t>
             </a:r>
             <a:endParaRPr lang="en-US" altLang="zh-CN" sz="2400" b="1" dirty="0" smtClean="0">
               <a:latin typeface="Calibri" panose="020F0502020204030204" pitchFamily="34" charset="0"/>
               <a:ea typeface="宋体" panose="02010600030101010101" pitchFamily="2" charset="-122"/>
-              <a:cs typeface="Times New Roman" panose="02020603050405020304" pitchFamily="18" charset="0"/>
+              <a:cs typeface="Times New Roman" panose="02020503050405090304" pitchFamily="18" charset="0"/>
             </a:endParaRPr>
           </a:p>
           <a:p>
@@ -20853,7 +20398,7 @@
             <a:endParaRPr lang="en-US" altLang="zh-CN" sz="2400" b="1" dirty="0">
               <a:latin typeface="Calibri" panose="020F0502020204030204" pitchFamily="34" charset="0"/>
               <a:ea typeface="宋体" panose="02010600030101010101" pitchFamily="2" charset="-122"/>
-              <a:cs typeface="Times New Roman" panose="02020603050405020304" pitchFamily="18" charset="0"/>
+              <a:cs typeface="Times New Roman" panose="02020503050405090304" pitchFamily="18" charset="0"/>
             </a:endParaRPr>
           </a:p>
           <a:p>
@@ -20866,7 +20411,7 @@
               <a:rPr lang="zh-CN" altLang="en-US" sz="2400" b="1" dirty="0" smtClean="0">
                 <a:latin typeface="Calibri" panose="020F0502020204030204" pitchFamily="34" charset="0"/>
                 <a:ea typeface="宋体" panose="02010600030101010101" pitchFamily="2" charset="-122"/>
-                <a:cs typeface="Times New Roman" panose="02020603050405020304" pitchFamily="18" charset="0"/>
+                <a:cs typeface="Times New Roman" panose="02020503050405090304" pitchFamily="18" charset="0"/>
               </a:rPr>
               <a:t>网络设置： </a:t>
             </a:r>
@@ -20874,7 +20419,7 @@
               <a:rPr lang="en-US" altLang="zh-CN" sz="2400" b="1" dirty="0" smtClean="0">
                 <a:latin typeface="Calibri" panose="020F0502020204030204" pitchFamily="34" charset="0"/>
                 <a:ea typeface="宋体" panose="02010600030101010101" pitchFamily="2" charset="-122"/>
-                <a:cs typeface="Times New Roman" panose="02020603050405020304" pitchFamily="18" charset="0"/>
+                <a:cs typeface="Times New Roman" panose="02020503050405090304" pitchFamily="18" charset="0"/>
               </a:rPr>
               <a:t>13</a:t>
             </a:r>
@@ -20882,14 +20427,14 @@
               <a:rPr lang="zh-CN" altLang="en-US" sz="2400" b="1" dirty="0" smtClean="0">
                 <a:latin typeface="Calibri" panose="020F0502020204030204" pitchFamily="34" charset="0"/>
                 <a:ea typeface="宋体" panose="02010600030101010101" pitchFamily="2" charset="-122"/>
-                <a:cs typeface="Times New Roman" panose="02020603050405020304" pitchFamily="18" charset="0"/>
+                <a:cs typeface="Times New Roman" panose="02020503050405090304" pitchFamily="18" charset="0"/>
               </a:rPr>
               <a:t>层深度网络。</a:t>
             </a:r>
             <a:endParaRPr lang="en-US" altLang="zh-CN" sz="2400" b="1" dirty="0" smtClean="0">
               <a:latin typeface="Calibri" panose="020F0502020204030204" pitchFamily="34" charset="0"/>
               <a:ea typeface="宋体" panose="02010600030101010101" pitchFamily="2" charset="-122"/>
-              <a:cs typeface="Times New Roman" panose="02020603050405020304" pitchFamily="18" charset="0"/>
+              <a:cs typeface="Times New Roman" panose="02020503050405090304" pitchFamily="18" charset="0"/>
             </a:endParaRPr>
           </a:p>
           <a:p>
@@ -20901,7 +20446,7 @@
             <a:endParaRPr lang="en-US" altLang="zh-CN" sz="2400" b="1" dirty="0">
               <a:latin typeface="Calibri" panose="020F0502020204030204" pitchFamily="34" charset="0"/>
               <a:ea typeface="宋体" panose="02010600030101010101" pitchFamily="2" charset="-122"/>
-              <a:cs typeface="Times New Roman" panose="02020603050405020304" pitchFamily="18" charset="0"/>
+              <a:cs typeface="Times New Roman" panose="02020503050405090304" pitchFamily="18" charset="0"/>
             </a:endParaRPr>
           </a:p>
           <a:p>
@@ -20914,14 +20459,14 @@
               <a:rPr lang="zh-CN" altLang="en-US" sz="2400" b="1" dirty="0" smtClean="0">
                 <a:latin typeface="Calibri" panose="020F0502020204030204" pitchFamily="34" charset="0"/>
                 <a:ea typeface="宋体" panose="02010600030101010101" pitchFamily="2" charset="-122"/>
-                <a:cs typeface="Times New Roman" panose="02020603050405020304" pitchFamily="18" charset="0"/>
+                <a:cs typeface="Times New Roman" panose="02020503050405090304" pitchFamily="18" charset="0"/>
               </a:rPr>
               <a:t>输入的特征： </a:t>
             </a:r>
             <a:endParaRPr lang="en-US" altLang="zh-CN" sz="2400" b="1" dirty="0" smtClean="0">
               <a:latin typeface="Calibri" panose="020F0502020204030204" pitchFamily="34" charset="0"/>
               <a:ea typeface="宋体" panose="02010600030101010101" pitchFamily="2" charset="-122"/>
-              <a:cs typeface="Times New Roman" panose="02020603050405020304" pitchFamily="18" charset="0"/>
+              <a:cs typeface="Times New Roman" panose="02020503050405090304" pitchFamily="18" charset="0"/>
             </a:endParaRPr>
           </a:p>
         </p:txBody>
@@ -20956,7 +20501,7 @@
               <a:rPr lang="en-US" altLang="zh-CN" sz="2400" b="1" dirty="0" smtClean="0">
                 <a:latin typeface="Calibri" panose="020F0502020204030204" pitchFamily="34" charset="0"/>
                 <a:ea typeface="宋体" panose="02010600030101010101" pitchFamily="2" charset="-122"/>
-                <a:cs typeface="Times New Roman" panose="02020603050405020304" pitchFamily="18" charset="0"/>
+                <a:cs typeface="Times New Roman" panose="02020503050405090304" pitchFamily="18" charset="0"/>
               </a:rPr>
               <a:t>57%</a:t>
             </a:r>
@@ -20964,26 +20509,23 @@
               <a:rPr lang="zh-CN" altLang="en-US" sz="2400" b="1" dirty="0" smtClean="0">
                 <a:latin typeface="Calibri" panose="020F0502020204030204" pitchFamily="34" charset="0"/>
                 <a:ea typeface="宋体" panose="02010600030101010101" pitchFamily="2" charset="-122"/>
-                <a:cs typeface="Times New Roman" panose="02020603050405020304" pitchFamily="18" charset="0"/>
+                <a:cs typeface="Times New Roman" panose="02020503050405090304" pitchFamily="18" charset="0"/>
               </a:rPr>
-              <a:t>正确</a:t>
-            </a:r>
-            <a:r>
-              <a:rPr lang="zh-CN" altLang="en-US" sz="2400" b="1" dirty="0" smtClean="0">
-                <a:latin typeface="Calibri" panose="020F0502020204030204" pitchFamily="34" charset="0"/>
-                <a:ea typeface="宋体" panose="02010600030101010101" pitchFamily="2" charset="-122"/>
-                <a:cs typeface="Times New Roman" panose="02020603050405020304" pitchFamily="18" charset="0"/>
-              </a:rPr>
-              <a:t>率</a:t>
+              <a:t>正确率</a:t>
             </a:r>
             <a:r>
               <a:rPr lang="en-US" altLang="zh-CN" sz="2400" b="1" dirty="0" smtClean="0">
                 <a:latin typeface="Calibri" panose="020F0502020204030204" pitchFamily="34" charset="0"/>
                 <a:ea typeface="宋体" panose="02010600030101010101" pitchFamily="2" charset="-122"/>
-                <a:cs typeface="Times New Roman" panose="02020603050405020304" pitchFamily="18" charset="0"/>
+                <a:cs typeface="Times New Roman" panose="02020503050405090304" pitchFamily="18" charset="0"/>
               </a:rPr>
               <a:t>,</a:t>
             </a:r>
+            <a:endParaRPr lang="en-US" altLang="zh-CN" sz="2400" b="1" dirty="0" smtClean="0">
+              <a:latin typeface="Calibri" panose="020F0502020204030204" pitchFamily="34" charset="0"/>
+              <a:ea typeface="宋体" panose="02010600030101010101" pitchFamily="2" charset="-122"/>
+              <a:cs typeface="Times New Roman" panose="02020503050405090304" pitchFamily="18" charset="0"/>
+            </a:endParaRPr>
           </a:p>
           <a:p>
             <a:pPr algn="just">
@@ -20994,7 +20536,7 @@
             <a:endParaRPr lang="en-US" altLang="zh-CN" sz="2400" b="1" dirty="0" smtClean="0">
               <a:latin typeface="Calibri" panose="020F0502020204030204" pitchFamily="34" charset="0"/>
               <a:ea typeface="宋体" panose="02010600030101010101" pitchFamily="2" charset="-122"/>
-              <a:cs typeface="Times New Roman" panose="02020603050405020304" pitchFamily="18" charset="0"/>
+              <a:cs typeface="Times New Roman" panose="02020503050405090304" pitchFamily="18" charset="0"/>
             </a:endParaRPr>
           </a:p>
           <a:p>
@@ -21007,7 +20549,7 @@
               <a:rPr lang="en-US" altLang="zh-CN" sz="2400" b="1" dirty="0" smtClean="0">
                 <a:latin typeface="Calibri" panose="020F0502020204030204" pitchFamily="34" charset="0"/>
                 <a:ea typeface="宋体" panose="02010600030101010101" pitchFamily="2" charset="-122"/>
-                <a:cs typeface="Times New Roman" panose="02020603050405020304" pitchFamily="18" charset="0"/>
+                <a:cs typeface="Times New Roman" panose="02020503050405090304" pitchFamily="18" charset="0"/>
               </a:rPr>
               <a:t>3ms</a:t>
             </a:r>
@@ -21015,14 +20557,14 @@
               <a:rPr lang="zh-CN" altLang="en-US" sz="2400" b="1" dirty="0" smtClean="0">
                 <a:latin typeface="Calibri" panose="020F0502020204030204" pitchFamily="34" charset="0"/>
                 <a:ea typeface="宋体" panose="02010600030101010101" pitchFamily="2" charset="-122"/>
-                <a:cs typeface="Times New Roman" panose="02020603050405020304" pitchFamily="18" charset="0"/>
+                <a:cs typeface="Times New Roman" panose="02020503050405090304" pitchFamily="18" charset="0"/>
               </a:rPr>
               <a:t>一步</a:t>
             </a:r>
             <a:endParaRPr lang="en-US" altLang="zh-CN" sz="2400" b="1" dirty="0" smtClean="0">
               <a:latin typeface="Calibri" panose="020F0502020204030204" pitchFamily="34" charset="0"/>
               <a:ea typeface="宋体" panose="02010600030101010101" pitchFamily="2" charset="-122"/>
-              <a:cs typeface="Times New Roman" panose="02020603050405020304" pitchFamily="18" charset="0"/>
+              <a:cs typeface="Times New Roman" panose="02020503050405090304" pitchFamily="18" charset="0"/>
             </a:endParaRPr>
           </a:p>
         </p:txBody>
@@ -21036,7 +20578,7 @@
           <p:nvPr/>
         </p:nvPicPr>
         <p:blipFill>
-          <a:blip r:embed="rId5"/>
+          <a:blip r:embed="rId2"/>
           <a:stretch>
             <a:fillRect/>
           </a:stretch>
@@ -21053,13 +20595,8 @@
       </p:pic>
     </p:spTree>
     <p:custDataLst>
-      <p:tags r:id="rId1"/>
+      <p:tags r:id="rId3"/>
     </p:custDataLst>
-    <p:extLst>
-      <p:ext uri="{BB962C8B-B14F-4D97-AF65-F5344CB8AC3E}">
-        <p14:creationId xmlns:p14="http://schemas.microsoft.com/office/powerpoint/2010/main" val="1835297307"/>
-      </p:ext>
-    </p:extLst>
   </p:cSld>
   <p:clrMapOvr>
     <a:masterClrMapping/>
@@ -21267,9 +20804,9 @@
                   <a:solidFill>
                     <a:schemeClr val="bg1"/>
                   </a:solidFill>
-                  <a:latin typeface="Arial" panose="020B0604020202020204" pitchFamily="34" charset="0"/>
+                  <a:latin typeface="Arial" panose="020B0604020202090204" pitchFamily="34" charset="0"/>
                   <a:ea typeface="微软雅黑" panose="020B0503020204020204" pitchFamily="34" charset="-122"/>
-                  <a:sym typeface="Arial" panose="020B0604020202020204" pitchFamily="34" charset="0"/>
+                  <a:sym typeface="Arial" panose="020B0604020202090204" pitchFamily="34" charset="0"/>
                 </a:rPr>
                 <a:t>AlphaGo</a:t>
               </a:r>
@@ -21278,9 +20815,9 @@
                   <a:solidFill>
                     <a:schemeClr val="bg1"/>
                   </a:solidFill>
-                  <a:latin typeface="Arial" panose="020B0604020202020204" pitchFamily="34" charset="0"/>
+                  <a:latin typeface="Arial" panose="020B0604020202090204" pitchFamily="34" charset="0"/>
                   <a:ea typeface="微软雅黑" panose="020B0503020204020204" pitchFamily="34" charset="-122"/>
-                  <a:sym typeface="Arial" panose="020B0604020202020204" pitchFamily="34" charset="0"/>
+                  <a:sym typeface="Arial" panose="020B0604020202090204" pitchFamily="34" charset="0"/>
                 </a:rPr>
                 <a:t> </a:t>
               </a:r>
@@ -21289,9 +20826,9 @@
                   <a:solidFill>
                     <a:schemeClr val="bg1"/>
                   </a:solidFill>
-                  <a:latin typeface="Arial" panose="020B0604020202020204" pitchFamily="34" charset="0"/>
+                  <a:latin typeface="Arial" panose="020B0604020202090204" pitchFamily="34" charset="0"/>
                   <a:ea typeface="微软雅黑" panose="020B0503020204020204" pitchFamily="34" charset="-122"/>
-                  <a:sym typeface="Arial" panose="020B0604020202020204" pitchFamily="34" charset="0"/>
+                  <a:sym typeface="Arial" panose="020B0604020202090204" pitchFamily="34" charset="0"/>
                 </a:rPr>
                 <a:t>原理</a:t>
               </a:r>
@@ -21299,9 +20836,9 @@
                 <a:solidFill>
                   <a:schemeClr val="bg1"/>
                 </a:solidFill>
-                <a:latin typeface="Arial" panose="020B0604020202020204" pitchFamily="34" charset="0"/>
+                <a:latin typeface="Arial" panose="020B0604020202090204" pitchFamily="34" charset="0"/>
                 <a:ea typeface="微软雅黑" panose="020B0503020204020204" pitchFamily="34" charset="-122"/>
-                <a:sym typeface="Arial" panose="020B0604020202020204" pitchFamily="34" charset="0"/>
+                <a:sym typeface="Arial" panose="020B0604020202090204" pitchFamily="34" charset="0"/>
               </a:endParaRPr>
             </a:p>
           </p:txBody>
@@ -21352,9 +20889,9 @@
                 <a:solidFill>
                   <a:schemeClr val="bg1"/>
                 </a:solidFill>
-                <a:latin typeface="Arial" panose="020B0604020202020204" pitchFamily="34" charset="0"/>
+                <a:latin typeface="Arial" panose="020B0604020202090204" pitchFamily="34" charset="0"/>
                 <a:ea typeface="微软雅黑" panose="020B0503020204020204" pitchFamily="34" charset="-122"/>
-                <a:sym typeface="Arial" panose="020B0604020202020204" pitchFamily="34" charset="0"/>
+                <a:sym typeface="Arial" panose="020B0604020202090204" pitchFamily="34" charset="0"/>
               </a:endParaRPr>
             </a:p>
           </p:txBody>
@@ -21425,7 +20962,7 @@
               <a:rPr lang="zh-CN" altLang="en-US" sz="2400" b="1" dirty="0" smtClean="0">
                 <a:latin typeface="Calibri" panose="020F0502020204030204" pitchFamily="34" charset="0"/>
                 <a:ea typeface="宋体" panose="02010600030101010101" pitchFamily="2" charset="-122"/>
-                <a:cs typeface="Times New Roman" panose="02020603050405020304" pitchFamily="18" charset="0"/>
+                <a:cs typeface="Times New Roman" panose="02020503050405090304" pitchFamily="18" charset="0"/>
               </a:rPr>
               <a:t>深度策略网络           </a:t>
             </a:r>
@@ -21433,7 +20970,7 @@
               <a:rPr lang="en-US" altLang="zh-CN" sz="2400" b="1" dirty="0" smtClean="0">
                 <a:latin typeface="Calibri" panose="020F0502020204030204" pitchFamily="34" charset="0"/>
                 <a:ea typeface="宋体" panose="02010600030101010101" pitchFamily="2" charset="-122"/>
-                <a:cs typeface="Times New Roman" panose="02020603050405020304" pitchFamily="18" charset="0"/>
+                <a:cs typeface="Times New Roman" panose="02020503050405090304" pitchFamily="18" charset="0"/>
               </a:rPr>
               <a:t>:  (Supervised Learning Policy Network)</a:t>
             </a:r>
@@ -21441,7 +20978,7 @@
               <a:rPr lang="zh-CN" altLang="en-US" sz="2400" b="1" dirty="0" smtClean="0">
                 <a:latin typeface="Calibri" panose="020F0502020204030204" pitchFamily="34" charset="0"/>
                 <a:ea typeface="宋体" panose="02010600030101010101" pitchFamily="2" charset="-122"/>
-                <a:cs typeface="Times New Roman" panose="02020603050405020304" pitchFamily="18" charset="0"/>
+                <a:cs typeface="Times New Roman" panose="02020503050405090304" pitchFamily="18" charset="0"/>
               </a:rPr>
               <a:t> </a:t>
             </a:r>
@@ -21449,14 +20986,14 @@
               <a:rPr lang="en-US" altLang="zh-CN" sz="2400" b="1" dirty="0" smtClean="0">
                 <a:latin typeface="Calibri" panose="020F0502020204030204" pitchFamily="34" charset="0"/>
                 <a:ea typeface="宋体" panose="02010600030101010101" pitchFamily="2" charset="-122"/>
-                <a:cs typeface="Times New Roman" panose="02020603050405020304" pitchFamily="18" charset="0"/>
+                <a:cs typeface="Times New Roman" panose="02020503050405090304" pitchFamily="18" charset="0"/>
               </a:rPr>
               <a:t> </a:t>
             </a:r>
             <a:endParaRPr lang="zh-CN" altLang="zh-CN" sz="2400" b="1" dirty="0">
               <a:latin typeface="Calibri" panose="020F0502020204030204" pitchFamily="34" charset="0"/>
               <a:ea typeface="宋体" panose="02010600030101010101" pitchFamily="2" charset="-122"/>
-              <a:cs typeface="Times New Roman" panose="02020603050405020304" pitchFamily="18" charset="0"/>
+              <a:cs typeface="Times New Roman" panose="02020503050405090304" pitchFamily="18" charset="0"/>
             </a:endParaRPr>
           </a:p>
         </p:txBody>
@@ -21470,7 +21007,7 @@
           <p:nvPr/>
         </p:nvPicPr>
         <p:blipFill>
-          <a:blip r:embed="rId4"/>
+          <a:blip r:embed="rId1"/>
           <a:stretch>
             <a:fillRect/>
           </a:stretch>
@@ -21494,7 +21031,7 @@
           <p:nvPr/>
         </p:nvPicPr>
         <p:blipFill>
-          <a:blip r:embed="rId5"/>
+          <a:blip r:embed="rId2"/>
           <a:stretch>
             <a:fillRect/>
           </a:stretch>
@@ -21511,13 +21048,8 @@
       </p:pic>
     </p:spTree>
     <p:custDataLst>
-      <p:tags r:id="rId1"/>
+      <p:tags r:id="rId3"/>
     </p:custDataLst>
-    <p:extLst>
-      <p:ext uri="{BB962C8B-B14F-4D97-AF65-F5344CB8AC3E}">
-        <p14:creationId xmlns:p14="http://schemas.microsoft.com/office/powerpoint/2010/main" val="1642011063"/>
-      </p:ext>
-    </p:extLst>
   </p:cSld>
   <p:clrMapOvr>
     <a:masterClrMapping/>
@@ -21725,9 +21257,9 @@
                   <a:solidFill>
                     <a:schemeClr val="bg1"/>
                   </a:solidFill>
-                  <a:latin typeface="Arial" panose="020B0604020202020204" pitchFamily="34" charset="0"/>
+                  <a:latin typeface="Arial" panose="020B0604020202090204" pitchFamily="34" charset="0"/>
                   <a:ea typeface="微软雅黑" panose="020B0503020204020204" pitchFamily="34" charset="-122"/>
-                  <a:sym typeface="Arial" panose="020B0604020202020204" pitchFamily="34" charset="0"/>
+                  <a:sym typeface="Arial" panose="020B0604020202090204" pitchFamily="34" charset="0"/>
                 </a:rPr>
                 <a:t>AlphaGo</a:t>
               </a:r>
@@ -21736,9 +21268,9 @@
                   <a:solidFill>
                     <a:schemeClr val="bg1"/>
                   </a:solidFill>
-                  <a:latin typeface="Arial" panose="020B0604020202020204" pitchFamily="34" charset="0"/>
+                  <a:latin typeface="Arial" panose="020B0604020202090204" pitchFamily="34" charset="0"/>
                   <a:ea typeface="微软雅黑" panose="020B0503020204020204" pitchFamily="34" charset="-122"/>
-                  <a:sym typeface="Arial" panose="020B0604020202020204" pitchFamily="34" charset="0"/>
+                  <a:sym typeface="Arial" panose="020B0604020202090204" pitchFamily="34" charset="0"/>
                 </a:rPr>
                 <a:t> </a:t>
               </a:r>
@@ -21747,9 +21279,9 @@
                   <a:solidFill>
                     <a:schemeClr val="bg1"/>
                   </a:solidFill>
-                  <a:latin typeface="Arial" panose="020B0604020202020204" pitchFamily="34" charset="0"/>
+                  <a:latin typeface="Arial" panose="020B0604020202090204" pitchFamily="34" charset="0"/>
                   <a:ea typeface="微软雅黑" panose="020B0503020204020204" pitchFamily="34" charset="-122"/>
-                  <a:sym typeface="Arial" panose="020B0604020202020204" pitchFamily="34" charset="0"/>
+                  <a:sym typeface="Arial" panose="020B0604020202090204" pitchFamily="34" charset="0"/>
                 </a:rPr>
                 <a:t>原理</a:t>
               </a:r>
@@ -21757,9 +21289,9 @@
                 <a:solidFill>
                   <a:schemeClr val="bg1"/>
                 </a:solidFill>
-                <a:latin typeface="Arial" panose="020B0604020202020204" pitchFamily="34" charset="0"/>
+                <a:latin typeface="Arial" panose="020B0604020202090204" pitchFamily="34" charset="0"/>
                 <a:ea typeface="微软雅黑" panose="020B0503020204020204" pitchFamily="34" charset="-122"/>
-                <a:sym typeface="Arial" panose="020B0604020202020204" pitchFamily="34" charset="0"/>
+                <a:sym typeface="Arial" panose="020B0604020202090204" pitchFamily="34" charset="0"/>
               </a:endParaRPr>
             </a:p>
           </p:txBody>
@@ -21810,9 +21342,9 @@
                 <a:solidFill>
                   <a:schemeClr val="bg1"/>
                 </a:solidFill>
-                <a:latin typeface="Arial" panose="020B0604020202020204" pitchFamily="34" charset="0"/>
+                <a:latin typeface="Arial" panose="020B0604020202090204" pitchFamily="34" charset="0"/>
                 <a:ea typeface="微软雅黑" panose="020B0503020204020204" pitchFamily="34" charset="-122"/>
-                <a:sym typeface="Arial" panose="020B0604020202020204" pitchFamily="34" charset="0"/>
+                <a:sym typeface="Arial" panose="020B0604020202090204" pitchFamily="34" charset="0"/>
               </a:endParaRPr>
             </a:p>
           </p:txBody>
@@ -21883,7 +21415,7 @@
               <a:rPr lang="zh-CN" altLang="en-US" sz="2400" b="1" dirty="0" smtClean="0">
                 <a:latin typeface="Calibri" panose="020F0502020204030204" pitchFamily="34" charset="0"/>
                 <a:ea typeface="宋体" panose="02010600030101010101" pitchFamily="2" charset="-122"/>
-                <a:cs typeface="Times New Roman" panose="02020603050405020304" pitchFamily="18" charset="0"/>
+                <a:cs typeface="Times New Roman" panose="02020503050405090304" pitchFamily="18" charset="0"/>
               </a:rPr>
               <a:t>深度策略网络           </a:t>
             </a:r>
@@ -21891,30 +21423,22 @@
               <a:rPr lang="en-US" altLang="zh-CN" sz="2400" b="1" dirty="0" smtClean="0">
                 <a:latin typeface="Calibri" panose="020F0502020204030204" pitchFamily="34" charset="0"/>
                 <a:ea typeface="宋体" panose="02010600030101010101" pitchFamily="2" charset="-122"/>
-                <a:cs typeface="Times New Roman" panose="02020603050405020304" pitchFamily="18" charset="0"/>
+                <a:cs typeface="Times New Roman" panose="02020503050405090304" pitchFamily="18" charset="0"/>
               </a:rPr>
-              <a:t>:  (Supervised Learning Policy Network</a:t>
-            </a:r>
-            <a:r>
-              <a:rPr lang="en-US" altLang="zh-CN" sz="2400" b="1" dirty="0" smtClean="0">
-                <a:latin typeface="Calibri" panose="020F0502020204030204" pitchFamily="34" charset="0"/>
-                <a:ea typeface="宋体" panose="02010600030101010101" pitchFamily="2" charset="-122"/>
-                <a:cs typeface="Times New Roman" panose="02020603050405020304" pitchFamily="18" charset="0"/>
-              </a:rPr>
-              <a:t>)</a:t>
+              <a:t>:  (Supervised Learning Policy Network)</a:t>
             </a:r>
             <a:r>
               <a:rPr lang="zh-CN" altLang="en-US" sz="2400" b="1" dirty="0" smtClean="0">
                 <a:latin typeface="Calibri" panose="020F0502020204030204" pitchFamily="34" charset="0"/>
                 <a:ea typeface="宋体" panose="02010600030101010101" pitchFamily="2" charset="-122"/>
-                <a:cs typeface="Times New Roman" panose="02020603050405020304" pitchFamily="18" charset="0"/>
+                <a:cs typeface="Times New Roman" panose="02020503050405090304" pitchFamily="18" charset="0"/>
               </a:rPr>
               <a:t>，</a:t>
             </a:r>
             <a:endParaRPr lang="en-US" altLang="zh-CN" sz="2400" b="1" dirty="0" smtClean="0">
               <a:latin typeface="Calibri" panose="020F0502020204030204" pitchFamily="34" charset="0"/>
               <a:ea typeface="宋体" panose="02010600030101010101" pitchFamily="2" charset="-122"/>
-              <a:cs typeface="Times New Roman" panose="02020603050405020304" pitchFamily="18" charset="0"/>
+              <a:cs typeface="Times New Roman" panose="02020503050405090304" pitchFamily="18" charset="0"/>
             </a:endParaRPr>
           </a:p>
           <a:p>
@@ -21926,7 +21450,7 @@
             <a:endParaRPr lang="en-US" altLang="zh-CN" sz="2400" b="1" dirty="0">
               <a:latin typeface="Calibri" panose="020F0502020204030204" pitchFamily="34" charset="0"/>
               <a:ea typeface="宋体" panose="02010600030101010101" pitchFamily="2" charset="-122"/>
-              <a:cs typeface="Times New Roman" panose="02020603050405020304" pitchFamily="18" charset="0"/>
+              <a:cs typeface="Times New Roman" panose="02020503050405090304" pitchFamily="18" charset="0"/>
             </a:endParaRPr>
           </a:p>
           <a:p>
@@ -21939,7 +21463,7 @@
               <a:rPr lang="zh-CN" altLang="en-US" sz="2400" b="1" dirty="0" smtClean="0">
                 <a:latin typeface="Calibri" panose="020F0502020204030204" pitchFamily="34" charset="0"/>
                 <a:ea typeface="宋体" panose="02010600030101010101" pitchFamily="2" charset="-122"/>
-                <a:cs typeface="Times New Roman" panose="02020603050405020304" pitchFamily="18" charset="0"/>
+                <a:cs typeface="Times New Roman" panose="02020503050405090304" pitchFamily="18" charset="0"/>
               </a:rPr>
               <a:t>优化分析 </a:t>
             </a:r>
@@ -21947,14 +21471,14 @@
               <a:rPr lang="zh-CN" altLang="en-US" sz="2400" b="1" dirty="0">
                 <a:latin typeface="Calibri" panose="020F0502020204030204" pitchFamily="34" charset="0"/>
                 <a:ea typeface="宋体" panose="02010600030101010101" pitchFamily="2" charset="-122"/>
-                <a:cs typeface="Times New Roman" panose="02020603050405020304" pitchFamily="18" charset="0"/>
+                <a:cs typeface="Times New Roman" panose="02020503050405090304" pitchFamily="18" charset="0"/>
               </a:rPr>
               <a:t>：</a:t>
             </a:r>
             <a:endParaRPr lang="zh-CN" altLang="zh-CN" sz="2400" b="1" dirty="0">
               <a:latin typeface="Calibri" panose="020F0502020204030204" pitchFamily="34" charset="0"/>
               <a:ea typeface="宋体" panose="02010600030101010101" pitchFamily="2" charset="-122"/>
-              <a:cs typeface="Times New Roman" panose="02020603050405020304" pitchFamily="18" charset="0"/>
+              <a:cs typeface="Times New Roman" panose="02020503050405090304" pitchFamily="18" charset="0"/>
             </a:endParaRPr>
           </a:p>
         </p:txBody>
@@ -21968,7 +21492,7 @@
           <p:nvPr/>
         </p:nvPicPr>
         <p:blipFill>
-          <a:blip r:embed="rId4"/>
+          <a:blip r:embed="rId1"/>
           <a:stretch>
             <a:fillRect/>
           </a:stretch>
@@ -21992,7 +21516,7 @@
           <p:nvPr/>
         </p:nvPicPr>
         <p:blipFill>
-          <a:blip r:embed="rId5"/>
+          <a:blip r:embed="rId2"/>
           <a:stretch>
             <a:fillRect/>
           </a:stretch>
@@ -22009,13 +21533,8 @@
       </p:pic>
     </p:spTree>
     <p:custDataLst>
-      <p:tags r:id="rId1"/>
+      <p:tags r:id="rId3"/>
     </p:custDataLst>
-    <p:extLst>
-      <p:ext uri="{BB962C8B-B14F-4D97-AF65-F5344CB8AC3E}">
-        <p14:creationId xmlns:p14="http://schemas.microsoft.com/office/powerpoint/2010/main" val="3066504371"/>
-      </p:ext>
-    </p:extLst>
   </p:cSld>
   <p:clrMapOvr>
     <a:masterClrMapping/>
@@ -22223,9 +21742,9 @@
                   <a:solidFill>
                     <a:schemeClr val="bg1"/>
                   </a:solidFill>
-                  <a:latin typeface="Arial" panose="020B0604020202020204" pitchFamily="34" charset="0"/>
+                  <a:latin typeface="Arial" panose="020B0604020202090204" pitchFamily="34" charset="0"/>
                   <a:ea typeface="微软雅黑" panose="020B0503020204020204" pitchFamily="34" charset="-122"/>
-                  <a:sym typeface="Arial" panose="020B0604020202020204" pitchFamily="34" charset="0"/>
+                  <a:sym typeface="Arial" panose="020B0604020202090204" pitchFamily="34" charset="0"/>
                 </a:rPr>
                 <a:t>AlphaGo</a:t>
               </a:r>
@@ -22234,9 +21753,9 @@
                   <a:solidFill>
                     <a:schemeClr val="bg1"/>
                   </a:solidFill>
-                  <a:latin typeface="Arial" panose="020B0604020202020204" pitchFamily="34" charset="0"/>
+                  <a:latin typeface="Arial" panose="020B0604020202090204" pitchFamily="34" charset="0"/>
                   <a:ea typeface="微软雅黑" panose="020B0503020204020204" pitchFamily="34" charset="-122"/>
-                  <a:sym typeface="Arial" panose="020B0604020202020204" pitchFamily="34" charset="0"/>
+                  <a:sym typeface="Arial" panose="020B0604020202090204" pitchFamily="34" charset="0"/>
                 </a:rPr>
                 <a:t> </a:t>
               </a:r>
@@ -22245,9 +21764,9 @@
                   <a:solidFill>
                     <a:schemeClr val="bg1"/>
                   </a:solidFill>
-                  <a:latin typeface="Arial" panose="020B0604020202020204" pitchFamily="34" charset="0"/>
+                  <a:latin typeface="Arial" panose="020B0604020202090204" pitchFamily="34" charset="0"/>
                   <a:ea typeface="微软雅黑" panose="020B0503020204020204" pitchFamily="34" charset="-122"/>
-                  <a:sym typeface="Arial" panose="020B0604020202020204" pitchFamily="34" charset="0"/>
+                  <a:sym typeface="Arial" panose="020B0604020202090204" pitchFamily="34" charset="0"/>
                 </a:rPr>
                 <a:t>原理</a:t>
               </a:r>
@@ -22255,9 +21774,9 @@
                 <a:solidFill>
                   <a:schemeClr val="bg1"/>
                 </a:solidFill>
-                <a:latin typeface="Arial" panose="020B0604020202020204" pitchFamily="34" charset="0"/>
+                <a:latin typeface="Arial" panose="020B0604020202090204" pitchFamily="34" charset="0"/>
                 <a:ea typeface="微软雅黑" panose="020B0503020204020204" pitchFamily="34" charset="-122"/>
-                <a:sym typeface="Arial" panose="020B0604020202020204" pitchFamily="34" charset="0"/>
+                <a:sym typeface="Arial" panose="020B0604020202090204" pitchFamily="34" charset="0"/>
               </a:endParaRPr>
             </a:p>
           </p:txBody>
@@ -22308,9 +21827,9 @@
                 <a:solidFill>
                   <a:schemeClr val="bg1"/>
                 </a:solidFill>
-                <a:latin typeface="Arial" panose="020B0604020202020204" pitchFamily="34" charset="0"/>
+                <a:latin typeface="Arial" panose="020B0604020202090204" pitchFamily="34" charset="0"/>
                 <a:ea typeface="微软雅黑" panose="020B0503020204020204" pitchFamily="34" charset="-122"/>
-                <a:sym typeface="Arial" panose="020B0604020202020204" pitchFamily="34" charset="0"/>
+                <a:sym typeface="Arial" panose="020B0604020202090204" pitchFamily="34" charset="0"/>
               </a:endParaRPr>
             </a:p>
           </p:txBody>
@@ -22381,7 +21900,7 @@
               <a:rPr lang="zh-CN" altLang="en-US" sz="2400" b="1" dirty="0" smtClean="0">
                 <a:latin typeface="Calibri" panose="020F0502020204030204" pitchFamily="34" charset="0"/>
                 <a:ea typeface="宋体" panose="02010600030101010101" pitchFamily="2" charset="-122"/>
-                <a:cs typeface="Times New Roman" panose="02020603050405020304" pitchFamily="18" charset="0"/>
+                <a:cs typeface="Times New Roman" panose="02020503050405090304" pitchFamily="18" charset="0"/>
               </a:rPr>
               <a:t>深度策略网络           </a:t>
             </a:r>
@@ -22389,30 +21908,22 @@
               <a:rPr lang="en-US" altLang="zh-CN" sz="2400" b="1" dirty="0" smtClean="0">
                 <a:latin typeface="Calibri" panose="020F0502020204030204" pitchFamily="34" charset="0"/>
                 <a:ea typeface="宋体" panose="02010600030101010101" pitchFamily="2" charset="-122"/>
-                <a:cs typeface="Times New Roman" panose="02020603050405020304" pitchFamily="18" charset="0"/>
+                <a:cs typeface="Times New Roman" panose="02020503050405090304" pitchFamily="18" charset="0"/>
               </a:rPr>
-              <a:t>:  (Supervised Learning Policy Network</a:t>
-            </a:r>
-            <a:r>
-              <a:rPr lang="en-US" altLang="zh-CN" sz="2400" b="1" dirty="0" smtClean="0">
-                <a:latin typeface="Calibri" panose="020F0502020204030204" pitchFamily="34" charset="0"/>
-                <a:ea typeface="宋体" panose="02010600030101010101" pitchFamily="2" charset="-122"/>
-                <a:cs typeface="Times New Roman" panose="02020603050405020304" pitchFamily="18" charset="0"/>
-              </a:rPr>
-              <a:t>)</a:t>
+              <a:t>:  (Supervised Learning Policy Network)</a:t>
             </a:r>
             <a:r>
               <a:rPr lang="zh-CN" altLang="en-US" sz="2400" b="1" dirty="0" smtClean="0">
                 <a:latin typeface="Calibri" panose="020F0502020204030204" pitchFamily="34" charset="0"/>
                 <a:ea typeface="宋体" panose="02010600030101010101" pitchFamily="2" charset="-122"/>
-                <a:cs typeface="Times New Roman" panose="02020603050405020304" pitchFamily="18" charset="0"/>
+                <a:cs typeface="Times New Roman" panose="02020503050405090304" pitchFamily="18" charset="0"/>
               </a:rPr>
               <a:t>，</a:t>
             </a:r>
             <a:endParaRPr lang="en-US" altLang="zh-CN" sz="2400" b="1" dirty="0" smtClean="0">
               <a:latin typeface="Calibri" panose="020F0502020204030204" pitchFamily="34" charset="0"/>
               <a:ea typeface="宋体" panose="02010600030101010101" pitchFamily="2" charset="-122"/>
-              <a:cs typeface="Times New Roman" panose="02020603050405020304" pitchFamily="18" charset="0"/>
+              <a:cs typeface="Times New Roman" panose="02020503050405090304" pitchFamily="18" charset="0"/>
             </a:endParaRPr>
           </a:p>
           <a:p>
@@ -22424,7 +21935,7 @@
             <a:endParaRPr lang="en-US" altLang="zh-CN" sz="2400" b="1" dirty="0" smtClean="0">
               <a:latin typeface="Calibri" panose="020F0502020204030204" pitchFamily="34" charset="0"/>
               <a:ea typeface="宋体" panose="02010600030101010101" pitchFamily="2" charset="-122"/>
-              <a:cs typeface="Times New Roman" panose="02020603050405020304" pitchFamily="18" charset="0"/>
+              <a:cs typeface="Times New Roman" panose="02020503050405090304" pitchFamily="18" charset="0"/>
             </a:endParaRPr>
           </a:p>
           <a:p>
@@ -22437,7 +21948,7 @@
               <a:rPr lang="zh-CN" altLang="en-US" sz="2400" b="1" dirty="0">
                 <a:latin typeface="Calibri" panose="020F0502020204030204" pitchFamily="34" charset="0"/>
                 <a:ea typeface="宋体" panose="02010600030101010101" pitchFamily="2" charset="-122"/>
-                <a:cs typeface="Times New Roman" panose="02020603050405020304" pitchFamily="18" charset="0"/>
+                <a:cs typeface="Times New Roman" panose="02020503050405090304" pitchFamily="18" charset="0"/>
               </a:rPr>
               <a:t>棋</a:t>
             </a:r>
@@ -22445,30 +21956,22 @@
               <a:rPr lang="zh-CN" altLang="en-US" sz="2400" b="1" dirty="0" smtClean="0">
                 <a:latin typeface="Calibri" panose="020F0502020204030204" pitchFamily="34" charset="0"/>
                 <a:ea typeface="宋体" panose="02010600030101010101" pitchFamily="2" charset="-122"/>
-                <a:cs typeface="Times New Roman" panose="02020603050405020304" pitchFamily="18" charset="0"/>
+                <a:cs typeface="Times New Roman" panose="02020503050405090304" pitchFamily="18" charset="0"/>
               </a:rPr>
-              <a:t>盘特征</a:t>
-            </a:r>
-            <a:r>
-              <a:rPr lang="zh-CN" altLang="en-US" sz="2400" b="1" dirty="0" smtClean="0">
-                <a:latin typeface="Calibri" panose="020F0502020204030204" pitchFamily="34" charset="0"/>
-                <a:ea typeface="宋体" panose="02010600030101010101" pitchFamily="2" charset="-122"/>
-                <a:cs typeface="Times New Roman" panose="02020603050405020304" pitchFamily="18" charset="0"/>
-              </a:rPr>
-              <a:t> </a:t>
+              <a:t>盘特征 </a:t>
             </a:r>
             <a:r>
               <a:rPr lang="zh-CN" altLang="en-US" sz="2400" b="1" dirty="0">
                 <a:latin typeface="Calibri" panose="020F0502020204030204" pitchFamily="34" charset="0"/>
                 <a:ea typeface="宋体" panose="02010600030101010101" pitchFamily="2" charset="-122"/>
-                <a:cs typeface="Times New Roman" panose="02020603050405020304" pitchFamily="18" charset="0"/>
+                <a:cs typeface="Times New Roman" panose="02020503050405090304" pitchFamily="18" charset="0"/>
               </a:rPr>
               <a:t>：</a:t>
             </a:r>
             <a:endParaRPr lang="zh-CN" altLang="zh-CN" sz="2400" b="1" dirty="0">
               <a:latin typeface="Calibri" panose="020F0502020204030204" pitchFamily="34" charset="0"/>
               <a:ea typeface="宋体" panose="02010600030101010101" pitchFamily="2" charset="-122"/>
-              <a:cs typeface="Times New Roman" panose="02020603050405020304" pitchFamily="18" charset="0"/>
+              <a:cs typeface="Times New Roman" panose="02020503050405090304" pitchFamily="18" charset="0"/>
             </a:endParaRPr>
           </a:p>
         </p:txBody>
@@ -22482,7 +21985,7 @@
           <p:nvPr/>
         </p:nvPicPr>
         <p:blipFill>
-          <a:blip r:embed="rId4"/>
+          <a:blip r:embed="rId1"/>
           <a:stretch>
             <a:fillRect/>
           </a:stretch>
@@ -22506,7 +22009,7 @@
           <p:nvPr/>
         </p:nvPicPr>
         <p:blipFill>
-          <a:blip r:embed="rId5"/>
+          <a:blip r:embed="rId2"/>
           <a:stretch>
             <a:fillRect/>
           </a:stretch>
@@ -22523,13 +22026,8 @@
       </p:pic>
     </p:spTree>
     <p:custDataLst>
-      <p:tags r:id="rId1"/>
+      <p:tags r:id="rId3"/>
     </p:custDataLst>
-    <p:extLst>
-      <p:ext uri="{BB962C8B-B14F-4D97-AF65-F5344CB8AC3E}">
-        <p14:creationId xmlns:p14="http://schemas.microsoft.com/office/powerpoint/2010/main" val="3350113579"/>
-      </p:ext>
-    </p:extLst>
   </p:cSld>
   <p:clrMapOvr>
     <a:masterClrMapping/>
@@ -22737,9 +22235,9 @@
                   <a:solidFill>
                     <a:schemeClr val="bg1"/>
                   </a:solidFill>
-                  <a:latin typeface="Arial" panose="020B0604020202020204" pitchFamily="34" charset="0"/>
+                  <a:latin typeface="Arial" panose="020B0604020202090204" pitchFamily="34" charset="0"/>
                   <a:ea typeface="微软雅黑" panose="020B0503020204020204" pitchFamily="34" charset="-122"/>
-                  <a:sym typeface="Arial" panose="020B0604020202020204" pitchFamily="34" charset="0"/>
+                  <a:sym typeface="Arial" panose="020B0604020202090204" pitchFamily="34" charset="0"/>
                 </a:rPr>
                 <a:t>AlphaGo</a:t>
               </a:r>
@@ -22748,9 +22246,9 @@
                   <a:solidFill>
                     <a:schemeClr val="bg1"/>
                   </a:solidFill>
-                  <a:latin typeface="Arial" panose="020B0604020202020204" pitchFamily="34" charset="0"/>
+                  <a:latin typeface="Arial" panose="020B0604020202090204" pitchFamily="34" charset="0"/>
                   <a:ea typeface="微软雅黑" panose="020B0503020204020204" pitchFamily="34" charset="-122"/>
-                  <a:sym typeface="Arial" panose="020B0604020202020204" pitchFamily="34" charset="0"/>
+                  <a:sym typeface="Arial" panose="020B0604020202090204" pitchFamily="34" charset="0"/>
                 </a:rPr>
                 <a:t> </a:t>
               </a:r>
@@ -22759,9 +22257,9 @@
                   <a:solidFill>
                     <a:schemeClr val="bg1"/>
                   </a:solidFill>
-                  <a:latin typeface="Arial" panose="020B0604020202020204" pitchFamily="34" charset="0"/>
+                  <a:latin typeface="Arial" panose="020B0604020202090204" pitchFamily="34" charset="0"/>
                   <a:ea typeface="微软雅黑" panose="020B0503020204020204" pitchFamily="34" charset="-122"/>
-                  <a:sym typeface="Arial" panose="020B0604020202020204" pitchFamily="34" charset="0"/>
+                  <a:sym typeface="Arial" panose="020B0604020202090204" pitchFamily="34" charset="0"/>
                 </a:rPr>
                 <a:t>原理</a:t>
               </a:r>
@@ -22769,9 +22267,9 @@
                 <a:solidFill>
                   <a:schemeClr val="bg1"/>
                 </a:solidFill>
-                <a:latin typeface="Arial" panose="020B0604020202020204" pitchFamily="34" charset="0"/>
+                <a:latin typeface="Arial" panose="020B0604020202090204" pitchFamily="34" charset="0"/>
                 <a:ea typeface="微软雅黑" panose="020B0503020204020204" pitchFamily="34" charset="-122"/>
-                <a:sym typeface="Arial" panose="020B0604020202020204" pitchFamily="34" charset="0"/>
+                <a:sym typeface="Arial" panose="020B0604020202090204" pitchFamily="34" charset="0"/>
               </a:endParaRPr>
             </a:p>
           </p:txBody>
@@ -22822,9 +22320,9 @@
                 <a:solidFill>
                   <a:schemeClr val="bg1"/>
                 </a:solidFill>
-                <a:latin typeface="Arial" panose="020B0604020202020204" pitchFamily="34" charset="0"/>
+                <a:latin typeface="Arial" panose="020B0604020202090204" pitchFamily="34" charset="0"/>
                 <a:ea typeface="微软雅黑" panose="020B0503020204020204" pitchFamily="34" charset="-122"/>
-                <a:sym typeface="Arial" panose="020B0604020202020204" pitchFamily="34" charset="0"/>
+                <a:sym typeface="Arial" panose="020B0604020202090204" pitchFamily="34" charset="0"/>
               </a:endParaRPr>
             </a:p>
           </p:txBody>
@@ -22895,7 +22393,7 @@
               <a:rPr lang="zh-CN" altLang="en-US" sz="2400" b="1" dirty="0" smtClean="0">
                 <a:latin typeface="Calibri" panose="020F0502020204030204" pitchFamily="34" charset="0"/>
                 <a:ea typeface="宋体" panose="02010600030101010101" pitchFamily="2" charset="-122"/>
-                <a:cs typeface="Times New Roman" panose="02020603050405020304" pitchFamily="18" charset="0"/>
+                <a:cs typeface="Times New Roman" panose="02020503050405090304" pitchFamily="18" charset="0"/>
               </a:rPr>
               <a:t>深度策略网络           </a:t>
             </a:r>
@@ -22903,7 +22401,7 @@
               <a:rPr lang="en-US" altLang="zh-CN" sz="2400" b="1" dirty="0" smtClean="0">
                 <a:latin typeface="Calibri" panose="020F0502020204030204" pitchFamily="34" charset="0"/>
                 <a:ea typeface="宋体" panose="02010600030101010101" pitchFamily="2" charset="-122"/>
-                <a:cs typeface="Times New Roman" panose="02020603050405020304" pitchFamily="18" charset="0"/>
+                <a:cs typeface="Times New Roman" panose="02020503050405090304" pitchFamily="18" charset="0"/>
               </a:rPr>
               <a:t>:  (Supervised Learning Policy Network)</a:t>
             </a:r>
@@ -22911,14 +22409,14 @@
               <a:rPr lang="zh-CN" altLang="en-US" sz="2400" b="1" dirty="0" smtClean="0">
                 <a:latin typeface="Calibri" panose="020F0502020204030204" pitchFamily="34" charset="0"/>
                 <a:ea typeface="宋体" panose="02010600030101010101" pitchFamily="2" charset="-122"/>
-                <a:cs typeface="Times New Roman" panose="02020603050405020304" pitchFamily="18" charset="0"/>
+                <a:cs typeface="Times New Roman" panose="02020503050405090304" pitchFamily="18" charset="0"/>
               </a:rPr>
               <a:t>，</a:t>
             </a:r>
             <a:endParaRPr lang="en-US" altLang="zh-CN" sz="2400" b="1" dirty="0" smtClean="0">
               <a:latin typeface="Calibri" panose="020F0502020204030204" pitchFamily="34" charset="0"/>
               <a:ea typeface="宋体" panose="02010600030101010101" pitchFamily="2" charset="-122"/>
-              <a:cs typeface="Times New Roman" panose="02020603050405020304" pitchFamily="18" charset="0"/>
+              <a:cs typeface="Times New Roman" panose="02020503050405090304" pitchFamily="18" charset="0"/>
             </a:endParaRPr>
           </a:p>
           <a:p>
@@ -22930,7 +22428,7 @@
             <a:endParaRPr lang="en-US" altLang="zh-CN" sz="2400" b="1" dirty="0" smtClean="0">
               <a:latin typeface="Calibri" panose="020F0502020204030204" pitchFamily="34" charset="0"/>
               <a:ea typeface="宋体" panose="02010600030101010101" pitchFamily="2" charset="-122"/>
-              <a:cs typeface="Times New Roman" panose="02020603050405020304" pitchFamily="18" charset="0"/>
+              <a:cs typeface="Times New Roman" panose="02020503050405090304" pitchFamily="18" charset="0"/>
             </a:endParaRPr>
           </a:p>
           <a:p>
@@ -22943,7 +22441,7 @@
               <a:rPr lang="zh-CN" altLang="en-US" sz="2400" b="1" dirty="0" smtClean="0">
                 <a:latin typeface="Calibri" panose="020F0502020204030204" pitchFamily="34" charset="0"/>
                 <a:ea typeface="宋体" panose="02010600030101010101" pitchFamily="2" charset="-122"/>
-                <a:cs typeface="Times New Roman" panose="02020603050405020304" pitchFamily="18" charset="0"/>
+                <a:cs typeface="Times New Roman" panose="02020503050405090304" pitchFamily="18" charset="0"/>
               </a:rPr>
               <a:t>落子颜色 （</a:t>
             </a:r>
@@ -22951,7 +22449,7 @@
               <a:rPr lang="en-US" altLang="zh-CN" sz="2400" b="1" dirty="0" smtClean="0">
                 <a:latin typeface="Calibri" panose="020F0502020204030204" pitchFamily="34" charset="0"/>
                 <a:ea typeface="宋体" panose="02010600030101010101" pitchFamily="2" charset="-122"/>
-                <a:cs typeface="Times New Roman" panose="02020603050405020304" pitchFamily="18" charset="0"/>
+                <a:cs typeface="Times New Roman" panose="02020503050405090304" pitchFamily="18" charset="0"/>
               </a:rPr>
               <a:t>Stone Color</a:t>
             </a:r>
@@ -22959,22 +22457,14 @@
               <a:rPr lang="zh-CN" altLang="en-US" sz="2400" b="1" dirty="0" smtClean="0">
                 <a:latin typeface="Calibri" panose="020F0502020204030204" pitchFamily="34" charset="0"/>
                 <a:ea typeface="宋体" panose="02010600030101010101" pitchFamily="2" charset="-122"/>
-                <a:cs typeface="Times New Roman" panose="02020603050405020304" pitchFamily="18" charset="0"/>
+                <a:cs typeface="Times New Roman" panose="02020503050405090304" pitchFamily="18" charset="0"/>
               </a:rPr>
-              <a:t>）</a:t>
-            </a:r>
-            <a:r>
-              <a:rPr lang="zh-CN" altLang="en-US" sz="2400" b="1" dirty="0" smtClean="0">
-                <a:latin typeface="Calibri" panose="020F0502020204030204" pitchFamily="34" charset="0"/>
-                <a:ea typeface="宋体" panose="02010600030101010101" pitchFamily="2" charset="-122"/>
-                <a:cs typeface="Times New Roman" panose="02020603050405020304" pitchFamily="18" charset="0"/>
-              </a:rPr>
-              <a:t>：</a:t>
+              <a:t>）：</a:t>
             </a:r>
             <a:endParaRPr lang="zh-CN" altLang="zh-CN" sz="2400" b="1" dirty="0">
               <a:latin typeface="Calibri" panose="020F0502020204030204" pitchFamily="34" charset="0"/>
               <a:ea typeface="宋体" panose="02010600030101010101" pitchFamily="2" charset="-122"/>
-              <a:cs typeface="Times New Roman" panose="02020603050405020304" pitchFamily="18" charset="0"/>
+              <a:cs typeface="Times New Roman" panose="02020503050405090304" pitchFamily="18" charset="0"/>
             </a:endParaRPr>
           </a:p>
         </p:txBody>
@@ -22988,7 +22478,7 @@
           <p:nvPr/>
         </p:nvPicPr>
         <p:blipFill>
-          <a:blip r:embed="rId4"/>
+          <a:blip r:embed="rId1"/>
           <a:stretch>
             <a:fillRect/>
           </a:stretch>
@@ -23012,7 +22502,7 @@
           <p:nvPr/>
         </p:nvPicPr>
         <p:blipFill>
-          <a:blip r:embed="rId5"/>
+          <a:blip r:embed="rId2"/>
           <a:stretch>
             <a:fillRect/>
           </a:stretch>
@@ -23029,13 +22519,8 @@
       </p:pic>
     </p:spTree>
     <p:custDataLst>
-      <p:tags r:id="rId1"/>
+      <p:tags r:id="rId3"/>
     </p:custDataLst>
-    <p:extLst>
-      <p:ext uri="{BB962C8B-B14F-4D97-AF65-F5344CB8AC3E}">
-        <p14:creationId xmlns:p14="http://schemas.microsoft.com/office/powerpoint/2010/main" val="3042734763"/>
-      </p:ext>
-    </p:extLst>
   </p:cSld>
   <p:clrMapOvr>
     <a:masterClrMapping/>
@@ -23166,181 +22651,181 @@
 </file>
 
 <file path=ppt/tags/tag1.xml><?xml version="1.0" encoding="utf-8"?>
-<p:tagLst xmlns:a="http://schemas.openxmlformats.org/drawingml/2006/main" xmlns:r="http://schemas.openxmlformats.org/officeDocument/2006/relationships" xmlns:p="http://schemas.openxmlformats.org/presentationml/2006/main">
+<p:tagLst xmlns:p="http://schemas.openxmlformats.org/presentationml/2006/main">
   <p:tag name="TIMING" val="|1.8"/>
 </p:tagLst>
 </file>
 
 <file path=ppt/tags/tag10.xml><?xml version="1.0" encoding="utf-8"?>
-<p:tagLst xmlns:a="http://schemas.openxmlformats.org/drawingml/2006/main" xmlns:r="http://schemas.openxmlformats.org/officeDocument/2006/relationships" xmlns:p="http://schemas.openxmlformats.org/presentationml/2006/main">
+<p:tagLst xmlns:p="http://schemas.openxmlformats.org/presentationml/2006/main">
   <p:tag name="TIMING" val="|1.8"/>
 </p:tagLst>
 </file>
 
 <file path=ppt/tags/tag11.xml><?xml version="1.0" encoding="utf-8"?>
-<p:tagLst xmlns:a="http://schemas.openxmlformats.org/drawingml/2006/main" xmlns:r="http://schemas.openxmlformats.org/officeDocument/2006/relationships" xmlns:p="http://schemas.openxmlformats.org/presentationml/2006/main">
+<p:tagLst xmlns:p="http://schemas.openxmlformats.org/presentationml/2006/main">
   <p:tag name="TIMING" val="|1.8"/>
 </p:tagLst>
 </file>
 
 <file path=ppt/tags/tag12.xml><?xml version="1.0" encoding="utf-8"?>
-<p:tagLst xmlns:a="http://schemas.openxmlformats.org/drawingml/2006/main" xmlns:r="http://schemas.openxmlformats.org/officeDocument/2006/relationships" xmlns:p="http://schemas.openxmlformats.org/presentationml/2006/main">
+<p:tagLst xmlns:p="http://schemas.openxmlformats.org/presentationml/2006/main">
   <p:tag name="TIMING" val="|1.8"/>
 </p:tagLst>
 </file>
 
 <file path=ppt/tags/tag13.xml><?xml version="1.0" encoding="utf-8"?>
-<p:tagLst xmlns:a="http://schemas.openxmlformats.org/drawingml/2006/main" xmlns:r="http://schemas.openxmlformats.org/officeDocument/2006/relationships" xmlns:p="http://schemas.openxmlformats.org/presentationml/2006/main">
+<p:tagLst xmlns:p="http://schemas.openxmlformats.org/presentationml/2006/main">
   <p:tag name="TIMING" val="|1.8"/>
 </p:tagLst>
 </file>
 
 <file path=ppt/tags/tag14.xml><?xml version="1.0" encoding="utf-8"?>
-<p:tagLst xmlns:a="http://schemas.openxmlformats.org/drawingml/2006/main" xmlns:r="http://schemas.openxmlformats.org/officeDocument/2006/relationships" xmlns:p="http://schemas.openxmlformats.org/presentationml/2006/main">
+<p:tagLst xmlns:p="http://schemas.openxmlformats.org/presentationml/2006/main">
   <p:tag name="TIMING" val="|1.8"/>
 </p:tagLst>
 </file>
 
 <file path=ppt/tags/tag15.xml><?xml version="1.0" encoding="utf-8"?>
-<p:tagLst xmlns:a="http://schemas.openxmlformats.org/drawingml/2006/main" xmlns:r="http://schemas.openxmlformats.org/officeDocument/2006/relationships" xmlns:p="http://schemas.openxmlformats.org/presentationml/2006/main">
+<p:tagLst xmlns:p="http://schemas.openxmlformats.org/presentationml/2006/main">
   <p:tag name="TIMING" val="|1.8"/>
 </p:tagLst>
 </file>
 
 <file path=ppt/tags/tag16.xml><?xml version="1.0" encoding="utf-8"?>
-<p:tagLst xmlns:a="http://schemas.openxmlformats.org/drawingml/2006/main" xmlns:r="http://schemas.openxmlformats.org/officeDocument/2006/relationships" xmlns:p="http://schemas.openxmlformats.org/presentationml/2006/main">
+<p:tagLst xmlns:p="http://schemas.openxmlformats.org/presentationml/2006/main">
   <p:tag name="TIMING" val="|1.8"/>
 </p:tagLst>
 </file>
 
 <file path=ppt/tags/tag17.xml><?xml version="1.0" encoding="utf-8"?>
-<p:tagLst xmlns:a="http://schemas.openxmlformats.org/drawingml/2006/main" xmlns:r="http://schemas.openxmlformats.org/officeDocument/2006/relationships" xmlns:p="http://schemas.openxmlformats.org/presentationml/2006/main">
+<p:tagLst xmlns:p="http://schemas.openxmlformats.org/presentationml/2006/main">
   <p:tag name="TIMING" val="|1.8"/>
 </p:tagLst>
 </file>
 
 <file path=ppt/tags/tag18.xml><?xml version="1.0" encoding="utf-8"?>
-<p:tagLst xmlns:a="http://schemas.openxmlformats.org/drawingml/2006/main" xmlns:r="http://schemas.openxmlformats.org/officeDocument/2006/relationships" xmlns:p="http://schemas.openxmlformats.org/presentationml/2006/main">
+<p:tagLst xmlns:p="http://schemas.openxmlformats.org/presentationml/2006/main">
   <p:tag name="TIMING" val="|1.8"/>
 </p:tagLst>
 </file>
 
 <file path=ppt/tags/tag19.xml><?xml version="1.0" encoding="utf-8"?>
-<p:tagLst xmlns:a="http://schemas.openxmlformats.org/drawingml/2006/main" xmlns:r="http://schemas.openxmlformats.org/officeDocument/2006/relationships" xmlns:p="http://schemas.openxmlformats.org/presentationml/2006/main">
+<p:tagLst xmlns:p="http://schemas.openxmlformats.org/presentationml/2006/main">
   <p:tag name="TIMING" val="|1.8"/>
 </p:tagLst>
 </file>
 
 <file path=ppt/tags/tag2.xml><?xml version="1.0" encoding="utf-8"?>
-<p:tagLst xmlns:a="http://schemas.openxmlformats.org/drawingml/2006/main" xmlns:r="http://schemas.openxmlformats.org/officeDocument/2006/relationships" xmlns:p="http://schemas.openxmlformats.org/presentationml/2006/main">
+<p:tagLst xmlns:p="http://schemas.openxmlformats.org/presentationml/2006/main">
   <p:tag name="TIMING" val="|1.8"/>
 </p:tagLst>
 </file>
 
 <file path=ppt/tags/tag20.xml><?xml version="1.0" encoding="utf-8"?>
-<p:tagLst xmlns:a="http://schemas.openxmlformats.org/drawingml/2006/main" xmlns:r="http://schemas.openxmlformats.org/officeDocument/2006/relationships" xmlns:p="http://schemas.openxmlformats.org/presentationml/2006/main">
+<p:tagLst xmlns:p="http://schemas.openxmlformats.org/presentationml/2006/main">
   <p:tag name="TIMING" val="|1.8"/>
 </p:tagLst>
 </file>
 
 <file path=ppt/tags/tag21.xml><?xml version="1.0" encoding="utf-8"?>
-<p:tagLst xmlns:a="http://schemas.openxmlformats.org/drawingml/2006/main" xmlns:r="http://schemas.openxmlformats.org/officeDocument/2006/relationships" xmlns:p="http://schemas.openxmlformats.org/presentationml/2006/main">
+<p:tagLst xmlns:p="http://schemas.openxmlformats.org/presentationml/2006/main">
   <p:tag name="TIMING" val="|1.8"/>
 </p:tagLst>
 </file>
 
 <file path=ppt/tags/tag22.xml><?xml version="1.0" encoding="utf-8"?>
-<p:tagLst xmlns:a="http://schemas.openxmlformats.org/drawingml/2006/main" xmlns:r="http://schemas.openxmlformats.org/officeDocument/2006/relationships" xmlns:p="http://schemas.openxmlformats.org/presentationml/2006/main">
+<p:tagLst xmlns:p="http://schemas.openxmlformats.org/presentationml/2006/main">
   <p:tag name="TIMING" val="|1.8"/>
 </p:tagLst>
 </file>
 
 <file path=ppt/tags/tag23.xml><?xml version="1.0" encoding="utf-8"?>
-<p:tagLst xmlns:a="http://schemas.openxmlformats.org/drawingml/2006/main" xmlns:r="http://schemas.openxmlformats.org/officeDocument/2006/relationships" xmlns:p="http://schemas.openxmlformats.org/presentationml/2006/main">
+<p:tagLst xmlns:p="http://schemas.openxmlformats.org/presentationml/2006/main">
   <p:tag name="TIMING" val="|1.8"/>
 </p:tagLst>
 </file>
 
 <file path=ppt/tags/tag24.xml><?xml version="1.0" encoding="utf-8"?>
-<p:tagLst xmlns:a="http://schemas.openxmlformats.org/drawingml/2006/main" xmlns:r="http://schemas.openxmlformats.org/officeDocument/2006/relationships" xmlns:p="http://schemas.openxmlformats.org/presentationml/2006/main">
+<p:tagLst xmlns:p="http://schemas.openxmlformats.org/presentationml/2006/main">
   <p:tag name="TIMING" val="|1.8"/>
 </p:tagLst>
 </file>
 
 <file path=ppt/tags/tag25.xml><?xml version="1.0" encoding="utf-8"?>
-<p:tagLst xmlns:a="http://schemas.openxmlformats.org/drawingml/2006/main" xmlns:r="http://schemas.openxmlformats.org/officeDocument/2006/relationships" xmlns:p="http://schemas.openxmlformats.org/presentationml/2006/main">
+<p:tagLst xmlns:p="http://schemas.openxmlformats.org/presentationml/2006/main">
   <p:tag name="TIMING" val="|1.8"/>
 </p:tagLst>
 </file>
 
 <file path=ppt/tags/tag26.xml><?xml version="1.0" encoding="utf-8"?>
-<p:tagLst xmlns:a="http://schemas.openxmlformats.org/drawingml/2006/main" xmlns:r="http://schemas.openxmlformats.org/officeDocument/2006/relationships" xmlns:p="http://schemas.openxmlformats.org/presentationml/2006/main">
+<p:tagLst xmlns:p="http://schemas.openxmlformats.org/presentationml/2006/main">
   <p:tag name="TIMING" val="|1.8"/>
 </p:tagLst>
 </file>
 
 <file path=ppt/tags/tag27.xml><?xml version="1.0" encoding="utf-8"?>
-<p:tagLst xmlns:a="http://schemas.openxmlformats.org/drawingml/2006/main" xmlns:r="http://schemas.openxmlformats.org/officeDocument/2006/relationships" xmlns:p="http://schemas.openxmlformats.org/presentationml/2006/main">
+<p:tagLst xmlns:p="http://schemas.openxmlformats.org/presentationml/2006/main">
   <p:tag name="TIMING" val="|1.8"/>
 </p:tagLst>
 </file>
 
 <file path=ppt/tags/tag28.xml><?xml version="1.0" encoding="utf-8"?>
-<p:tagLst xmlns:a="http://schemas.openxmlformats.org/drawingml/2006/main" xmlns:r="http://schemas.openxmlformats.org/officeDocument/2006/relationships" xmlns:p="http://schemas.openxmlformats.org/presentationml/2006/main">
+<p:tagLst xmlns:p="http://schemas.openxmlformats.org/presentationml/2006/main">
   <p:tag name="TIMING" val="|1.8"/>
 </p:tagLst>
 </file>
 
 <file path=ppt/tags/tag29.xml><?xml version="1.0" encoding="utf-8"?>
-<p:tagLst xmlns:a="http://schemas.openxmlformats.org/drawingml/2006/main" xmlns:r="http://schemas.openxmlformats.org/officeDocument/2006/relationships" xmlns:p="http://schemas.openxmlformats.org/presentationml/2006/main">
+<p:tagLst xmlns:p="http://schemas.openxmlformats.org/presentationml/2006/main">
   <p:tag name="TIMING" val="|1.8"/>
 </p:tagLst>
 </file>
 
 <file path=ppt/tags/tag3.xml><?xml version="1.0" encoding="utf-8"?>
-<p:tagLst xmlns:a="http://schemas.openxmlformats.org/drawingml/2006/main" xmlns:r="http://schemas.openxmlformats.org/officeDocument/2006/relationships" xmlns:p="http://schemas.openxmlformats.org/presentationml/2006/main">
+<p:tagLst xmlns:p="http://schemas.openxmlformats.org/presentationml/2006/main">
   <p:tag name="TIMING" val="|1.8"/>
 </p:tagLst>
 </file>
 
 <file path=ppt/tags/tag30.xml><?xml version="1.0" encoding="utf-8"?>
-<p:tagLst xmlns:a="http://schemas.openxmlformats.org/drawingml/2006/main" xmlns:r="http://schemas.openxmlformats.org/officeDocument/2006/relationships" xmlns:p="http://schemas.openxmlformats.org/presentationml/2006/main">
+<p:tagLst xmlns:p="http://schemas.openxmlformats.org/presentationml/2006/main">
   <p:tag name="TIMING" val="|1.8"/>
 </p:tagLst>
 </file>
 
 <file path=ppt/tags/tag4.xml><?xml version="1.0" encoding="utf-8"?>
-<p:tagLst xmlns:a="http://schemas.openxmlformats.org/drawingml/2006/main" xmlns:r="http://schemas.openxmlformats.org/officeDocument/2006/relationships" xmlns:p="http://schemas.openxmlformats.org/presentationml/2006/main">
+<p:tagLst xmlns:p="http://schemas.openxmlformats.org/presentationml/2006/main">
   <p:tag name="TIMING" val="|1.8"/>
 </p:tagLst>
 </file>
 
 <file path=ppt/tags/tag5.xml><?xml version="1.0" encoding="utf-8"?>
-<p:tagLst xmlns:a="http://schemas.openxmlformats.org/drawingml/2006/main" xmlns:r="http://schemas.openxmlformats.org/officeDocument/2006/relationships" xmlns:p="http://schemas.openxmlformats.org/presentationml/2006/main">
+<p:tagLst xmlns:p="http://schemas.openxmlformats.org/presentationml/2006/main">
   <p:tag name="TIMING" val="|1.8"/>
 </p:tagLst>
 </file>
 
 <file path=ppt/tags/tag6.xml><?xml version="1.0" encoding="utf-8"?>
-<p:tagLst xmlns:a="http://schemas.openxmlformats.org/drawingml/2006/main" xmlns:r="http://schemas.openxmlformats.org/officeDocument/2006/relationships" xmlns:p="http://schemas.openxmlformats.org/presentationml/2006/main">
+<p:tagLst xmlns:p="http://schemas.openxmlformats.org/presentationml/2006/main">
   <p:tag name="TIMING" val="|1.8"/>
 </p:tagLst>
 </file>
 
 <file path=ppt/tags/tag7.xml><?xml version="1.0" encoding="utf-8"?>
-<p:tagLst xmlns:a="http://schemas.openxmlformats.org/drawingml/2006/main" xmlns:r="http://schemas.openxmlformats.org/officeDocument/2006/relationships" xmlns:p="http://schemas.openxmlformats.org/presentationml/2006/main">
+<p:tagLst xmlns:p="http://schemas.openxmlformats.org/presentationml/2006/main">
   <p:tag name="TIMING" val="|1.8"/>
 </p:tagLst>
 </file>
 
 <file path=ppt/tags/tag8.xml><?xml version="1.0" encoding="utf-8"?>
-<p:tagLst xmlns:a="http://schemas.openxmlformats.org/drawingml/2006/main" xmlns:r="http://schemas.openxmlformats.org/officeDocument/2006/relationships" xmlns:p="http://schemas.openxmlformats.org/presentationml/2006/main">
+<p:tagLst xmlns:p="http://schemas.openxmlformats.org/presentationml/2006/main">
   <p:tag name="TIMING" val="|1.8"/>
 </p:tagLst>
 </file>
 
 <file path=ppt/tags/tag9.xml><?xml version="1.0" encoding="utf-8"?>
-<p:tagLst xmlns:a="http://schemas.openxmlformats.org/drawingml/2006/main" xmlns:r="http://schemas.openxmlformats.org/officeDocument/2006/relationships" xmlns:p="http://schemas.openxmlformats.org/presentationml/2006/main">
+<p:tagLst xmlns:p="http://schemas.openxmlformats.org/presentationml/2006/main">
   <p:tag name="TIMING" val="|1.8"/>
 </p:tagLst>
 </file>
@@ -23388,7 +22873,7 @@
     </a:clrScheme>
     <a:fontScheme name="Office">
       <a:majorFont>
-        <a:latin typeface="Calibri Light" panose="020F0302020204030204"/>
+        <a:latin typeface="Calibri Light"/>
         <a:ea typeface=""/>
         <a:cs typeface=""/>
         <a:font script="Jpan" typeface="ＭＳ Ｐゴシック"/>
@@ -23423,7 +22908,7 @@
         <a:font script="Geor" typeface="Sylfaen"/>
       </a:majorFont>
       <a:minorFont>
-        <a:latin typeface="Calibri" panose="020F0502020204030204"/>
+        <a:latin typeface="Calibri"/>
         <a:ea typeface=""/>
         <a:cs typeface=""/>
         <a:font script="Jpan" typeface="ＭＳ Ｐゴシック"/>
@@ -23596,8 +23081,6 @@
       </a:bgFillStyleLst>
     </a:fmtScheme>
   </a:themeElements>
-  <a:objectDefaults/>
-  <a:extraClrSchemeLst/>
   <a:extLst>
     <a:ext uri="{05A4C25C-085E-4340-85A3-A5531E510DB2}">
       <thm15:themeFamily xmlns:thm15="http://schemas.microsoft.com/office/thememl/2012/main" name="Office Theme" id="{62F939B6-93AF-4DB8-9C6B-D6C7DFDC589F}" vid="{4A3C46E8-61CC-4603-A589-7422A47A8E4A}"/>
@@ -23649,7 +23132,7 @@
     </a:clrScheme>
     <a:fontScheme name="Office">
       <a:majorFont>
-        <a:latin typeface="Calibri Light" panose="020F0302020204030204"/>
+        <a:latin typeface="Calibri Light"/>
         <a:ea typeface=""/>
         <a:cs typeface=""/>
         <a:font script="Jpan" typeface="ＭＳ Ｐゴシック"/>
@@ -23684,7 +23167,7 @@
         <a:font script="Geor" typeface="Sylfaen"/>
       </a:majorFont>
       <a:minorFont>
-        <a:latin typeface="Calibri" panose="020F0502020204030204"/>
+        <a:latin typeface="Calibri"/>
         <a:ea typeface=""/>
         <a:cs typeface=""/>
         <a:font script="Jpan" typeface="ＭＳ Ｐゴシック"/>
@@ -23857,8 +23340,6 @@
       </a:bgFillStyleLst>
     </a:fmtScheme>
   </a:themeElements>
-  <a:objectDefaults/>
-  <a:extraClrSchemeLst/>
   <a:extLst>
     <a:ext uri="{05A4C25C-085E-4340-85A3-A5531E510DB2}">
       <thm15:themeFamily xmlns:thm15="http://schemas.microsoft.com/office/thememl/2012/main" name="Office Theme" id="{62F939B6-93AF-4DB8-9C6B-D6C7DFDC589F}" vid="{4A3C46E8-61CC-4603-A589-7422A47A8E4A}"/>
